--- a/Presentazione/Atsilo2/Parisi/Atsilo_M_Parisi.pptx
+++ b/Presentazione/Atsilo2/Parisi/Atsilo_M_Parisi.pptx
@@ -5,20 +5,22 @@
     <p:sldMasterId id="2147483684" r:id="rId1"/>
   </p:sldMasterIdLst>
   <p:notesMasterIdLst>
-    <p:notesMasterId r:id="rId13"/>
+    <p:notesMasterId r:id="rId15"/>
   </p:notesMasterIdLst>
   <p:sldIdLst>
     <p:sldId id="256" r:id="rId2"/>
     <p:sldId id="258" r:id="rId3"/>
-    <p:sldId id="265" r:id="rId4"/>
+    <p:sldId id="269" r:id="rId4"/>
     <p:sldId id="266" r:id="rId5"/>
-    <p:sldId id="267" r:id="rId6"/>
-    <p:sldId id="268" r:id="rId7"/>
-    <p:sldId id="261" r:id="rId8"/>
-    <p:sldId id="264" r:id="rId9"/>
-    <p:sldId id="263" r:id="rId10"/>
+    <p:sldId id="263" r:id="rId6"/>
+    <p:sldId id="273" r:id="rId7"/>
+    <p:sldId id="267" r:id="rId8"/>
+    <p:sldId id="270" r:id="rId9"/>
+    <p:sldId id="274" r:id="rId10"/>
     <p:sldId id="262" r:id="rId11"/>
-    <p:sldId id="260" r:id="rId12"/>
+    <p:sldId id="261" r:id="rId12"/>
+    <p:sldId id="264" r:id="rId13"/>
+    <p:sldId id="260" r:id="rId14"/>
   </p:sldIdLst>
   <p:sldSz cx="9144000" cy="6858000" type="screen4x3"/>
   <p:notesSz cx="6858000" cy="9144000"/>
@@ -202,7 +204,7 @@
           <a:p>
             <a:fld id="{38D78F4D-402C-46E0-A4BB-DF91EA86B14C}" type="datetimeFigureOut">
               <a:rPr lang="it-IT" smtClean="0"/>
-              <a:t>28/12/2012</a:t>
+              <a:t>30/12/2012</a:t>
             </a:fld>
             <a:endParaRPr lang="it-IT"/>
           </a:p>
@@ -635,7 +637,7 @@
           <a:p>
             <a:fld id="{63CABBC0-75E4-43BB-A6A6-84C2A96BDB82}" type="datetimeFigureOut">
               <a:rPr lang="it-IT" smtClean="0"/>
-              <a:t>28/12/2012</a:t>
+              <a:t>30/12/2012</a:t>
             </a:fld>
             <a:endParaRPr lang="it-IT"/>
           </a:p>
@@ -815,7 +817,7 @@
           <a:p>
             <a:fld id="{63CABBC0-75E4-43BB-A6A6-84C2A96BDB82}" type="datetimeFigureOut">
               <a:rPr lang="it-IT" smtClean="0"/>
-              <a:t>28/12/2012</a:t>
+              <a:t>30/12/2012</a:t>
             </a:fld>
             <a:endParaRPr lang="it-IT"/>
           </a:p>
@@ -1005,7 +1007,7 @@
           <a:p>
             <a:fld id="{63CABBC0-75E4-43BB-A6A6-84C2A96BDB82}" type="datetimeFigureOut">
               <a:rPr lang="it-IT" smtClean="0"/>
-              <a:t>28/12/2012</a:t>
+              <a:t>30/12/2012</a:t>
             </a:fld>
             <a:endParaRPr lang="it-IT"/>
           </a:p>
@@ -1185,7 +1187,7 @@
           <a:p>
             <a:fld id="{63CABBC0-75E4-43BB-A6A6-84C2A96BDB82}" type="datetimeFigureOut">
               <a:rPr lang="it-IT" smtClean="0"/>
-              <a:t>28/12/2012</a:t>
+              <a:t>30/12/2012</a:t>
             </a:fld>
             <a:endParaRPr lang="it-IT"/>
           </a:p>
@@ -1426,7 +1428,7 @@
           <a:p>
             <a:fld id="{63CABBC0-75E4-43BB-A6A6-84C2A96BDB82}" type="datetimeFigureOut">
               <a:rPr lang="it-IT" smtClean="0"/>
-              <a:t>28/12/2012</a:t>
+              <a:t>30/12/2012</a:t>
             </a:fld>
             <a:endParaRPr lang="it-IT"/>
           </a:p>
@@ -1705,7 +1707,7 @@
           <a:p>
             <a:fld id="{63CABBC0-75E4-43BB-A6A6-84C2A96BDB82}" type="datetimeFigureOut">
               <a:rPr lang="it-IT" smtClean="0"/>
-              <a:t>28/12/2012</a:t>
+              <a:t>30/12/2012</a:t>
             </a:fld>
             <a:endParaRPr lang="it-IT"/>
           </a:p>
@@ -2094,7 +2096,7 @@
           <a:p>
             <a:fld id="{63CABBC0-75E4-43BB-A6A6-84C2A96BDB82}" type="datetimeFigureOut">
               <a:rPr lang="it-IT" smtClean="0"/>
-              <a:t>28/12/2012</a:t>
+              <a:t>30/12/2012</a:t>
             </a:fld>
             <a:endParaRPr lang="it-IT"/>
           </a:p>
@@ -2251,7 +2253,7 @@
           <a:p>
             <a:fld id="{63CABBC0-75E4-43BB-A6A6-84C2A96BDB82}" type="datetimeFigureOut">
               <a:rPr lang="it-IT" smtClean="0"/>
-              <a:t>28/12/2012</a:t>
+              <a:t>30/12/2012</a:t>
             </a:fld>
             <a:endParaRPr lang="it-IT"/>
           </a:p>
@@ -2348,7 +2350,7 @@
           <a:p>
             <a:fld id="{63CABBC0-75E4-43BB-A6A6-84C2A96BDB82}" type="datetimeFigureOut">
               <a:rPr lang="it-IT" smtClean="0"/>
-              <a:t>28/12/2012</a:t>
+              <a:t>30/12/2012</a:t>
             </a:fld>
             <a:endParaRPr lang="it-IT"/>
           </a:p>
@@ -2616,7 +2618,7 @@
           <a:p>
             <a:fld id="{63CABBC0-75E4-43BB-A6A6-84C2A96BDB82}" type="datetimeFigureOut">
               <a:rPr lang="it-IT" smtClean="0"/>
-              <a:t>28/12/2012</a:t>
+              <a:t>30/12/2012</a:t>
             </a:fld>
             <a:endParaRPr lang="it-IT"/>
           </a:p>
@@ -2911,7 +2913,7 @@
           <a:p>
             <a:fld id="{63CABBC0-75E4-43BB-A6A6-84C2A96BDB82}" type="datetimeFigureOut">
               <a:rPr lang="it-IT" smtClean="0"/>
-              <a:t>28/12/2012</a:t>
+              <a:t>30/12/2012</a:t>
             </a:fld>
             <a:endParaRPr lang="it-IT"/>
           </a:p>
@@ -3689,7 +3691,7 @@
           <a:p>
             <a:fld id="{63CABBC0-75E4-43BB-A6A6-84C2A96BDB82}" type="datetimeFigureOut">
               <a:rPr lang="it-IT" smtClean="0"/>
-              <a:t>28/12/2012</a:t>
+              <a:t>30/12/2012</a:t>
             </a:fld>
             <a:endParaRPr lang="it-IT"/>
           </a:p>
@@ -4378,7 +4380,7 @@
         </p:nvGraphicFramePr>
         <p:xfrm>
           <a:off x="29313" y="5042215"/>
-          <a:ext cx="2051720" cy="1815785"/>
+          <a:ext cx="2051720" cy="1981200"/>
         </p:xfrm>
         <a:graphic>
           <a:graphicData uri="http://schemas.openxmlformats.org/drawingml/2006/table">
@@ -4549,7 +4551,7 @@
         </p:nvGraphicFramePr>
         <p:xfrm>
           <a:off x="7092280" y="6060793"/>
-          <a:ext cx="2051720" cy="726314"/>
+          <a:ext cx="2051720" cy="792480"/>
         </p:xfrm>
         <a:graphic>
           <a:graphicData uri="http://schemas.openxmlformats.org/drawingml/2006/table">
@@ -4813,700 +4815,6 @@
           <a:chExt cx="0" cy="0"/>
         </a:xfrm>
       </p:grpSpPr>
-      <p:pic>
-        <p:nvPicPr>
-          <p:cNvPr id="1026" name="Picture 2" descr="C:\Users\Marko\Desktop\Documenti presentazione\SD_PagamentiMod.png"/>
-          <p:cNvPicPr>
-            <a:picLocks noChangeAspect="1" noChangeArrowheads="1"/>
-          </p:cNvPicPr>
-          <p:nvPr/>
-        </p:nvPicPr>
-        <p:blipFill>
-          <a:blip r:embed="rId2">
-            <a:extLst>
-              <a:ext uri="{28A0092B-C50C-407E-A947-70E740481C1C}">
-                <a14:useLocalDpi xmlns:a14="http://schemas.microsoft.com/office/drawing/2010/main" val="0"/>
-              </a:ext>
-            </a:extLst>
-          </a:blip>
-          <a:srcRect/>
-          <a:stretch>
-            <a:fillRect/>
-          </a:stretch>
-        </p:blipFill>
-        <p:spPr bwMode="auto">
-          <a:xfrm>
-            <a:off x="0" y="1628800"/>
-            <a:ext cx="9131072" cy="4896544"/>
-          </a:xfrm>
-          <a:prstGeom prst="rect">
-            <a:avLst/>
-          </a:prstGeom>
-          <a:noFill/>
-          <a:extLst>
-            <a:ext uri="{909E8E84-426E-40DD-AFC4-6F175D3DCCD1}">
-              <a14:hiddenFill xmlns:a14="http://schemas.microsoft.com/office/drawing/2010/main">
-                <a:solidFill>
-                  <a:srgbClr val="FFFFFF"/>
-                </a:solidFill>
-              </a14:hiddenFill>
-            </a:ext>
-          </a:extLst>
-        </p:spPr>
-      </p:pic>
-      <p:sp>
-        <p:nvSpPr>
-          <p:cNvPr id="3" name="CasellaDiTesto 2"/>
-          <p:cNvSpPr txBox="1"/>
-          <p:nvPr/>
-        </p:nvSpPr>
-        <p:spPr>
-          <a:xfrm>
-            <a:off x="2260241" y="471869"/>
-            <a:ext cx="4938468" cy="1107996"/>
-          </a:xfrm>
-          <a:prstGeom prst="rect">
-            <a:avLst/>
-          </a:prstGeom>
-          <a:noFill/>
-        </p:spPr>
-        <p:txBody>
-          <a:bodyPr wrap="none" rtlCol="0">
-            <a:spAutoFit/>
-          </a:bodyPr>
-          <a:lstStyle/>
-          <a:p>
-            <a:pPr algn="ctr"/>
-            <a:r>
-              <a:rPr lang="it-IT" sz="4800" b="1" dirty="0" smtClean="0">
-                <a:latin typeface="+mj-lt"/>
-              </a:rPr>
-              <a:t>Sequence Diagram</a:t>
-            </a:r>
-          </a:p>
-          <a:p>
-            <a:pPr algn="ctr"/>
-            <a:endParaRPr lang="it-IT" dirty="0">
-              <a:latin typeface="+mj-lt"/>
-            </a:endParaRPr>
-          </a:p>
-        </p:txBody>
-      </p:sp>
-    </p:spTree>
-    <p:extLst>
-      <p:ext uri="{BB962C8B-B14F-4D97-AF65-F5344CB8AC3E}">
-        <p14:creationId xmlns:p14="http://schemas.microsoft.com/office/powerpoint/2010/main" val="2424786554"/>
-      </p:ext>
-    </p:extLst>
-  </p:cSld>
-  <p:clrMapOvr>
-    <a:masterClrMapping/>
-  </p:clrMapOvr>
-</p:sld>
-</file>
-
-<file path=ppt/slides/slide2.xml><?xml version="1.0" encoding="utf-8"?>
-<p:sld xmlns:a="http://schemas.openxmlformats.org/drawingml/2006/main" xmlns:r="http://schemas.openxmlformats.org/officeDocument/2006/relationships" xmlns:p="http://schemas.openxmlformats.org/presentationml/2006/main">
-  <p:cSld>
-    <p:spTree>
-      <p:nvGrpSpPr>
-        <p:cNvPr id="1" name=""/>
-        <p:cNvGrpSpPr/>
-        <p:nvPr/>
-      </p:nvGrpSpPr>
-      <p:grpSpPr>
-        <a:xfrm>
-          <a:off x="0" y="0"/>
-          <a:ext cx="0" cy="0"/>
-          <a:chOff x="0" y="0"/>
-          <a:chExt cx="0" cy="0"/>
-        </a:xfrm>
-      </p:grpSpPr>
-      <p:sp>
-        <p:nvSpPr>
-          <p:cNvPr id="2" name="CasellaDiTesto 1"/>
-          <p:cNvSpPr txBox="1"/>
-          <p:nvPr/>
-        </p:nvSpPr>
-        <p:spPr>
-          <a:xfrm>
-            <a:off x="3214701" y="476672"/>
-            <a:ext cx="3029548" cy="1538883"/>
-          </a:xfrm>
-          <a:prstGeom prst="rect">
-            <a:avLst/>
-          </a:prstGeom>
-          <a:noFill/>
-        </p:spPr>
-        <p:txBody>
-          <a:bodyPr wrap="none" rtlCol="0">
-            <a:spAutoFit/>
-          </a:bodyPr>
-          <a:lstStyle/>
-          <a:p>
-            <a:pPr algn="ctr"/>
-            <a:r>
-              <a:rPr lang="it-IT" sz="4800" b="1" dirty="0" smtClean="0">
-                <a:latin typeface="+mj-lt"/>
-              </a:rPr>
-              <a:t>Pagamenti</a:t>
-            </a:r>
-          </a:p>
-          <a:p>
-            <a:pPr algn="ctr"/>
-            <a:r>
-              <a:rPr lang="it-IT" sz="2800" b="1" dirty="0" smtClean="0">
-                <a:latin typeface="+mj-lt"/>
-              </a:rPr>
-              <a:t>Requisiti funzionali</a:t>
-            </a:r>
-          </a:p>
-          <a:p>
-            <a:pPr algn="ctr"/>
-            <a:endParaRPr lang="it-IT" dirty="0">
-              <a:latin typeface="+mj-lt"/>
-            </a:endParaRPr>
-          </a:p>
-        </p:txBody>
-      </p:sp>
-      <p:sp>
-        <p:nvSpPr>
-          <p:cNvPr id="11" name="CasellaDiTesto 10"/>
-          <p:cNvSpPr txBox="1"/>
-          <p:nvPr/>
-        </p:nvSpPr>
-        <p:spPr>
-          <a:xfrm>
-            <a:off x="179512" y="1772816"/>
-            <a:ext cx="8846589" cy="4801314"/>
-          </a:xfrm>
-          <a:prstGeom prst="rect">
-            <a:avLst/>
-          </a:prstGeom>
-          <a:noFill/>
-        </p:spPr>
-        <p:txBody>
-          <a:bodyPr wrap="none" rtlCol="0">
-            <a:spAutoFit/>
-          </a:bodyPr>
-          <a:lstStyle/>
-          <a:p>
-            <a:endParaRPr lang="it-IT" dirty="0">
-              <a:solidFill>
-                <a:srgbClr val="FF0000"/>
-              </a:solidFill>
-            </a:endParaRPr>
-          </a:p>
-          <a:p>
-            <a:r>
-              <a:rPr lang="it-IT" b="1" dirty="0" smtClean="0"/>
-              <a:t>RF_M_1  </a:t>
-            </a:r>
-            <a:r>
-              <a:rPr lang="it-IT" b="1" dirty="0"/>
-              <a:t>lo</a:t>
-            </a:r>
-            <a:r>
-              <a:rPr lang="it-IT" dirty="0"/>
-              <a:t> </a:t>
-            </a:r>
-            <a:r>
-              <a:rPr lang="it-IT" b="1" dirty="0"/>
-              <a:t>stato dei pagamenti delle rette previste</a:t>
-            </a:r>
-            <a:endParaRPr lang="it-IT" dirty="0"/>
-          </a:p>
-          <a:p>
-            <a:pPr lvl="1"/>
-            <a:endParaRPr lang="it-IT" b="1" dirty="0" smtClean="0"/>
-          </a:p>
-          <a:p>
-            <a:pPr lvl="1"/>
-            <a:r>
-              <a:rPr lang="it-IT" b="1" dirty="0" smtClean="0"/>
-              <a:t>RF_M_1.1	</a:t>
-            </a:r>
-            <a:r>
-              <a:rPr lang="it-IT" dirty="0" smtClean="0"/>
-              <a:t>Possono </a:t>
-            </a:r>
-            <a:r>
-              <a:rPr lang="it-IT" dirty="0"/>
-              <a:t>essere visionati tutti gli iscritti che non hanno ancora </a:t>
-            </a:r>
-            <a:endParaRPr lang="it-IT" dirty="0" smtClean="0"/>
-          </a:p>
-          <a:p>
-            <a:pPr lvl="1"/>
-            <a:r>
-              <a:rPr lang="it-IT" dirty="0" smtClean="0"/>
-              <a:t>		provveduto </a:t>
-            </a:r>
-            <a:r>
-              <a:rPr lang="it-IT" dirty="0"/>
-              <a:t>al pagamento con </a:t>
-            </a:r>
-            <a:r>
-              <a:rPr lang="it-IT" dirty="0" smtClean="0"/>
-              <a:t>l'eventualità di aggiunta di una </a:t>
-            </a:r>
-          </a:p>
-          <a:p>
-            <a:pPr lvl="1"/>
-            <a:r>
-              <a:rPr lang="it-IT" dirty="0"/>
-              <a:t>	</a:t>
-            </a:r>
-            <a:r>
-              <a:rPr lang="it-IT" dirty="0" smtClean="0"/>
-              <a:t>	mail di promemoria;</a:t>
-            </a:r>
-          </a:p>
-          <a:p>
-            <a:endParaRPr lang="it-IT" dirty="0"/>
-          </a:p>
-          <a:p>
-            <a:pPr lvl="1"/>
-            <a:r>
-              <a:rPr lang="it-IT" b="1" dirty="0" smtClean="0"/>
-              <a:t>RF_M_1.2	</a:t>
-            </a:r>
-            <a:r>
-              <a:rPr lang="it-IT" dirty="0" smtClean="0"/>
-              <a:t>Possibilità </a:t>
-            </a:r>
-            <a:r>
-              <a:rPr lang="it-IT" dirty="0"/>
-              <a:t>di fatturare i pagamenti mensili con </a:t>
-            </a:r>
-            <a:r>
-              <a:rPr lang="it-IT" dirty="0" smtClean="0"/>
-              <a:t>l'eventualità di </a:t>
-            </a:r>
-          </a:p>
-          <a:p>
-            <a:pPr lvl="1"/>
-            <a:r>
-              <a:rPr lang="it-IT" dirty="0"/>
-              <a:t>	</a:t>
-            </a:r>
-            <a:r>
-              <a:rPr lang="it-IT" dirty="0" smtClean="0"/>
-              <a:t>	aggiunta di una mail di promemoria;</a:t>
-            </a:r>
-          </a:p>
-          <a:p>
-            <a:endParaRPr lang="it-IT" dirty="0"/>
-          </a:p>
-          <a:p>
-            <a:pPr lvl="1"/>
-            <a:r>
-              <a:rPr lang="it-IT" b="1" dirty="0" smtClean="0"/>
-              <a:t>RF_M_1.3	</a:t>
-            </a:r>
-            <a:r>
-              <a:rPr lang="it-IT" dirty="0" smtClean="0"/>
-              <a:t>I </a:t>
-            </a:r>
-            <a:r>
-              <a:rPr lang="it-IT" dirty="0"/>
-              <a:t>Genitori possono </a:t>
-            </a:r>
-            <a:r>
-              <a:rPr lang="it-IT" dirty="0" smtClean="0"/>
-              <a:t>visionare lo storico dei pagamenti effettuati;</a:t>
-            </a:r>
-          </a:p>
-          <a:p>
-            <a:endParaRPr lang="it-IT" dirty="0"/>
-          </a:p>
-          <a:p>
-            <a:pPr lvl="1"/>
-            <a:r>
-              <a:rPr lang="it-IT" b="1" dirty="0" smtClean="0"/>
-              <a:t>RF_M_1.4	</a:t>
-            </a:r>
-            <a:r>
-              <a:rPr lang="it-IT" dirty="0"/>
-              <a:t>A</a:t>
-            </a:r>
-            <a:r>
-              <a:rPr lang="it-IT" dirty="0" smtClean="0"/>
-              <a:t>utomatizzare </a:t>
-            </a:r>
-            <a:r>
-              <a:rPr lang="it-IT" dirty="0"/>
-              <a:t>la gestione delle rette per il servizio </a:t>
-            </a:r>
-            <a:r>
-              <a:rPr lang="it-IT" dirty="0" smtClean="0"/>
-              <a:t>e permettere </a:t>
-            </a:r>
-          </a:p>
-          <a:p>
-            <a:pPr lvl="1"/>
-            <a:r>
-              <a:rPr lang="it-IT" dirty="0"/>
-              <a:t>	</a:t>
-            </a:r>
-            <a:r>
-              <a:rPr lang="it-IT" dirty="0" smtClean="0"/>
-              <a:t>	la personalizzazione delle rette da parte del direttore dell'asilo</a:t>
-            </a:r>
-          </a:p>
-          <a:p>
-            <a:endParaRPr lang="it-IT" dirty="0"/>
-          </a:p>
-          <a:p>
-            <a:pPr lvl="1"/>
-            <a:r>
-              <a:rPr lang="it-IT" b="1" dirty="0" smtClean="0"/>
-              <a:t>RF_M_1.5	</a:t>
-            </a:r>
-            <a:r>
-              <a:rPr lang="it-IT" dirty="0" smtClean="0"/>
-              <a:t>Possibilità </a:t>
-            </a:r>
-            <a:r>
-              <a:rPr lang="it-IT" dirty="0"/>
-              <a:t>di modificare manualmente la registrazione di un pagamento; </a:t>
-            </a:r>
-          </a:p>
-          <a:p>
-            <a:pPr lvl="1"/>
-            <a:endParaRPr lang="it-IT" dirty="0"/>
-          </a:p>
-        </p:txBody>
-      </p:sp>
-    </p:spTree>
-    <p:extLst>
-      <p:ext uri="{BB962C8B-B14F-4D97-AF65-F5344CB8AC3E}">
-        <p14:creationId xmlns:p14="http://schemas.microsoft.com/office/powerpoint/2010/main" val="155874689"/>
-      </p:ext>
-    </p:extLst>
-  </p:cSld>
-  <p:clrMapOvr>
-    <a:masterClrMapping/>
-  </p:clrMapOvr>
-  <mc:AlternateContent xmlns:mc="http://schemas.openxmlformats.org/markup-compatibility/2006" xmlns:p14="http://schemas.microsoft.com/office/powerpoint/2010/main">
-    <mc:Choice Requires="p14">
-      <p:transition spd="slow" p14:dur="2000"/>
-    </mc:Choice>
-    <mc:Fallback xmlns="">
-      <p:transition spd="slow"/>
-    </mc:Fallback>
-  </mc:AlternateContent>
-  <p:timing>
-    <p:tnLst>
-      <p:par>
-        <p:cTn id="1" dur="indefinite" restart="never" nodeType="tmRoot"/>
-      </p:par>
-    </p:tnLst>
-  </p:timing>
-</p:sld>
-</file>
-
-<file path=ppt/slides/slide3.xml><?xml version="1.0" encoding="utf-8"?>
-<p:sld xmlns:a="http://schemas.openxmlformats.org/drawingml/2006/main" xmlns:r="http://schemas.openxmlformats.org/officeDocument/2006/relationships" xmlns:p="http://schemas.openxmlformats.org/presentationml/2006/main">
-  <p:cSld>
-    <p:spTree>
-      <p:nvGrpSpPr>
-        <p:cNvPr id="1" name=""/>
-        <p:cNvGrpSpPr/>
-        <p:nvPr/>
-      </p:nvGrpSpPr>
-      <p:grpSpPr>
-        <a:xfrm>
-          <a:off x="0" y="0"/>
-          <a:ext cx="0" cy="0"/>
-          <a:chOff x="0" y="0"/>
-          <a:chExt cx="0" cy="0"/>
-        </a:xfrm>
-      </p:grpSpPr>
-      <p:sp>
-        <p:nvSpPr>
-          <p:cNvPr id="2" name="CasellaDiTesto 1"/>
-          <p:cNvSpPr txBox="1"/>
-          <p:nvPr/>
-        </p:nvSpPr>
-        <p:spPr>
-          <a:xfrm>
-            <a:off x="455561" y="476672"/>
-            <a:ext cx="8547854" cy="830997"/>
-          </a:xfrm>
-          <a:prstGeom prst="rect">
-            <a:avLst/>
-          </a:prstGeom>
-          <a:noFill/>
-        </p:spPr>
-        <p:txBody>
-          <a:bodyPr wrap="none" rtlCol="0">
-            <a:spAutoFit/>
-          </a:bodyPr>
-          <a:lstStyle/>
-          <a:p>
-            <a:pPr algn="ctr"/>
-            <a:r>
-              <a:rPr lang="it-IT" sz="2400" b="1" dirty="0" smtClean="0">
-                <a:latin typeface="+mj-lt"/>
-              </a:rPr>
-              <a:t>Conflitti tra gruppi per assegnazione della gestione dei pagamenti</a:t>
-            </a:r>
-            <a:endParaRPr lang="it-IT" sz="2400" b="1" dirty="0" smtClean="0">
-              <a:latin typeface="+mj-lt"/>
-            </a:endParaRPr>
-          </a:p>
-          <a:p>
-            <a:pPr algn="ctr"/>
-            <a:endParaRPr lang="it-IT" sz="2400" dirty="0">
-              <a:latin typeface="+mj-lt"/>
-            </a:endParaRPr>
-          </a:p>
-        </p:txBody>
-      </p:sp>
-    </p:spTree>
-    <p:extLst>
-      <p:ext uri="{BB962C8B-B14F-4D97-AF65-F5344CB8AC3E}">
-        <p14:creationId xmlns:p14="http://schemas.microsoft.com/office/powerpoint/2010/main" val="3633373267"/>
-      </p:ext>
-    </p:extLst>
-  </p:cSld>
-  <p:clrMapOvr>
-    <a:masterClrMapping/>
-  </p:clrMapOvr>
-</p:sld>
-</file>
-
-<file path=ppt/slides/slide4.xml><?xml version="1.0" encoding="utf-8"?>
-<p:sld xmlns:a="http://schemas.openxmlformats.org/drawingml/2006/main" xmlns:r="http://schemas.openxmlformats.org/officeDocument/2006/relationships" xmlns:p="http://schemas.openxmlformats.org/presentationml/2006/main">
-  <p:cSld>
-    <p:spTree>
-      <p:nvGrpSpPr>
-        <p:cNvPr id="1" name=""/>
-        <p:cNvGrpSpPr/>
-        <p:nvPr/>
-      </p:nvGrpSpPr>
-      <p:grpSpPr>
-        <a:xfrm>
-          <a:off x="0" y="0"/>
-          <a:ext cx="0" cy="0"/>
-          <a:chOff x="0" y="0"/>
-          <a:chExt cx="0" cy="0"/>
-        </a:xfrm>
-      </p:grpSpPr>
-      <p:sp>
-        <p:nvSpPr>
-          <p:cNvPr id="2" name="CasellaDiTesto 1"/>
-          <p:cNvSpPr txBox="1"/>
-          <p:nvPr/>
-        </p:nvSpPr>
-        <p:spPr>
-          <a:xfrm>
-            <a:off x="3512781" y="476672"/>
-            <a:ext cx="2433423" cy="830997"/>
-          </a:xfrm>
-          <a:prstGeom prst="rect">
-            <a:avLst/>
-          </a:prstGeom>
-          <a:noFill/>
-        </p:spPr>
-        <p:txBody>
-          <a:bodyPr wrap="none" rtlCol="0">
-            <a:spAutoFit/>
-          </a:bodyPr>
-          <a:lstStyle/>
-          <a:p>
-            <a:pPr algn="ctr"/>
-            <a:r>
-              <a:rPr lang="it-IT" sz="2400" b="1" dirty="0" smtClean="0">
-                <a:latin typeface="+mj-lt"/>
-              </a:rPr>
-              <a:t>Team M vs Bando</a:t>
-            </a:r>
-            <a:endParaRPr lang="it-IT" sz="2400" b="1" dirty="0" smtClean="0">
-              <a:latin typeface="+mj-lt"/>
-            </a:endParaRPr>
-          </a:p>
-          <a:p>
-            <a:pPr algn="ctr"/>
-            <a:endParaRPr lang="it-IT" sz="2400" dirty="0">
-              <a:latin typeface="+mj-lt"/>
-            </a:endParaRPr>
-          </a:p>
-        </p:txBody>
-      </p:sp>
-    </p:spTree>
-    <p:extLst>
-      <p:ext uri="{BB962C8B-B14F-4D97-AF65-F5344CB8AC3E}">
-        <p14:creationId xmlns:p14="http://schemas.microsoft.com/office/powerpoint/2010/main" val="1896188625"/>
-      </p:ext>
-    </p:extLst>
-  </p:cSld>
-  <p:clrMapOvr>
-    <a:masterClrMapping/>
-  </p:clrMapOvr>
-</p:sld>
-</file>
-
-<file path=ppt/slides/slide5.xml><?xml version="1.0" encoding="utf-8"?>
-<p:sld xmlns:a="http://schemas.openxmlformats.org/drawingml/2006/main" xmlns:r="http://schemas.openxmlformats.org/officeDocument/2006/relationships" xmlns:p="http://schemas.openxmlformats.org/presentationml/2006/main">
-  <p:cSld>
-    <p:spTree>
-      <p:nvGrpSpPr>
-        <p:cNvPr id="1" name=""/>
-        <p:cNvGrpSpPr/>
-        <p:nvPr/>
-      </p:nvGrpSpPr>
-      <p:grpSpPr>
-        <a:xfrm>
-          <a:off x="0" y="0"/>
-          <a:ext cx="0" cy="0"/>
-          <a:chOff x="0" y="0"/>
-          <a:chExt cx="0" cy="0"/>
-        </a:xfrm>
-      </p:grpSpPr>
-      <p:sp>
-        <p:nvSpPr>
-          <p:cNvPr id="2" name="CasellaDiTesto 1"/>
-          <p:cNvSpPr txBox="1"/>
-          <p:nvPr/>
-        </p:nvSpPr>
-        <p:spPr>
-          <a:xfrm>
-            <a:off x="2431274" y="476672"/>
-            <a:ext cx="4596451" cy="830997"/>
-          </a:xfrm>
-          <a:prstGeom prst="rect">
-            <a:avLst/>
-          </a:prstGeom>
-          <a:noFill/>
-        </p:spPr>
-        <p:txBody>
-          <a:bodyPr wrap="none" rtlCol="0">
-            <a:spAutoFit/>
-          </a:bodyPr>
-          <a:lstStyle/>
-          <a:p>
-            <a:pPr algn="ctr"/>
-            <a:r>
-              <a:rPr lang="it-IT" sz="2400" b="1" dirty="0" smtClean="0">
-                <a:latin typeface="+mj-lt"/>
-              </a:rPr>
-              <a:t>Problemi nella gestione degli extra</a:t>
-            </a:r>
-            <a:endParaRPr lang="it-IT" sz="2400" b="1" dirty="0" smtClean="0">
-              <a:latin typeface="+mj-lt"/>
-            </a:endParaRPr>
-          </a:p>
-          <a:p>
-            <a:pPr algn="ctr"/>
-            <a:endParaRPr lang="it-IT" sz="2400" dirty="0">
-              <a:latin typeface="+mj-lt"/>
-            </a:endParaRPr>
-          </a:p>
-        </p:txBody>
-      </p:sp>
-    </p:spTree>
-    <p:extLst>
-      <p:ext uri="{BB962C8B-B14F-4D97-AF65-F5344CB8AC3E}">
-        <p14:creationId xmlns:p14="http://schemas.microsoft.com/office/powerpoint/2010/main" val="1431001417"/>
-      </p:ext>
-    </p:extLst>
-  </p:cSld>
-  <p:clrMapOvr>
-    <a:masterClrMapping/>
-  </p:clrMapOvr>
-</p:sld>
-</file>
-
-<file path=ppt/slides/slide6.xml><?xml version="1.0" encoding="utf-8"?>
-<p:sld xmlns:a="http://schemas.openxmlformats.org/drawingml/2006/main" xmlns:r="http://schemas.openxmlformats.org/officeDocument/2006/relationships" xmlns:p="http://schemas.openxmlformats.org/presentationml/2006/main">
-  <p:cSld>
-    <p:spTree>
-      <p:nvGrpSpPr>
-        <p:cNvPr id="1" name=""/>
-        <p:cNvGrpSpPr/>
-        <p:nvPr/>
-      </p:nvGrpSpPr>
-      <p:grpSpPr>
-        <a:xfrm>
-          <a:off x="0" y="0"/>
-          <a:ext cx="0" cy="0"/>
-          <a:chOff x="0" y="0"/>
-          <a:chExt cx="0" cy="0"/>
-        </a:xfrm>
-      </p:grpSpPr>
-      <p:sp>
-        <p:nvSpPr>
-          <p:cNvPr id="2" name="CasellaDiTesto 1"/>
-          <p:cNvSpPr txBox="1"/>
-          <p:nvPr/>
-        </p:nvSpPr>
-        <p:spPr>
-          <a:xfrm>
-            <a:off x="3144647" y="476672"/>
-            <a:ext cx="3169715" cy="830997"/>
-          </a:xfrm>
-          <a:prstGeom prst="rect">
-            <a:avLst/>
-          </a:prstGeom>
-          <a:noFill/>
-        </p:spPr>
-        <p:txBody>
-          <a:bodyPr wrap="none" rtlCol="0">
-            <a:spAutoFit/>
-          </a:bodyPr>
-          <a:lstStyle/>
-          <a:p>
-            <a:pPr algn="ctr"/>
-            <a:r>
-              <a:rPr lang="it-IT" sz="2400" b="1" dirty="0" smtClean="0">
-                <a:latin typeface="+mj-lt"/>
-              </a:rPr>
-              <a:t>Modalità di pagamento</a:t>
-            </a:r>
-            <a:endParaRPr lang="it-IT" sz="2400" b="1" dirty="0" smtClean="0">
-              <a:latin typeface="+mj-lt"/>
-            </a:endParaRPr>
-          </a:p>
-          <a:p>
-            <a:pPr algn="ctr"/>
-            <a:endParaRPr lang="it-IT" sz="2400" dirty="0">
-              <a:latin typeface="+mj-lt"/>
-            </a:endParaRPr>
-          </a:p>
-        </p:txBody>
-      </p:sp>
-    </p:spTree>
-    <p:extLst>
-      <p:ext uri="{BB962C8B-B14F-4D97-AF65-F5344CB8AC3E}">
-        <p14:creationId xmlns:p14="http://schemas.microsoft.com/office/powerpoint/2010/main" val="981876461"/>
-      </p:ext>
-    </p:extLst>
-  </p:cSld>
-  <p:clrMapOvr>
-    <a:masterClrMapping/>
-  </p:clrMapOvr>
-</p:sld>
-</file>
-
-<file path=ppt/slides/slide7.xml><?xml version="1.0" encoding="utf-8"?>
-<p:sld xmlns:a="http://schemas.openxmlformats.org/drawingml/2006/main" xmlns:r="http://schemas.openxmlformats.org/officeDocument/2006/relationships" xmlns:p="http://schemas.openxmlformats.org/presentationml/2006/main">
-  <p:cSld>
-    <p:spTree>
-      <p:nvGrpSpPr>
-        <p:cNvPr id="1" name=""/>
-        <p:cNvGrpSpPr/>
-        <p:nvPr/>
-      </p:nvGrpSpPr>
-      <p:grpSpPr>
-        <a:xfrm>
-          <a:off x="0" y="0"/>
-          <a:ext cx="0" cy="0"/>
-          <a:chOff x="0" y="0"/>
-          <a:chExt cx="0" cy="0"/>
-        </a:xfrm>
-      </p:grpSpPr>
       <p:sp>
         <p:nvSpPr>
           <p:cNvPr id="3" name="CasellaDiTesto 2"/>
@@ -5608,7 +4916,7 @@
 </p:sld>
 </file>
 
-<file path=ppt/slides/slide8.xml><?xml version="1.0" encoding="utf-8"?>
+<file path=ppt/slides/slide12.xml><?xml version="1.0" encoding="utf-8"?>
 <p:sld xmlns:a="http://schemas.openxmlformats.org/drawingml/2006/main" xmlns:r="http://schemas.openxmlformats.org/officeDocument/2006/relationships" xmlns:p="http://schemas.openxmlformats.org/presentationml/2006/main">
   <p:cSld>
     <p:spTree>
@@ -5726,7 +5034,2134 @@
 </p:sld>
 </file>
 
-<file path=ppt/slides/slide9.xml><?xml version="1.0" encoding="utf-8"?>
+<file path=ppt/slides/slide13.xml><?xml version="1.0" encoding="utf-8"?>
+<p:sld xmlns:a="http://schemas.openxmlformats.org/drawingml/2006/main" xmlns:r="http://schemas.openxmlformats.org/officeDocument/2006/relationships" xmlns:p="http://schemas.openxmlformats.org/presentationml/2006/main">
+  <p:cSld>
+    <p:spTree>
+      <p:nvGrpSpPr>
+        <p:cNvPr id="1" name=""/>
+        <p:cNvGrpSpPr/>
+        <p:nvPr/>
+      </p:nvGrpSpPr>
+      <p:grpSpPr>
+        <a:xfrm>
+          <a:off x="0" y="0"/>
+          <a:ext cx="0" cy="0"/>
+          <a:chOff x="0" y="0"/>
+          <a:chExt cx="0" cy="0"/>
+        </a:xfrm>
+      </p:grpSpPr>
+      <p:pic>
+        <p:nvPicPr>
+          <p:cNvPr id="1026" name="Picture 2" descr="C:\Users\Marko\Desktop\Documenti presentazione\SD_PagamentiMod.png"/>
+          <p:cNvPicPr>
+            <a:picLocks noChangeAspect="1" noChangeArrowheads="1"/>
+          </p:cNvPicPr>
+          <p:nvPr/>
+        </p:nvPicPr>
+        <p:blipFill>
+          <a:blip r:embed="rId2">
+            <a:extLst>
+              <a:ext uri="{28A0092B-C50C-407E-A947-70E740481C1C}">
+                <a14:useLocalDpi xmlns:a14="http://schemas.microsoft.com/office/drawing/2010/main" val="0"/>
+              </a:ext>
+            </a:extLst>
+          </a:blip>
+          <a:srcRect/>
+          <a:stretch>
+            <a:fillRect/>
+          </a:stretch>
+        </p:blipFill>
+        <p:spPr bwMode="auto">
+          <a:xfrm>
+            <a:off x="0" y="1628800"/>
+            <a:ext cx="9131072" cy="4896544"/>
+          </a:xfrm>
+          <a:prstGeom prst="rect">
+            <a:avLst/>
+          </a:prstGeom>
+          <a:noFill/>
+          <a:extLst>
+            <a:ext uri="{909E8E84-426E-40DD-AFC4-6F175D3DCCD1}">
+              <a14:hiddenFill xmlns:a14="http://schemas.microsoft.com/office/drawing/2010/main">
+                <a:solidFill>
+                  <a:srgbClr val="FFFFFF"/>
+                </a:solidFill>
+              </a14:hiddenFill>
+            </a:ext>
+          </a:extLst>
+        </p:spPr>
+      </p:pic>
+      <p:sp>
+        <p:nvSpPr>
+          <p:cNvPr id="3" name="CasellaDiTesto 2"/>
+          <p:cNvSpPr txBox="1"/>
+          <p:nvPr/>
+        </p:nvSpPr>
+        <p:spPr>
+          <a:xfrm>
+            <a:off x="2260241" y="471869"/>
+            <a:ext cx="4938468" cy="1107996"/>
+          </a:xfrm>
+          <a:prstGeom prst="rect">
+            <a:avLst/>
+          </a:prstGeom>
+          <a:noFill/>
+        </p:spPr>
+        <p:txBody>
+          <a:bodyPr wrap="none" rtlCol="0">
+            <a:spAutoFit/>
+          </a:bodyPr>
+          <a:lstStyle/>
+          <a:p>
+            <a:pPr algn="ctr"/>
+            <a:r>
+              <a:rPr lang="it-IT" sz="4800" b="1" dirty="0" smtClean="0">
+                <a:latin typeface="+mj-lt"/>
+              </a:rPr>
+              <a:t>Sequence Diagram</a:t>
+            </a:r>
+          </a:p>
+          <a:p>
+            <a:pPr algn="ctr"/>
+            <a:endParaRPr lang="it-IT" dirty="0">
+              <a:latin typeface="+mj-lt"/>
+            </a:endParaRPr>
+          </a:p>
+        </p:txBody>
+      </p:sp>
+    </p:spTree>
+    <p:extLst>
+      <p:ext uri="{BB962C8B-B14F-4D97-AF65-F5344CB8AC3E}">
+        <p14:creationId xmlns:p14="http://schemas.microsoft.com/office/powerpoint/2010/main" val="2424786554"/>
+      </p:ext>
+    </p:extLst>
+  </p:cSld>
+  <p:clrMapOvr>
+    <a:masterClrMapping/>
+  </p:clrMapOvr>
+</p:sld>
+</file>
+
+<file path=ppt/slides/slide2.xml><?xml version="1.0" encoding="utf-8"?>
+<p:sld xmlns:a="http://schemas.openxmlformats.org/drawingml/2006/main" xmlns:r="http://schemas.openxmlformats.org/officeDocument/2006/relationships" xmlns:p="http://schemas.openxmlformats.org/presentationml/2006/main">
+  <p:cSld>
+    <p:spTree>
+      <p:nvGrpSpPr>
+        <p:cNvPr id="1" name=""/>
+        <p:cNvGrpSpPr/>
+        <p:nvPr/>
+      </p:nvGrpSpPr>
+      <p:grpSpPr>
+        <a:xfrm>
+          <a:off x="0" y="0"/>
+          <a:ext cx="0" cy="0"/>
+          <a:chOff x="0" y="0"/>
+          <a:chExt cx="0" cy="0"/>
+        </a:xfrm>
+      </p:grpSpPr>
+      <p:sp>
+        <p:nvSpPr>
+          <p:cNvPr id="2" name="CasellaDiTesto 1"/>
+          <p:cNvSpPr txBox="1"/>
+          <p:nvPr/>
+        </p:nvSpPr>
+        <p:spPr>
+          <a:xfrm>
+            <a:off x="3214701" y="476672"/>
+            <a:ext cx="3029548" cy="1538883"/>
+          </a:xfrm>
+          <a:prstGeom prst="rect">
+            <a:avLst/>
+          </a:prstGeom>
+          <a:noFill/>
+        </p:spPr>
+        <p:txBody>
+          <a:bodyPr wrap="none" rtlCol="0">
+            <a:spAutoFit/>
+          </a:bodyPr>
+          <a:lstStyle/>
+          <a:p>
+            <a:pPr algn="ctr"/>
+            <a:r>
+              <a:rPr lang="it-IT" sz="4800" b="1" dirty="0" smtClean="0">
+                <a:latin typeface="+mj-lt"/>
+              </a:rPr>
+              <a:t>Pagamenti</a:t>
+            </a:r>
+          </a:p>
+          <a:p>
+            <a:pPr algn="ctr"/>
+            <a:r>
+              <a:rPr lang="it-IT" sz="2800" b="1" dirty="0" smtClean="0">
+                <a:latin typeface="+mj-lt"/>
+              </a:rPr>
+              <a:t>Requisiti funzionali</a:t>
+            </a:r>
+          </a:p>
+          <a:p>
+            <a:pPr algn="ctr"/>
+            <a:endParaRPr lang="it-IT" dirty="0">
+              <a:latin typeface="+mj-lt"/>
+            </a:endParaRPr>
+          </a:p>
+        </p:txBody>
+      </p:sp>
+      <p:sp>
+        <p:nvSpPr>
+          <p:cNvPr id="11" name="CasellaDiTesto 10"/>
+          <p:cNvSpPr txBox="1"/>
+          <p:nvPr/>
+        </p:nvSpPr>
+        <p:spPr>
+          <a:xfrm>
+            <a:off x="179512" y="1772816"/>
+            <a:ext cx="8846589" cy="4801314"/>
+          </a:xfrm>
+          <a:prstGeom prst="rect">
+            <a:avLst/>
+          </a:prstGeom>
+          <a:noFill/>
+        </p:spPr>
+        <p:txBody>
+          <a:bodyPr wrap="none" rtlCol="0">
+            <a:spAutoFit/>
+          </a:bodyPr>
+          <a:lstStyle/>
+          <a:p>
+            <a:endParaRPr lang="it-IT" dirty="0">
+              <a:solidFill>
+                <a:srgbClr val="FF0000"/>
+              </a:solidFill>
+            </a:endParaRPr>
+          </a:p>
+          <a:p>
+            <a:r>
+              <a:rPr lang="it-IT" b="1" dirty="0" smtClean="0"/>
+              <a:t>RF_M_1  </a:t>
+            </a:r>
+            <a:r>
+              <a:rPr lang="it-IT" b="1" dirty="0"/>
+              <a:t>lo</a:t>
+            </a:r>
+            <a:r>
+              <a:rPr lang="it-IT" dirty="0"/>
+              <a:t> </a:t>
+            </a:r>
+            <a:r>
+              <a:rPr lang="it-IT" b="1" dirty="0"/>
+              <a:t>stato dei pagamenti delle rette previste</a:t>
+            </a:r>
+            <a:endParaRPr lang="it-IT" dirty="0"/>
+          </a:p>
+          <a:p>
+            <a:pPr lvl="1"/>
+            <a:endParaRPr lang="it-IT" b="1" dirty="0" smtClean="0"/>
+          </a:p>
+          <a:p>
+            <a:pPr lvl="1"/>
+            <a:r>
+              <a:rPr lang="it-IT" b="1" dirty="0" smtClean="0"/>
+              <a:t>RF_M_1.1	</a:t>
+            </a:r>
+            <a:r>
+              <a:rPr lang="it-IT" dirty="0" smtClean="0"/>
+              <a:t>Possono </a:t>
+            </a:r>
+            <a:r>
+              <a:rPr lang="it-IT" dirty="0"/>
+              <a:t>essere visionati tutti gli iscritti che non hanno ancora </a:t>
+            </a:r>
+            <a:endParaRPr lang="it-IT" dirty="0" smtClean="0"/>
+          </a:p>
+          <a:p>
+            <a:pPr lvl="1"/>
+            <a:r>
+              <a:rPr lang="it-IT" dirty="0" smtClean="0"/>
+              <a:t>		provveduto </a:t>
+            </a:r>
+            <a:r>
+              <a:rPr lang="it-IT" dirty="0"/>
+              <a:t>al pagamento con </a:t>
+            </a:r>
+            <a:r>
+              <a:rPr lang="it-IT" dirty="0" smtClean="0"/>
+              <a:t>l'eventualità di aggiunta di una </a:t>
+            </a:r>
+          </a:p>
+          <a:p>
+            <a:pPr lvl="1"/>
+            <a:r>
+              <a:rPr lang="it-IT" dirty="0"/>
+              <a:t>	</a:t>
+            </a:r>
+            <a:r>
+              <a:rPr lang="it-IT" dirty="0" smtClean="0"/>
+              <a:t>	mail di promemoria;</a:t>
+            </a:r>
+          </a:p>
+          <a:p>
+            <a:endParaRPr lang="it-IT" dirty="0"/>
+          </a:p>
+          <a:p>
+            <a:pPr lvl="1"/>
+            <a:r>
+              <a:rPr lang="it-IT" b="1" dirty="0" smtClean="0"/>
+              <a:t>RF_M_1.2	</a:t>
+            </a:r>
+            <a:r>
+              <a:rPr lang="it-IT" dirty="0" smtClean="0"/>
+              <a:t>Possibilità </a:t>
+            </a:r>
+            <a:r>
+              <a:rPr lang="it-IT" dirty="0"/>
+              <a:t>di fatturare i pagamenti mensili con </a:t>
+            </a:r>
+            <a:r>
+              <a:rPr lang="it-IT" dirty="0" smtClean="0"/>
+              <a:t>l'eventualità di </a:t>
+            </a:r>
+          </a:p>
+          <a:p>
+            <a:pPr lvl="1"/>
+            <a:r>
+              <a:rPr lang="it-IT" dirty="0"/>
+              <a:t>	</a:t>
+            </a:r>
+            <a:r>
+              <a:rPr lang="it-IT" dirty="0" smtClean="0"/>
+              <a:t>	aggiunta di una mail di promemoria;</a:t>
+            </a:r>
+          </a:p>
+          <a:p>
+            <a:endParaRPr lang="it-IT" dirty="0"/>
+          </a:p>
+          <a:p>
+            <a:pPr lvl="1"/>
+            <a:r>
+              <a:rPr lang="it-IT" b="1" dirty="0" smtClean="0"/>
+              <a:t>RF_M_1.3	</a:t>
+            </a:r>
+            <a:r>
+              <a:rPr lang="it-IT" dirty="0" smtClean="0"/>
+              <a:t>I </a:t>
+            </a:r>
+            <a:r>
+              <a:rPr lang="it-IT" dirty="0"/>
+              <a:t>Genitori possono </a:t>
+            </a:r>
+            <a:r>
+              <a:rPr lang="it-IT" dirty="0" smtClean="0"/>
+              <a:t>visionare lo storico dei pagamenti effettuati;</a:t>
+            </a:r>
+          </a:p>
+          <a:p>
+            <a:endParaRPr lang="it-IT" dirty="0"/>
+          </a:p>
+          <a:p>
+            <a:pPr lvl="1"/>
+            <a:r>
+              <a:rPr lang="it-IT" b="1" dirty="0" smtClean="0"/>
+              <a:t>RF_M_1.4	</a:t>
+            </a:r>
+            <a:r>
+              <a:rPr lang="it-IT" dirty="0"/>
+              <a:t>A</a:t>
+            </a:r>
+            <a:r>
+              <a:rPr lang="it-IT" dirty="0" smtClean="0"/>
+              <a:t>utomatizzare </a:t>
+            </a:r>
+            <a:r>
+              <a:rPr lang="it-IT" dirty="0"/>
+              <a:t>la gestione delle rette per il servizio </a:t>
+            </a:r>
+            <a:r>
+              <a:rPr lang="it-IT" dirty="0" smtClean="0"/>
+              <a:t>e permettere </a:t>
+            </a:r>
+          </a:p>
+          <a:p>
+            <a:pPr lvl="1"/>
+            <a:r>
+              <a:rPr lang="it-IT" dirty="0"/>
+              <a:t>	</a:t>
+            </a:r>
+            <a:r>
+              <a:rPr lang="it-IT" dirty="0" smtClean="0"/>
+              <a:t>	la personalizzazione delle rette da parte del direttore dell'asilo</a:t>
+            </a:r>
+          </a:p>
+          <a:p>
+            <a:endParaRPr lang="it-IT" dirty="0"/>
+          </a:p>
+          <a:p>
+            <a:pPr lvl="1"/>
+            <a:r>
+              <a:rPr lang="it-IT" b="1" dirty="0" smtClean="0"/>
+              <a:t>RF_M_1.5	</a:t>
+            </a:r>
+            <a:r>
+              <a:rPr lang="it-IT" dirty="0" smtClean="0"/>
+              <a:t>Possibilità </a:t>
+            </a:r>
+            <a:r>
+              <a:rPr lang="it-IT" dirty="0"/>
+              <a:t>di modificare manualmente la registrazione di un pagamento; </a:t>
+            </a:r>
+          </a:p>
+          <a:p>
+            <a:pPr lvl="1"/>
+            <a:endParaRPr lang="it-IT" dirty="0"/>
+          </a:p>
+        </p:txBody>
+      </p:sp>
+    </p:spTree>
+    <p:extLst>
+      <p:ext uri="{BB962C8B-B14F-4D97-AF65-F5344CB8AC3E}">
+        <p14:creationId xmlns:p14="http://schemas.microsoft.com/office/powerpoint/2010/main" val="155874689"/>
+      </p:ext>
+    </p:extLst>
+  </p:cSld>
+  <p:clrMapOvr>
+    <a:masterClrMapping/>
+  </p:clrMapOvr>
+  <mc:AlternateContent xmlns:mc="http://schemas.openxmlformats.org/markup-compatibility/2006" xmlns:p14="http://schemas.microsoft.com/office/powerpoint/2010/main">
+    <mc:Choice Requires="p14">
+      <p:transition spd="slow" p14:dur="2000"/>
+    </mc:Choice>
+    <mc:Fallback xmlns="">
+      <p:transition spd="slow"/>
+    </mc:Fallback>
+  </mc:AlternateContent>
+  <p:timing>
+    <p:tnLst>
+      <p:par>
+        <p:cTn id="1" dur="indefinite" restart="never" nodeType="tmRoot"/>
+      </p:par>
+    </p:tnLst>
+  </p:timing>
+</p:sld>
+</file>
+
+<file path=ppt/slides/slide3.xml><?xml version="1.0" encoding="utf-8"?>
+<p:sld xmlns:a="http://schemas.openxmlformats.org/drawingml/2006/main" xmlns:r="http://schemas.openxmlformats.org/officeDocument/2006/relationships" xmlns:p="http://schemas.openxmlformats.org/presentationml/2006/main">
+  <p:cSld>
+    <p:spTree>
+      <p:nvGrpSpPr>
+        <p:cNvPr id="1" name=""/>
+        <p:cNvGrpSpPr/>
+        <p:nvPr/>
+      </p:nvGrpSpPr>
+      <p:grpSpPr>
+        <a:xfrm>
+          <a:off x="0" y="0"/>
+          <a:ext cx="0" cy="0"/>
+          <a:chOff x="0" y="0"/>
+          <a:chExt cx="0" cy="0"/>
+        </a:xfrm>
+      </p:grpSpPr>
+      <p:sp>
+        <p:nvSpPr>
+          <p:cNvPr id="2" name="Titolo 1"/>
+          <p:cNvSpPr>
+            <a:spLocks noGrp="1"/>
+          </p:cNvSpPr>
+          <p:nvPr>
+            <p:ph type="title"/>
+          </p:nvPr>
+        </p:nvSpPr>
+        <p:spPr>
+          <a:xfrm>
+            <a:off x="2699792" y="764704"/>
+            <a:ext cx="3888432" cy="578328"/>
+          </a:xfrm>
+        </p:spPr>
+        <p:txBody>
+          <a:bodyPr>
+            <a:noAutofit/>
+          </a:bodyPr>
+          <a:lstStyle/>
+          <a:p>
+            <a:r>
+              <a:rPr lang="it-IT" sz="3600" b="1" dirty="0" smtClean="0"/>
+              <a:t>Gestione Pagamenti</a:t>
+            </a:r>
+            <a:endParaRPr lang="it-IT" sz="3600" b="1" dirty="0"/>
+          </a:p>
+        </p:txBody>
+      </p:sp>
+      <p:sp>
+        <p:nvSpPr>
+          <p:cNvPr id="4" name="Content Placeholder 3"/>
+          <p:cNvSpPr txBox="1">
+            <a:spLocks/>
+          </p:cNvSpPr>
+          <p:nvPr/>
+        </p:nvSpPr>
+        <p:spPr>
+          <a:xfrm>
+            <a:off x="332158" y="2384435"/>
+            <a:ext cx="5111750" cy="625536"/>
+          </a:xfrm>
+          <a:prstGeom prst="rect">
+            <a:avLst/>
+          </a:prstGeom>
+        </p:spPr>
+        <p:txBody>
+          <a:bodyPr tIns="0"/>
+          <a:lstStyle>
+            <a:lvl1pPr marL="274320" indent="-274320" algn="l" rtl="0" eaLnBrk="1" latinLnBrk="0" hangingPunct="1">
+              <a:spcBef>
+                <a:spcPct val="20000"/>
+              </a:spcBef>
+              <a:buClrTx/>
+              <a:buSzPct val="95000"/>
+              <a:buFont typeface="Wingdings" pitchFamily="2" charset="2"/>
+              <a:buChar char="v"/>
+              <a:defRPr kumimoji="0" sz="2800" kern="1200">
+                <a:solidFill>
+                  <a:schemeClr val="tx1"/>
+                </a:solidFill>
+                <a:latin typeface="+mn-lt"/>
+                <a:ea typeface="+mn-ea"/>
+                <a:cs typeface="+mn-cs"/>
+              </a:defRPr>
+            </a:lvl1pPr>
+            <a:lvl2pPr marL="640080" indent="-246888" algn="l" rtl="0" eaLnBrk="1" latinLnBrk="0" hangingPunct="1">
+              <a:spcBef>
+                <a:spcPct val="20000"/>
+              </a:spcBef>
+              <a:buClrTx/>
+              <a:buSzPct val="85000"/>
+              <a:buFont typeface="Courier New" pitchFamily="49" charset="0"/>
+              <a:buChar char="o"/>
+              <a:defRPr kumimoji="0" sz="2600" kern="1200">
+                <a:solidFill>
+                  <a:schemeClr val="tx1"/>
+                </a:solidFill>
+                <a:latin typeface="+mn-lt"/>
+                <a:ea typeface="+mn-ea"/>
+                <a:cs typeface="+mn-cs"/>
+              </a:defRPr>
+            </a:lvl2pPr>
+            <a:lvl3pPr marL="914400" indent="-246888" algn="l" rtl="0" eaLnBrk="1" latinLnBrk="0" hangingPunct="1">
+              <a:spcBef>
+                <a:spcPct val="20000"/>
+              </a:spcBef>
+              <a:buClrTx/>
+              <a:buSzPct val="70000"/>
+              <a:buFont typeface="Wingdings 2"/>
+              <a:buChar char=""/>
+              <a:defRPr kumimoji="0" sz="2400" kern="1200">
+                <a:solidFill>
+                  <a:schemeClr val="tx1"/>
+                </a:solidFill>
+                <a:latin typeface="+mn-lt"/>
+                <a:ea typeface="+mn-ea"/>
+                <a:cs typeface="+mn-cs"/>
+              </a:defRPr>
+            </a:lvl3pPr>
+            <a:lvl4pPr marL="1188720" indent="-210312" algn="l" rtl="0" eaLnBrk="1" latinLnBrk="0" hangingPunct="1">
+              <a:spcBef>
+                <a:spcPct val="20000"/>
+              </a:spcBef>
+              <a:buClrTx/>
+              <a:buSzPct val="65000"/>
+              <a:buFont typeface="Wingdings 2"/>
+              <a:buChar char=""/>
+              <a:defRPr kumimoji="0" sz="2000" kern="1200">
+                <a:solidFill>
+                  <a:schemeClr val="tx1"/>
+                </a:solidFill>
+                <a:latin typeface="+mn-lt"/>
+                <a:ea typeface="+mn-ea"/>
+                <a:cs typeface="+mn-cs"/>
+              </a:defRPr>
+            </a:lvl4pPr>
+            <a:lvl5pPr marL="1463040" indent="-210312" algn="l" rtl="0" eaLnBrk="1" latinLnBrk="0" hangingPunct="1">
+              <a:spcBef>
+                <a:spcPct val="20000"/>
+              </a:spcBef>
+              <a:buClrTx/>
+              <a:buSzPct val="65000"/>
+              <a:buFont typeface="Wingdings 2"/>
+              <a:buChar char=""/>
+              <a:defRPr kumimoji="0" sz="1800" kern="1200">
+                <a:solidFill>
+                  <a:schemeClr val="tx1"/>
+                </a:solidFill>
+                <a:latin typeface="+mn-lt"/>
+                <a:ea typeface="+mn-ea"/>
+                <a:cs typeface="+mn-cs"/>
+              </a:defRPr>
+            </a:lvl5pPr>
+            <a:lvl6pPr marL="1737360" indent="-210312" algn="l" rtl="0" eaLnBrk="1" latinLnBrk="0" hangingPunct="1">
+              <a:spcBef>
+                <a:spcPct val="20000"/>
+              </a:spcBef>
+              <a:buClr>
+                <a:schemeClr val="accent5"/>
+              </a:buClr>
+              <a:buSzPct val="80000"/>
+              <a:buFont typeface="Wingdings 2"/>
+              <a:buChar char=""/>
+              <a:defRPr kumimoji="0" sz="1800" kern="1200">
+                <a:solidFill>
+                  <a:schemeClr val="tx1"/>
+                </a:solidFill>
+                <a:latin typeface="+mn-lt"/>
+                <a:ea typeface="+mn-ea"/>
+                <a:cs typeface="+mn-cs"/>
+              </a:defRPr>
+            </a:lvl6pPr>
+            <a:lvl7pPr marL="1920240" indent="-182880" algn="l" rtl="0" eaLnBrk="1" latinLnBrk="0" hangingPunct="1">
+              <a:spcBef>
+                <a:spcPct val="20000"/>
+              </a:spcBef>
+              <a:buClr>
+                <a:schemeClr val="accent6"/>
+              </a:buClr>
+              <a:buSzPct val="80000"/>
+              <a:buFont typeface="Wingdings 2"/>
+              <a:buChar char=""/>
+              <a:defRPr kumimoji="0" sz="1600" kern="1200" baseline="0">
+                <a:solidFill>
+                  <a:schemeClr val="tx1"/>
+                </a:solidFill>
+                <a:latin typeface="+mn-lt"/>
+                <a:ea typeface="+mn-ea"/>
+                <a:cs typeface="+mn-cs"/>
+              </a:defRPr>
+            </a:lvl7pPr>
+            <a:lvl8pPr marL="2194560" indent="-182880" algn="l" rtl="0" eaLnBrk="1" latinLnBrk="0" hangingPunct="1">
+              <a:spcBef>
+                <a:spcPct val="20000"/>
+              </a:spcBef>
+              <a:buClr>
+                <a:schemeClr val="tx2"/>
+              </a:buClr>
+              <a:buChar char="•"/>
+              <a:defRPr kumimoji="0" sz="1600" kern="1200">
+                <a:solidFill>
+                  <a:schemeClr val="tx1"/>
+                </a:solidFill>
+                <a:latin typeface="+mn-lt"/>
+                <a:ea typeface="+mn-ea"/>
+                <a:cs typeface="+mn-cs"/>
+              </a:defRPr>
+            </a:lvl8pPr>
+            <a:lvl9pPr marL="2468880" indent="-182880" algn="l" rtl="0" eaLnBrk="1" latinLnBrk="0" hangingPunct="1">
+              <a:spcBef>
+                <a:spcPct val="20000"/>
+              </a:spcBef>
+              <a:buClr>
+                <a:schemeClr val="tx2"/>
+              </a:buClr>
+              <a:buFontTx/>
+              <a:buChar char="•"/>
+              <a:defRPr kumimoji="0" sz="1400" kern="1200" baseline="0">
+                <a:solidFill>
+                  <a:schemeClr val="tx1"/>
+                </a:solidFill>
+                <a:latin typeface="+mn-lt"/>
+                <a:ea typeface="+mn-ea"/>
+                <a:cs typeface="+mn-cs"/>
+              </a:defRPr>
+            </a:lvl9pPr>
+          </a:lstStyle>
+          <a:p>
+            <a:pPr marL="0" indent="0">
+              <a:buFont typeface="Wingdings" pitchFamily="2" charset="2"/>
+              <a:buNone/>
+            </a:pPr>
+            <a:r>
+              <a:rPr lang="en-US" dirty="0" smtClean="0">
+                <a:solidFill>
+                  <a:srgbClr val="000000"/>
+                </a:solidFill>
+              </a:rPr>
+              <a:t>Primo </a:t>
+            </a:r>
+            <a:r>
+              <a:rPr lang="en-US" dirty="0" err="1" smtClean="0">
+                <a:solidFill>
+                  <a:srgbClr val="000000"/>
+                </a:solidFill>
+              </a:rPr>
+              <a:t>impatto</a:t>
+            </a:r>
+            <a:r>
+              <a:rPr lang="en-US" dirty="0" smtClean="0">
+                <a:solidFill>
+                  <a:srgbClr val="000000"/>
+                </a:solidFill>
+              </a:rPr>
+              <a:t>: </a:t>
+            </a:r>
+            <a:endParaRPr lang="en-US" dirty="0">
+              <a:solidFill>
+                <a:srgbClr val="000000"/>
+              </a:solidFill>
+            </a:endParaRPr>
+          </a:p>
+        </p:txBody>
+      </p:sp>
+      <p:pic>
+        <p:nvPicPr>
+          <p:cNvPr id="1026" name="Picture 2" descr="C:\Users\Marko\Desktop\MrTVlxUrDeuxxiwtND9xFZ5So1_400.jpg"/>
+          <p:cNvPicPr>
+            <a:picLocks noChangeAspect="1" noChangeArrowheads="1"/>
+          </p:cNvPicPr>
+          <p:nvPr/>
+        </p:nvPicPr>
+        <p:blipFill>
+          <a:blip r:embed="rId2">
+            <a:extLst>
+              <a:ext uri="{28A0092B-C50C-407E-A947-70E740481C1C}">
+                <a14:useLocalDpi xmlns:a14="http://schemas.microsoft.com/office/drawing/2010/main" val="0"/>
+              </a:ext>
+            </a:extLst>
+          </a:blip>
+          <a:srcRect/>
+          <a:stretch>
+            <a:fillRect/>
+          </a:stretch>
+        </p:blipFill>
+        <p:spPr bwMode="auto">
+          <a:xfrm>
+            <a:off x="3995936" y="1519308"/>
+            <a:ext cx="3810000" cy="2981325"/>
+          </a:xfrm>
+          <a:prstGeom prst="rect">
+            <a:avLst/>
+          </a:prstGeom>
+          <a:noFill/>
+          <a:extLst>
+            <a:ext uri="{909E8E84-426E-40DD-AFC4-6F175D3DCCD1}">
+              <a14:hiddenFill xmlns:a14="http://schemas.microsoft.com/office/drawing/2010/main">
+                <a:solidFill>
+                  <a:srgbClr val="FFFFFF"/>
+                </a:solidFill>
+              </a14:hiddenFill>
+            </a:ext>
+          </a:extLst>
+        </p:spPr>
+      </p:pic>
+      <p:sp>
+        <p:nvSpPr>
+          <p:cNvPr id="6" name="Content Placeholder 3"/>
+          <p:cNvSpPr txBox="1">
+            <a:spLocks/>
+          </p:cNvSpPr>
+          <p:nvPr/>
+        </p:nvSpPr>
+        <p:spPr>
+          <a:xfrm>
+            <a:off x="1043608" y="5085184"/>
+            <a:ext cx="5111750" cy="625536"/>
+          </a:xfrm>
+          <a:prstGeom prst="rect">
+            <a:avLst/>
+          </a:prstGeom>
+        </p:spPr>
+        <p:txBody>
+          <a:bodyPr tIns="0"/>
+          <a:lstStyle>
+            <a:lvl1pPr marL="274320" indent="-274320" algn="l" rtl="0" eaLnBrk="1" latinLnBrk="0" hangingPunct="1">
+              <a:spcBef>
+                <a:spcPct val="20000"/>
+              </a:spcBef>
+              <a:buClrTx/>
+              <a:buSzPct val="95000"/>
+              <a:buFont typeface="Wingdings" pitchFamily="2" charset="2"/>
+              <a:buChar char="v"/>
+              <a:defRPr kumimoji="0" sz="2800" kern="1200">
+                <a:solidFill>
+                  <a:schemeClr val="tx1"/>
+                </a:solidFill>
+                <a:latin typeface="+mn-lt"/>
+                <a:ea typeface="+mn-ea"/>
+                <a:cs typeface="+mn-cs"/>
+              </a:defRPr>
+            </a:lvl1pPr>
+            <a:lvl2pPr marL="640080" indent="-246888" algn="l" rtl="0" eaLnBrk="1" latinLnBrk="0" hangingPunct="1">
+              <a:spcBef>
+                <a:spcPct val="20000"/>
+              </a:spcBef>
+              <a:buClrTx/>
+              <a:buSzPct val="85000"/>
+              <a:buFont typeface="Courier New" pitchFamily="49" charset="0"/>
+              <a:buChar char="o"/>
+              <a:defRPr kumimoji="0" sz="2600" kern="1200">
+                <a:solidFill>
+                  <a:schemeClr val="tx1"/>
+                </a:solidFill>
+                <a:latin typeface="+mn-lt"/>
+                <a:ea typeface="+mn-ea"/>
+                <a:cs typeface="+mn-cs"/>
+              </a:defRPr>
+            </a:lvl2pPr>
+            <a:lvl3pPr marL="914400" indent="-246888" algn="l" rtl="0" eaLnBrk="1" latinLnBrk="0" hangingPunct="1">
+              <a:spcBef>
+                <a:spcPct val="20000"/>
+              </a:spcBef>
+              <a:buClrTx/>
+              <a:buSzPct val="70000"/>
+              <a:buFont typeface="Wingdings 2"/>
+              <a:buChar char=""/>
+              <a:defRPr kumimoji="0" sz="2400" kern="1200">
+                <a:solidFill>
+                  <a:schemeClr val="tx1"/>
+                </a:solidFill>
+                <a:latin typeface="+mn-lt"/>
+                <a:ea typeface="+mn-ea"/>
+                <a:cs typeface="+mn-cs"/>
+              </a:defRPr>
+            </a:lvl3pPr>
+            <a:lvl4pPr marL="1188720" indent="-210312" algn="l" rtl="0" eaLnBrk="1" latinLnBrk="0" hangingPunct="1">
+              <a:spcBef>
+                <a:spcPct val="20000"/>
+              </a:spcBef>
+              <a:buClrTx/>
+              <a:buSzPct val="65000"/>
+              <a:buFont typeface="Wingdings 2"/>
+              <a:buChar char=""/>
+              <a:defRPr kumimoji="0" sz="2000" kern="1200">
+                <a:solidFill>
+                  <a:schemeClr val="tx1"/>
+                </a:solidFill>
+                <a:latin typeface="+mn-lt"/>
+                <a:ea typeface="+mn-ea"/>
+                <a:cs typeface="+mn-cs"/>
+              </a:defRPr>
+            </a:lvl4pPr>
+            <a:lvl5pPr marL="1463040" indent="-210312" algn="l" rtl="0" eaLnBrk="1" latinLnBrk="0" hangingPunct="1">
+              <a:spcBef>
+                <a:spcPct val="20000"/>
+              </a:spcBef>
+              <a:buClrTx/>
+              <a:buSzPct val="65000"/>
+              <a:buFont typeface="Wingdings 2"/>
+              <a:buChar char=""/>
+              <a:defRPr kumimoji="0" sz="1800" kern="1200">
+                <a:solidFill>
+                  <a:schemeClr val="tx1"/>
+                </a:solidFill>
+                <a:latin typeface="+mn-lt"/>
+                <a:ea typeface="+mn-ea"/>
+                <a:cs typeface="+mn-cs"/>
+              </a:defRPr>
+            </a:lvl5pPr>
+            <a:lvl6pPr marL="1737360" indent="-210312" algn="l" rtl="0" eaLnBrk="1" latinLnBrk="0" hangingPunct="1">
+              <a:spcBef>
+                <a:spcPct val="20000"/>
+              </a:spcBef>
+              <a:buClr>
+                <a:schemeClr val="accent5"/>
+              </a:buClr>
+              <a:buSzPct val="80000"/>
+              <a:buFont typeface="Wingdings 2"/>
+              <a:buChar char=""/>
+              <a:defRPr kumimoji="0" sz="1800" kern="1200">
+                <a:solidFill>
+                  <a:schemeClr val="tx1"/>
+                </a:solidFill>
+                <a:latin typeface="+mn-lt"/>
+                <a:ea typeface="+mn-ea"/>
+                <a:cs typeface="+mn-cs"/>
+              </a:defRPr>
+            </a:lvl6pPr>
+            <a:lvl7pPr marL="1920240" indent="-182880" algn="l" rtl="0" eaLnBrk="1" latinLnBrk="0" hangingPunct="1">
+              <a:spcBef>
+                <a:spcPct val="20000"/>
+              </a:spcBef>
+              <a:buClr>
+                <a:schemeClr val="accent6"/>
+              </a:buClr>
+              <a:buSzPct val="80000"/>
+              <a:buFont typeface="Wingdings 2"/>
+              <a:buChar char=""/>
+              <a:defRPr kumimoji="0" sz="1600" kern="1200" baseline="0">
+                <a:solidFill>
+                  <a:schemeClr val="tx1"/>
+                </a:solidFill>
+                <a:latin typeface="+mn-lt"/>
+                <a:ea typeface="+mn-ea"/>
+                <a:cs typeface="+mn-cs"/>
+              </a:defRPr>
+            </a:lvl7pPr>
+            <a:lvl8pPr marL="2194560" indent="-182880" algn="l" rtl="0" eaLnBrk="1" latinLnBrk="0" hangingPunct="1">
+              <a:spcBef>
+                <a:spcPct val="20000"/>
+              </a:spcBef>
+              <a:buClr>
+                <a:schemeClr val="tx2"/>
+              </a:buClr>
+              <a:buChar char="•"/>
+              <a:defRPr kumimoji="0" sz="1600" kern="1200">
+                <a:solidFill>
+                  <a:schemeClr val="tx1"/>
+                </a:solidFill>
+                <a:latin typeface="+mn-lt"/>
+                <a:ea typeface="+mn-ea"/>
+                <a:cs typeface="+mn-cs"/>
+              </a:defRPr>
+            </a:lvl8pPr>
+            <a:lvl9pPr marL="2468880" indent="-182880" algn="l" rtl="0" eaLnBrk="1" latinLnBrk="0" hangingPunct="1">
+              <a:spcBef>
+                <a:spcPct val="20000"/>
+              </a:spcBef>
+              <a:buClr>
+                <a:schemeClr val="tx2"/>
+              </a:buClr>
+              <a:buFontTx/>
+              <a:buChar char="•"/>
+              <a:defRPr kumimoji="0" sz="1400" kern="1200" baseline="0">
+                <a:solidFill>
+                  <a:schemeClr val="tx1"/>
+                </a:solidFill>
+                <a:latin typeface="+mn-lt"/>
+                <a:ea typeface="+mn-ea"/>
+                <a:cs typeface="+mn-cs"/>
+              </a:defRPr>
+            </a:lvl9pPr>
+          </a:lstStyle>
+          <a:p>
+            <a:pPr marL="0" indent="0">
+              <a:buFont typeface="Wingdings" pitchFamily="2" charset="2"/>
+              <a:buNone/>
+            </a:pPr>
+            <a:r>
+              <a:rPr lang="en-US" dirty="0" err="1" smtClean="0">
+                <a:solidFill>
+                  <a:srgbClr val="000000"/>
+                </a:solidFill>
+              </a:rPr>
+              <a:t>Capire</a:t>
+            </a:r>
+            <a:r>
+              <a:rPr lang="en-US" dirty="0" smtClean="0">
+                <a:solidFill>
+                  <a:srgbClr val="000000"/>
+                </a:solidFill>
+              </a:rPr>
+              <a:t> </a:t>
+            </a:r>
+            <a:r>
+              <a:rPr lang="en-US" dirty="0" err="1" smtClean="0">
+                <a:solidFill>
+                  <a:srgbClr val="000000"/>
+                </a:solidFill>
+              </a:rPr>
+              <a:t>cosa</a:t>
+            </a:r>
+            <a:r>
+              <a:rPr lang="en-US" dirty="0" smtClean="0">
+                <a:solidFill>
+                  <a:srgbClr val="000000"/>
+                </a:solidFill>
+              </a:rPr>
+              <a:t> </a:t>
+            </a:r>
+            <a:r>
+              <a:rPr lang="en-US" dirty="0" err="1" smtClean="0">
+                <a:solidFill>
+                  <a:srgbClr val="000000"/>
+                </a:solidFill>
+              </a:rPr>
+              <a:t>il</a:t>
+            </a:r>
+            <a:r>
+              <a:rPr lang="en-US" dirty="0" smtClean="0">
+                <a:solidFill>
+                  <a:srgbClr val="000000"/>
+                </a:solidFill>
+              </a:rPr>
+              <a:t> </a:t>
+            </a:r>
+            <a:r>
+              <a:rPr lang="en-US" dirty="0" err="1" smtClean="0">
+                <a:solidFill>
+                  <a:srgbClr val="000000"/>
+                </a:solidFill>
+              </a:rPr>
+              <a:t>cliente</a:t>
+            </a:r>
+            <a:r>
+              <a:rPr lang="en-US" dirty="0" smtClean="0">
+                <a:solidFill>
+                  <a:srgbClr val="000000"/>
+                </a:solidFill>
+              </a:rPr>
+              <a:t> </a:t>
+            </a:r>
+            <a:r>
+              <a:rPr lang="en-US" dirty="0" err="1" smtClean="0">
+                <a:solidFill>
+                  <a:srgbClr val="000000"/>
+                </a:solidFill>
+              </a:rPr>
+              <a:t>vuole</a:t>
+            </a:r>
+            <a:r>
+              <a:rPr lang="en-US" dirty="0" smtClean="0">
+                <a:solidFill>
+                  <a:srgbClr val="000000"/>
+                </a:solidFill>
+              </a:rPr>
+              <a:t>.</a:t>
+            </a:r>
+            <a:endParaRPr lang="en-US" dirty="0">
+              <a:solidFill>
+                <a:srgbClr val="000000"/>
+              </a:solidFill>
+            </a:endParaRPr>
+          </a:p>
+        </p:txBody>
+      </p:sp>
+    </p:spTree>
+    <p:extLst>
+      <p:ext uri="{BB962C8B-B14F-4D97-AF65-F5344CB8AC3E}">
+        <p14:creationId xmlns:p14="http://schemas.microsoft.com/office/powerpoint/2010/main" val="4188503847"/>
+      </p:ext>
+    </p:extLst>
+  </p:cSld>
+  <p:clrMapOvr>
+    <a:masterClrMapping/>
+  </p:clrMapOvr>
+</p:sld>
+</file>
+
+<file path=ppt/slides/slide4.xml><?xml version="1.0" encoding="utf-8"?>
+<p:sld xmlns:a="http://schemas.openxmlformats.org/drawingml/2006/main" xmlns:r="http://schemas.openxmlformats.org/officeDocument/2006/relationships" xmlns:p="http://schemas.openxmlformats.org/presentationml/2006/main">
+  <p:cSld>
+    <p:spTree>
+      <p:nvGrpSpPr>
+        <p:cNvPr id="1" name=""/>
+        <p:cNvGrpSpPr/>
+        <p:nvPr/>
+      </p:nvGrpSpPr>
+      <p:grpSpPr>
+        <a:xfrm>
+          <a:off x="0" y="0"/>
+          <a:ext cx="0" cy="0"/>
+          <a:chOff x="0" y="0"/>
+          <a:chExt cx="0" cy="0"/>
+        </a:xfrm>
+      </p:grpSpPr>
+      <p:sp>
+        <p:nvSpPr>
+          <p:cNvPr id="2" name="CasellaDiTesto 1"/>
+          <p:cNvSpPr txBox="1"/>
+          <p:nvPr/>
+        </p:nvSpPr>
+        <p:spPr>
+          <a:xfrm>
+            <a:off x="2950576" y="787214"/>
+            <a:ext cx="3557832" cy="646331"/>
+          </a:xfrm>
+          <a:prstGeom prst="rect">
+            <a:avLst/>
+          </a:prstGeom>
+          <a:noFill/>
+        </p:spPr>
+        <p:txBody>
+          <a:bodyPr wrap="none" rtlCol="0">
+            <a:spAutoFit/>
+          </a:bodyPr>
+          <a:lstStyle/>
+          <a:p>
+            <a:pPr algn="ctr"/>
+            <a:r>
+              <a:rPr lang="it-IT" sz="3600" b="1" dirty="0" smtClean="0">
+                <a:latin typeface="+mj-lt"/>
+              </a:rPr>
+              <a:t>Team M vs </a:t>
+            </a:r>
+            <a:r>
+              <a:rPr lang="it-IT" sz="3600" b="1" dirty="0" smtClean="0">
+                <a:latin typeface="+mj-lt"/>
+              </a:rPr>
+              <a:t>Bando</a:t>
+            </a:r>
+            <a:endParaRPr lang="it-IT" sz="3600" b="1" dirty="0" smtClean="0">
+              <a:latin typeface="+mj-lt"/>
+            </a:endParaRPr>
+          </a:p>
+        </p:txBody>
+      </p:sp>
+      <p:sp>
+        <p:nvSpPr>
+          <p:cNvPr id="3" name="Content Placeholder 3"/>
+          <p:cNvSpPr txBox="1">
+            <a:spLocks/>
+          </p:cNvSpPr>
+          <p:nvPr/>
+        </p:nvSpPr>
+        <p:spPr>
+          <a:xfrm>
+            <a:off x="332158" y="2384435"/>
+            <a:ext cx="6328074" cy="625536"/>
+          </a:xfrm>
+          <a:prstGeom prst="rect">
+            <a:avLst/>
+          </a:prstGeom>
+        </p:spPr>
+        <p:txBody>
+          <a:bodyPr tIns="0"/>
+          <a:lstStyle>
+            <a:lvl1pPr marL="274320" indent="-274320" algn="l" rtl="0" eaLnBrk="1" latinLnBrk="0" hangingPunct="1">
+              <a:spcBef>
+                <a:spcPct val="20000"/>
+              </a:spcBef>
+              <a:buClrTx/>
+              <a:buSzPct val="95000"/>
+              <a:buFont typeface="Wingdings" pitchFamily="2" charset="2"/>
+              <a:buChar char="v"/>
+              <a:defRPr kumimoji="0" sz="2800" kern="1200">
+                <a:solidFill>
+                  <a:schemeClr val="tx1"/>
+                </a:solidFill>
+                <a:latin typeface="+mn-lt"/>
+                <a:ea typeface="+mn-ea"/>
+                <a:cs typeface="+mn-cs"/>
+              </a:defRPr>
+            </a:lvl1pPr>
+            <a:lvl2pPr marL="640080" indent="-246888" algn="l" rtl="0" eaLnBrk="1" latinLnBrk="0" hangingPunct="1">
+              <a:spcBef>
+                <a:spcPct val="20000"/>
+              </a:spcBef>
+              <a:buClrTx/>
+              <a:buSzPct val="85000"/>
+              <a:buFont typeface="Courier New" pitchFamily="49" charset="0"/>
+              <a:buChar char="o"/>
+              <a:defRPr kumimoji="0" sz="2600" kern="1200">
+                <a:solidFill>
+                  <a:schemeClr val="tx1"/>
+                </a:solidFill>
+                <a:latin typeface="+mn-lt"/>
+                <a:ea typeface="+mn-ea"/>
+                <a:cs typeface="+mn-cs"/>
+              </a:defRPr>
+            </a:lvl2pPr>
+            <a:lvl3pPr marL="914400" indent="-246888" algn="l" rtl="0" eaLnBrk="1" latinLnBrk="0" hangingPunct="1">
+              <a:spcBef>
+                <a:spcPct val="20000"/>
+              </a:spcBef>
+              <a:buClrTx/>
+              <a:buSzPct val="70000"/>
+              <a:buFont typeface="Wingdings 2"/>
+              <a:buChar char=""/>
+              <a:defRPr kumimoji="0" sz="2400" kern="1200">
+                <a:solidFill>
+                  <a:schemeClr val="tx1"/>
+                </a:solidFill>
+                <a:latin typeface="+mn-lt"/>
+                <a:ea typeface="+mn-ea"/>
+                <a:cs typeface="+mn-cs"/>
+              </a:defRPr>
+            </a:lvl3pPr>
+            <a:lvl4pPr marL="1188720" indent="-210312" algn="l" rtl="0" eaLnBrk="1" latinLnBrk="0" hangingPunct="1">
+              <a:spcBef>
+                <a:spcPct val="20000"/>
+              </a:spcBef>
+              <a:buClrTx/>
+              <a:buSzPct val="65000"/>
+              <a:buFont typeface="Wingdings 2"/>
+              <a:buChar char=""/>
+              <a:defRPr kumimoji="0" sz="2000" kern="1200">
+                <a:solidFill>
+                  <a:schemeClr val="tx1"/>
+                </a:solidFill>
+                <a:latin typeface="+mn-lt"/>
+                <a:ea typeface="+mn-ea"/>
+                <a:cs typeface="+mn-cs"/>
+              </a:defRPr>
+            </a:lvl4pPr>
+            <a:lvl5pPr marL="1463040" indent="-210312" algn="l" rtl="0" eaLnBrk="1" latinLnBrk="0" hangingPunct="1">
+              <a:spcBef>
+                <a:spcPct val="20000"/>
+              </a:spcBef>
+              <a:buClrTx/>
+              <a:buSzPct val="65000"/>
+              <a:buFont typeface="Wingdings 2"/>
+              <a:buChar char=""/>
+              <a:defRPr kumimoji="0" sz="1800" kern="1200">
+                <a:solidFill>
+                  <a:schemeClr val="tx1"/>
+                </a:solidFill>
+                <a:latin typeface="+mn-lt"/>
+                <a:ea typeface="+mn-ea"/>
+                <a:cs typeface="+mn-cs"/>
+              </a:defRPr>
+            </a:lvl5pPr>
+            <a:lvl6pPr marL="1737360" indent="-210312" algn="l" rtl="0" eaLnBrk="1" latinLnBrk="0" hangingPunct="1">
+              <a:spcBef>
+                <a:spcPct val="20000"/>
+              </a:spcBef>
+              <a:buClr>
+                <a:schemeClr val="accent5"/>
+              </a:buClr>
+              <a:buSzPct val="80000"/>
+              <a:buFont typeface="Wingdings 2"/>
+              <a:buChar char=""/>
+              <a:defRPr kumimoji="0" sz="1800" kern="1200">
+                <a:solidFill>
+                  <a:schemeClr val="tx1"/>
+                </a:solidFill>
+                <a:latin typeface="+mn-lt"/>
+                <a:ea typeface="+mn-ea"/>
+                <a:cs typeface="+mn-cs"/>
+              </a:defRPr>
+            </a:lvl6pPr>
+            <a:lvl7pPr marL="1920240" indent="-182880" algn="l" rtl="0" eaLnBrk="1" latinLnBrk="0" hangingPunct="1">
+              <a:spcBef>
+                <a:spcPct val="20000"/>
+              </a:spcBef>
+              <a:buClr>
+                <a:schemeClr val="accent6"/>
+              </a:buClr>
+              <a:buSzPct val="80000"/>
+              <a:buFont typeface="Wingdings 2"/>
+              <a:buChar char=""/>
+              <a:defRPr kumimoji="0" sz="1600" kern="1200" baseline="0">
+                <a:solidFill>
+                  <a:schemeClr val="tx1"/>
+                </a:solidFill>
+                <a:latin typeface="+mn-lt"/>
+                <a:ea typeface="+mn-ea"/>
+                <a:cs typeface="+mn-cs"/>
+              </a:defRPr>
+            </a:lvl7pPr>
+            <a:lvl8pPr marL="2194560" indent="-182880" algn="l" rtl="0" eaLnBrk="1" latinLnBrk="0" hangingPunct="1">
+              <a:spcBef>
+                <a:spcPct val="20000"/>
+              </a:spcBef>
+              <a:buClr>
+                <a:schemeClr val="tx2"/>
+              </a:buClr>
+              <a:buChar char="•"/>
+              <a:defRPr kumimoji="0" sz="1600" kern="1200">
+                <a:solidFill>
+                  <a:schemeClr val="tx1"/>
+                </a:solidFill>
+                <a:latin typeface="+mn-lt"/>
+                <a:ea typeface="+mn-ea"/>
+                <a:cs typeface="+mn-cs"/>
+              </a:defRPr>
+            </a:lvl8pPr>
+            <a:lvl9pPr marL="2468880" indent="-182880" algn="l" rtl="0" eaLnBrk="1" latinLnBrk="0" hangingPunct="1">
+              <a:spcBef>
+                <a:spcPct val="20000"/>
+              </a:spcBef>
+              <a:buClr>
+                <a:schemeClr val="tx2"/>
+              </a:buClr>
+              <a:buFontTx/>
+              <a:buChar char="•"/>
+              <a:defRPr kumimoji="0" sz="1400" kern="1200" baseline="0">
+                <a:solidFill>
+                  <a:schemeClr val="tx1"/>
+                </a:solidFill>
+                <a:latin typeface="+mn-lt"/>
+                <a:ea typeface="+mn-ea"/>
+                <a:cs typeface="+mn-cs"/>
+              </a:defRPr>
+            </a:lvl9pPr>
+          </a:lstStyle>
+          <a:p>
+            <a:pPr marL="0" indent="0">
+              <a:buFont typeface="Wingdings" pitchFamily="2" charset="2"/>
+              <a:buNone/>
+            </a:pPr>
+            <a:r>
+              <a:rPr lang="en-US" b="1" dirty="0" smtClean="0">
+                <a:solidFill>
+                  <a:srgbClr val="000000"/>
+                </a:solidFill>
+              </a:rPr>
+              <a:t>Problem: </a:t>
+            </a:r>
+            <a:r>
+              <a:rPr lang="en-US" dirty="0" err="1" smtClean="0">
+                <a:solidFill>
+                  <a:srgbClr val="000000"/>
+                </a:solidFill>
+              </a:rPr>
+              <a:t>bando</a:t>
+            </a:r>
+            <a:r>
+              <a:rPr lang="en-US" dirty="0" smtClean="0">
+                <a:solidFill>
+                  <a:srgbClr val="000000"/>
+                </a:solidFill>
+              </a:rPr>
+              <a:t> non </a:t>
+            </a:r>
+            <a:r>
+              <a:rPr lang="en-US" dirty="0" err="1" smtClean="0">
+                <a:solidFill>
+                  <a:srgbClr val="000000"/>
+                </a:solidFill>
+              </a:rPr>
+              <a:t>troppo</a:t>
+            </a:r>
+            <a:r>
+              <a:rPr lang="en-US" dirty="0" smtClean="0">
+                <a:solidFill>
+                  <a:srgbClr val="000000"/>
+                </a:solidFill>
+              </a:rPr>
+              <a:t> </a:t>
+            </a:r>
+            <a:r>
+              <a:rPr lang="en-US" dirty="0" err="1" smtClean="0">
+                <a:solidFill>
+                  <a:srgbClr val="000000"/>
+                </a:solidFill>
+              </a:rPr>
+              <a:t>chiaro</a:t>
+            </a:r>
+            <a:endParaRPr lang="en-US" dirty="0">
+              <a:solidFill>
+                <a:srgbClr val="000000"/>
+              </a:solidFill>
+            </a:endParaRPr>
+          </a:p>
+        </p:txBody>
+      </p:sp>
+      <p:sp>
+        <p:nvSpPr>
+          <p:cNvPr id="4" name="Content Placeholder 3"/>
+          <p:cNvSpPr txBox="1">
+            <a:spLocks/>
+          </p:cNvSpPr>
+          <p:nvPr/>
+        </p:nvSpPr>
+        <p:spPr>
+          <a:xfrm>
+            <a:off x="473258" y="4365104"/>
+            <a:ext cx="6328074" cy="1008112"/>
+          </a:xfrm>
+          <a:prstGeom prst="rect">
+            <a:avLst/>
+          </a:prstGeom>
+        </p:spPr>
+        <p:txBody>
+          <a:bodyPr tIns="0"/>
+          <a:lstStyle>
+            <a:lvl1pPr marL="274320" indent="-274320" algn="l" rtl="0" eaLnBrk="1" latinLnBrk="0" hangingPunct="1">
+              <a:spcBef>
+                <a:spcPct val="20000"/>
+              </a:spcBef>
+              <a:buClrTx/>
+              <a:buSzPct val="95000"/>
+              <a:buFont typeface="Wingdings" pitchFamily="2" charset="2"/>
+              <a:buChar char="v"/>
+              <a:defRPr kumimoji="0" sz="2800" kern="1200">
+                <a:solidFill>
+                  <a:schemeClr val="tx1"/>
+                </a:solidFill>
+                <a:latin typeface="+mn-lt"/>
+                <a:ea typeface="+mn-ea"/>
+                <a:cs typeface="+mn-cs"/>
+              </a:defRPr>
+            </a:lvl1pPr>
+            <a:lvl2pPr marL="640080" indent="-246888" algn="l" rtl="0" eaLnBrk="1" latinLnBrk="0" hangingPunct="1">
+              <a:spcBef>
+                <a:spcPct val="20000"/>
+              </a:spcBef>
+              <a:buClrTx/>
+              <a:buSzPct val="85000"/>
+              <a:buFont typeface="Courier New" pitchFamily="49" charset="0"/>
+              <a:buChar char="o"/>
+              <a:defRPr kumimoji="0" sz="2600" kern="1200">
+                <a:solidFill>
+                  <a:schemeClr val="tx1"/>
+                </a:solidFill>
+                <a:latin typeface="+mn-lt"/>
+                <a:ea typeface="+mn-ea"/>
+                <a:cs typeface="+mn-cs"/>
+              </a:defRPr>
+            </a:lvl2pPr>
+            <a:lvl3pPr marL="914400" indent="-246888" algn="l" rtl="0" eaLnBrk="1" latinLnBrk="0" hangingPunct="1">
+              <a:spcBef>
+                <a:spcPct val="20000"/>
+              </a:spcBef>
+              <a:buClrTx/>
+              <a:buSzPct val="70000"/>
+              <a:buFont typeface="Wingdings 2"/>
+              <a:buChar char=""/>
+              <a:defRPr kumimoji="0" sz="2400" kern="1200">
+                <a:solidFill>
+                  <a:schemeClr val="tx1"/>
+                </a:solidFill>
+                <a:latin typeface="+mn-lt"/>
+                <a:ea typeface="+mn-ea"/>
+                <a:cs typeface="+mn-cs"/>
+              </a:defRPr>
+            </a:lvl3pPr>
+            <a:lvl4pPr marL="1188720" indent="-210312" algn="l" rtl="0" eaLnBrk="1" latinLnBrk="0" hangingPunct="1">
+              <a:spcBef>
+                <a:spcPct val="20000"/>
+              </a:spcBef>
+              <a:buClrTx/>
+              <a:buSzPct val="65000"/>
+              <a:buFont typeface="Wingdings 2"/>
+              <a:buChar char=""/>
+              <a:defRPr kumimoji="0" sz="2000" kern="1200">
+                <a:solidFill>
+                  <a:schemeClr val="tx1"/>
+                </a:solidFill>
+                <a:latin typeface="+mn-lt"/>
+                <a:ea typeface="+mn-ea"/>
+                <a:cs typeface="+mn-cs"/>
+              </a:defRPr>
+            </a:lvl4pPr>
+            <a:lvl5pPr marL="1463040" indent="-210312" algn="l" rtl="0" eaLnBrk="1" latinLnBrk="0" hangingPunct="1">
+              <a:spcBef>
+                <a:spcPct val="20000"/>
+              </a:spcBef>
+              <a:buClrTx/>
+              <a:buSzPct val="65000"/>
+              <a:buFont typeface="Wingdings 2"/>
+              <a:buChar char=""/>
+              <a:defRPr kumimoji="0" sz="1800" kern="1200">
+                <a:solidFill>
+                  <a:schemeClr val="tx1"/>
+                </a:solidFill>
+                <a:latin typeface="+mn-lt"/>
+                <a:ea typeface="+mn-ea"/>
+                <a:cs typeface="+mn-cs"/>
+              </a:defRPr>
+            </a:lvl5pPr>
+            <a:lvl6pPr marL="1737360" indent="-210312" algn="l" rtl="0" eaLnBrk="1" latinLnBrk="0" hangingPunct="1">
+              <a:spcBef>
+                <a:spcPct val="20000"/>
+              </a:spcBef>
+              <a:buClr>
+                <a:schemeClr val="accent5"/>
+              </a:buClr>
+              <a:buSzPct val="80000"/>
+              <a:buFont typeface="Wingdings 2"/>
+              <a:buChar char=""/>
+              <a:defRPr kumimoji="0" sz="1800" kern="1200">
+                <a:solidFill>
+                  <a:schemeClr val="tx1"/>
+                </a:solidFill>
+                <a:latin typeface="+mn-lt"/>
+                <a:ea typeface="+mn-ea"/>
+                <a:cs typeface="+mn-cs"/>
+              </a:defRPr>
+            </a:lvl6pPr>
+            <a:lvl7pPr marL="1920240" indent="-182880" algn="l" rtl="0" eaLnBrk="1" latinLnBrk="0" hangingPunct="1">
+              <a:spcBef>
+                <a:spcPct val="20000"/>
+              </a:spcBef>
+              <a:buClr>
+                <a:schemeClr val="accent6"/>
+              </a:buClr>
+              <a:buSzPct val="80000"/>
+              <a:buFont typeface="Wingdings 2"/>
+              <a:buChar char=""/>
+              <a:defRPr kumimoji="0" sz="1600" kern="1200" baseline="0">
+                <a:solidFill>
+                  <a:schemeClr val="tx1"/>
+                </a:solidFill>
+                <a:latin typeface="+mn-lt"/>
+                <a:ea typeface="+mn-ea"/>
+                <a:cs typeface="+mn-cs"/>
+              </a:defRPr>
+            </a:lvl7pPr>
+            <a:lvl8pPr marL="2194560" indent="-182880" algn="l" rtl="0" eaLnBrk="1" latinLnBrk="0" hangingPunct="1">
+              <a:spcBef>
+                <a:spcPct val="20000"/>
+              </a:spcBef>
+              <a:buClr>
+                <a:schemeClr val="tx2"/>
+              </a:buClr>
+              <a:buChar char="•"/>
+              <a:defRPr kumimoji="0" sz="1600" kern="1200">
+                <a:solidFill>
+                  <a:schemeClr val="tx1"/>
+                </a:solidFill>
+                <a:latin typeface="+mn-lt"/>
+                <a:ea typeface="+mn-ea"/>
+                <a:cs typeface="+mn-cs"/>
+              </a:defRPr>
+            </a:lvl8pPr>
+            <a:lvl9pPr marL="2468880" indent="-182880" algn="l" rtl="0" eaLnBrk="1" latinLnBrk="0" hangingPunct="1">
+              <a:spcBef>
+                <a:spcPct val="20000"/>
+              </a:spcBef>
+              <a:buClr>
+                <a:schemeClr val="tx2"/>
+              </a:buClr>
+              <a:buFontTx/>
+              <a:buChar char="•"/>
+              <a:defRPr kumimoji="0" sz="1400" kern="1200" baseline="0">
+                <a:solidFill>
+                  <a:schemeClr val="tx1"/>
+                </a:solidFill>
+                <a:latin typeface="+mn-lt"/>
+                <a:ea typeface="+mn-ea"/>
+                <a:cs typeface="+mn-cs"/>
+              </a:defRPr>
+            </a:lvl9pPr>
+          </a:lstStyle>
+          <a:p>
+            <a:pPr marL="0" indent="0">
+              <a:buFont typeface="Wingdings" pitchFamily="2" charset="2"/>
+              <a:buNone/>
+            </a:pPr>
+            <a:r>
+              <a:rPr lang="en-US" b="1" dirty="0" err="1" smtClean="0">
+                <a:solidFill>
+                  <a:srgbClr val="000000"/>
+                </a:solidFill>
+              </a:rPr>
+              <a:t>Soluzione</a:t>
+            </a:r>
+            <a:r>
+              <a:rPr lang="en-US" b="1" dirty="0" smtClean="0">
+                <a:solidFill>
+                  <a:srgbClr val="000000"/>
+                </a:solidFill>
+              </a:rPr>
+              <a:t>: </a:t>
+            </a:r>
+            <a:r>
+              <a:rPr lang="en-US" dirty="0" err="1" smtClean="0">
+                <a:solidFill>
+                  <a:srgbClr val="000000"/>
+                </a:solidFill>
+              </a:rPr>
+              <a:t>Gestire</a:t>
+            </a:r>
+            <a:r>
+              <a:rPr lang="en-US" dirty="0" smtClean="0">
+                <a:solidFill>
+                  <a:srgbClr val="000000"/>
+                </a:solidFill>
+              </a:rPr>
+              <a:t> </a:t>
+            </a:r>
+            <a:r>
+              <a:rPr lang="en-US" dirty="0" err="1" smtClean="0">
+                <a:solidFill>
+                  <a:srgbClr val="000000"/>
+                </a:solidFill>
+              </a:rPr>
+              <a:t>i</a:t>
+            </a:r>
+            <a:r>
+              <a:rPr lang="en-US" dirty="0" smtClean="0">
+                <a:solidFill>
+                  <a:srgbClr val="000000"/>
+                </a:solidFill>
+              </a:rPr>
+              <a:t> </a:t>
+            </a:r>
+            <a:r>
+              <a:rPr lang="en-US" dirty="0" err="1" smtClean="0">
+                <a:solidFill>
+                  <a:srgbClr val="000000"/>
+                </a:solidFill>
+              </a:rPr>
+              <a:t>pagamenti</a:t>
+            </a:r>
+            <a:r>
+              <a:rPr lang="en-US" dirty="0" smtClean="0">
+                <a:solidFill>
+                  <a:srgbClr val="000000"/>
+                </a:solidFill>
+              </a:rPr>
+              <a:t> in </a:t>
+            </a:r>
+            <a:r>
+              <a:rPr lang="en-US" dirty="0" err="1" smtClean="0">
+                <a:solidFill>
+                  <a:srgbClr val="000000"/>
+                </a:solidFill>
+              </a:rPr>
+              <a:t>modo</a:t>
+            </a:r>
+            <a:r>
+              <a:rPr lang="en-US" dirty="0" smtClean="0">
+                <a:solidFill>
+                  <a:srgbClr val="000000"/>
+                </a:solidFill>
+              </a:rPr>
+              <a:t>       molto </a:t>
+            </a:r>
+            <a:r>
+              <a:rPr lang="en-US" dirty="0" err="1" smtClean="0">
+                <a:solidFill>
+                  <a:srgbClr val="000000"/>
+                </a:solidFill>
+              </a:rPr>
+              <a:t>semplice</a:t>
+            </a:r>
+            <a:r>
+              <a:rPr lang="en-US" dirty="0" smtClean="0">
+                <a:solidFill>
+                  <a:srgbClr val="000000"/>
+                </a:solidFill>
+              </a:rPr>
+              <a:t> o </a:t>
+            </a:r>
+            <a:r>
+              <a:rPr lang="en-US" dirty="0" err="1" smtClean="0">
+                <a:solidFill>
+                  <a:srgbClr val="000000"/>
+                </a:solidFill>
+              </a:rPr>
+              <a:t>tipo</a:t>
+            </a:r>
+            <a:r>
+              <a:rPr lang="en-US" dirty="0" smtClean="0">
+                <a:solidFill>
+                  <a:srgbClr val="000000"/>
+                </a:solidFill>
+              </a:rPr>
+              <a:t> </a:t>
+            </a:r>
+            <a:r>
+              <a:rPr lang="en-US" dirty="0" err="1" smtClean="0">
+                <a:solidFill>
+                  <a:srgbClr val="000000"/>
+                </a:solidFill>
+              </a:rPr>
+              <a:t>parlare</a:t>
+            </a:r>
+            <a:r>
+              <a:rPr lang="en-US" dirty="0" smtClean="0">
+                <a:solidFill>
+                  <a:srgbClr val="000000"/>
+                </a:solidFill>
+              </a:rPr>
+              <a:t> col </a:t>
+            </a:r>
+            <a:r>
+              <a:rPr lang="en-US" dirty="0" err="1" smtClean="0">
+                <a:solidFill>
+                  <a:srgbClr val="000000"/>
+                </a:solidFill>
+              </a:rPr>
+              <a:t>cliente</a:t>
+            </a:r>
+            <a:r>
+              <a:rPr lang="en-US" dirty="0" smtClean="0">
+                <a:solidFill>
+                  <a:srgbClr val="000000"/>
+                </a:solidFill>
+              </a:rPr>
+              <a:t>*</a:t>
+            </a:r>
+            <a:endParaRPr lang="en-US" dirty="0">
+              <a:solidFill>
+                <a:srgbClr val="000000"/>
+              </a:solidFill>
+            </a:endParaRPr>
+          </a:p>
+        </p:txBody>
+      </p:sp>
+    </p:spTree>
+    <p:extLst>
+      <p:ext uri="{BB962C8B-B14F-4D97-AF65-F5344CB8AC3E}">
+        <p14:creationId xmlns:p14="http://schemas.microsoft.com/office/powerpoint/2010/main" val="1896188625"/>
+      </p:ext>
+    </p:extLst>
+  </p:cSld>
+  <p:clrMapOvr>
+    <a:masterClrMapping/>
+  </p:clrMapOvr>
+</p:sld>
+</file>
+
+<file path=ppt/slides/slide5.xml><?xml version="1.0" encoding="utf-8"?>
+<p:sld xmlns:a="http://schemas.openxmlformats.org/drawingml/2006/main" xmlns:r="http://schemas.openxmlformats.org/officeDocument/2006/relationships" xmlns:p="http://schemas.openxmlformats.org/presentationml/2006/main">
+  <p:cSld>
+    <p:spTree>
+      <p:nvGrpSpPr>
+        <p:cNvPr id="1" name=""/>
+        <p:cNvGrpSpPr/>
+        <p:nvPr/>
+      </p:nvGrpSpPr>
+      <p:grpSpPr>
+        <a:xfrm>
+          <a:off x="0" y="0"/>
+          <a:ext cx="0" cy="0"/>
+          <a:chOff x="0" y="0"/>
+          <a:chExt cx="0" cy="0"/>
+        </a:xfrm>
+      </p:grpSpPr>
+      <p:sp>
+        <p:nvSpPr>
+          <p:cNvPr id="3" name="CasellaDiTesto 2"/>
+          <p:cNvSpPr txBox="1"/>
+          <p:nvPr/>
+        </p:nvSpPr>
+        <p:spPr>
+          <a:xfrm>
+            <a:off x="2760544" y="471869"/>
+            <a:ext cx="3937873" cy="861774"/>
+          </a:xfrm>
+          <a:prstGeom prst="rect">
+            <a:avLst/>
+          </a:prstGeom>
+          <a:noFill/>
+        </p:spPr>
+        <p:txBody>
+          <a:bodyPr wrap="none" rtlCol="0">
+            <a:spAutoFit/>
+          </a:bodyPr>
+          <a:lstStyle/>
+          <a:p>
+            <a:pPr algn="ctr"/>
+            <a:r>
+              <a:rPr lang="it-IT" sz="3200" b="1" dirty="0">
+                <a:latin typeface="+mj-lt"/>
+              </a:rPr>
+              <a:t> </a:t>
+            </a:r>
+            <a:r>
+              <a:rPr lang="it-IT" sz="3200" b="1" dirty="0" smtClean="0">
+                <a:latin typeface="+mj-lt"/>
+              </a:rPr>
+              <a:t>Use Case Diagram 0.9</a:t>
+            </a:r>
+          </a:p>
+          <a:p>
+            <a:pPr algn="ctr"/>
+            <a:endParaRPr lang="it-IT" dirty="0">
+              <a:latin typeface="+mj-lt"/>
+            </a:endParaRPr>
+          </a:p>
+        </p:txBody>
+      </p:sp>
+      <p:pic>
+        <p:nvPicPr>
+          <p:cNvPr id="2050" name="Picture 2" descr="C:\Users\Marko\Desktop\Class_Diagram_Pagamenti (1).png"/>
+          <p:cNvPicPr>
+            <a:picLocks noChangeAspect="1" noChangeArrowheads="1"/>
+          </p:cNvPicPr>
+          <p:nvPr/>
+        </p:nvPicPr>
+        <p:blipFill>
+          <a:blip r:embed="rId2">
+            <a:extLst>
+              <a:ext uri="{28A0092B-C50C-407E-A947-70E740481C1C}">
+                <a14:useLocalDpi xmlns:a14="http://schemas.microsoft.com/office/drawing/2010/main" val="0"/>
+              </a:ext>
+            </a:extLst>
+          </a:blip>
+          <a:srcRect/>
+          <a:stretch>
+            <a:fillRect/>
+          </a:stretch>
+        </p:blipFill>
+        <p:spPr bwMode="auto">
+          <a:xfrm>
+            <a:off x="179512" y="1071391"/>
+            <a:ext cx="8652711" cy="5579826"/>
+          </a:xfrm>
+          <a:prstGeom prst="rect">
+            <a:avLst/>
+          </a:prstGeom>
+          <a:noFill/>
+          <a:extLst>
+            <a:ext uri="{909E8E84-426E-40DD-AFC4-6F175D3DCCD1}">
+              <a14:hiddenFill xmlns:a14="http://schemas.microsoft.com/office/drawing/2010/main">
+                <a:solidFill>
+                  <a:srgbClr val="FFFFFF"/>
+                </a:solidFill>
+              </a14:hiddenFill>
+            </a:ext>
+          </a:extLst>
+        </p:spPr>
+      </p:pic>
+    </p:spTree>
+    <p:extLst>
+      <p:ext uri="{BB962C8B-B14F-4D97-AF65-F5344CB8AC3E}">
+        <p14:creationId xmlns:p14="http://schemas.microsoft.com/office/powerpoint/2010/main" val="1417486241"/>
+      </p:ext>
+    </p:extLst>
+  </p:cSld>
+  <p:clrMapOvr>
+    <a:masterClrMapping/>
+  </p:clrMapOvr>
+</p:sld>
+</file>
+
+<file path=ppt/slides/slide6.xml><?xml version="1.0" encoding="utf-8"?>
+<p:sld xmlns:a="http://schemas.openxmlformats.org/drawingml/2006/main" xmlns:r="http://schemas.openxmlformats.org/officeDocument/2006/relationships" xmlns:p="http://schemas.openxmlformats.org/presentationml/2006/main">
+  <p:cSld>
+    <p:spTree>
+      <p:nvGrpSpPr>
+        <p:cNvPr id="1" name=""/>
+        <p:cNvGrpSpPr/>
+        <p:nvPr/>
+      </p:nvGrpSpPr>
+      <p:grpSpPr>
+        <a:xfrm>
+          <a:off x="0" y="0"/>
+          <a:ext cx="0" cy="0"/>
+          <a:chOff x="0" y="0"/>
+          <a:chExt cx="0" cy="0"/>
+        </a:xfrm>
+      </p:grpSpPr>
+      <p:sp>
+        <p:nvSpPr>
+          <p:cNvPr id="2" name="CasellaDiTesto 1"/>
+          <p:cNvSpPr txBox="1"/>
+          <p:nvPr/>
+        </p:nvSpPr>
+        <p:spPr>
+          <a:xfrm>
+            <a:off x="2339752" y="692696"/>
+            <a:ext cx="4392488" cy="646331"/>
+          </a:xfrm>
+          <a:prstGeom prst="rect">
+            <a:avLst/>
+          </a:prstGeom>
+          <a:noFill/>
+        </p:spPr>
+        <p:txBody>
+          <a:bodyPr wrap="square" rtlCol="0">
+            <a:spAutoFit/>
+          </a:bodyPr>
+          <a:lstStyle/>
+          <a:p>
+            <a:pPr algn="ctr"/>
+            <a:r>
+              <a:rPr lang="it-IT" sz="3600" b="1" dirty="0" smtClean="0">
+                <a:solidFill>
+                  <a:srgbClr val="000000"/>
+                </a:solidFill>
+              </a:rPr>
+              <a:t>Versione iniziale</a:t>
+            </a:r>
+            <a:endParaRPr lang="it-IT" sz="3600" b="1" dirty="0" smtClean="0">
+              <a:solidFill>
+                <a:srgbClr val="000000"/>
+              </a:solidFill>
+            </a:endParaRPr>
+          </a:p>
+        </p:txBody>
+      </p:sp>
+      <p:sp>
+        <p:nvSpPr>
+          <p:cNvPr id="9" name="Content Placeholder 3"/>
+          <p:cNvSpPr txBox="1">
+            <a:spLocks/>
+          </p:cNvSpPr>
+          <p:nvPr/>
+        </p:nvSpPr>
+        <p:spPr>
+          <a:xfrm>
+            <a:off x="298902" y="1556792"/>
+            <a:ext cx="7441450" cy="4608512"/>
+          </a:xfrm>
+          <a:prstGeom prst="rect">
+            <a:avLst/>
+          </a:prstGeom>
+        </p:spPr>
+        <p:txBody>
+          <a:bodyPr tIns="0"/>
+          <a:lstStyle>
+            <a:lvl1pPr marL="274320" indent="-274320" algn="l" rtl="0" eaLnBrk="1" latinLnBrk="0" hangingPunct="1">
+              <a:spcBef>
+                <a:spcPct val="20000"/>
+              </a:spcBef>
+              <a:buClrTx/>
+              <a:buSzPct val="95000"/>
+              <a:buFont typeface="Wingdings" pitchFamily="2" charset="2"/>
+              <a:buChar char="v"/>
+              <a:defRPr kumimoji="0" sz="2800" kern="1200">
+                <a:solidFill>
+                  <a:schemeClr val="tx1"/>
+                </a:solidFill>
+                <a:latin typeface="+mn-lt"/>
+                <a:ea typeface="+mn-ea"/>
+                <a:cs typeface="+mn-cs"/>
+              </a:defRPr>
+            </a:lvl1pPr>
+            <a:lvl2pPr marL="640080" indent="-246888" algn="l" rtl="0" eaLnBrk="1" latinLnBrk="0" hangingPunct="1">
+              <a:spcBef>
+                <a:spcPct val="20000"/>
+              </a:spcBef>
+              <a:buClrTx/>
+              <a:buSzPct val="85000"/>
+              <a:buFont typeface="Courier New" pitchFamily="49" charset="0"/>
+              <a:buChar char="o"/>
+              <a:defRPr kumimoji="0" sz="2600" kern="1200">
+                <a:solidFill>
+                  <a:schemeClr val="tx1"/>
+                </a:solidFill>
+                <a:latin typeface="+mn-lt"/>
+                <a:ea typeface="+mn-ea"/>
+                <a:cs typeface="+mn-cs"/>
+              </a:defRPr>
+            </a:lvl2pPr>
+            <a:lvl3pPr marL="914400" indent="-246888" algn="l" rtl="0" eaLnBrk="1" latinLnBrk="0" hangingPunct="1">
+              <a:spcBef>
+                <a:spcPct val="20000"/>
+              </a:spcBef>
+              <a:buClrTx/>
+              <a:buSzPct val="70000"/>
+              <a:buFont typeface="Wingdings 2"/>
+              <a:buChar char=""/>
+              <a:defRPr kumimoji="0" sz="2400" kern="1200">
+                <a:solidFill>
+                  <a:schemeClr val="tx1"/>
+                </a:solidFill>
+                <a:latin typeface="+mn-lt"/>
+                <a:ea typeface="+mn-ea"/>
+                <a:cs typeface="+mn-cs"/>
+              </a:defRPr>
+            </a:lvl3pPr>
+            <a:lvl4pPr marL="1188720" indent="-210312" algn="l" rtl="0" eaLnBrk="1" latinLnBrk="0" hangingPunct="1">
+              <a:spcBef>
+                <a:spcPct val="20000"/>
+              </a:spcBef>
+              <a:buClrTx/>
+              <a:buSzPct val="65000"/>
+              <a:buFont typeface="Wingdings 2"/>
+              <a:buChar char=""/>
+              <a:defRPr kumimoji="0" sz="2000" kern="1200">
+                <a:solidFill>
+                  <a:schemeClr val="tx1"/>
+                </a:solidFill>
+                <a:latin typeface="+mn-lt"/>
+                <a:ea typeface="+mn-ea"/>
+                <a:cs typeface="+mn-cs"/>
+              </a:defRPr>
+            </a:lvl4pPr>
+            <a:lvl5pPr marL="1463040" indent="-210312" algn="l" rtl="0" eaLnBrk="1" latinLnBrk="0" hangingPunct="1">
+              <a:spcBef>
+                <a:spcPct val="20000"/>
+              </a:spcBef>
+              <a:buClrTx/>
+              <a:buSzPct val="65000"/>
+              <a:buFont typeface="Wingdings 2"/>
+              <a:buChar char=""/>
+              <a:defRPr kumimoji="0" sz="1800" kern="1200">
+                <a:solidFill>
+                  <a:schemeClr val="tx1"/>
+                </a:solidFill>
+                <a:latin typeface="+mn-lt"/>
+                <a:ea typeface="+mn-ea"/>
+                <a:cs typeface="+mn-cs"/>
+              </a:defRPr>
+            </a:lvl5pPr>
+            <a:lvl6pPr marL="1737360" indent="-210312" algn="l" rtl="0" eaLnBrk="1" latinLnBrk="0" hangingPunct="1">
+              <a:spcBef>
+                <a:spcPct val="20000"/>
+              </a:spcBef>
+              <a:buClr>
+                <a:schemeClr val="accent5"/>
+              </a:buClr>
+              <a:buSzPct val="80000"/>
+              <a:buFont typeface="Wingdings 2"/>
+              <a:buChar char=""/>
+              <a:defRPr kumimoji="0" sz="1800" kern="1200">
+                <a:solidFill>
+                  <a:schemeClr val="tx1"/>
+                </a:solidFill>
+                <a:latin typeface="+mn-lt"/>
+                <a:ea typeface="+mn-ea"/>
+                <a:cs typeface="+mn-cs"/>
+              </a:defRPr>
+            </a:lvl6pPr>
+            <a:lvl7pPr marL="1920240" indent="-182880" algn="l" rtl="0" eaLnBrk="1" latinLnBrk="0" hangingPunct="1">
+              <a:spcBef>
+                <a:spcPct val="20000"/>
+              </a:spcBef>
+              <a:buClr>
+                <a:schemeClr val="accent6"/>
+              </a:buClr>
+              <a:buSzPct val="80000"/>
+              <a:buFont typeface="Wingdings 2"/>
+              <a:buChar char=""/>
+              <a:defRPr kumimoji="0" sz="1600" kern="1200" baseline="0">
+                <a:solidFill>
+                  <a:schemeClr val="tx1"/>
+                </a:solidFill>
+                <a:latin typeface="+mn-lt"/>
+                <a:ea typeface="+mn-ea"/>
+                <a:cs typeface="+mn-cs"/>
+              </a:defRPr>
+            </a:lvl7pPr>
+            <a:lvl8pPr marL="2194560" indent="-182880" algn="l" rtl="0" eaLnBrk="1" latinLnBrk="0" hangingPunct="1">
+              <a:spcBef>
+                <a:spcPct val="20000"/>
+              </a:spcBef>
+              <a:buClr>
+                <a:schemeClr val="tx2"/>
+              </a:buClr>
+              <a:buChar char="•"/>
+              <a:defRPr kumimoji="0" sz="1600" kern="1200">
+                <a:solidFill>
+                  <a:schemeClr val="tx1"/>
+                </a:solidFill>
+                <a:latin typeface="+mn-lt"/>
+                <a:ea typeface="+mn-ea"/>
+                <a:cs typeface="+mn-cs"/>
+              </a:defRPr>
+            </a:lvl8pPr>
+            <a:lvl9pPr marL="2468880" indent="-182880" algn="l" rtl="0" eaLnBrk="1" latinLnBrk="0" hangingPunct="1">
+              <a:spcBef>
+                <a:spcPct val="20000"/>
+              </a:spcBef>
+              <a:buClr>
+                <a:schemeClr val="tx2"/>
+              </a:buClr>
+              <a:buFontTx/>
+              <a:buChar char="•"/>
+              <a:defRPr kumimoji="0" sz="1400" kern="1200" baseline="0">
+                <a:solidFill>
+                  <a:schemeClr val="tx1"/>
+                </a:solidFill>
+                <a:latin typeface="+mn-lt"/>
+                <a:ea typeface="+mn-ea"/>
+                <a:cs typeface="+mn-cs"/>
+              </a:defRPr>
+            </a:lvl9pPr>
+          </a:lstStyle>
+          <a:p>
+            <a:r>
+              <a:rPr lang="it-IT" dirty="0" smtClean="0">
+                <a:solidFill>
+                  <a:srgbClr val="000000"/>
+                </a:solidFill>
+              </a:rPr>
+              <a:t> Cosa non va: genitore non può pagare online ma deve pagare con bancomat allo sportello dell’asilo perché scritto sul bando o detto dal cliente*</a:t>
+            </a:r>
+          </a:p>
+          <a:p>
+            <a:r>
+              <a:rPr lang="it-IT" dirty="0" smtClean="0">
+                <a:solidFill>
+                  <a:srgbClr val="000000"/>
+                </a:solidFill>
+              </a:rPr>
+              <a:t>   Gestione della cauzione: chiedere perché*</a:t>
+            </a:r>
+          </a:p>
+          <a:p>
+            <a:pPr marL="0" indent="0">
+              <a:buNone/>
+            </a:pPr>
+            <a:r>
+              <a:rPr lang="it-IT" dirty="0" smtClean="0">
+                <a:solidFill>
+                  <a:srgbClr val="000000"/>
+                </a:solidFill>
+              </a:rPr>
+              <a:t>	</a:t>
+            </a:r>
+          </a:p>
+        </p:txBody>
+      </p:sp>
+    </p:spTree>
+    <p:extLst>
+      <p:ext uri="{BB962C8B-B14F-4D97-AF65-F5344CB8AC3E}">
+        <p14:creationId xmlns:p14="http://schemas.microsoft.com/office/powerpoint/2010/main" val="3516333073"/>
+      </p:ext>
+    </p:extLst>
+  </p:cSld>
+  <p:clrMapOvr>
+    <a:masterClrMapping/>
+  </p:clrMapOvr>
+  <mc:AlternateContent xmlns:mc="http://schemas.openxmlformats.org/markup-compatibility/2006" xmlns:p14="http://schemas.microsoft.com/office/powerpoint/2010/main">
+    <mc:Choice Requires="p14">
+      <p:transition spd="slow" p14:dur="2000"/>
+    </mc:Choice>
+    <mc:Fallback xmlns="">
+      <p:transition spd="slow"/>
+    </mc:Fallback>
+  </mc:AlternateContent>
+  <p:timing>
+    <p:tnLst>
+      <p:par>
+        <p:cTn id="1" dur="indefinite" restart="never" nodeType="tmRoot"/>
+      </p:par>
+    </p:tnLst>
+  </p:timing>
+</p:sld>
+</file>
+
+<file path=ppt/slides/slide7.xml><?xml version="1.0" encoding="utf-8"?>
+<p:sld xmlns:a="http://schemas.openxmlformats.org/drawingml/2006/main" xmlns:r="http://schemas.openxmlformats.org/officeDocument/2006/relationships" xmlns:p="http://schemas.openxmlformats.org/presentationml/2006/main">
+  <p:cSld>
+    <p:spTree>
+      <p:nvGrpSpPr>
+        <p:cNvPr id="1" name=""/>
+        <p:cNvGrpSpPr/>
+        <p:nvPr/>
+      </p:nvGrpSpPr>
+      <p:grpSpPr>
+        <a:xfrm>
+          <a:off x="0" y="0"/>
+          <a:ext cx="0" cy="0"/>
+          <a:chOff x="0" y="0"/>
+          <a:chExt cx="0" cy="0"/>
+        </a:xfrm>
+      </p:grpSpPr>
+      <p:sp>
+        <p:nvSpPr>
+          <p:cNvPr id="2" name="CasellaDiTesto 1"/>
+          <p:cNvSpPr txBox="1"/>
+          <p:nvPr/>
+        </p:nvSpPr>
+        <p:spPr>
+          <a:xfrm>
+            <a:off x="2431274" y="476672"/>
+            <a:ext cx="4596451" cy="830997"/>
+          </a:xfrm>
+          <a:prstGeom prst="rect">
+            <a:avLst/>
+          </a:prstGeom>
+          <a:noFill/>
+        </p:spPr>
+        <p:txBody>
+          <a:bodyPr wrap="none" rtlCol="0">
+            <a:spAutoFit/>
+          </a:bodyPr>
+          <a:lstStyle/>
+          <a:p>
+            <a:pPr algn="ctr"/>
+            <a:r>
+              <a:rPr lang="it-IT" sz="2400" b="1" dirty="0" smtClean="0">
+                <a:latin typeface="+mj-lt"/>
+              </a:rPr>
+              <a:t>Problemi nella gestione degli extra</a:t>
+            </a:r>
+          </a:p>
+          <a:p>
+            <a:pPr algn="ctr"/>
+            <a:endParaRPr lang="it-IT" sz="2400" dirty="0">
+              <a:latin typeface="+mj-lt"/>
+            </a:endParaRPr>
+          </a:p>
+        </p:txBody>
+      </p:sp>
+    </p:spTree>
+    <p:extLst>
+      <p:ext uri="{BB962C8B-B14F-4D97-AF65-F5344CB8AC3E}">
+        <p14:creationId xmlns:p14="http://schemas.microsoft.com/office/powerpoint/2010/main" val="1431001417"/>
+      </p:ext>
+    </p:extLst>
+  </p:cSld>
+  <p:clrMapOvr>
+    <a:masterClrMapping/>
+  </p:clrMapOvr>
+</p:sld>
+</file>
+
+<file path=ppt/slides/slide8.xml><?xml version="1.0" encoding="utf-8"?>
 <p:sld xmlns:a="http://schemas.openxmlformats.org/drawingml/2006/main" xmlns:r="http://schemas.openxmlformats.org/officeDocument/2006/relationships" xmlns:p="http://schemas.openxmlformats.org/presentationml/2006/main">
   <p:cSld>
     <p:spTree>
@@ -5810,8 +7245,8 @@
         </p:blipFill>
         <p:spPr bwMode="auto">
           <a:xfrm>
-            <a:off x="443230" y="1345724"/>
-            <a:ext cx="8572500" cy="5334000"/>
+            <a:off x="467544" y="1345724"/>
+            <a:ext cx="8208912" cy="5512276"/>
           </a:xfrm>
           <a:prstGeom prst="rect">
             <a:avLst/>
@@ -5831,7 +7266,185 @@
     </p:spTree>
     <p:extLst>
       <p:ext uri="{BB962C8B-B14F-4D97-AF65-F5344CB8AC3E}">
-        <p14:creationId xmlns:p14="http://schemas.microsoft.com/office/powerpoint/2010/main" val="1417486241"/>
+        <p14:creationId xmlns:p14="http://schemas.microsoft.com/office/powerpoint/2010/main" val="1824602548"/>
+      </p:ext>
+    </p:extLst>
+  </p:cSld>
+  <p:clrMapOvr>
+    <a:masterClrMapping/>
+  </p:clrMapOvr>
+</p:sld>
+</file>
+
+<file path=ppt/slides/slide9.xml><?xml version="1.0" encoding="utf-8"?>
+<p:sld xmlns:a="http://schemas.openxmlformats.org/drawingml/2006/main" xmlns:r="http://schemas.openxmlformats.org/officeDocument/2006/relationships" xmlns:p="http://schemas.openxmlformats.org/presentationml/2006/main">
+  <p:cSld>
+    <p:spTree>
+      <p:nvGrpSpPr>
+        <p:cNvPr id="1" name=""/>
+        <p:cNvGrpSpPr/>
+        <p:nvPr/>
+      </p:nvGrpSpPr>
+      <p:grpSpPr>
+        <a:xfrm>
+          <a:off x="0" y="0"/>
+          <a:ext cx="0" cy="0"/>
+          <a:chOff x="0" y="0"/>
+          <a:chExt cx="0" cy="0"/>
+        </a:xfrm>
+      </p:grpSpPr>
+      <p:sp>
+        <p:nvSpPr>
+          <p:cNvPr id="3" name="CasellaDiTesto 2"/>
+          <p:cNvSpPr txBox="1"/>
+          <p:nvPr/>
+        </p:nvSpPr>
+        <p:spPr>
+          <a:xfrm>
+            <a:off x="3203848" y="692696"/>
+            <a:ext cx="2694777" cy="861774"/>
+          </a:xfrm>
+          <a:prstGeom prst="rect">
+            <a:avLst/>
+          </a:prstGeom>
+          <a:noFill/>
+        </p:spPr>
+        <p:txBody>
+          <a:bodyPr wrap="none" rtlCol="0">
+            <a:spAutoFit/>
+          </a:bodyPr>
+          <a:lstStyle/>
+          <a:p>
+            <a:pPr algn="ctr"/>
+            <a:r>
+              <a:rPr lang="it-IT" sz="3200" b="1" dirty="0">
+                <a:latin typeface="+mj-lt"/>
+              </a:rPr>
+              <a:t> </a:t>
+            </a:r>
+            <a:r>
+              <a:rPr lang="it-IT" sz="3200" b="1" dirty="0" smtClean="0">
+                <a:latin typeface="+mj-lt"/>
+              </a:rPr>
+              <a:t>Procediamo??</a:t>
+            </a:r>
+            <a:endParaRPr lang="it-IT" sz="3200" b="1" dirty="0" smtClean="0">
+              <a:latin typeface="+mj-lt"/>
+            </a:endParaRPr>
+          </a:p>
+          <a:p>
+            <a:pPr algn="ctr"/>
+            <a:endParaRPr lang="it-IT" dirty="0">
+              <a:latin typeface="+mj-lt"/>
+            </a:endParaRPr>
+          </a:p>
+        </p:txBody>
+      </p:sp>
+      <p:pic>
+        <p:nvPicPr>
+          <p:cNvPr id="2050" name="Picture 2" descr="C:\Users\Marko\Desktop\man-with-stop-sign-04.png"/>
+          <p:cNvPicPr>
+            <a:picLocks noChangeAspect="1" noChangeArrowheads="1"/>
+          </p:cNvPicPr>
+          <p:nvPr/>
+        </p:nvPicPr>
+        <p:blipFill>
+          <a:blip r:embed="rId2" cstate="print">
+            <a:extLst>
+              <a:ext uri="{28A0092B-C50C-407E-A947-70E740481C1C}">
+                <a14:useLocalDpi xmlns:a14="http://schemas.microsoft.com/office/drawing/2010/main" val="0"/>
+              </a:ext>
+            </a:extLst>
+          </a:blip>
+          <a:srcRect/>
+          <a:stretch>
+            <a:fillRect/>
+          </a:stretch>
+        </p:blipFill>
+        <p:spPr bwMode="auto">
+          <a:xfrm>
+            <a:off x="6084168" y="836712"/>
+            <a:ext cx="2592288" cy="2592288"/>
+          </a:xfrm>
+          <a:prstGeom prst="rect">
+            <a:avLst/>
+          </a:prstGeom>
+          <a:noFill/>
+          <a:extLst>
+            <a:ext uri="{909E8E84-426E-40DD-AFC4-6F175D3DCCD1}">
+              <a14:hiddenFill xmlns:a14="http://schemas.microsoft.com/office/drawing/2010/main">
+                <a:solidFill>
+                  <a:srgbClr val="FFFFFF"/>
+                </a:solidFill>
+              </a14:hiddenFill>
+            </a:ext>
+          </a:extLst>
+        </p:spPr>
+      </p:pic>
+      <p:sp>
+        <p:nvSpPr>
+          <p:cNvPr id="2" name="CasellaDiTesto 1"/>
+          <p:cNvSpPr txBox="1"/>
+          <p:nvPr/>
+        </p:nvSpPr>
+        <p:spPr>
+          <a:xfrm>
+            <a:off x="4538242" y="1735430"/>
+            <a:ext cx="864096" cy="523220"/>
+          </a:xfrm>
+          <a:prstGeom prst="rect">
+            <a:avLst/>
+          </a:prstGeom>
+          <a:noFill/>
+        </p:spPr>
+        <p:txBody>
+          <a:bodyPr wrap="square" rtlCol="0">
+            <a:spAutoFit/>
+          </a:bodyPr>
+          <a:lstStyle/>
+          <a:p>
+            <a:r>
+              <a:rPr lang="it-IT" sz="2800" b="1" dirty="0" smtClean="0"/>
+              <a:t>No!</a:t>
+            </a:r>
+            <a:endParaRPr lang="it-IT" sz="2800" b="1" dirty="0"/>
+          </a:p>
+        </p:txBody>
+      </p:sp>
+      <p:sp>
+        <p:nvSpPr>
+          <p:cNvPr id="4" name="CasellaDiTesto 3"/>
+          <p:cNvSpPr txBox="1"/>
+          <p:nvPr/>
+        </p:nvSpPr>
+        <p:spPr>
+          <a:xfrm>
+            <a:off x="1115616" y="4005064"/>
+            <a:ext cx="5544616" cy="369332"/>
+          </a:xfrm>
+          <a:prstGeom prst="rect">
+            <a:avLst/>
+          </a:prstGeom>
+          <a:noFill/>
+        </p:spPr>
+        <p:txBody>
+          <a:bodyPr wrap="square" rtlCol="0">
+            <a:spAutoFit/>
+          </a:bodyPr>
+          <a:lstStyle/>
+          <a:p>
+            <a:r>
+              <a:rPr lang="it-IT" dirty="0" smtClean="0"/>
+              <a:t>C’è da rivedere un’altra cosa:*</a:t>
+            </a:r>
+            <a:endParaRPr lang="it-IT" dirty="0"/>
+          </a:p>
+        </p:txBody>
+      </p:sp>
+    </p:spTree>
+    <p:extLst>
+      <p:ext uri="{BB962C8B-B14F-4D97-AF65-F5344CB8AC3E}">
+        <p14:creationId xmlns:p14="http://schemas.microsoft.com/office/powerpoint/2010/main" val="3719780262"/>
       </p:ext>
     </p:extLst>
   </p:cSld>

--- a/Presentazione/Atsilo2/Parisi/Atsilo_M_Parisi.pptx
+++ b/Presentazione/Atsilo2/Parisi/Atsilo_M_Parisi.pptx
@@ -122,6 +122,64 @@
 </p:presentation>
 </file>
 
+<file path=ppt/commentAuthors.xml><?xml version="1.0" encoding="utf-8"?>
+<p:cmAuthorLst xmlns:a="http://schemas.openxmlformats.org/drawingml/2006/main" xmlns:r="http://schemas.openxmlformats.org/officeDocument/2006/relationships" xmlns:p="http://schemas.openxmlformats.org/presentationml/2006/main">
+  <p:cmAuthor id="0" name="Giulio" initials="GF" lastIdx="6" clrIdx="0"/>
+</p:cmAuthorLst>
+</file>
+
+<file path=ppt/comments/comment1.xml><?xml version="1.0" encoding="utf-8"?>
+<p:cmLst xmlns:a="http://schemas.openxmlformats.org/drawingml/2006/main" xmlns:r="http://schemas.openxmlformats.org/officeDocument/2006/relationships" xmlns:p="http://schemas.openxmlformats.org/presentationml/2006/main">
+  <p:cm authorId="0" dt="2012-12-30T15:26:13.468" idx="1">
+    <p:pos x="10" y="10"/>
+    <p:text>Oltre a questo, ti conviene prepararti una parte da dire, per illustrare sinteticamente gli scopi della funzionalità.
+Quello che devi dire, ma non deve stare sulla slide, lo puoi mettere nella parte sotto, dove dice "Fare clic per inserire le note". Quello che scrivi in questa parte lo vedi tu, ma non viene proiettato.
+Per spiegare la ragione del trattamento di questo requisito, potresti mettere qualche indicazione dimensionale, che puoi prendere dalla misurazione Cosmic, che carichero quanto prima nella sezione download di google code.</p:text>
+  </p:cm>
+</p:cmLst>
+</file>
+
+<file path=ppt/comments/comment2.xml><?xml version="1.0" encoding="utf-8"?>
+<p:cmLst xmlns:a="http://schemas.openxmlformats.org/drawingml/2006/main" xmlns:r="http://schemas.openxmlformats.org/officeDocument/2006/relationships" xmlns:p="http://schemas.openxmlformats.org/presentationml/2006/main">
+  <p:cm authorId="0" dt="2012-12-30T15:29:07.260" idx="6">
+    <p:pos x="10" y="10"/>
+    <p:text>LOL</p:text>
+  </p:cm>
+</p:cmLst>
+</file>
+
+<file path=ppt/comments/comment3.xml><?xml version="1.0" encoding="utf-8"?>
+<p:cmLst xmlns:a="http://schemas.openxmlformats.org/drawingml/2006/main" xmlns:r="http://schemas.openxmlformats.org/officeDocument/2006/relationships" xmlns:p="http://schemas.openxmlformats.org/presentationml/2006/main">
+  <p:cm authorId="0" dt="2012-12-30T15:26:42.006" idx="2">
+    <p:pos x="10" y="10"/>
+    <p:text>O scrivi Problem e Solution
+o Problema e Soluzione</p:text>
+  </p:cm>
+  <p:cm authorId="0" dt="2012-12-30T15:26:57.375" idx="3">
+    <p:pos x="4162" y="3018"/>
+    <p:text>che è st'asterisco?</p:text>
+  </p:cm>
+</p:cmLst>
+</file>
+
+<file path=ppt/comments/comment4.xml><?xml version="1.0" encoding="utf-8"?>
+<p:cmLst xmlns:a="http://schemas.openxmlformats.org/drawingml/2006/main" xmlns:r="http://schemas.openxmlformats.org/officeDocument/2006/relationships" xmlns:p="http://schemas.openxmlformats.org/presentationml/2006/main">
+  <p:cm authorId="0" dt="2012-12-30T15:28:13.605" idx="4">
+    <p:pos x="10" y="10"/>
+    <p:text>Francesco ha strutturato la sua presentazione presentando le funzionalità divise per attore. Mi sembra un'idea che potresti adottare anche tu. Ad ogni modo, vi consiglio di confrontarvi, per prendere l'uno le idee migliori dell'altro.</p:text>
+  </p:cm>
+</p:cmLst>
+</file>
+
+<file path=ppt/comments/comment5.xml><?xml version="1.0" encoding="utf-8"?>
+<p:cmLst xmlns:a="http://schemas.openxmlformats.org/drawingml/2006/main" xmlns:r="http://schemas.openxmlformats.org/officeDocument/2006/relationships" xmlns:p="http://schemas.openxmlformats.org/presentationml/2006/main">
+  <p:cm authorId="0" dt="2012-12-30T15:28:33.370" idx="5">
+    <p:pos x="10" y="10"/>
+    <p:text>Prova a mettere, oltre a questa slide, due slide, in cui dividi il sequence in due parti.</p:text>
+  </p:cm>
+</p:cmLst>
+</file>
+
 <file path=ppt/notesMasters/notesMaster1.xml><?xml version="1.0" encoding="utf-8"?>
 <p:notesMaster xmlns:a="http://schemas.openxmlformats.org/drawingml/2006/main" xmlns:r="http://schemas.openxmlformats.org/officeDocument/2006/relationships" xmlns:p="http://schemas.openxmlformats.org/presentationml/2006/main">
   <p:cSld>
@@ -204,6 +262,7 @@
           <a:p>
             <a:fld id="{38D78F4D-402C-46E0-A4BB-DF91EA86B14C}" type="datetimeFigureOut">
               <a:rPr lang="it-IT" smtClean="0"/>
+              <a:pPr/>
               <a:t>30/12/2012</a:t>
             </a:fld>
             <a:endParaRPr lang="it-IT"/>
@@ -363,6 +422,7 @@
           <a:p>
             <a:fld id="{D70604CA-7593-4640-8FA1-5523937B8510}" type="slidenum">
               <a:rPr lang="it-IT" smtClean="0"/>
+              <a:pPr/>
               <a:t>‹N›</a:t>
             </a:fld>
             <a:endParaRPr lang="it-IT"/>
@@ -372,7 +432,7 @@
     </p:spTree>
     <p:extLst>
       <p:ext uri="{BB962C8B-B14F-4D97-AF65-F5344CB8AC3E}">
-        <p14:creationId xmlns:p14="http://schemas.microsoft.com/office/powerpoint/2010/main" val="2126419590"/>
+        <p14:creationId xmlns:p14="http://schemas.microsoft.com/office/powerpoint/2010/main" xmlns="" val="2126419590"/>
       </p:ext>
     </p:extLst>
   </p:cSld>
@@ -637,6 +697,7 @@
           <a:p>
             <a:fld id="{63CABBC0-75E4-43BB-A6A6-84C2A96BDB82}" type="datetimeFigureOut">
               <a:rPr lang="it-IT" smtClean="0"/>
+              <a:pPr/>
               <a:t>30/12/2012</a:t>
             </a:fld>
             <a:endParaRPr lang="it-IT"/>
@@ -679,6 +740,7 @@
           <a:p>
             <a:fld id="{F89AEA99-3E91-4C58-9AD4-045DB5619AC3}" type="slidenum">
               <a:rPr lang="it-IT" smtClean="0"/>
+              <a:pPr/>
               <a:t>‹N›</a:t>
             </a:fld>
             <a:endParaRPr lang="it-IT"/>
@@ -817,6 +879,7 @@
           <a:p>
             <a:fld id="{63CABBC0-75E4-43BB-A6A6-84C2A96BDB82}" type="datetimeFigureOut">
               <a:rPr lang="it-IT" smtClean="0"/>
+              <a:pPr/>
               <a:t>30/12/2012</a:t>
             </a:fld>
             <a:endParaRPr lang="it-IT"/>
@@ -859,6 +922,7 @@
           <a:p>
             <a:fld id="{F89AEA99-3E91-4C58-9AD4-045DB5619AC3}" type="slidenum">
               <a:rPr lang="it-IT" smtClean="0"/>
+              <a:pPr/>
               <a:t>‹N›</a:t>
             </a:fld>
             <a:endParaRPr lang="it-IT"/>
@@ -1007,6 +1071,7 @@
           <a:p>
             <a:fld id="{63CABBC0-75E4-43BB-A6A6-84C2A96BDB82}" type="datetimeFigureOut">
               <a:rPr lang="it-IT" smtClean="0"/>
+              <a:pPr/>
               <a:t>30/12/2012</a:t>
             </a:fld>
             <a:endParaRPr lang="it-IT"/>
@@ -1049,6 +1114,7 @@
           <a:p>
             <a:fld id="{F89AEA99-3E91-4C58-9AD4-045DB5619AC3}" type="slidenum">
               <a:rPr lang="it-IT" smtClean="0"/>
+              <a:pPr/>
               <a:t>‹N›</a:t>
             </a:fld>
             <a:endParaRPr lang="it-IT"/>
@@ -1187,6 +1253,7 @@
           <a:p>
             <a:fld id="{63CABBC0-75E4-43BB-A6A6-84C2A96BDB82}" type="datetimeFigureOut">
               <a:rPr lang="it-IT" smtClean="0"/>
+              <a:pPr/>
               <a:t>30/12/2012</a:t>
             </a:fld>
             <a:endParaRPr lang="it-IT"/>
@@ -1229,6 +1296,7 @@
           <a:p>
             <a:fld id="{F89AEA99-3E91-4C58-9AD4-045DB5619AC3}" type="slidenum">
               <a:rPr lang="it-IT" smtClean="0"/>
+              <a:pPr/>
               <a:t>‹N›</a:t>
             </a:fld>
             <a:endParaRPr lang="it-IT"/>
@@ -1428,6 +1496,7 @@
           <a:p>
             <a:fld id="{63CABBC0-75E4-43BB-A6A6-84C2A96BDB82}" type="datetimeFigureOut">
               <a:rPr lang="it-IT" smtClean="0"/>
+              <a:pPr/>
               <a:t>30/12/2012</a:t>
             </a:fld>
             <a:endParaRPr lang="it-IT"/>
@@ -1470,6 +1539,7 @@
           <a:p>
             <a:fld id="{F89AEA99-3E91-4C58-9AD4-045DB5619AC3}" type="slidenum">
               <a:rPr lang="it-IT" smtClean="0"/>
+              <a:pPr/>
               <a:t>‹N›</a:t>
             </a:fld>
             <a:endParaRPr lang="it-IT"/>
@@ -1707,6 +1777,7 @@
           <a:p>
             <a:fld id="{63CABBC0-75E4-43BB-A6A6-84C2A96BDB82}" type="datetimeFigureOut">
               <a:rPr lang="it-IT" smtClean="0"/>
+              <a:pPr/>
               <a:t>30/12/2012</a:t>
             </a:fld>
             <a:endParaRPr lang="it-IT"/>
@@ -1749,6 +1820,7 @@
           <a:p>
             <a:fld id="{F89AEA99-3E91-4C58-9AD4-045DB5619AC3}" type="slidenum">
               <a:rPr lang="it-IT" smtClean="0"/>
+              <a:pPr/>
               <a:t>‹N›</a:t>
             </a:fld>
             <a:endParaRPr lang="it-IT"/>
@@ -2096,6 +2168,7 @@
           <a:p>
             <a:fld id="{63CABBC0-75E4-43BB-A6A6-84C2A96BDB82}" type="datetimeFigureOut">
               <a:rPr lang="it-IT" smtClean="0"/>
+              <a:pPr/>
               <a:t>30/12/2012</a:t>
             </a:fld>
             <a:endParaRPr lang="it-IT"/>
@@ -2138,6 +2211,7 @@
           <a:p>
             <a:fld id="{F89AEA99-3E91-4C58-9AD4-045DB5619AC3}" type="slidenum">
               <a:rPr lang="it-IT" smtClean="0"/>
+              <a:pPr/>
               <a:t>‹N›</a:t>
             </a:fld>
             <a:endParaRPr lang="it-IT"/>
@@ -2253,6 +2327,7 @@
           <a:p>
             <a:fld id="{63CABBC0-75E4-43BB-A6A6-84C2A96BDB82}" type="datetimeFigureOut">
               <a:rPr lang="it-IT" smtClean="0"/>
+              <a:pPr/>
               <a:t>30/12/2012</a:t>
             </a:fld>
             <a:endParaRPr lang="it-IT"/>
@@ -2295,6 +2370,7 @@
           <a:p>
             <a:fld id="{F89AEA99-3E91-4C58-9AD4-045DB5619AC3}" type="slidenum">
               <a:rPr lang="it-IT" smtClean="0"/>
+              <a:pPr/>
               <a:t>‹N›</a:t>
             </a:fld>
             <a:endParaRPr lang="it-IT"/>
@@ -2350,6 +2426,7 @@
           <a:p>
             <a:fld id="{63CABBC0-75E4-43BB-A6A6-84C2A96BDB82}" type="datetimeFigureOut">
               <a:rPr lang="it-IT" smtClean="0"/>
+              <a:pPr/>
               <a:t>30/12/2012</a:t>
             </a:fld>
             <a:endParaRPr lang="it-IT"/>
@@ -2392,6 +2469,7 @@
           <a:p>
             <a:fld id="{F89AEA99-3E91-4C58-9AD4-045DB5619AC3}" type="slidenum">
               <a:rPr lang="it-IT" smtClean="0"/>
+              <a:pPr/>
               <a:t>‹N›</a:t>
             </a:fld>
             <a:endParaRPr lang="it-IT"/>
@@ -2618,6 +2696,7 @@
           <a:p>
             <a:fld id="{63CABBC0-75E4-43BB-A6A6-84C2A96BDB82}" type="datetimeFigureOut">
               <a:rPr lang="it-IT" smtClean="0"/>
+              <a:pPr/>
               <a:t>30/12/2012</a:t>
             </a:fld>
             <a:endParaRPr lang="it-IT"/>
@@ -2660,6 +2739,7 @@
           <a:p>
             <a:fld id="{F89AEA99-3E91-4C58-9AD4-045DB5619AC3}" type="slidenum">
               <a:rPr lang="it-IT" smtClean="0"/>
+              <a:pPr/>
               <a:t>‹N›</a:t>
             </a:fld>
             <a:endParaRPr lang="it-IT"/>
@@ -2913,6 +2993,7 @@
           <a:p>
             <a:fld id="{63CABBC0-75E4-43BB-A6A6-84C2A96BDB82}" type="datetimeFigureOut">
               <a:rPr lang="it-IT" smtClean="0"/>
+              <a:pPr/>
               <a:t>30/12/2012</a:t>
             </a:fld>
             <a:endParaRPr lang="it-IT"/>
@@ -2960,6 +3041,7 @@
           <a:p>
             <a:fld id="{F89AEA99-3E91-4C58-9AD4-045DB5619AC3}" type="slidenum">
               <a:rPr lang="it-IT" smtClean="0"/>
+              <a:pPr/>
               <a:t>‹N›</a:t>
             </a:fld>
             <a:endParaRPr lang="it-IT"/>
@@ -3691,6 +3773,7 @@
           <a:p>
             <a:fld id="{63CABBC0-75E4-43BB-A6A6-84C2A96BDB82}" type="datetimeFigureOut">
               <a:rPr lang="it-IT" smtClean="0"/>
+              <a:pPr/>
               <a:t>30/12/2012</a:t>
             </a:fld>
             <a:endParaRPr lang="it-IT"/>
@@ -3769,6 +3852,7 @@
           <a:p>
             <a:fld id="{F89AEA99-3E91-4C58-9AD4-045DB5619AC3}" type="slidenum">
               <a:rPr lang="it-IT" smtClean="0"/>
+              <a:pPr/>
               <a:t>‹N›</a:t>
             </a:fld>
             <a:endParaRPr lang="it-IT"/>
@@ -4373,14 +4457,14 @@
           <p:nvPr>
             <p:extLst>
               <p:ext uri="{D42A27DB-BD31-4B8C-83A1-F6EECF244321}">
-                <p14:modId xmlns:p14="http://schemas.microsoft.com/office/powerpoint/2010/main" val="4257878942"/>
+                <p14:modId xmlns:p14="http://schemas.microsoft.com/office/powerpoint/2010/main" xmlns="" val="4257878942"/>
               </p:ext>
             </p:extLst>
           </p:nvPr>
         </p:nvGraphicFramePr>
         <p:xfrm>
-          <a:off x="29313" y="5042215"/>
-          <a:ext cx="2051720" cy="1981200"/>
+          <a:off x="179512" y="5517232"/>
+          <a:ext cx="2051720" cy="1188720"/>
         </p:xfrm>
         <a:graphic>
           <a:graphicData uri="http://schemas.openxmlformats.org/drawingml/2006/table">
@@ -4471,57 +4555,13 @@
                         <a:rPr lang="it-IT" sz="1400" dirty="0" smtClean="0">
                           <a:effectLst/>
                         </a:rPr>
-                        <a:t>..</a:t>
+                        <a:t>&lt;matricola</a:t>
                       </a:r>
-                      <a:endParaRPr lang="it-IT" sz="1400" dirty="0">
-                        <a:effectLst/>
-                      </a:endParaRPr>
-                    </a:p>
-                  </a:txBody>
-                  <a:tcPr marL="38100" marR="38100" marT="38100" marB="38100"/>
-                </a:tc>
-              </a:tr>
-              <a:tr h="0">
-                <a:tc>
-                  <a:txBody>
-                    <a:bodyPr/>
-                    <a:lstStyle/>
-                    <a:p>
-                      <a:pPr algn="ctr" rtl="0">
-                        <a:lnSpc>
-                          <a:spcPct val="150000"/>
-                        </a:lnSpc>
-                      </a:pPr>
                       <a:r>
-                        <a:rPr lang="it-IT" sz="1400" dirty="0" smtClean="0">
+                        <a:rPr lang="it-IT" sz="1400" baseline="0" dirty="0" smtClean="0">
                           <a:effectLst/>
                         </a:rPr>
-                        <a:t>..</a:t>
-                      </a:r>
-                      <a:endParaRPr lang="it-IT" sz="1400" dirty="0">
-                        <a:effectLst/>
-                      </a:endParaRPr>
-                    </a:p>
-                  </a:txBody>
-                  <a:tcPr marL="38100" marR="38100" marT="38100" marB="38100"/>
-                </a:tc>
-              </a:tr>
-              <a:tr h="0">
-                <a:tc>
-                  <a:txBody>
-                    <a:bodyPr/>
-                    <a:lstStyle/>
-                    <a:p>
-                      <a:pPr algn="ctr" rtl="0">
-                        <a:lnSpc>
-                          <a:spcPct val="150000"/>
-                        </a:lnSpc>
-                      </a:pPr>
-                      <a:r>
-                        <a:rPr lang="it-IT" sz="1400" dirty="0" smtClean="0">
-                          <a:effectLst/>
-                        </a:rPr>
-                        <a:t>..</a:t>
+                        <a:t> qui&gt;</a:t>
                       </a:r>
                       <a:endParaRPr lang="it-IT" sz="1400" dirty="0">
                         <a:effectLst/>
@@ -4544,13 +4584,13 @@
           <p:nvPr>
             <p:extLst>
               <p:ext uri="{D42A27DB-BD31-4B8C-83A1-F6EECF244321}">
-                <p14:modId xmlns:p14="http://schemas.microsoft.com/office/powerpoint/2010/main" val="3696521689"/>
+                <p14:modId xmlns:p14="http://schemas.microsoft.com/office/powerpoint/2010/main" xmlns="" val="3696521689"/>
               </p:ext>
             </p:extLst>
           </p:nvPr>
         </p:nvGraphicFramePr>
         <p:xfrm>
-          <a:off x="7092280" y="6060793"/>
+          <a:off x="6948264" y="5877272"/>
           <a:ext cx="2051720" cy="792480"/>
         </p:xfrm>
         <a:graphic>
@@ -4631,10 +4671,10 @@
           <p:nvPr/>
         </p:nvPicPr>
         <p:blipFill>
-          <a:blip r:embed="rId2">
+          <a:blip r:embed="rId2" cstate="print">
             <a:extLst>
               <a:ext uri="{28A0092B-C50C-407E-A947-70E740481C1C}">
-                <a14:useLocalDpi xmlns:a14="http://schemas.microsoft.com/office/drawing/2010/main" val="0"/>
+                <a14:useLocalDpi xmlns:a14="http://schemas.microsoft.com/office/drawing/2010/main" xmlns="" val="0"/>
               </a:ext>
             </a:extLst>
           </a:blip>
@@ -4654,7 +4694,7 @@
           <a:noFill/>
           <a:extLst>
             <a:ext uri="{909E8E84-426E-40DD-AFC4-6F175D3DCCD1}">
-              <a14:hiddenFill xmlns:a14="http://schemas.microsoft.com/office/drawing/2010/main">
+              <a14:hiddenFill xmlns:a14="http://schemas.microsoft.com/office/drawing/2010/main" xmlns="">
                 <a:solidFill>
                   <a:srgbClr val="FFFFFF"/>
                 </a:solidFill>
@@ -4666,7 +4706,7 @@
     </p:spTree>
     <p:extLst>
       <p:ext uri="{BB962C8B-B14F-4D97-AF65-F5344CB8AC3E}">
-        <p14:creationId xmlns:p14="http://schemas.microsoft.com/office/powerpoint/2010/main" val="4165334171"/>
+        <p14:creationId xmlns:p14="http://schemas.microsoft.com/office/powerpoint/2010/main" xmlns="" val="4165334171"/>
       </p:ext>
     </p:extLst>
   </p:cSld>
@@ -4753,10 +4793,10 @@
           <p:nvPr/>
         </p:nvPicPr>
         <p:blipFill>
-          <a:blip r:embed="rId2">
+          <a:blip r:embed="rId2" cstate="print">
             <a:extLst>
               <a:ext uri="{28A0092B-C50C-407E-A947-70E740481C1C}">
-                <a14:useLocalDpi xmlns:a14="http://schemas.microsoft.com/office/drawing/2010/main" val="0"/>
+                <a14:useLocalDpi xmlns:a14="http://schemas.microsoft.com/office/drawing/2010/main" xmlns="" val="0"/>
               </a:ext>
             </a:extLst>
           </a:blip>
@@ -4776,7 +4816,7 @@
           <a:noFill/>
           <a:extLst>
             <a:ext uri="{909E8E84-426E-40DD-AFC4-6F175D3DCCD1}">
-              <a14:hiddenFill xmlns:a14="http://schemas.microsoft.com/office/drawing/2010/main">
+              <a14:hiddenFill xmlns:a14="http://schemas.microsoft.com/office/drawing/2010/main" xmlns="">
                 <a:solidFill>
                   <a:srgbClr val="FFFFFF"/>
                 </a:solidFill>
@@ -4788,7 +4828,7 @@
     </p:spTree>
     <p:extLst>
       <p:ext uri="{BB962C8B-B14F-4D97-AF65-F5344CB8AC3E}">
-        <p14:creationId xmlns:p14="http://schemas.microsoft.com/office/powerpoint/2010/main" val="3701313841"/>
+        <p14:creationId xmlns:p14="http://schemas.microsoft.com/office/powerpoint/2010/main" xmlns="" val="3701313841"/>
       </p:ext>
     </p:extLst>
   </p:cSld>
@@ -4871,10 +4911,10 @@
           <p:nvPr/>
         </p:nvPicPr>
         <p:blipFill>
-          <a:blip r:embed="rId2">
+          <a:blip r:embed="rId2" cstate="print">
             <a:extLst>
               <a:ext uri="{28A0092B-C50C-407E-A947-70E740481C1C}">
-                <a14:useLocalDpi xmlns:a14="http://schemas.microsoft.com/office/drawing/2010/main" val="0"/>
+                <a14:useLocalDpi xmlns:a14="http://schemas.microsoft.com/office/drawing/2010/main" xmlns="" val="0"/>
               </a:ext>
             </a:extLst>
           </a:blip>
@@ -4894,7 +4934,7 @@
           <a:noFill/>
           <a:extLst>
             <a:ext uri="{909E8E84-426E-40DD-AFC4-6F175D3DCCD1}">
-              <a14:hiddenFill xmlns:a14="http://schemas.microsoft.com/office/drawing/2010/main">
+              <a14:hiddenFill xmlns:a14="http://schemas.microsoft.com/office/drawing/2010/main" xmlns="">
                 <a:solidFill>
                   <a:srgbClr val="FFFFFF"/>
                 </a:solidFill>
@@ -4906,7 +4946,7 @@
     </p:spTree>
     <p:extLst>
       <p:ext uri="{BB962C8B-B14F-4D97-AF65-F5344CB8AC3E}">
-        <p14:creationId xmlns:p14="http://schemas.microsoft.com/office/powerpoint/2010/main" val="1653549512"/>
+        <p14:creationId xmlns:p14="http://schemas.microsoft.com/office/powerpoint/2010/main" xmlns="" val="1653549512"/>
       </p:ext>
     </p:extLst>
   </p:cSld>
@@ -4942,10 +4982,10 @@
           <p:nvPr/>
         </p:nvPicPr>
         <p:blipFill>
-          <a:blip r:embed="rId2">
+          <a:blip r:embed="rId2" cstate="print">
             <a:extLst>
               <a:ext uri="{28A0092B-C50C-407E-A947-70E740481C1C}">
-                <a14:useLocalDpi xmlns:a14="http://schemas.microsoft.com/office/drawing/2010/main" val="0"/>
+                <a14:useLocalDpi xmlns:a14="http://schemas.microsoft.com/office/drawing/2010/main" xmlns="" val="0"/>
               </a:ext>
             </a:extLst>
           </a:blip>
@@ -4965,7 +5005,7 @@
           <a:noFill/>
           <a:extLst>
             <a:ext uri="{909E8E84-426E-40DD-AFC4-6F175D3DCCD1}">
-              <a14:hiddenFill xmlns:a14="http://schemas.microsoft.com/office/drawing/2010/main">
+              <a14:hiddenFill xmlns:a14="http://schemas.microsoft.com/office/drawing/2010/main" xmlns="">
                 <a:solidFill>
                   <a:srgbClr val="FFFFFF"/>
                 </a:solidFill>
@@ -5024,7 +5064,7 @@
     </p:spTree>
     <p:extLst>
       <p:ext uri="{BB962C8B-B14F-4D97-AF65-F5344CB8AC3E}">
-        <p14:creationId xmlns:p14="http://schemas.microsoft.com/office/powerpoint/2010/main" val="1574381410"/>
+        <p14:creationId xmlns:p14="http://schemas.microsoft.com/office/powerpoint/2010/main" xmlns="" val="1574381410"/>
       </p:ext>
     </p:extLst>
   </p:cSld>
@@ -5060,10 +5100,10 @@
           <p:nvPr/>
         </p:nvPicPr>
         <p:blipFill>
-          <a:blip r:embed="rId2">
+          <a:blip r:embed="rId2" cstate="print">
             <a:extLst>
               <a:ext uri="{28A0092B-C50C-407E-A947-70E740481C1C}">
-                <a14:useLocalDpi xmlns:a14="http://schemas.microsoft.com/office/drawing/2010/main" val="0"/>
+                <a14:useLocalDpi xmlns:a14="http://schemas.microsoft.com/office/drawing/2010/main" xmlns="" val="0"/>
               </a:ext>
             </a:extLst>
           </a:blip>
@@ -5083,7 +5123,7 @@
           <a:noFill/>
           <a:extLst>
             <a:ext uri="{909E8E84-426E-40DD-AFC4-6F175D3DCCD1}">
-              <a14:hiddenFill xmlns:a14="http://schemas.microsoft.com/office/drawing/2010/main">
+              <a14:hiddenFill xmlns:a14="http://schemas.microsoft.com/office/drawing/2010/main" xmlns="">
                 <a:solidFill>
                   <a:srgbClr val="FFFFFF"/>
                 </a:solidFill>
@@ -5133,7 +5173,7 @@
     </p:spTree>
     <p:extLst>
       <p:ext uri="{BB962C8B-B14F-4D97-AF65-F5344CB8AC3E}">
-        <p14:creationId xmlns:p14="http://schemas.microsoft.com/office/powerpoint/2010/main" val="2424786554"/>
+        <p14:creationId xmlns:p14="http://schemas.microsoft.com/office/powerpoint/2010/main" xmlns="" val="2424786554"/>
       </p:ext>
     </p:extLst>
   </p:cSld>
@@ -5419,18 +5459,18 @@
     </p:spTree>
     <p:extLst>
       <p:ext uri="{BB962C8B-B14F-4D97-AF65-F5344CB8AC3E}">
-        <p14:creationId xmlns:p14="http://schemas.microsoft.com/office/powerpoint/2010/main" val="155874689"/>
+        <p14:creationId xmlns:p14="http://schemas.microsoft.com/office/powerpoint/2010/main" xmlns="" val="155874689"/>
       </p:ext>
     </p:extLst>
   </p:cSld>
   <p:clrMapOvr>
     <a:masterClrMapping/>
   </p:clrMapOvr>
-  <mc:AlternateContent xmlns:mc="http://schemas.openxmlformats.org/markup-compatibility/2006" xmlns:p14="http://schemas.microsoft.com/office/powerpoint/2010/main">
-    <mc:Choice Requires="p14">
+  <mc:AlternateContent xmlns:mc="http://schemas.openxmlformats.org/markup-compatibility/2006">
+    <mc:Choice xmlns:p14="http://schemas.microsoft.com/office/powerpoint/2010/main" xmlns="" Requires="p14">
       <p:transition spd="slow" p14:dur="2000"/>
     </mc:Choice>
-    <mc:Fallback xmlns="">
+    <mc:Fallback>
       <p:transition spd="slow"/>
     </mc:Fallback>
   </mc:AlternateContent>
@@ -5716,10 +5756,10 @@
           <p:nvPr/>
         </p:nvPicPr>
         <p:blipFill>
-          <a:blip r:embed="rId2">
+          <a:blip r:embed="rId2" cstate="print">
             <a:extLst>
               <a:ext uri="{28A0092B-C50C-407E-A947-70E740481C1C}">
-                <a14:useLocalDpi xmlns:a14="http://schemas.microsoft.com/office/drawing/2010/main" val="0"/>
+                <a14:useLocalDpi xmlns:a14="http://schemas.microsoft.com/office/drawing/2010/main" xmlns="" val="0"/>
               </a:ext>
             </a:extLst>
           </a:blip>
@@ -5739,7 +5779,7 @@
           <a:noFill/>
           <a:extLst>
             <a:ext uri="{909E8E84-426E-40DD-AFC4-6F175D3DCCD1}">
-              <a14:hiddenFill xmlns:a14="http://schemas.microsoft.com/office/drawing/2010/main">
+              <a14:hiddenFill xmlns:a14="http://schemas.microsoft.com/office/drawing/2010/main" xmlns="">
                 <a:solidFill>
                   <a:srgbClr val="FFFFFF"/>
                 </a:solidFill>
@@ -6023,7 +6063,7 @@
     </p:spTree>
     <p:extLst>
       <p:ext uri="{BB962C8B-B14F-4D97-AF65-F5344CB8AC3E}">
-        <p14:creationId xmlns:p14="http://schemas.microsoft.com/office/powerpoint/2010/main" val="4188503847"/>
+        <p14:creationId xmlns:p14="http://schemas.microsoft.com/office/powerpoint/2010/main" xmlns="" val="4188503847"/>
       </p:ext>
     </p:extLst>
   </p:cSld>
@@ -6077,17 +6117,8 @@
               <a:rPr lang="it-IT" sz="3600" b="1" dirty="0" smtClean="0">
                 <a:latin typeface="+mj-lt"/>
               </a:rPr>
-              <a:t>Team M vs </a:t>
-            </a:r>
-            <a:r>
-              <a:rPr lang="it-IT" sz="3600" b="1" dirty="0" smtClean="0">
-                <a:latin typeface="+mj-lt"/>
-              </a:rPr>
-              <a:t>Bando</a:t>
-            </a:r>
-            <a:endParaRPr lang="it-IT" sz="3600" b="1" dirty="0" smtClean="0">
-              <a:latin typeface="+mj-lt"/>
-            </a:endParaRPr>
+              <a:t>Team M vs Bando</a:t>
+            </a:r>
           </a:p>
         </p:txBody>
       </p:sp>
@@ -6670,7 +6701,7 @@
     </p:spTree>
     <p:extLst>
       <p:ext uri="{BB962C8B-B14F-4D97-AF65-F5344CB8AC3E}">
-        <p14:creationId xmlns:p14="http://schemas.microsoft.com/office/powerpoint/2010/main" val="1896188625"/>
+        <p14:creationId xmlns:p14="http://schemas.microsoft.com/office/powerpoint/2010/main" xmlns="" val="1896188625"/>
       </p:ext>
     </p:extLst>
   </p:cSld>
@@ -6750,10 +6781,10 @@
           <p:nvPr/>
         </p:nvPicPr>
         <p:blipFill>
-          <a:blip r:embed="rId2">
+          <a:blip r:embed="rId2" cstate="print">
             <a:extLst>
               <a:ext uri="{28A0092B-C50C-407E-A947-70E740481C1C}">
-                <a14:useLocalDpi xmlns:a14="http://schemas.microsoft.com/office/drawing/2010/main" val="0"/>
+                <a14:useLocalDpi xmlns:a14="http://schemas.microsoft.com/office/drawing/2010/main" xmlns="" val="0"/>
               </a:ext>
             </a:extLst>
           </a:blip>
@@ -6773,7 +6804,7 @@
           <a:noFill/>
           <a:extLst>
             <a:ext uri="{909E8E84-426E-40DD-AFC4-6F175D3DCCD1}">
-              <a14:hiddenFill xmlns:a14="http://schemas.microsoft.com/office/drawing/2010/main">
+              <a14:hiddenFill xmlns:a14="http://schemas.microsoft.com/office/drawing/2010/main" xmlns="">
                 <a:solidFill>
                   <a:srgbClr val="FFFFFF"/>
                 </a:solidFill>
@@ -6785,7 +6816,7 @@
     </p:spTree>
     <p:extLst>
       <p:ext uri="{BB962C8B-B14F-4D97-AF65-F5344CB8AC3E}">
-        <p14:creationId xmlns:p14="http://schemas.microsoft.com/office/powerpoint/2010/main" val="1417486241"/>
+        <p14:creationId xmlns:p14="http://schemas.microsoft.com/office/powerpoint/2010/main" xmlns="" val="1417486241"/>
       </p:ext>
     </p:extLst>
   </p:cSld>
@@ -6843,11 +6874,6 @@
               </a:rPr>
               <a:t>Versione iniziale</a:t>
             </a:r>
-            <a:endParaRPr lang="it-IT" sz="3600" b="1" dirty="0" smtClean="0">
-              <a:solidFill>
-                <a:srgbClr val="000000"/>
-              </a:solidFill>
-            </a:endParaRPr>
           </a:p>
         </p:txBody>
       </p:sp>
@@ -7068,18 +7094,18 @@
     </p:spTree>
     <p:extLst>
       <p:ext uri="{BB962C8B-B14F-4D97-AF65-F5344CB8AC3E}">
-        <p14:creationId xmlns:p14="http://schemas.microsoft.com/office/powerpoint/2010/main" val="3516333073"/>
+        <p14:creationId xmlns:p14="http://schemas.microsoft.com/office/powerpoint/2010/main" xmlns="" val="3516333073"/>
       </p:ext>
     </p:extLst>
   </p:cSld>
   <p:clrMapOvr>
     <a:masterClrMapping/>
   </p:clrMapOvr>
-  <mc:AlternateContent xmlns:mc="http://schemas.openxmlformats.org/markup-compatibility/2006" xmlns:p14="http://schemas.microsoft.com/office/powerpoint/2010/main">
-    <mc:Choice Requires="p14">
+  <mc:AlternateContent xmlns:mc="http://schemas.openxmlformats.org/markup-compatibility/2006">
+    <mc:Choice xmlns:p14="http://schemas.microsoft.com/office/powerpoint/2010/main" xmlns="" Requires="p14">
       <p:transition spd="slow" p14:dur="2000"/>
     </mc:Choice>
-    <mc:Fallback xmlns="">
+    <mc:Fallback>
       <p:transition spd="slow"/>
     </mc:Fallback>
   </mc:AlternateContent>
@@ -7151,7 +7177,7 @@
     </p:spTree>
     <p:extLst>
       <p:ext uri="{BB962C8B-B14F-4D97-AF65-F5344CB8AC3E}">
-        <p14:creationId xmlns:p14="http://schemas.microsoft.com/office/powerpoint/2010/main" val="1431001417"/>
+        <p14:creationId xmlns:p14="http://schemas.microsoft.com/office/powerpoint/2010/main" xmlns="" val="1431001417"/>
       </p:ext>
     </p:extLst>
   </p:cSld>
@@ -7231,10 +7257,10 @@
           <p:nvPr/>
         </p:nvPicPr>
         <p:blipFill>
-          <a:blip r:embed="rId2">
+          <a:blip r:embed="rId2" cstate="print">
             <a:extLst>
               <a:ext uri="{28A0092B-C50C-407E-A947-70E740481C1C}">
-                <a14:useLocalDpi xmlns:a14="http://schemas.microsoft.com/office/drawing/2010/main" val="0"/>
+                <a14:useLocalDpi xmlns:a14="http://schemas.microsoft.com/office/drawing/2010/main" xmlns="" val="0"/>
               </a:ext>
             </a:extLst>
           </a:blip>
@@ -7254,7 +7280,7 @@
           <a:noFill/>
           <a:extLst>
             <a:ext uri="{909E8E84-426E-40DD-AFC4-6F175D3DCCD1}">
-              <a14:hiddenFill xmlns:a14="http://schemas.microsoft.com/office/drawing/2010/main">
+              <a14:hiddenFill xmlns:a14="http://schemas.microsoft.com/office/drawing/2010/main" xmlns="">
                 <a:solidFill>
                   <a:srgbClr val="FFFFFF"/>
                 </a:solidFill>
@@ -7266,7 +7292,7 @@
     </p:spTree>
     <p:extLst>
       <p:ext uri="{BB962C8B-B14F-4D97-AF65-F5344CB8AC3E}">
-        <p14:creationId xmlns:p14="http://schemas.microsoft.com/office/powerpoint/2010/main" val="1824602548"/>
+        <p14:creationId xmlns:p14="http://schemas.microsoft.com/office/powerpoint/2010/main" xmlns="" val="1824602548"/>
       </p:ext>
     </p:extLst>
   </p:cSld>
@@ -7328,9 +7354,6 @@
               </a:rPr>
               <a:t>Procediamo??</a:t>
             </a:r>
-            <a:endParaRPr lang="it-IT" sz="3200" b="1" dirty="0" smtClean="0">
-              <a:latin typeface="+mj-lt"/>
-            </a:endParaRPr>
           </a:p>
           <a:p>
             <a:pPr algn="ctr"/>
@@ -7352,7 +7375,7 @@
           <a:blip r:embed="rId2" cstate="print">
             <a:extLst>
               <a:ext uri="{28A0092B-C50C-407E-A947-70E740481C1C}">
-                <a14:useLocalDpi xmlns:a14="http://schemas.microsoft.com/office/drawing/2010/main" val="0"/>
+                <a14:useLocalDpi xmlns:a14="http://schemas.microsoft.com/office/drawing/2010/main" xmlns="" val="0"/>
               </a:ext>
             </a:extLst>
           </a:blip>
@@ -7372,7 +7395,7 @@
           <a:noFill/>
           <a:extLst>
             <a:ext uri="{909E8E84-426E-40DD-AFC4-6F175D3DCCD1}">
-              <a14:hiddenFill xmlns:a14="http://schemas.microsoft.com/office/drawing/2010/main">
+              <a14:hiddenFill xmlns:a14="http://schemas.microsoft.com/office/drawing/2010/main" xmlns="">
                 <a:solidFill>
                   <a:srgbClr val="FFFFFF"/>
                 </a:solidFill>
@@ -7444,7 +7467,7 @@
     </p:spTree>
     <p:extLst>
       <p:ext uri="{BB962C8B-B14F-4D97-AF65-F5344CB8AC3E}">
-        <p14:creationId xmlns:p14="http://schemas.microsoft.com/office/powerpoint/2010/main" val="3719780262"/>
+        <p14:creationId xmlns:p14="http://schemas.microsoft.com/office/powerpoint/2010/main" xmlns="" val="3719780262"/>
       </p:ext>
     </p:extLst>
   </p:cSld>

--- a/Presentazione/Atsilo2/Parisi/Atsilo_M_Parisi.pptx
+++ b/Presentazione/Atsilo2/Parisi/Atsilo_M_Parisi.pptx
@@ -5,7 +5,7 @@
     <p:sldMasterId id="2147483684" r:id="rId1"/>
   </p:sldMasterIdLst>
   <p:notesMasterIdLst>
-    <p:notesMasterId r:id="rId15"/>
+    <p:notesMasterId r:id="rId17"/>
   </p:notesMasterIdLst>
   <p:sldIdLst>
     <p:sldId id="256" r:id="rId2"/>
@@ -13,14 +13,16 @@
     <p:sldId id="269" r:id="rId4"/>
     <p:sldId id="266" r:id="rId5"/>
     <p:sldId id="263" r:id="rId6"/>
-    <p:sldId id="273" r:id="rId7"/>
+    <p:sldId id="275" r:id="rId7"/>
     <p:sldId id="267" r:id="rId8"/>
     <p:sldId id="270" r:id="rId9"/>
     <p:sldId id="274" r:id="rId10"/>
     <p:sldId id="262" r:id="rId11"/>
-    <p:sldId id="261" r:id="rId12"/>
-    <p:sldId id="264" r:id="rId13"/>
-    <p:sldId id="260" r:id="rId14"/>
+    <p:sldId id="273" r:id="rId12"/>
+    <p:sldId id="276" r:id="rId13"/>
+    <p:sldId id="261" r:id="rId14"/>
+    <p:sldId id="264" r:id="rId15"/>
+    <p:sldId id="260" r:id="rId16"/>
   </p:sldIdLst>
   <p:sldSz cx="9144000" cy="6858000" type="screen4x3"/>
   <p:notesSz cx="6858000" cy="9144000"/>
@@ -125,6 +127,7 @@
 <file path=ppt/commentAuthors.xml><?xml version="1.0" encoding="utf-8"?>
 <p:cmAuthorLst xmlns:a="http://schemas.openxmlformats.org/drawingml/2006/main" xmlns:r="http://schemas.openxmlformats.org/officeDocument/2006/relationships" xmlns:p="http://schemas.openxmlformats.org/presentationml/2006/main">
   <p:cmAuthor id="0" name="Giulio" initials="GF" lastIdx="6" clrIdx="0"/>
+  <p:cmAuthor id="1" name="Marko" initials="M" lastIdx="0" clrIdx="1"/>
 </p:cmAuthorLst>
 </file>
 
@@ -151,7 +154,7 @@
 <file path=ppt/comments/comment3.xml><?xml version="1.0" encoding="utf-8"?>
 <p:cmLst xmlns:a="http://schemas.openxmlformats.org/drawingml/2006/main" xmlns:r="http://schemas.openxmlformats.org/officeDocument/2006/relationships" xmlns:p="http://schemas.openxmlformats.org/presentationml/2006/main">
   <p:cm authorId="0" dt="2012-12-30T15:26:42.006" idx="2">
-    <p:pos x="10" y="10"/>
+    <p:pos x="-2" y="22"/>
     <p:text>O scrivi Problem e Solution
 o Problema e Soluzione</p:text>
   </p:cm>
@@ -165,7 +168,7 @@
 <file path=ppt/comments/comment4.xml><?xml version="1.0" encoding="utf-8"?>
 <p:cmLst xmlns:a="http://schemas.openxmlformats.org/drawingml/2006/main" xmlns:r="http://schemas.openxmlformats.org/officeDocument/2006/relationships" xmlns:p="http://schemas.openxmlformats.org/presentationml/2006/main">
   <p:cm authorId="0" dt="2012-12-30T15:28:13.605" idx="4">
-    <p:pos x="10" y="10"/>
+    <p:pos x="1" y="10"/>
     <p:text>Francesco ha strutturato la sua presentazione presentando le funzionalità divise per attore. Mi sembra un'idea che potresti adottare anche tu. Ad ogni modo, vi consiglio di confrontarvi, per prendere l'uno le idee migliori dell'altro.</p:text>
   </p:cm>
 </p:cmLst>
@@ -432,7 +435,7 @@
     </p:spTree>
     <p:extLst>
       <p:ext uri="{BB962C8B-B14F-4D97-AF65-F5344CB8AC3E}">
-        <p14:creationId xmlns:p14="http://schemas.microsoft.com/office/powerpoint/2010/main" xmlns="" val="2126419590"/>
+        <p14:creationId xmlns:p14="http://schemas.microsoft.com/office/powerpoint/2010/main" val="2126419590"/>
       </p:ext>
     </p:extLst>
   </p:cSld>
@@ -530,6 +533,265 @@
     </a:lvl9pPr>
   </p:notesStyle>
 </p:notesMaster>
+</file>
+
+<file path=ppt/notesSlides/notesSlide1.xml><?xml version="1.0" encoding="utf-8"?>
+<p:notes xmlns:a="http://schemas.openxmlformats.org/drawingml/2006/main" xmlns:r="http://schemas.openxmlformats.org/officeDocument/2006/relationships" xmlns:p="http://schemas.openxmlformats.org/presentationml/2006/main">
+  <p:cSld>
+    <p:spTree>
+      <p:nvGrpSpPr>
+        <p:cNvPr id="1" name=""/>
+        <p:cNvGrpSpPr/>
+        <p:nvPr/>
+      </p:nvGrpSpPr>
+      <p:grpSpPr>
+        <a:xfrm>
+          <a:off x="0" y="0"/>
+          <a:ext cx="0" cy="0"/>
+          <a:chOff x="0" y="0"/>
+          <a:chExt cx="0" cy="0"/>
+        </a:xfrm>
+      </p:grpSpPr>
+      <p:sp>
+        <p:nvSpPr>
+          <p:cNvPr id="2" name="Segnaposto immagine diapositiva 1"/>
+          <p:cNvSpPr>
+            <a:spLocks noGrp="1" noRot="1" noChangeAspect="1"/>
+          </p:cNvSpPr>
+          <p:nvPr>
+            <p:ph type="sldImg"/>
+          </p:nvPr>
+        </p:nvSpPr>
+        <p:spPr/>
+      </p:sp>
+      <p:sp>
+        <p:nvSpPr>
+          <p:cNvPr id="3" name="Segnaposto note 2"/>
+          <p:cNvSpPr>
+            <a:spLocks noGrp="1"/>
+          </p:cNvSpPr>
+          <p:nvPr>
+            <p:ph type="body" idx="1"/>
+          </p:nvPr>
+        </p:nvSpPr>
+        <p:spPr/>
+        <p:txBody>
+          <a:bodyPr/>
+          <a:lstStyle/>
+          <a:p>
+            <a:endParaRPr lang="it-IT" dirty="0"/>
+          </a:p>
+        </p:txBody>
+      </p:sp>
+      <p:sp>
+        <p:nvSpPr>
+          <p:cNvPr id="4" name="Segnaposto numero diapositiva 3"/>
+          <p:cNvSpPr>
+            <a:spLocks noGrp="1"/>
+          </p:cNvSpPr>
+          <p:nvPr>
+            <p:ph type="sldNum" sz="quarter" idx="10"/>
+          </p:nvPr>
+        </p:nvSpPr>
+        <p:spPr/>
+        <p:txBody>
+          <a:bodyPr/>
+          <a:lstStyle/>
+          <a:p>
+            <a:fld id="{D70604CA-7593-4640-8FA1-5523937B8510}" type="slidenum">
+              <a:rPr lang="it-IT" smtClean="0"/>
+              <a:pPr/>
+              <a:t>1</a:t>
+            </a:fld>
+            <a:endParaRPr lang="it-IT"/>
+          </a:p>
+        </p:txBody>
+      </p:sp>
+    </p:spTree>
+    <p:extLst>
+      <p:ext uri="{BB962C8B-B14F-4D97-AF65-F5344CB8AC3E}">
+        <p14:creationId xmlns:p14="http://schemas.microsoft.com/office/powerpoint/2010/main" val="586935244"/>
+      </p:ext>
+    </p:extLst>
+  </p:cSld>
+  <p:clrMapOvr>
+    <a:masterClrMapping/>
+  </p:clrMapOvr>
+</p:notes>
+</file>
+
+<file path=ppt/notesSlides/notesSlide2.xml><?xml version="1.0" encoding="utf-8"?>
+<p:notes xmlns:a="http://schemas.openxmlformats.org/drawingml/2006/main" xmlns:r="http://schemas.openxmlformats.org/officeDocument/2006/relationships" xmlns:p="http://schemas.openxmlformats.org/presentationml/2006/main">
+  <p:cSld>
+    <p:spTree>
+      <p:nvGrpSpPr>
+        <p:cNvPr id="1" name=""/>
+        <p:cNvGrpSpPr/>
+        <p:nvPr/>
+      </p:nvGrpSpPr>
+      <p:grpSpPr>
+        <a:xfrm>
+          <a:off x="0" y="0"/>
+          <a:ext cx="0" cy="0"/>
+          <a:chOff x="0" y="0"/>
+          <a:chExt cx="0" cy="0"/>
+        </a:xfrm>
+      </p:grpSpPr>
+      <p:sp>
+        <p:nvSpPr>
+          <p:cNvPr id="2" name="Segnaposto immagine diapositiva 1"/>
+          <p:cNvSpPr>
+            <a:spLocks noGrp="1" noRot="1" noChangeAspect="1"/>
+          </p:cNvSpPr>
+          <p:nvPr>
+            <p:ph type="sldImg"/>
+          </p:nvPr>
+        </p:nvSpPr>
+        <p:spPr/>
+      </p:sp>
+      <p:sp>
+        <p:nvSpPr>
+          <p:cNvPr id="3" name="Segnaposto note 2"/>
+          <p:cNvSpPr>
+            <a:spLocks noGrp="1"/>
+          </p:cNvSpPr>
+          <p:nvPr>
+            <p:ph type="body" idx="1"/>
+          </p:nvPr>
+        </p:nvSpPr>
+        <p:spPr/>
+        <p:txBody>
+          <a:bodyPr/>
+          <a:lstStyle/>
+          <a:p>
+            <a:r>
+              <a:rPr lang="it-IT" dirty="0" smtClean="0"/>
+              <a:t>Fare una ricapitolazione cosa può fare l’impiegato e cosa può fare il genitore</a:t>
+            </a:r>
+            <a:endParaRPr lang="it-IT" dirty="0"/>
+          </a:p>
+        </p:txBody>
+      </p:sp>
+      <p:sp>
+        <p:nvSpPr>
+          <p:cNvPr id="4" name="Segnaposto numero diapositiva 3"/>
+          <p:cNvSpPr>
+            <a:spLocks noGrp="1"/>
+          </p:cNvSpPr>
+          <p:nvPr>
+            <p:ph type="sldNum" sz="quarter" idx="10"/>
+          </p:nvPr>
+        </p:nvSpPr>
+        <p:spPr/>
+        <p:txBody>
+          <a:bodyPr/>
+          <a:lstStyle/>
+          <a:p>
+            <a:fld id="{D70604CA-7593-4640-8FA1-5523937B8510}" type="slidenum">
+              <a:rPr lang="it-IT" smtClean="0"/>
+              <a:pPr/>
+              <a:t>10</a:t>
+            </a:fld>
+            <a:endParaRPr lang="it-IT"/>
+          </a:p>
+        </p:txBody>
+      </p:sp>
+    </p:spTree>
+    <p:extLst>
+      <p:ext uri="{BB962C8B-B14F-4D97-AF65-F5344CB8AC3E}">
+        <p14:creationId xmlns:p14="http://schemas.microsoft.com/office/powerpoint/2010/main" val="3294237695"/>
+      </p:ext>
+    </p:extLst>
+  </p:cSld>
+  <p:clrMapOvr>
+    <a:masterClrMapping/>
+  </p:clrMapOvr>
+</p:notes>
+</file>
+
+<file path=ppt/notesSlides/notesSlide3.xml><?xml version="1.0" encoding="utf-8"?>
+<p:notes xmlns:a="http://schemas.openxmlformats.org/drawingml/2006/main" xmlns:r="http://schemas.openxmlformats.org/officeDocument/2006/relationships" xmlns:p="http://schemas.openxmlformats.org/presentationml/2006/main">
+  <p:cSld>
+    <p:spTree>
+      <p:nvGrpSpPr>
+        <p:cNvPr id="1" name=""/>
+        <p:cNvGrpSpPr/>
+        <p:nvPr/>
+      </p:nvGrpSpPr>
+      <p:grpSpPr>
+        <a:xfrm>
+          <a:off x="0" y="0"/>
+          <a:ext cx="0" cy="0"/>
+          <a:chOff x="0" y="0"/>
+          <a:chExt cx="0" cy="0"/>
+        </a:xfrm>
+      </p:grpSpPr>
+      <p:sp>
+        <p:nvSpPr>
+          <p:cNvPr id="2" name="Segnaposto immagine diapositiva 1"/>
+          <p:cNvSpPr>
+            <a:spLocks noGrp="1" noRot="1" noChangeAspect="1"/>
+          </p:cNvSpPr>
+          <p:nvPr>
+            <p:ph type="sldImg"/>
+          </p:nvPr>
+        </p:nvSpPr>
+        <p:spPr/>
+      </p:sp>
+      <p:sp>
+        <p:nvSpPr>
+          <p:cNvPr id="3" name="Segnaposto note 2"/>
+          <p:cNvSpPr>
+            <a:spLocks noGrp="1"/>
+          </p:cNvSpPr>
+          <p:nvPr>
+            <p:ph type="body" idx="1"/>
+          </p:nvPr>
+        </p:nvSpPr>
+        <p:spPr/>
+        <p:txBody>
+          <a:bodyPr/>
+          <a:lstStyle/>
+          <a:p>
+            <a:endParaRPr lang="it-IT" dirty="0"/>
+          </a:p>
+        </p:txBody>
+      </p:sp>
+      <p:sp>
+        <p:nvSpPr>
+          <p:cNvPr id="4" name="Segnaposto numero diapositiva 3"/>
+          <p:cNvSpPr>
+            <a:spLocks noGrp="1"/>
+          </p:cNvSpPr>
+          <p:nvPr>
+            <p:ph type="sldNum" sz="quarter" idx="10"/>
+          </p:nvPr>
+        </p:nvSpPr>
+        <p:spPr/>
+        <p:txBody>
+          <a:bodyPr/>
+          <a:lstStyle/>
+          <a:p>
+            <a:fld id="{D70604CA-7593-4640-8FA1-5523937B8510}" type="slidenum">
+              <a:rPr lang="it-IT" smtClean="0"/>
+              <a:pPr/>
+              <a:t>13</a:t>
+            </a:fld>
+            <a:endParaRPr lang="it-IT"/>
+          </a:p>
+        </p:txBody>
+      </p:sp>
+    </p:spTree>
+    <p:extLst>
+      <p:ext uri="{BB962C8B-B14F-4D97-AF65-F5344CB8AC3E}">
+        <p14:creationId xmlns:p14="http://schemas.microsoft.com/office/powerpoint/2010/main" val="328384907"/>
+      </p:ext>
+    </p:extLst>
+  </p:cSld>
+  <p:clrMapOvr>
+    <a:masterClrMapping/>
+  </p:clrMapOvr>
+</p:notes>
 </file>
 
 <file path=ppt/slideLayouts/slideLayout1.xml><?xml version="1.0" encoding="utf-8"?>
@@ -4457,14 +4719,14 @@
           <p:nvPr>
             <p:extLst>
               <p:ext uri="{D42A27DB-BD31-4B8C-83A1-F6EECF244321}">
-                <p14:modId xmlns:p14="http://schemas.microsoft.com/office/powerpoint/2010/main" xmlns="" val="4257878942"/>
+                <p14:modId xmlns:p14="http://schemas.microsoft.com/office/powerpoint/2010/main" val="1166066640"/>
               </p:ext>
             </p:extLst>
           </p:nvPr>
         </p:nvGraphicFramePr>
         <p:xfrm>
           <a:off x="179512" y="5517232"/>
-          <a:ext cx="2051720" cy="1188720"/>
+          <a:ext cx="2051720" cy="1089471"/>
         </p:xfrm>
         <a:graphic>
           <a:graphicData uri="http://schemas.openxmlformats.org/drawingml/2006/table">
@@ -4552,16 +4814,10 @@
                         </a:lnSpc>
                       </a:pPr>
                       <a:r>
-                        <a:rPr lang="it-IT" sz="1400" dirty="0" smtClean="0">
-                          <a:effectLst/>
-                        </a:rPr>
-                        <a:t>&lt;matricola</a:t>
-                      </a:r>
-                      <a:r>
                         <a:rPr lang="it-IT" sz="1400" baseline="0" dirty="0" smtClean="0">
                           <a:effectLst/>
                         </a:rPr>
-                        <a:t> qui&gt;</a:t>
+                        <a:t>0512100543</a:t>
                       </a:r>
                       <a:endParaRPr lang="it-IT" sz="1400" dirty="0">
                         <a:effectLst/>
@@ -4584,14 +4840,14 @@
           <p:nvPr>
             <p:extLst>
               <p:ext uri="{D42A27DB-BD31-4B8C-83A1-F6EECF244321}">
-                <p14:modId xmlns:p14="http://schemas.microsoft.com/office/powerpoint/2010/main" xmlns="" val="3696521689"/>
+                <p14:modId xmlns:p14="http://schemas.microsoft.com/office/powerpoint/2010/main" val="3696521689"/>
               </p:ext>
             </p:extLst>
           </p:nvPr>
         </p:nvGraphicFramePr>
         <p:xfrm>
           <a:off x="6948264" y="5877272"/>
-          <a:ext cx="2051720" cy="792480"/>
+          <a:ext cx="2051720" cy="726314"/>
         </p:xfrm>
         <a:graphic>
           <a:graphicData uri="http://schemas.openxmlformats.org/drawingml/2006/table">
@@ -4671,10 +4927,10 @@
           <p:nvPr/>
         </p:nvPicPr>
         <p:blipFill>
-          <a:blip r:embed="rId2" cstate="print">
+          <a:blip r:embed="rId3" cstate="print">
             <a:extLst>
               <a:ext uri="{28A0092B-C50C-407E-A947-70E740481C1C}">
-                <a14:useLocalDpi xmlns:a14="http://schemas.microsoft.com/office/drawing/2010/main" xmlns="" val="0"/>
+                <a14:useLocalDpi xmlns:a14="http://schemas.microsoft.com/office/drawing/2010/main" val="0"/>
               </a:ext>
             </a:extLst>
           </a:blip>
@@ -4694,7 +4950,7 @@
           <a:noFill/>
           <a:extLst>
             <a:ext uri="{909E8E84-426E-40DD-AFC4-6F175D3DCCD1}">
-              <a14:hiddenFill xmlns:a14="http://schemas.microsoft.com/office/drawing/2010/main" xmlns="">
+              <a14:hiddenFill xmlns:a14="http://schemas.microsoft.com/office/drawing/2010/main">
                 <a:solidFill>
                   <a:srgbClr val="FFFFFF"/>
                 </a:solidFill>
@@ -4706,7 +4962,7 @@
     </p:spTree>
     <p:extLst>
       <p:ext uri="{BB962C8B-B14F-4D97-AF65-F5344CB8AC3E}">
-        <p14:creationId xmlns:p14="http://schemas.microsoft.com/office/powerpoint/2010/main" xmlns="" val="4165334171"/>
+        <p14:creationId xmlns:p14="http://schemas.microsoft.com/office/powerpoint/2010/main" val="4165334171"/>
       </p:ext>
     </p:extLst>
   </p:cSld>
@@ -4793,10 +5049,10 @@
           <p:nvPr/>
         </p:nvPicPr>
         <p:blipFill>
-          <a:blip r:embed="rId2" cstate="print">
+          <a:blip r:embed="rId3" cstate="print">
             <a:extLst>
               <a:ext uri="{28A0092B-C50C-407E-A947-70E740481C1C}">
-                <a14:useLocalDpi xmlns:a14="http://schemas.microsoft.com/office/drawing/2010/main" xmlns="" val="0"/>
+                <a14:useLocalDpi xmlns:a14="http://schemas.microsoft.com/office/drawing/2010/main" val="0"/>
               </a:ext>
             </a:extLst>
           </a:blip>
@@ -4816,7 +5072,7 @@
           <a:noFill/>
           <a:extLst>
             <a:ext uri="{909E8E84-426E-40DD-AFC4-6F175D3DCCD1}">
-              <a14:hiddenFill xmlns:a14="http://schemas.microsoft.com/office/drawing/2010/main" xmlns="">
+              <a14:hiddenFill xmlns:a14="http://schemas.microsoft.com/office/drawing/2010/main">
                 <a:solidFill>
                   <a:srgbClr val="FFFFFF"/>
                 </a:solidFill>
@@ -4828,13 +5084,20 @@
     </p:spTree>
     <p:extLst>
       <p:ext uri="{BB962C8B-B14F-4D97-AF65-F5344CB8AC3E}">
-        <p14:creationId xmlns:p14="http://schemas.microsoft.com/office/powerpoint/2010/main" xmlns="" val="3701313841"/>
+        <p14:creationId xmlns:p14="http://schemas.microsoft.com/office/powerpoint/2010/main" val="3701313841"/>
       </p:ext>
     </p:extLst>
   </p:cSld>
   <p:clrMapOvr>
     <a:masterClrMapping/>
   </p:clrMapOvr>
+  <p:timing>
+    <p:tnLst>
+      <p:par>
+        <p:cTn id="1" dur="indefinite" restart="never" nodeType="tmRoot"/>
+      </p:par>
+    </p:tnLst>
+  </p:timing>
 </p:sld>
 </file>
 
@@ -4857,6 +5120,404 @@
       </p:grpSpPr>
       <p:sp>
         <p:nvSpPr>
+          <p:cNvPr id="2" name="CasellaDiTesto 1"/>
+          <p:cNvSpPr txBox="1"/>
+          <p:nvPr/>
+        </p:nvSpPr>
+        <p:spPr>
+          <a:xfrm>
+            <a:off x="2339752" y="692696"/>
+            <a:ext cx="4392488" cy="646331"/>
+          </a:xfrm>
+          <a:prstGeom prst="rect">
+            <a:avLst/>
+          </a:prstGeom>
+          <a:noFill/>
+        </p:spPr>
+        <p:txBody>
+          <a:bodyPr wrap="square" rtlCol="0">
+            <a:spAutoFit/>
+          </a:bodyPr>
+          <a:lstStyle/>
+          <a:p>
+            <a:pPr algn="ctr"/>
+            <a:r>
+              <a:rPr lang="it-IT" sz="3600" b="1" dirty="0" smtClean="0">
+                <a:solidFill>
+                  <a:srgbClr val="000000"/>
+                </a:solidFill>
+              </a:rPr>
+              <a:t>Impiegato Asilo</a:t>
+            </a:r>
+            <a:endParaRPr lang="it-IT" sz="3600" b="1" dirty="0" smtClean="0">
+              <a:solidFill>
+                <a:srgbClr val="000000"/>
+              </a:solidFill>
+            </a:endParaRPr>
+          </a:p>
+        </p:txBody>
+      </p:sp>
+      <p:pic>
+        <p:nvPicPr>
+          <p:cNvPr id="1026" name="Picture 2" descr="C:\Users\Marko\Desktop\278940263_fb1f4f5100_o.jpg"/>
+          <p:cNvPicPr>
+            <a:picLocks noChangeAspect="1" noChangeArrowheads="1"/>
+          </p:cNvPicPr>
+          <p:nvPr/>
+        </p:nvPicPr>
+        <p:blipFill>
+          <a:blip r:embed="rId2">
+            <a:extLst>
+              <a:ext uri="{28A0092B-C50C-407E-A947-70E740481C1C}">
+                <a14:useLocalDpi xmlns:a14="http://schemas.microsoft.com/office/drawing/2010/main" val="0"/>
+              </a:ext>
+            </a:extLst>
+          </a:blip>
+          <a:srcRect/>
+          <a:stretch>
+            <a:fillRect/>
+          </a:stretch>
+        </p:blipFill>
+        <p:spPr bwMode="auto">
+          <a:xfrm>
+            <a:off x="5567999" y="3068961"/>
+            <a:ext cx="3576001" cy="3603368"/>
+          </a:xfrm>
+          <a:prstGeom prst="rect">
+            <a:avLst/>
+          </a:prstGeom>
+          <a:noFill/>
+          <a:extLst>
+            <a:ext uri="{909E8E84-426E-40DD-AFC4-6F175D3DCCD1}">
+              <a14:hiddenFill xmlns:a14="http://schemas.microsoft.com/office/drawing/2010/main">
+                <a:solidFill>
+                  <a:srgbClr val="FFFFFF"/>
+                </a:solidFill>
+              </a14:hiddenFill>
+            </a:ext>
+          </a:extLst>
+        </p:spPr>
+      </p:pic>
+      <p:sp>
+        <p:nvSpPr>
+          <p:cNvPr id="5" name="CasellaDiTesto 4"/>
+          <p:cNvSpPr txBox="1"/>
+          <p:nvPr/>
+        </p:nvSpPr>
+        <p:spPr>
+          <a:xfrm>
+            <a:off x="406996" y="1628800"/>
+            <a:ext cx="5328592" cy="4431983"/>
+          </a:xfrm>
+          <a:prstGeom prst="rect">
+            <a:avLst/>
+          </a:prstGeom>
+          <a:noFill/>
+        </p:spPr>
+        <p:txBody>
+          <a:bodyPr wrap="square" rtlCol="0">
+            <a:spAutoFit/>
+          </a:bodyPr>
+          <a:lstStyle/>
+          <a:p>
+            <a:r>
+              <a:rPr lang="it-IT" sz="2400" dirty="0" smtClean="0"/>
+              <a:t>Può:</a:t>
+            </a:r>
+          </a:p>
+          <a:p>
+            <a:pPr marL="285750" indent="-285750">
+              <a:buFont typeface="Arial" pitchFamily="34" charset="0"/>
+              <a:buChar char="•"/>
+            </a:pPr>
+            <a:r>
+              <a:rPr lang="it-IT" sz="2400" dirty="0" smtClean="0"/>
+              <a:t>Visualizzare lo stato dei pagamenti di tutti gli iscritti </a:t>
+            </a:r>
+          </a:p>
+          <a:p>
+            <a:pPr marL="285750" indent="-285750">
+              <a:buFont typeface="Arial" pitchFamily="34" charset="0"/>
+              <a:buChar char="•"/>
+            </a:pPr>
+            <a:r>
+              <a:rPr lang="it-IT" sz="2400" dirty="0" smtClean="0"/>
+              <a:t>Possibilità di fatturare i pagamenti mensili.</a:t>
+            </a:r>
+          </a:p>
+          <a:p>
+            <a:pPr marL="285750" indent="-285750">
+              <a:buFont typeface="Arial" pitchFamily="34" charset="0"/>
+              <a:buChar char="•"/>
+            </a:pPr>
+            <a:r>
+              <a:rPr lang="it-IT" sz="2400" dirty="0" smtClean="0"/>
+              <a:t>Automatizzare la gestione delle rette per il servizio e permettere la personalizzazione delle rette.</a:t>
+            </a:r>
+          </a:p>
+          <a:p>
+            <a:pPr marL="285750" indent="-285750">
+              <a:buFont typeface="Arial" pitchFamily="34" charset="0"/>
+              <a:buChar char="•"/>
+            </a:pPr>
+            <a:r>
+              <a:rPr lang="it-IT" sz="2400" dirty="0" smtClean="0"/>
+              <a:t>Possibilità di modificare manualmente la registrazione di un pagamento.</a:t>
+            </a:r>
+          </a:p>
+          <a:p>
+            <a:pPr marL="285750" indent="-285750">
+              <a:buFont typeface="Arial" pitchFamily="34" charset="0"/>
+              <a:buChar char="•"/>
+            </a:pPr>
+            <a:r>
+              <a:rPr lang="it-IT" sz="2400" dirty="0" smtClean="0"/>
+              <a:t>Inviare email di promemoria.</a:t>
+            </a:r>
+          </a:p>
+          <a:p>
+            <a:endParaRPr lang="it-IT" dirty="0"/>
+          </a:p>
+        </p:txBody>
+      </p:sp>
+    </p:spTree>
+    <p:extLst>
+      <p:ext uri="{BB962C8B-B14F-4D97-AF65-F5344CB8AC3E}">
+        <p14:creationId xmlns:p14="http://schemas.microsoft.com/office/powerpoint/2010/main" val="3516333073"/>
+      </p:ext>
+    </p:extLst>
+  </p:cSld>
+  <p:clrMapOvr>
+    <a:masterClrMapping/>
+  </p:clrMapOvr>
+  <mc:AlternateContent xmlns:mc="http://schemas.openxmlformats.org/markup-compatibility/2006" xmlns:p14="http://schemas.microsoft.com/office/powerpoint/2010/main">
+    <mc:Choice Requires="p14">
+      <p:transition spd="slow" p14:dur="2000"/>
+    </mc:Choice>
+    <mc:Fallback xmlns="">
+      <p:transition spd="slow"/>
+    </mc:Fallback>
+  </mc:AlternateContent>
+  <p:timing>
+    <p:tnLst>
+      <p:par>
+        <p:cTn id="1" dur="indefinite" restart="never" nodeType="tmRoot"/>
+      </p:par>
+    </p:tnLst>
+  </p:timing>
+</p:sld>
+</file>
+
+<file path=ppt/slides/slide12.xml><?xml version="1.0" encoding="utf-8"?>
+<p:sld xmlns:a="http://schemas.openxmlformats.org/drawingml/2006/main" xmlns:r="http://schemas.openxmlformats.org/officeDocument/2006/relationships" xmlns:p="http://schemas.openxmlformats.org/presentationml/2006/main">
+  <p:cSld>
+    <p:spTree>
+      <p:nvGrpSpPr>
+        <p:cNvPr id="1" name=""/>
+        <p:cNvGrpSpPr/>
+        <p:nvPr/>
+      </p:nvGrpSpPr>
+      <p:grpSpPr>
+        <a:xfrm>
+          <a:off x="0" y="0"/>
+          <a:ext cx="0" cy="0"/>
+          <a:chOff x="0" y="0"/>
+          <a:chExt cx="0" cy="0"/>
+        </a:xfrm>
+      </p:grpSpPr>
+      <p:sp>
+        <p:nvSpPr>
+          <p:cNvPr id="2" name="CasellaDiTesto 1"/>
+          <p:cNvSpPr txBox="1"/>
+          <p:nvPr/>
+        </p:nvSpPr>
+        <p:spPr>
+          <a:xfrm>
+            <a:off x="2313062" y="660807"/>
+            <a:ext cx="4392488" cy="646331"/>
+          </a:xfrm>
+          <a:prstGeom prst="rect">
+            <a:avLst/>
+          </a:prstGeom>
+          <a:noFill/>
+        </p:spPr>
+        <p:txBody>
+          <a:bodyPr wrap="square" rtlCol="0">
+            <a:spAutoFit/>
+          </a:bodyPr>
+          <a:lstStyle/>
+          <a:p>
+            <a:pPr algn="ctr"/>
+            <a:r>
+              <a:rPr lang="it-IT" sz="3600" b="1" dirty="0" smtClean="0">
+                <a:solidFill>
+                  <a:srgbClr val="000000"/>
+                </a:solidFill>
+              </a:rPr>
+              <a:t>Genitore</a:t>
+            </a:r>
+            <a:endParaRPr lang="it-IT" sz="3600" b="1" dirty="0" smtClean="0">
+              <a:solidFill>
+                <a:srgbClr val="000000"/>
+              </a:solidFill>
+            </a:endParaRPr>
+          </a:p>
+        </p:txBody>
+      </p:sp>
+      <p:pic>
+        <p:nvPicPr>
+          <p:cNvPr id="4" name="Picture 2" descr="C:\Users\Marko\Desktop\genitori-1.jpg"/>
+          <p:cNvPicPr>
+            <a:picLocks noChangeAspect="1" noChangeArrowheads="1"/>
+          </p:cNvPicPr>
+          <p:nvPr/>
+        </p:nvPicPr>
+        <p:blipFill>
+          <a:blip r:embed="rId2">
+            <a:extLst>
+              <a:ext uri="{28A0092B-C50C-407E-A947-70E740481C1C}">
+                <a14:useLocalDpi xmlns:a14="http://schemas.microsoft.com/office/drawing/2010/main" val="0"/>
+              </a:ext>
+            </a:extLst>
+          </a:blip>
+          <a:srcRect/>
+          <a:stretch>
+            <a:fillRect/>
+          </a:stretch>
+        </p:blipFill>
+        <p:spPr bwMode="auto">
+          <a:xfrm>
+            <a:off x="5567999" y="3068962"/>
+            <a:ext cx="3576001" cy="3702126"/>
+          </a:xfrm>
+          <a:prstGeom prst="rect">
+            <a:avLst/>
+          </a:prstGeom>
+          <a:noFill/>
+          <a:extLst>
+            <a:ext uri="{909E8E84-426E-40DD-AFC4-6F175D3DCCD1}">
+              <a14:hiddenFill xmlns:a14="http://schemas.microsoft.com/office/drawing/2010/main">
+                <a:solidFill>
+                  <a:srgbClr val="FFFFFF"/>
+                </a:solidFill>
+              </a14:hiddenFill>
+            </a:ext>
+          </a:extLst>
+        </p:spPr>
+      </p:pic>
+      <p:sp>
+        <p:nvSpPr>
+          <p:cNvPr id="5" name="CasellaDiTesto 4"/>
+          <p:cNvSpPr txBox="1"/>
+          <p:nvPr/>
+        </p:nvSpPr>
+        <p:spPr>
+          <a:xfrm>
+            <a:off x="406996" y="1628800"/>
+            <a:ext cx="5328592" cy="2215991"/>
+          </a:xfrm>
+          <a:prstGeom prst="rect">
+            <a:avLst/>
+          </a:prstGeom>
+          <a:noFill/>
+        </p:spPr>
+        <p:txBody>
+          <a:bodyPr wrap="square" rtlCol="0">
+            <a:spAutoFit/>
+          </a:bodyPr>
+          <a:lstStyle/>
+          <a:p>
+            <a:r>
+              <a:rPr lang="it-IT" sz="2400" dirty="0" smtClean="0"/>
+              <a:t>Può:</a:t>
+            </a:r>
+          </a:p>
+          <a:p>
+            <a:pPr marL="285750" indent="-285750">
+              <a:buFont typeface="Arial" pitchFamily="34" charset="0"/>
+              <a:buChar char="•"/>
+            </a:pPr>
+            <a:r>
+              <a:rPr lang="it-IT" sz="2400" dirty="0" smtClean="0"/>
+              <a:t>Visualizzare lo storico dei pagamenti.</a:t>
+            </a:r>
+          </a:p>
+          <a:p>
+            <a:pPr marL="285750" indent="-285750">
+              <a:buFont typeface="Arial" pitchFamily="34" charset="0"/>
+              <a:buChar char="•"/>
+            </a:pPr>
+            <a:r>
+              <a:rPr lang="it-IT" sz="2400" dirty="0" smtClean="0"/>
+              <a:t>Visualizzare la fattura mensile.</a:t>
+            </a:r>
+          </a:p>
+          <a:p>
+            <a:pPr marL="285750" indent="-285750">
+              <a:buFont typeface="Arial" pitchFamily="34" charset="0"/>
+              <a:buChar char="•"/>
+            </a:pPr>
+            <a:endParaRPr lang="it-IT" sz="2400" dirty="0" smtClean="0"/>
+          </a:p>
+          <a:p>
+            <a:pPr marL="285750" indent="-285750">
+              <a:buFont typeface="Arial" pitchFamily="34" charset="0"/>
+              <a:buChar char="•"/>
+            </a:pPr>
+            <a:endParaRPr lang="it-IT" sz="2400" dirty="0" smtClean="0"/>
+          </a:p>
+          <a:p>
+            <a:endParaRPr lang="it-IT" dirty="0"/>
+          </a:p>
+        </p:txBody>
+      </p:sp>
+    </p:spTree>
+    <p:extLst>
+      <p:ext uri="{BB962C8B-B14F-4D97-AF65-F5344CB8AC3E}">
+        <p14:creationId xmlns:p14="http://schemas.microsoft.com/office/powerpoint/2010/main" val="576094641"/>
+      </p:ext>
+    </p:extLst>
+  </p:cSld>
+  <p:clrMapOvr>
+    <a:masterClrMapping/>
+  </p:clrMapOvr>
+  <mc:AlternateContent xmlns:mc="http://schemas.openxmlformats.org/markup-compatibility/2006" xmlns:p14="http://schemas.microsoft.com/office/powerpoint/2010/main">
+    <mc:Choice Requires="p14">
+      <p:transition spd="slow" p14:dur="2000"/>
+    </mc:Choice>
+    <mc:Fallback xmlns="">
+      <p:transition spd="slow"/>
+    </mc:Fallback>
+  </mc:AlternateContent>
+  <p:timing>
+    <p:tnLst>
+      <p:par>
+        <p:cTn id="1" dur="indefinite" restart="never" nodeType="tmRoot"/>
+      </p:par>
+    </p:tnLst>
+  </p:timing>
+</p:sld>
+</file>
+
+<file path=ppt/slides/slide13.xml><?xml version="1.0" encoding="utf-8"?>
+<p:sld xmlns:a="http://schemas.openxmlformats.org/drawingml/2006/main" xmlns:r="http://schemas.openxmlformats.org/officeDocument/2006/relationships" xmlns:p="http://schemas.openxmlformats.org/presentationml/2006/main">
+  <p:cSld>
+    <p:spTree>
+      <p:nvGrpSpPr>
+        <p:cNvPr id="1" name=""/>
+        <p:cNvGrpSpPr/>
+        <p:nvPr/>
+      </p:nvGrpSpPr>
+      <p:grpSpPr>
+        <a:xfrm>
+          <a:off x="0" y="0"/>
+          <a:ext cx="0" cy="0"/>
+          <a:chOff x="0" y="0"/>
+          <a:chExt cx="0" cy="0"/>
+        </a:xfrm>
+      </p:grpSpPr>
+      <p:sp>
+        <p:nvSpPr>
           <p:cNvPr id="3" name="CasellaDiTesto 2"/>
           <p:cNvSpPr txBox="1"/>
           <p:nvPr/>
@@ -4911,10 +5572,10 @@
           <p:nvPr/>
         </p:nvPicPr>
         <p:blipFill>
-          <a:blip r:embed="rId2" cstate="print">
+          <a:blip r:embed="rId3" cstate="print">
             <a:extLst>
               <a:ext uri="{28A0092B-C50C-407E-A947-70E740481C1C}">
-                <a14:useLocalDpi xmlns:a14="http://schemas.microsoft.com/office/drawing/2010/main" xmlns="" val="0"/>
+                <a14:useLocalDpi xmlns:a14="http://schemas.microsoft.com/office/drawing/2010/main" val="0"/>
               </a:ext>
             </a:extLst>
           </a:blip>
@@ -4934,7 +5595,7 @@
           <a:noFill/>
           <a:extLst>
             <a:ext uri="{909E8E84-426E-40DD-AFC4-6F175D3DCCD1}">
-              <a14:hiddenFill xmlns:a14="http://schemas.microsoft.com/office/drawing/2010/main" xmlns="">
+              <a14:hiddenFill xmlns:a14="http://schemas.microsoft.com/office/drawing/2010/main">
                 <a:solidFill>
                   <a:srgbClr val="FFFFFF"/>
                 </a:solidFill>
@@ -4946,17 +5607,24 @@
     </p:spTree>
     <p:extLst>
       <p:ext uri="{BB962C8B-B14F-4D97-AF65-F5344CB8AC3E}">
-        <p14:creationId xmlns:p14="http://schemas.microsoft.com/office/powerpoint/2010/main" xmlns="" val="1653549512"/>
+        <p14:creationId xmlns:p14="http://schemas.microsoft.com/office/powerpoint/2010/main" val="1653549512"/>
       </p:ext>
     </p:extLst>
   </p:cSld>
   <p:clrMapOvr>
     <a:masterClrMapping/>
   </p:clrMapOvr>
+  <p:timing>
+    <p:tnLst>
+      <p:par>
+        <p:cTn id="1" dur="indefinite" restart="never" nodeType="tmRoot"/>
+      </p:par>
+    </p:tnLst>
+  </p:timing>
 </p:sld>
 </file>
 
-<file path=ppt/slides/slide12.xml><?xml version="1.0" encoding="utf-8"?>
+<file path=ppt/slides/slide14.xml><?xml version="1.0" encoding="utf-8"?>
 <p:sld xmlns:a="http://schemas.openxmlformats.org/drawingml/2006/main" xmlns:r="http://schemas.openxmlformats.org/officeDocument/2006/relationships" xmlns:p="http://schemas.openxmlformats.org/presentationml/2006/main">
   <p:cSld>
     <p:spTree>
@@ -4985,7 +5653,7 @@
           <a:blip r:embed="rId2" cstate="print">
             <a:extLst>
               <a:ext uri="{28A0092B-C50C-407E-A947-70E740481C1C}">
-                <a14:useLocalDpi xmlns:a14="http://schemas.microsoft.com/office/drawing/2010/main" xmlns="" val="0"/>
+                <a14:useLocalDpi xmlns:a14="http://schemas.microsoft.com/office/drawing/2010/main" val="0"/>
               </a:ext>
             </a:extLst>
           </a:blip>
@@ -5005,7 +5673,7 @@
           <a:noFill/>
           <a:extLst>
             <a:ext uri="{909E8E84-426E-40DD-AFC4-6F175D3DCCD1}">
-              <a14:hiddenFill xmlns:a14="http://schemas.microsoft.com/office/drawing/2010/main" xmlns="">
+              <a14:hiddenFill xmlns:a14="http://schemas.microsoft.com/office/drawing/2010/main">
                 <a:solidFill>
                   <a:srgbClr val="FFFFFF"/>
                 </a:solidFill>
@@ -5064,17 +5732,24 @@
     </p:spTree>
     <p:extLst>
       <p:ext uri="{BB962C8B-B14F-4D97-AF65-F5344CB8AC3E}">
-        <p14:creationId xmlns:p14="http://schemas.microsoft.com/office/powerpoint/2010/main" xmlns="" val="1574381410"/>
+        <p14:creationId xmlns:p14="http://schemas.microsoft.com/office/powerpoint/2010/main" val="1574381410"/>
       </p:ext>
     </p:extLst>
   </p:cSld>
   <p:clrMapOvr>
     <a:masterClrMapping/>
   </p:clrMapOvr>
+  <p:timing>
+    <p:tnLst>
+      <p:par>
+        <p:cTn id="1" dur="indefinite" restart="never" nodeType="tmRoot"/>
+      </p:par>
+    </p:tnLst>
+  </p:timing>
 </p:sld>
 </file>
 
-<file path=ppt/slides/slide13.xml><?xml version="1.0" encoding="utf-8"?>
+<file path=ppt/slides/slide15.xml><?xml version="1.0" encoding="utf-8"?>
 <p:sld xmlns:a="http://schemas.openxmlformats.org/drawingml/2006/main" xmlns:r="http://schemas.openxmlformats.org/officeDocument/2006/relationships" xmlns:p="http://schemas.openxmlformats.org/presentationml/2006/main">
   <p:cSld>
     <p:spTree>
@@ -5103,7 +5778,7 @@
           <a:blip r:embed="rId2" cstate="print">
             <a:extLst>
               <a:ext uri="{28A0092B-C50C-407E-A947-70E740481C1C}">
-                <a14:useLocalDpi xmlns:a14="http://schemas.microsoft.com/office/drawing/2010/main" xmlns="" val="0"/>
+                <a14:useLocalDpi xmlns:a14="http://schemas.microsoft.com/office/drawing/2010/main" val="0"/>
               </a:ext>
             </a:extLst>
           </a:blip>
@@ -5123,7 +5798,7 @@
           <a:noFill/>
           <a:extLst>
             <a:ext uri="{909E8E84-426E-40DD-AFC4-6F175D3DCCD1}">
-              <a14:hiddenFill xmlns:a14="http://schemas.microsoft.com/office/drawing/2010/main" xmlns="">
+              <a14:hiddenFill xmlns:a14="http://schemas.microsoft.com/office/drawing/2010/main">
                 <a:solidFill>
                   <a:srgbClr val="FFFFFF"/>
                 </a:solidFill>
@@ -5173,18 +5848,25 @@
     </p:spTree>
     <p:extLst>
       <p:ext uri="{BB962C8B-B14F-4D97-AF65-F5344CB8AC3E}">
-        <p14:creationId xmlns:p14="http://schemas.microsoft.com/office/powerpoint/2010/main" xmlns="" val="2424786554"/>
+        <p14:creationId xmlns:p14="http://schemas.microsoft.com/office/powerpoint/2010/main" val="2424786554"/>
       </p:ext>
     </p:extLst>
   </p:cSld>
   <p:clrMapOvr>
     <a:masterClrMapping/>
   </p:clrMapOvr>
+  <p:timing>
+    <p:tnLst>
+      <p:par>
+        <p:cTn id="1" dur="indefinite" restart="never" nodeType="tmRoot"/>
+      </p:par>
+    </p:tnLst>
+  </p:timing>
 </p:sld>
 </file>
 
 <file path=ppt/slides/slide2.xml><?xml version="1.0" encoding="utf-8"?>
-<p:sld xmlns:a="http://schemas.openxmlformats.org/drawingml/2006/main" xmlns:r="http://schemas.openxmlformats.org/officeDocument/2006/relationships" xmlns:p="http://schemas.openxmlformats.org/presentationml/2006/main">
+<p:sld xmlns:a="http://schemas.openxmlformats.org/drawingml/2006/main" xmlns:r="http://schemas.openxmlformats.org/officeDocument/2006/relationships" xmlns:p="http://schemas.openxmlformats.org/presentationml/2006/main" show="0">
   <p:cSld>
     <p:spTree>
       <p:nvGrpSpPr>
@@ -5459,7 +6141,7 @@
     </p:spTree>
     <p:extLst>
       <p:ext uri="{BB962C8B-B14F-4D97-AF65-F5344CB8AC3E}">
-        <p14:creationId xmlns:p14="http://schemas.microsoft.com/office/powerpoint/2010/main" xmlns="" val="155874689"/>
+        <p14:creationId xmlns:p14="http://schemas.microsoft.com/office/powerpoint/2010/main" val="155874689"/>
       </p:ext>
     </p:extLst>
   </p:cSld>
@@ -5467,7 +6149,7 @@
     <a:masterClrMapping/>
   </p:clrMapOvr>
   <mc:AlternateContent xmlns:mc="http://schemas.openxmlformats.org/markup-compatibility/2006">
-    <mc:Choice xmlns:p14="http://schemas.microsoft.com/office/powerpoint/2010/main" xmlns="" Requires="p14">
+    <mc:Choice xmlns:p14="http://schemas.microsoft.com/office/powerpoint/2010/main" Requires="p14">
       <p:transition spd="slow" p14:dur="2000"/>
     </mc:Choice>
     <mc:Fallback>
@@ -5759,7 +6441,7 @@
           <a:blip r:embed="rId2" cstate="print">
             <a:extLst>
               <a:ext uri="{28A0092B-C50C-407E-A947-70E740481C1C}">
-                <a14:useLocalDpi xmlns:a14="http://schemas.microsoft.com/office/drawing/2010/main" xmlns="" val="0"/>
+                <a14:useLocalDpi xmlns:a14="http://schemas.microsoft.com/office/drawing/2010/main" val="0"/>
               </a:ext>
             </a:extLst>
           </a:blip>
@@ -5779,7 +6461,7 @@
           <a:noFill/>
           <a:extLst>
             <a:ext uri="{909E8E84-426E-40DD-AFC4-6F175D3DCCD1}">
-              <a14:hiddenFill xmlns:a14="http://schemas.microsoft.com/office/drawing/2010/main" xmlns="">
+              <a14:hiddenFill xmlns:a14="http://schemas.microsoft.com/office/drawing/2010/main">
                 <a:solidFill>
                   <a:srgbClr val="FFFFFF"/>
                 </a:solidFill>
@@ -6063,13 +6745,20 @@
     </p:spTree>
     <p:extLst>
       <p:ext uri="{BB962C8B-B14F-4D97-AF65-F5344CB8AC3E}">
-        <p14:creationId xmlns:p14="http://schemas.microsoft.com/office/powerpoint/2010/main" xmlns="" val="4188503847"/>
+        <p14:creationId xmlns:p14="http://schemas.microsoft.com/office/powerpoint/2010/main" val="4188503847"/>
       </p:ext>
     </p:extLst>
   </p:cSld>
   <p:clrMapOvr>
     <a:masterClrMapping/>
   </p:clrMapOvr>
+  <p:timing>
+    <p:tnLst>
+      <p:par>
+        <p:cTn id="1" dur="indefinite" restart="never" nodeType="tmRoot"/>
+      </p:par>
+    </p:tnLst>
+  </p:timing>
 </p:sld>
 </file>
 
@@ -6372,7 +7061,7 @@
         </p:nvSpPr>
         <p:spPr>
           <a:xfrm>
-            <a:off x="473258" y="4365104"/>
+            <a:off x="323528" y="4437112"/>
             <a:ext cx="6328074" cy="1008112"/>
           </a:xfrm>
           <a:prstGeom prst="rect">
@@ -6547,20 +7236,12 @@
               <a:buNone/>
             </a:pPr>
             <a:r>
-              <a:rPr lang="en-US" b="1" dirty="0" err="1" smtClean="0">
+              <a:rPr lang="en-US" b="1" dirty="0" smtClean="0">
                 <a:solidFill>
                   <a:srgbClr val="000000"/>
                 </a:solidFill>
               </a:rPr>
-              <a:t>Soluzione</a:t>
-            </a:r>
-            <a:r>
-              <a:rPr lang="en-US" b="1" dirty="0" smtClean="0">
-                <a:solidFill>
-                  <a:srgbClr val="000000"/>
-                </a:solidFill>
-              </a:rPr>
-              <a:t>: </a:t>
+              <a:t>Solution: </a:t>
             </a:r>
             <a:r>
               <a:rPr lang="en-US" dirty="0" err="1" smtClean="0">
@@ -6701,13 +7382,20 @@
     </p:spTree>
     <p:extLst>
       <p:ext uri="{BB962C8B-B14F-4D97-AF65-F5344CB8AC3E}">
-        <p14:creationId xmlns:p14="http://schemas.microsoft.com/office/powerpoint/2010/main" xmlns="" val="1896188625"/>
+        <p14:creationId xmlns:p14="http://schemas.microsoft.com/office/powerpoint/2010/main" val="1896188625"/>
       </p:ext>
     </p:extLst>
   </p:cSld>
   <p:clrMapOvr>
     <a:masterClrMapping/>
   </p:clrMapOvr>
+  <p:timing>
+    <p:tnLst>
+      <p:par>
+        <p:cTn id="1" dur="indefinite" restart="never" nodeType="tmRoot"/>
+      </p:par>
+    </p:tnLst>
+  </p:timing>
 </p:sld>
 </file>
 
@@ -6784,7 +7472,7 @@
           <a:blip r:embed="rId2" cstate="print">
             <a:extLst>
               <a:ext uri="{28A0092B-C50C-407E-A947-70E740481C1C}">
-                <a14:useLocalDpi xmlns:a14="http://schemas.microsoft.com/office/drawing/2010/main" xmlns="" val="0"/>
+                <a14:useLocalDpi xmlns:a14="http://schemas.microsoft.com/office/drawing/2010/main" val="0"/>
               </a:ext>
             </a:extLst>
           </a:blip>
@@ -6804,7 +7492,7 @@
           <a:noFill/>
           <a:extLst>
             <a:ext uri="{909E8E84-426E-40DD-AFC4-6F175D3DCCD1}">
-              <a14:hiddenFill xmlns:a14="http://schemas.microsoft.com/office/drawing/2010/main" xmlns="">
+              <a14:hiddenFill xmlns:a14="http://schemas.microsoft.com/office/drawing/2010/main">
                 <a:solidFill>
                   <a:srgbClr val="FFFFFF"/>
                 </a:solidFill>
@@ -6816,13 +7504,20 @@
     </p:spTree>
     <p:extLst>
       <p:ext uri="{BB962C8B-B14F-4D97-AF65-F5344CB8AC3E}">
-        <p14:creationId xmlns:p14="http://schemas.microsoft.com/office/powerpoint/2010/main" xmlns="" val="1417486241"/>
+        <p14:creationId xmlns:p14="http://schemas.microsoft.com/office/powerpoint/2010/main" val="1417486241"/>
       </p:ext>
     </p:extLst>
   </p:cSld>
   <p:clrMapOvr>
     <a:masterClrMapping/>
   </p:clrMapOvr>
+  <p:timing>
+    <p:tnLst>
+      <p:par>
+        <p:cTn id="1" dur="indefinite" restart="never" nodeType="tmRoot"/>
+      </p:par>
+    </p:tnLst>
+  </p:timing>
 </p:sld>
 </file>
 
@@ -7057,26 +7752,6 @@
             </a:lvl9pPr>
           </a:lstStyle>
           <a:p>
-            <a:r>
-              <a:rPr lang="it-IT" dirty="0" smtClean="0">
-                <a:solidFill>
-                  <a:srgbClr val="000000"/>
-                </a:solidFill>
-              </a:rPr>
-              <a:t> Cosa non va: genitore non può pagare online ma deve pagare con bancomat allo sportello dell’asilo perché scritto sul bando o detto dal cliente*</a:t>
-            </a:r>
-          </a:p>
-          <a:p>
-            <a:r>
-              <a:rPr lang="it-IT" dirty="0" smtClean="0">
-                <a:solidFill>
-                  <a:srgbClr val="000000"/>
-                </a:solidFill>
-              </a:rPr>
-              <a:t>   Gestione della cauzione: chiedere perché*</a:t>
-            </a:r>
-          </a:p>
-          <a:p>
             <a:pPr marL="0" indent="0">
               <a:buNone/>
             </a:pPr>
@@ -7086,6 +7761,116 @@
                   <a:srgbClr val="000000"/>
                 </a:solidFill>
               </a:rPr>
+              <a:t>Cosa </a:t>
+            </a:r>
+            <a:r>
+              <a:rPr lang="it-IT" dirty="0" smtClean="0">
+                <a:solidFill>
+                  <a:srgbClr val="000000"/>
+                </a:solidFill>
+              </a:rPr>
+              <a:t>non va: </a:t>
+            </a:r>
+            <a:endParaRPr lang="it-IT" dirty="0">
+              <a:solidFill>
+                <a:srgbClr val="000000"/>
+              </a:solidFill>
+            </a:endParaRPr>
+          </a:p>
+          <a:p>
+            <a:pPr>
+              <a:buFont typeface="Arial" pitchFamily="34" charset="0"/>
+              <a:buChar char="•"/>
+            </a:pPr>
+            <a:r>
+              <a:rPr lang="it-IT" dirty="0" smtClean="0">
+                <a:solidFill>
+                  <a:srgbClr val="000000"/>
+                </a:solidFill>
+              </a:rPr>
+              <a:t>genitore </a:t>
+            </a:r>
+            <a:r>
+              <a:rPr lang="it-IT" dirty="0" smtClean="0">
+                <a:solidFill>
+                  <a:srgbClr val="000000"/>
+                </a:solidFill>
+              </a:rPr>
+              <a:t>non può pagare online ma deve </a:t>
+            </a:r>
+            <a:r>
+              <a:rPr lang="it-IT" dirty="0" smtClean="0">
+                <a:solidFill>
+                  <a:srgbClr val="000000"/>
+                </a:solidFill>
+              </a:rPr>
+              <a:t>pagare </a:t>
+            </a:r>
+            <a:r>
+              <a:rPr lang="it-IT" dirty="0" smtClean="0">
+                <a:solidFill>
+                  <a:srgbClr val="000000"/>
+                </a:solidFill>
+              </a:rPr>
+              <a:t>con bancomat allo sportello </a:t>
+            </a:r>
+            <a:r>
+              <a:rPr lang="it-IT" dirty="0" smtClean="0">
+                <a:solidFill>
+                  <a:srgbClr val="000000"/>
+                </a:solidFill>
+              </a:rPr>
+              <a:t>dell’asilo </a:t>
+            </a:r>
+            <a:r>
+              <a:rPr lang="it-IT" dirty="0" smtClean="0">
+                <a:solidFill>
+                  <a:srgbClr val="000000"/>
+                </a:solidFill>
+              </a:rPr>
+              <a:t>perché scritto sul bando o detto </a:t>
+            </a:r>
+            <a:r>
+              <a:rPr lang="it-IT" dirty="0" smtClean="0">
+                <a:solidFill>
+                  <a:srgbClr val="000000"/>
+                </a:solidFill>
+              </a:rPr>
+              <a:t>dal cliente*</a:t>
+            </a:r>
+          </a:p>
+          <a:p>
+            <a:pPr>
+              <a:buFont typeface="Arial" pitchFamily="34" charset="0"/>
+              <a:buChar char="•"/>
+            </a:pPr>
+            <a:r>
+              <a:rPr lang="it-IT" dirty="0" smtClean="0">
+                <a:solidFill>
+                  <a:srgbClr val="000000"/>
+                </a:solidFill>
+              </a:rPr>
+              <a:t>Gestione </a:t>
+            </a:r>
+            <a:r>
+              <a:rPr lang="it-IT" dirty="0" smtClean="0">
+                <a:solidFill>
+                  <a:srgbClr val="000000"/>
+                </a:solidFill>
+              </a:rPr>
+              <a:t>della cauzione: chiedere perché*</a:t>
+            </a:r>
+          </a:p>
+          <a:p>
+            <a:pPr marL="0" indent="0">
+              <a:buNone/>
+            </a:pPr>
+            <a:r>
+              <a:rPr lang="it-IT" dirty="0" smtClean="0">
+                <a:solidFill>
+                  <a:srgbClr val="000000"/>
+                </a:solidFill>
+              </a:rPr>
               <a:t>	</a:t>
             </a:r>
           </a:p>
@@ -7094,18 +7879,18 @@
     </p:spTree>
     <p:extLst>
       <p:ext uri="{BB962C8B-B14F-4D97-AF65-F5344CB8AC3E}">
-        <p14:creationId xmlns:p14="http://schemas.microsoft.com/office/powerpoint/2010/main" xmlns="" val="3516333073"/>
+        <p14:creationId xmlns:p14="http://schemas.microsoft.com/office/powerpoint/2010/main" val="952316739"/>
       </p:ext>
     </p:extLst>
   </p:cSld>
   <p:clrMapOvr>
     <a:masterClrMapping/>
   </p:clrMapOvr>
-  <mc:AlternateContent xmlns:mc="http://schemas.openxmlformats.org/markup-compatibility/2006">
-    <mc:Choice xmlns:p14="http://schemas.microsoft.com/office/powerpoint/2010/main" xmlns="" Requires="p14">
+  <mc:AlternateContent xmlns:mc="http://schemas.openxmlformats.org/markup-compatibility/2006" xmlns:p14="http://schemas.microsoft.com/office/powerpoint/2010/main">
+    <mc:Choice Requires="p14">
       <p:transition spd="slow" p14:dur="2000"/>
     </mc:Choice>
-    <mc:Fallback>
+    <mc:Fallback xmlns="">
       <p:transition spd="slow"/>
     </mc:Fallback>
   </mc:AlternateContent>
@@ -7177,13 +7962,20 @@
     </p:spTree>
     <p:extLst>
       <p:ext uri="{BB962C8B-B14F-4D97-AF65-F5344CB8AC3E}">
-        <p14:creationId xmlns:p14="http://schemas.microsoft.com/office/powerpoint/2010/main" xmlns="" val="1431001417"/>
+        <p14:creationId xmlns:p14="http://schemas.microsoft.com/office/powerpoint/2010/main" val="1431001417"/>
       </p:ext>
     </p:extLst>
   </p:cSld>
   <p:clrMapOvr>
     <a:masterClrMapping/>
   </p:clrMapOvr>
+  <p:timing>
+    <p:tnLst>
+      <p:par>
+        <p:cTn id="1" dur="indefinite" restart="never" nodeType="tmRoot"/>
+      </p:par>
+    </p:tnLst>
+  </p:timing>
 </p:sld>
 </file>
 
@@ -7260,7 +8052,7 @@
           <a:blip r:embed="rId2" cstate="print">
             <a:extLst>
               <a:ext uri="{28A0092B-C50C-407E-A947-70E740481C1C}">
-                <a14:useLocalDpi xmlns:a14="http://schemas.microsoft.com/office/drawing/2010/main" xmlns="" val="0"/>
+                <a14:useLocalDpi xmlns:a14="http://schemas.microsoft.com/office/drawing/2010/main" val="0"/>
               </a:ext>
             </a:extLst>
           </a:blip>
@@ -7271,7 +8063,7 @@
         </p:blipFill>
         <p:spPr bwMode="auto">
           <a:xfrm>
-            <a:off x="467544" y="1345724"/>
+            <a:off x="625024" y="1124744"/>
             <a:ext cx="8208912" cy="5512276"/>
           </a:xfrm>
           <a:prstGeom prst="rect">
@@ -7280,7 +8072,7 @@
           <a:noFill/>
           <a:extLst>
             <a:ext uri="{909E8E84-426E-40DD-AFC4-6F175D3DCCD1}">
-              <a14:hiddenFill xmlns:a14="http://schemas.microsoft.com/office/drawing/2010/main" xmlns="">
+              <a14:hiddenFill xmlns:a14="http://schemas.microsoft.com/office/drawing/2010/main">
                 <a:solidFill>
                   <a:srgbClr val="FFFFFF"/>
                 </a:solidFill>
@@ -7292,13 +8084,20 @@
     </p:spTree>
     <p:extLst>
       <p:ext uri="{BB962C8B-B14F-4D97-AF65-F5344CB8AC3E}">
-        <p14:creationId xmlns:p14="http://schemas.microsoft.com/office/powerpoint/2010/main" xmlns="" val="1824602548"/>
+        <p14:creationId xmlns:p14="http://schemas.microsoft.com/office/powerpoint/2010/main" val="1824602548"/>
       </p:ext>
     </p:extLst>
   </p:cSld>
   <p:clrMapOvr>
     <a:masterClrMapping/>
   </p:clrMapOvr>
+  <p:timing>
+    <p:tnLst>
+      <p:par>
+        <p:cTn id="1" dur="indefinite" restart="never" nodeType="tmRoot"/>
+      </p:par>
+    </p:tnLst>
+  </p:timing>
 </p:sld>
 </file>
 
@@ -7375,7 +8174,7 @@
           <a:blip r:embed="rId2" cstate="print">
             <a:extLst>
               <a:ext uri="{28A0092B-C50C-407E-A947-70E740481C1C}">
-                <a14:useLocalDpi xmlns:a14="http://schemas.microsoft.com/office/drawing/2010/main" xmlns="" val="0"/>
+                <a14:useLocalDpi xmlns:a14="http://schemas.microsoft.com/office/drawing/2010/main" val="0"/>
               </a:ext>
             </a:extLst>
           </a:blip>
@@ -7395,7 +8194,7 @@
           <a:noFill/>
           <a:extLst>
             <a:ext uri="{909E8E84-426E-40DD-AFC4-6F175D3DCCD1}">
-              <a14:hiddenFill xmlns:a14="http://schemas.microsoft.com/office/drawing/2010/main" xmlns="">
+              <a14:hiddenFill xmlns:a14="http://schemas.microsoft.com/office/drawing/2010/main">
                 <a:solidFill>
                   <a:srgbClr val="FFFFFF"/>
                 </a:solidFill>
@@ -7442,8 +8241,8 @@
         </p:nvSpPr>
         <p:spPr>
           <a:xfrm>
-            <a:off x="1115616" y="4005064"/>
-            <a:ext cx="5544616" cy="369332"/>
+            <a:off x="250424" y="3284984"/>
+            <a:ext cx="8426031" cy="1692771"/>
           </a:xfrm>
           <a:prstGeom prst="rect">
             <a:avLst/>
@@ -7457,23 +8256,44 @@
           <a:lstStyle/>
           <a:p>
             <a:r>
-              <a:rPr lang="it-IT" dirty="0" smtClean="0"/>
-              <a:t>C’è da rivedere un’altra cosa:*</a:t>
-            </a:r>
-            <a:endParaRPr lang="it-IT" dirty="0"/>
+              <a:rPr lang="it-IT" sz="3200" b="1" dirty="0" smtClean="0"/>
+              <a:t>C’è </a:t>
+            </a:r>
+            <a:r>
+              <a:rPr lang="it-IT" sz="3200" b="1" dirty="0" smtClean="0"/>
+              <a:t>un’ultima revisione da fare:</a:t>
+            </a:r>
+            <a:endParaRPr lang="it-IT" sz="3200" b="1" dirty="0"/>
+          </a:p>
+          <a:p>
+            <a:endParaRPr lang="it-IT" sz="2400" dirty="0" smtClean="0"/>
+          </a:p>
+          <a:p>
+            <a:r>
+              <a:rPr lang="it-IT" sz="2400" dirty="0" smtClean="0"/>
+              <a:t>rimozione di promemoria fattura e promemoria pagamento perché ….</a:t>
+            </a:r>
+            <a:endParaRPr lang="it-IT" sz="2400" dirty="0" smtClean="0"/>
           </a:p>
         </p:txBody>
       </p:sp>
     </p:spTree>
     <p:extLst>
       <p:ext uri="{BB962C8B-B14F-4D97-AF65-F5344CB8AC3E}">
-        <p14:creationId xmlns:p14="http://schemas.microsoft.com/office/powerpoint/2010/main" xmlns="" val="3719780262"/>
+        <p14:creationId xmlns:p14="http://schemas.microsoft.com/office/powerpoint/2010/main" val="3719780262"/>
       </p:ext>
     </p:extLst>
   </p:cSld>
   <p:clrMapOvr>
     <a:masterClrMapping/>
   </p:clrMapOvr>
+  <p:timing>
+    <p:tnLst>
+      <p:par>
+        <p:cTn id="1" dur="indefinite" restart="never" nodeType="tmRoot"/>
+      </p:par>
+    </p:tnLst>
+  </p:timing>
 </p:sld>
 </file>
 

--- a/Presentazione/Atsilo2/Parisi/Atsilo_M_Parisi.pptx
+++ b/Presentazione/Atsilo2/Parisi/Atsilo_M_Parisi.pptx
@@ -5,24 +5,22 @@
     <p:sldMasterId id="2147483684" r:id="rId1"/>
   </p:sldMasterIdLst>
   <p:notesMasterIdLst>
-    <p:notesMasterId r:id="rId17"/>
+    <p:notesMasterId r:id="rId15"/>
   </p:notesMasterIdLst>
   <p:sldIdLst>
     <p:sldId id="256" r:id="rId2"/>
-    <p:sldId id="258" r:id="rId3"/>
-    <p:sldId id="269" r:id="rId4"/>
-    <p:sldId id="266" r:id="rId5"/>
-    <p:sldId id="263" r:id="rId6"/>
-    <p:sldId id="275" r:id="rId7"/>
-    <p:sldId id="267" r:id="rId8"/>
-    <p:sldId id="270" r:id="rId9"/>
-    <p:sldId id="274" r:id="rId10"/>
-    <p:sldId id="262" r:id="rId11"/>
-    <p:sldId id="273" r:id="rId12"/>
-    <p:sldId id="276" r:id="rId13"/>
-    <p:sldId id="261" r:id="rId14"/>
-    <p:sldId id="264" r:id="rId15"/>
-    <p:sldId id="260" r:id="rId16"/>
+    <p:sldId id="269" r:id="rId3"/>
+    <p:sldId id="266" r:id="rId4"/>
+    <p:sldId id="263" r:id="rId5"/>
+    <p:sldId id="275" r:id="rId6"/>
+    <p:sldId id="270" r:id="rId7"/>
+    <p:sldId id="274" r:id="rId8"/>
+    <p:sldId id="262" r:id="rId9"/>
+    <p:sldId id="273" r:id="rId10"/>
+    <p:sldId id="276" r:id="rId11"/>
+    <p:sldId id="261" r:id="rId12"/>
+    <p:sldId id="264" r:id="rId13"/>
+    <p:sldId id="260" r:id="rId14"/>
   </p:sldIdLst>
   <p:sldSz cx="9144000" cy="6858000" type="screen4x3"/>
   <p:notesSz cx="6858000" cy="9144000"/>
@@ -133,17 +131,6 @@
 
 <file path=ppt/comments/comment1.xml><?xml version="1.0" encoding="utf-8"?>
 <p:cmLst xmlns:a="http://schemas.openxmlformats.org/drawingml/2006/main" xmlns:r="http://schemas.openxmlformats.org/officeDocument/2006/relationships" xmlns:p="http://schemas.openxmlformats.org/presentationml/2006/main">
-  <p:cm authorId="0" dt="2012-12-30T15:26:13.468" idx="1">
-    <p:pos x="10" y="10"/>
-    <p:text>Oltre a questo, ti conviene prepararti una parte da dire, per illustrare sinteticamente gli scopi della funzionalità.
-Quello che devi dire, ma non deve stare sulla slide, lo puoi mettere nella parte sotto, dove dice "Fare clic per inserire le note". Quello che scrivi in questa parte lo vedi tu, ma non viene proiettato.
-Per spiegare la ragione del trattamento di questo requisito, potresti mettere qualche indicazione dimensionale, che puoi prendere dalla misurazione Cosmic, che carichero quanto prima nella sezione download di google code.</p:text>
-  </p:cm>
-</p:cmLst>
-</file>
-
-<file path=ppt/comments/comment2.xml><?xml version="1.0" encoding="utf-8"?>
-<p:cmLst xmlns:a="http://schemas.openxmlformats.org/drawingml/2006/main" xmlns:r="http://schemas.openxmlformats.org/officeDocument/2006/relationships" xmlns:p="http://schemas.openxmlformats.org/presentationml/2006/main">
   <p:cm authorId="0" dt="2012-12-30T15:29:07.260" idx="6">
     <p:pos x="10" y="10"/>
     <p:text>LOL</p:text>
@@ -151,7 +138,7 @@
 </p:cmLst>
 </file>
 
-<file path=ppt/comments/comment3.xml><?xml version="1.0" encoding="utf-8"?>
+<file path=ppt/comments/comment2.xml><?xml version="1.0" encoding="utf-8"?>
 <p:cmLst xmlns:a="http://schemas.openxmlformats.org/drawingml/2006/main" xmlns:r="http://schemas.openxmlformats.org/officeDocument/2006/relationships" xmlns:p="http://schemas.openxmlformats.org/presentationml/2006/main">
   <p:cm authorId="0" dt="2012-12-30T15:26:42.006" idx="2">
     <p:pos x="-2" y="22"/>
@@ -159,13 +146,13 @@
 o Problema e Soluzione</p:text>
   </p:cm>
   <p:cm authorId="0" dt="2012-12-30T15:26:57.375" idx="3">
-    <p:pos x="4162" y="3018"/>
+    <p:pos x="4150" y="3018"/>
     <p:text>che è st'asterisco?</p:text>
   </p:cm>
 </p:cmLst>
 </file>
 
-<file path=ppt/comments/comment4.xml><?xml version="1.0" encoding="utf-8"?>
+<file path=ppt/comments/comment3.xml><?xml version="1.0" encoding="utf-8"?>
 <p:cmLst xmlns:a="http://schemas.openxmlformats.org/drawingml/2006/main" xmlns:r="http://schemas.openxmlformats.org/officeDocument/2006/relationships" xmlns:p="http://schemas.openxmlformats.org/presentationml/2006/main">
   <p:cm authorId="0" dt="2012-12-30T15:28:13.605" idx="4">
     <p:pos x="1" y="10"/>
@@ -174,7 +161,7 @@
 </p:cmLst>
 </file>
 
-<file path=ppt/comments/comment5.xml><?xml version="1.0" encoding="utf-8"?>
+<file path=ppt/comments/comment4.xml><?xml version="1.0" encoding="utf-8"?>
 <p:cmLst xmlns:a="http://schemas.openxmlformats.org/drawingml/2006/main" xmlns:r="http://schemas.openxmlformats.org/officeDocument/2006/relationships" xmlns:p="http://schemas.openxmlformats.org/presentationml/2006/main">
   <p:cm authorId="0" dt="2012-12-30T15:28:33.370" idx="5">
     <p:pos x="10" y="10"/>
@@ -266,7 +253,7 @@
             <a:fld id="{38D78F4D-402C-46E0-A4BB-DF91EA86B14C}" type="datetimeFigureOut">
               <a:rPr lang="it-IT" smtClean="0"/>
               <a:pPr/>
-              <a:t>30/12/2012</a:t>
+              <a:t>03/01/2013</a:t>
             </a:fld>
             <a:endParaRPr lang="it-IT"/>
           </a:p>
@@ -666,7 +653,11 @@
           <a:p>
             <a:r>
               <a:rPr lang="it-IT" dirty="0" smtClean="0"/>
-              <a:t>Fare una ricapitolazione cosa può fare l’impiegato e cosa può fare il genitore</a:t>
+              <a:t>Dire</a:t>
+            </a:r>
+            <a:r>
+              <a:rPr lang="it-IT" baseline="0" dirty="0" smtClean="0"/>
+              <a:t> cosa si intende per gestione degli extra</a:t>
             </a:r>
             <a:endParaRPr lang="it-IT" dirty="0"/>
           </a:p>
@@ -690,7 +681,7 @@
             <a:fld id="{D70604CA-7593-4640-8FA1-5523937B8510}" type="slidenum">
               <a:rPr lang="it-IT" smtClean="0"/>
               <a:pPr/>
-              <a:t>10</a:t>
+              <a:t>5</a:t>
             </a:fld>
             <a:endParaRPr lang="it-IT"/>
           </a:p>
@@ -699,7 +690,7 @@
     </p:spTree>
     <p:extLst>
       <p:ext uri="{BB962C8B-B14F-4D97-AF65-F5344CB8AC3E}">
-        <p14:creationId xmlns:p14="http://schemas.microsoft.com/office/powerpoint/2010/main" val="3294237695"/>
+        <p14:creationId xmlns:p14="http://schemas.microsoft.com/office/powerpoint/2010/main" val="968677491"/>
       </p:ext>
     </p:extLst>
   </p:cSld>
@@ -775,7 +766,274 @@
             <a:fld id="{D70604CA-7593-4640-8FA1-5523937B8510}" type="slidenum">
               <a:rPr lang="it-IT" smtClean="0"/>
               <a:pPr/>
-              <a:t>13</a:t>
+              <a:t>6</a:t>
+            </a:fld>
+            <a:endParaRPr lang="it-IT"/>
+          </a:p>
+        </p:txBody>
+      </p:sp>
+    </p:spTree>
+    <p:extLst>
+      <p:ext uri="{BB962C8B-B14F-4D97-AF65-F5344CB8AC3E}">
+        <p14:creationId xmlns:p14="http://schemas.microsoft.com/office/powerpoint/2010/main" val="1685022444"/>
+      </p:ext>
+    </p:extLst>
+  </p:cSld>
+  <p:clrMapOvr>
+    <a:masterClrMapping/>
+  </p:clrMapOvr>
+</p:notes>
+</file>
+
+<file path=ppt/notesSlides/notesSlide4.xml><?xml version="1.0" encoding="utf-8"?>
+<p:notes xmlns:a="http://schemas.openxmlformats.org/drawingml/2006/main" xmlns:r="http://schemas.openxmlformats.org/officeDocument/2006/relationships" xmlns:p="http://schemas.openxmlformats.org/presentationml/2006/main">
+  <p:cSld>
+    <p:spTree>
+      <p:nvGrpSpPr>
+        <p:cNvPr id="1" name=""/>
+        <p:cNvGrpSpPr/>
+        <p:nvPr/>
+      </p:nvGrpSpPr>
+      <p:grpSpPr>
+        <a:xfrm>
+          <a:off x="0" y="0"/>
+          <a:ext cx="0" cy="0"/>
+          <a:chOff x="0" y="0"/>
+          <a:chExt cx="0" cy="0"/>
+        </a:xfrm>
+      </p:grpSpPr>
+      <p:sp>
+        <p:nvSpPr>
+          <p:cNvPr id="2" name="Segnaposto immagine diapositiva 1"/>
+          <p:cNvSpPr>
+            <a:spLocks noGrp="1" noRot="1" noChangeAspect="1"/>
+          </p:cNvSpPr>
+          <p:nvPr>
+            <p:ph type="sldImg"/>
+          </p:nvPr>
+        </p:nvSpPr>
+        <p:spPr/>
+      </p:sp>
+      <p:sp>
+        <p:nvSpPr>
+          <p:cNvPr id="3" name="Segnaposto note 2"/>
+          <p:cNvSpPr>
+            <a:spLocks noGrp="1"/>
+          </p:cNvSpPr>
+          <p:nvPr>
+            <p:ph type="body" idx="1"/>
+          </p:nvPr>
+        </p:nvSpPr>
+        <p:spPr/>
+        <p:txBody>
+          <a:bodyPr/>
+          <a:lstStyle/>
+          <a:p>
+            <a:r>
+              <a:rPr lang="it-IT" dirty="0" smtClean="0"/>
+              <a:t>Invece</a:t>
+            </a:r>
+            <a:r>
+              <a:rPr lang="it-IT" baseline="0" dirty="0" smtClean="0"/>
+              <a:t> di essere esplicite le generalizzazioni sono implicite in modo da semplificare il tutto</a:t>
+            </a:r>
+            <a:endParaRPr lang="it-IT" dirty="0"/>
+          </a:p>
+        </p:txBody>
+      </p:sp>
+      <p:sp>
+        <p:nvSpPr>
+          <p:cNvPr id="4" name="Segnaposto numero diapositiva 3"/>
+          <p:cNvSpPr>
+            <a:spLocks noGrp="1"/>
+          </p:cNvSpPr>
+          <p:nvPr>
+            <p:ph type="sldNum" sz="quarter" idx="10"/>
+          </p:nvPr>
+        </p:nvSpPr>
+        <p:spPr/>
+        <p:txBody>
+          <a:bodyPr/>
+          <a:lstStyle/>
+          <a:p>
+            <a:fld id="{D70604CA-7593-4640-8FA1-5523937B8510}" type="slidenum">
+              <a:rPr lang="it-IT" smtClean="0"/>
+              <a:pPr/>
+              <a:t>7</a:t>
+            </a:fld>
+            <a:endParaRPr lang="it-IT"/>
+          </a:p>
+        </p:txBody>
+      </p:sp>
+    </p:spTree>
+    <p:extLst>
+      <p:ext uri="{BB962C8B-B14F-4D97-AF65-F5344CB8AC3E}">
+        <p14:creationId xmlns:p14="http://schemas.microsoft.com/office/powerpoint/2010/main" val="2687425361"/>
+      </p:ext>
+    </p:extLst>
+  </p:cSld>
+  <p:clrMapOvr>
+    <a:masterClrMapping/>
+  </p:clrMapOvr>
+</p:notes>
+</file>
+
+<file path=ppt/notesSlides/notesSlide5.xml><?xml version="1.0" encoding="utf-8"?>
+<p:notes xmlns:a="http://schemas.openxmlformats.org/drawingml/2006/main" xmlns:r="http://schemas.openxmlformats.org/officeDocument/2006/relationships" xmlns:p="http://schemas.openxmlformats.org/presentationml/2006/main">
+  <p:cSld>
+    <p:spTree>
+      <p:nvGrpSpPr>
+        <p:cNvPr id="1" name=""/>
+        <p:cNvGrpSpPr/>
+        <p:nvPr/>
+      </p:nvGrpSpPr>
+      <p:grpSpPr>
+        <a:xfrm>
+          <a:off x="0" y="0"/>
+          <a:ext cx="0" cy="0"/>
+          <a:chOff x="0" y="0"/>
+          <a:chExt cx="0" cy="0"/>
+        </a:xfrm>
+      </p:grpSpPr>
+      <p:sp>
+        <p:nvSpPr>
+          <p:cNvPr id="2" name="Segnaposto immagine diapositiva 1"/>
+          <p:cNvSpPr>
+            <a:spLocks noGrp="1" noRot="1" noChangeAspect="1"/>
+          </p:cNvSpPr>
+          <p:nvPr>
+            <p:ph type="sldImg"/>
+          </p:nvPr>
+        </p:nvSpPr>
+        <p:spPr/>
+      </p:sp>
+      <p:sp>
+        <p:nvSpPr>
+          <p:cNvPr id="3" name="Segnaposto note 2"/>
+          <p:cNvSpPr>
+            <a:spLocks noGrp="1"/>
+          </p:cNvSpPr>
+          <p:nvPr>
+            <p:ph type="body" idx="1"/>
+          </p:nvPr>
+        </p:nvSpPr>
+        <p:spPr/>
+        <p:txBody>
+          <a:bodyPr/>
+          <a:lstStyle/>
+          <a:p>
+            <a:r>
+              <a:rPr lang="it-IT" dirty="0" smtClean="0"/>
+              <a:t>Fare una ricapitolazione cosa può fare l’impiegato e cosa può fare il genitore</a:t>
+            </a:r>
+            <a:endParaRPr lang="it-IT" dirty="0"/>
+          </a:p>
+        </p:txBody>
+      </p:sp>
+      <p:sp>
+        <p:nvSpPr>
+          <p:cNvPr id="4" name="Segnaposto numero diapositiva 3"/>
+          <p:cNvSpPr>
+            <a:spLocks noGrp="1"/>
+          </p:cNvSpPr>
+          <p:nvPr>
+            <p:ph type="sldNum" sz="quarter" idx="10"/>
+          </p:nvPr>
+        </p:nvSpPr>
+        <p:spPr/>
+        <p:txBody>
+          <a:bodyPr/>
+          <a:lstStyle/>
+          <a:p>
+            <a:fld id="{D70604CA-7593-4640-8FA1-5523937B8510}" type="slidenum">
+              <a:rPr lang="it-IT" smtClean="0"/>
+              <a:pPr/>
+              <a:t>8</a:t>
+            </a:fld>
+            <a:endParaRPr lang="it-IT"/>
+          </a:p>
+        </p:txBody>
+      </p:sp>
+    </p:spTree>
+    <p:extLst>
+      <p:ext uri="{BB962C8B-B14F-4D97-AF65-F5344CB8AC3E}">
+        <p14:creationId xmlns:p14="http://schemas.microsoft.com/office/powerpoint/2010/main" val="3294237695"/>
+      </p:ext>
+    </p:extLst>
+  </p:cSld>
+  <p:clrMapOvr>
+    <a:masterClrMapping/>
+  </p:clrMapOvr>
+</p:notes>
+</file>
+
+<file path=ppt/notesSlides/notesSlide6.xml><?xml version="1.0" encoding="utf-8"?>
+<p:notes xmlns:a="http://schemas.openxmlformats.org/drawingml/2006/main" xmlns:r="http://schemas.openxmlformats.org/officeDocument/2006/relationships" xmlns:p="http://schemas.openxmlformats.org/presentationml/2006/main">
+  <p:cSld>
+    <p:spTree>
+      <p:nvGrpSpPr>
+        <p:cNvPr id="1" name=""/>
+        <p:cNvGrpSpPr/>
+        <p:nvPr/>
+      </p:nvGrpSpPr>
+      <p:grpSpPr>
+        <a:xfrm>
+          <a:off x="0" y="0"/>
+          <a:ext cx="0" cy="0"/>
+          <a:chOff x="0" y="0"/>
+          <a:chExt cx="0" cy="0"/>
+        </a:xfrm>
+      </p:grpSpPr>
+      <p:sp>
+        <p:nvSpPr>
+          <p:cNvPr id="2" name="Segnaposto immagine diapositiva 1"/>
+          <p:cNvSpPr>
+            <a:spLocks noGrp="1" noRot="1" noChangeAspect="1"/>
+          </p:cNvSpPr>
+          <p:nvPr>
+            <p:ph type="sldImg"/>
+          </p:nvPr>
+        </p:nvSpPr>
+        <p:spPr/>
+      </p:sp>
+      <p:sp>
+        <p:nvSpPr>
+          <p:cNvPr id="3" name="Segnaposto note 2"/>
+          <p:cNvSpPr>
+            <a:spLocks noGrp="1"/>
+          </p:cNvSpPr>
+          <p:nvPr>
+            <p:ph type="body" idx="1"/>
+          </p:nvPr>
+        </p:nvSpPr>
+        <p:spPr/>
+        <p:txBody>
+          <a:bodyPr/>
+          <a:lstStyle/>
+          <a:p>
+            <a:endParaRPr lang="it-IT" dirty="0"/>
+          </a:p>
+        </p:txBody>
+      </p:sp>
+      <p:sp>
+        <p:nvSpPr>
+          <p:cNvPr id="4" name="Segnaposto numero diapositiva 3"/>
+          <p:cNvSpPr>
+            <a:spLocks noGrp="1"/>
+          </p:cNvSpPr>
+          <p:nvPr>
+            <p:ph type="sldNum" sz="quarter" idx="10"/>
+          </p:nvPr>
+        </p:nvSpPr>
+        <p:spPr/>
+        <p:txBody>
+          <a:bodyPr/>
+          <a:lstStyle/>
+          <a:p>
+            <a:fld id="{D70604CA-7593-4640-8FA1-5523937B8510}" type="slidenum">
+              <a:rPr lang="it-IT" smtClean="0"/>
+              <a:pPr/>
+              <a:t>11</a:t>
             </a:fld>
             <a:endParaRPr lang="it-IT"/>
           </a:p>
@@ -960,7 +1218,7 @@
             <a:fld id="{63CABBC0-75E4-43BB-A6A6-84C2A96BDB82}" type="datetimeFigureOut">
               <a:rPr lang="it-IT" smtClean="0"/>
               <a:pPr/>
-              <a:t>30/12/2012</a:t>
+              <a:t>03/01/2013</a:t>
             </a:fld>
             <a:endParaRPr lang="it-IT"/>
           </a:p>
@@ -1142,7 +1400,7 @@
             <a:fld id="{63CABBC0-75E4-43BB-A6A6-84C2A96BDB82}" type="datetimeFigureOut">
               <a:rPr lang="it-IT" smtClean="0"/>
               <a:pPr/>
-              <a:t>30/12/2012</a:t>
+              <a:t>03/01/2013</a:t>
             </a:fld>
             <a:endParaRPr lang="it-IT"/>
           </a:p>
@@ -1334,7 +1592,7 @@
             <a:fld id="{63CABBC0-75E4-43BB-A6A6-84C2A96BDB82}" type="datetimeFigureOut">
               <a:rPr lang="it-IT" smtClean="0"/>
               <a:pPr/>
-              <a:t>30/12/2012</a:t>
+              <a:t>03/01/2013</a:t>
             </a:fld>
             <a:endParaRPr lang="it-IT"/>
           </a:p>
@@ -1516,7 +1774,7 @@
             <a:fld id="{63CABBC0-75E4-43BB-A6A6-84C2A96BDB82}" type="datetimeFigureOut">
               <a:rPr lang="it-IT" smtClean="0"/>
               <a:pPr/>
-              <a:t>30/12/2012</a:t>
+              <a:t>03/01/2013</a:t>
             </a:fld>
             <a:endParaRPr lang="it-IT"/>
           </a:p>
@@ -1759,7 +2017,7 @@
             <a:fld id="{63CABBC0-75E4-43BB-A6A6-84C2A96BDB82}" type="datetimeFigureOut">
               <a:rPr lang="it-IT" smtClean="0"/>
               <a:pPr/>
-              <a:t>30/12/2012</a:t>
+              <a:t>03/01/2013</a:t>
             </a:fld>
             <a:endParaRPr lang="it-IT"/>
           </a:p>
@@ -2040,7 +2298,7 @@
             <a:fld id="{63CABBC0-75E4-43BB-A6A6-84C2A96BDB82}" type="datetimeFigureOut">
               <a:rPr lang="it-IT" smtClean="0"/>
               <a:pPr/>
-              <a:t>30/12/2012</a:t>
+              <a:t>03/01/2013</a:t>
             </a:fld>
             <a:endParaRPr lang="it-IT"/>
           </a:p>
@@ -2431,7 +2689,7 @@
             <a:fld id="{63CABBC0-75E4-43BB-A6A6-84C2A96BDB82}" type="datetimeFigureOut">
               <a:rPr lang="it-IT" smtClean="0"/>
               <a:pPr/>
-              <a:t>30/12/2012</a:t>
+              <a:t>03/01/2013</a:t>
             </a:fld>
             <a:endParaRPr lang="it-IT"/>
           </a:p>
@@ -2590,7 +2848,7 @@
             <a:fld id="{63CABBC0-75E4-43BB-A6A6-84C2A96BDB82}" type="datetimeFigureOut">
               <a:rPr lang="it-IT" smtClean="0"/>
               <a:pPr/>
-              <a:t>30/12/2012</a:t>
+              <a:t>03/01/2013</a:t>
             </a:fld>
             <a:endParaRPr lang="it-IT"/>
           </a:p>
@@ -2689,7 +2947,7 @@
             <a:fld id="{63CABBC0-75E4-43BB-A6A6-84C2A96BDB82}" type="datetimeFigureOut">
               <a:rPr lang="it-IT" smtClean="0"/>
               <a:pPr/>
-              <a:t>30/12/2012</a:t>
+              <a:t>03/01/2013</a:t>
             </a:fld>
             <a:endParaRPr lang="it-IT"/>
           </a:p>
@@ -2959,7 +3217,7 @@
             <a:fld id="{63CABBC0-75E4-43BB-A6A6-84C2A96BDB82}" type="datetimeFigureOut">
               <a:rPr lang="it-IT" smtClean="0"/>
               <a:pPr/>
-              <a:t>30/12/2012</a:t>
+              <a:t>03/01/2013</a:t>
             </a:fld>
             <a:endParaRPr lang="it-IT"/>
           </a:p>
@@ -3256,7 +3514,7 @@
             <a:fld id="{63CABBC0-75E4-43BB-A6A6-84C2A96BDB82}" type="datetimeFigureOut">
               <a:rPr lang="it-IT" smtClean="0"/>
               <a:pPr/>
-              <a:t>30/12/2012</a:t>
+              <a:t>03/01/2013</a:t>
             </a:fld>
             <a:endParaRPr lang="it-IT"/>
           </a:p>
@@ -4036,7 +4294,7 @@
             <a:fld id="{63CABBC0-75E4-43BB-A6A6-84C2A96BDB82}" type="datetimeFigureOut">
               <a:rPr lang="it-IT" smtClean="0"/>
               <a:pPr/>
-              <a:t>30/12/2012</a:t>
+              <a:t>03/01/2013</a:t>
             </a:fld>
             <a:endParaRPr lang="it-IT"/>
           </a:p>
@@ -4998,335 +5256,6 @@
       </p:grpSpPr>
       <p:sp>
         <p:nvSpPr>
-          <p:cNvPr id="3" name="CasellaDiTesto 2"/>
-          <p:cNvSpPr txBox="1"/>
-          <p:nvPr/>
-        </p:nvSpPr>
-        <p:spPr>
-          <a:xfrm>
-            <a:off x="2760543" y="471869"/>
-            <a:ext cx="3937873" cy="1077218"/>
-          </a:xfrm>
-          <a:prstGeom prst="rect">
-            <a:avLst/>
-          </a:prstGeom>
-          <a:noFill/>
-        </p:spPr>
-        <p:txBody>
-          <a:bodyPr wrap="none" rtlCol="0">
-            <a:spAutoFit/>
-          </a:bodyPr>
-          <a:lstStyle/>
-          <a:p>
-            <a:pPr algn="ctr"/>
-            <a:r>
-              <a:rPr lang="it-IT" sz="3200" b="1" dirty="0">
-                <a:latin typeface="+mj-lt"/>
-              </a:rPr>
-              <a:t> </a:t>
-            </a:r>
-            <a:r>
-              <a:rPr lang="it-IT" sz="3200" b="1" dirty="0" smtClean="0">
-                <a:latin typeface="+mj-lt"/>
-              </a:rPr>
-              <a:t>Use Case Diagram 4.0</a:t>
-            </a:r>
-          </a:p>
-          <a:p>
-            <a:pPr algn="ctr"/>
-            <a:endParaRPr lang="it-IT" sz="3200" dirty="0">
-              <a:latin typeface="+mj-lt"/>
-            </a:endParaRPr>
-          </a:p>
-        </p:txBody>
-      </p:sp>
-      <p:pic>
-        <p:nvPicPr>
-          <p:cNvPr id="2050" name="Picture 2" descr="C:\Users\Marko\Desktop\UCD_Pagamenti%20(2).png"/>
-          <p:cNvPicPr>
-            <a:picLocks noChangeAspect="1" noChangeArrowheads="1"/>
-          </p:cNvPicPr>
-          <p:nvPr/>
-        </p:nvPicPr>
-        <p:blipFill>
-          <a:blip r:embed="rId3" cstate="print">
-            <a:extLst>
-              <a:ext uri="{28A0092B-C50C-407E-A947-70E740481C1C}">
-                <a14:useLocalDpi xmlns:a14="http://schemas.microsoft.com/office/drawing/2010/main" val="0"/>
-              </a:ext>
-            </a:extLst>
-          </a:blip>
-          <a:srcRect/>
-          <a:stretch>
-            <a:fillRect/>
-          </a:stretch>
-        </p:blipFill>
-        <p:spPr bwMode="auto">
-          <a:xfrm>
-            <a:off x="795968" y="1559909"/>
-            <a:ext cx="7524750" cy="4953000"/>
-          </a:xfrm>
-          <a:prstGeom prst="rect">
-            <a:avLst/>
-          </a:prstGeom>
-          <a:noFill/>
-          <a:extLst>
-            <a:ext uri="{909E8E84-426E-40DD-AFC4-6F175D3DCCD1}">
-              <a14:hiddenFill xmlns:a14="http://schemas.microsoft.com/office/drawing/2010/main">
-                <a:solidFill>
-                  <a:srgbClr val="FFFFFF"/>
-                </a:solidFill>
-              </a14:hiddenFill>
-            </a:ext>
-          </a:extLst>
-        </p:spPr>
-      </p:pic>
-    </p:spTree>
-    <p:extLst>
-      <p:ext uri="{BB962C8B-B14F-4D97-AF65-F5344CB8AC3E}">
-        <p14:creationId xmlns:p14="http://schemas.microsoft.com/office/powerpoint/2010/main" val="3701313841"/>
-      </p:ext>
-    </p:extLst>
-  </p:cSld>
-  <p:clrMapOvr>
-    <a:masterClrMapping/>
-  </p:clrMapOvr>
-  <p:timing>
-    <p:tnLst>
-      <p:par>
-        <p:cTn id="1" dur="indefinite" restart="never" nodeType="tmRoot"/>
-      </p:par>
-    </p:tnLst>
-  </p:timing>
-</p:sld>
-</file>
-
-<file path=ppt/slides/slide11.xml><?xml version="1.0" encoding="utf-8"?>
-<p:sld xmlns:a="http://schemas.openxmlformats.org/drawingml/2006/main" xmlns:r="http://schemas.openxmlformats.org/officeDocument/2006/relationships" xmlns:p="http://schemas.openxmlformats.org/presentationml/2006/main">
-  <p:cSld>
-    <p:spTree>
-      <p:nvGrpSpPr>
-        <p:cNvPr id="1" name=""/>
-        <p:cNvGrpSpPr/>
-        <p:nvPr/>
-      </p:nvGrpSpPr>
-      <p:grpSpPr>
-        <a:xfrm>
-          <a:off x="0" y="0"/>
-          <a:ext cx="0" cy="0"/>
-          <a:chOff x="0" y="0"/>
-          <a:chExt cx="0" cy="0"/>
-        </a:xfrm>
-      </p:grpSpPr>
-      <p:sp>
-        <p:nvSpPr>
-          <p:cNvPr id="2" name="CasellaDiTesto 1"/>
-          <p:cNvSpPr txBox="1"/>
-          <p:nvPr/>
-        </p:nvSpPr>
-        <p:spPr>
-          <a:xfrm>
-            <a:off x="2339752" y="692696"/>
-            <a:ext cx="4392488" cy="646331"/>
-          </a:xfrm>
-          <a:prstGeom prst="rect">
-            <a:avLst/>
-          </a:prstGeom>
-          <a:noFill/>
-        </p:spPr>
-        <p:txBody>
-          <a:bodyPr wrap="square" rtlCol="0">
-            <a:spAutoFit/>
-          </a:bodyPr>
-          <a:lstStyle/>
-          <a:p>
-            <a:pPr algn="ctr"/>
-            <a:r>
-              <a:rPr lang="it-IT" sz="3600" b="1" dirty="0" smtClean="0">
-                <a:solidFill>
-                  <a:srgbClr val="000000"/>
-                </a:solidFill>
-              </a:rPr>
-              <a:t>Impiegato Asilo</a:t>
-            </a:r>
-            <a:endParaRPr lang="it-IT" sz="3600" b="1" dirty="0" smtClean="0">
-              <a:solidFill>
-                <a:srgbClr val="000000"/>
-              </a:solidFill>
-            </a:endParaRPr>
-          </a:p>
-        </p:txBody>
-      </p:sp>
-      <p:pic>
-        <p:nvPicPr>
-          <p:cNvPr id="1026" name="Picture 2" descr="C:\Users\Marko\Desktop\278940263_fb1f4f5100_o.jpg"/>
-          <p:cNvPicPr>
-            <a:picLocks noChangeAspect="1" noChangeArrowheads="1"/>
-          </p:cNvPicPr>
-          <p:nvPr/>
-        </p:nvPicPr>
-        <p:blipFill>
-          <a:blip r:embed="rId2">
-            <a:extLst>
-              <a:ext uri="{28A0092B-C50C-407E-A947-70E740481C1C}">
-                <a14:useLocalDpi xmlns:a14="http://schemas.microsoft.com/office/drawing/2010/main" val="0"/>
-              </a:ext>
-            </a:extLst>
-          </a:blip>
-          <a:srcRect/>
-          <a:stretch>
-            <a:fillRect/>
-          </a:stretch>
-        </p:blipFill>
-        <p:spPr bwMode="auto">
-          <a:xfrm>
-            <a:off x="5567999" y="3068961"/>
-            <a:ext cx="3576001" cy="3603368"/>
-          </a:xfrm>
-          <a:prstGeom prst="rect">
-            <a:avLst/>
-          </a:prstGeom>
-          <a:noFill/>
-          <a:extLst>
-            <a:ext uri="{909E8E84-426E-40DD-AFC4-6F175D3DCCD1}">
-              <a14:hiddenFill xmlns:a14="http://schemas.microsoft.com/office/drawing/2010/main">
-                <a:solidFill>
-                  <a:srgbClr val="FFFFFF"/>
-                </a:solidFill>
-              </a14:hiddenFill>
-            </a:ext>
-          </a:extLst>
-        </p:spPr>
-      </p:pic>
-      <p:sp>
-        <p:nvSpPr>
-          <p:cNvPr id="5" name="CasellaDiTesto 4"/>
-          <p:cNvSpPr txBox="1"/>
-          <p:nvPr/>
-        </p:nvSpPr>
-        <p:spPr>
-          <a:xfrm>
-            <a:off x="406996" y="1628800"/>
-            <a:ext cx="5328592" cy="4431983"/>
-          </a:xfrm>
-          <a:prstGeom prst="rect">
-            <a:avLst/>
-          </a:prstGeom>
-          <a:noFill/>
-        </p:spPr>
-        <p:txBody>
-          <a:bodyPr wrap="square" rtlCol="0">
-            <a:spAutoFit/>
-          </a:bodyPr>
-          <a:lstStyle/>
-          <a:p>
-            <a:r>
-              <a:rPr lang="it-IT" sz="2400" dirty="0" smtClean="0"/>
-              <a:t>Può:</a:t>
-            </a:r>
-          </a:p>
-          <a:p>
-            <a:pPr marL="285750" indent="-285750">
-              <a:buFont typeface="Arial" pitchFamily="34" charset="0"/>
-              <a:buChar char="•"/>
-            </a:pPr>
-            <a:r>
-              <a:rPr lang="it-IT" sz="2400" dirty="0" smtClean="0"/>
-              <a:t>Visualizzare lo stato dei pagamenti di tutti gli iscritti </a:t>
-            </a:r>
-          </a:p>
-          <a:p>
-            <a:pPr marL="285750" indent="-285750">
-              <a:buFont typeface="Arial" pitchFamily="34" charset="0"/>
-              <a:buChar char="•"/>
-            </a:pPr>
-            <a:r>
-              <a:rPr lang="it-IT" sz="2400" dirty="0" smtClean="0"/>
-              <a:t>Possibilità di fatturare i pagamenti mensili.</a:t>
-            </a:r>
-          </a:p>
-          <a:p>
-            <a:pPr marL="285750" indent="-285750">
-              <a:buFont typeface="Arial" pitchFamily="34" charset="0"/>
-              <a:buChar char="•"/>
-            </a:pPr>
-            <a:r>
-              <a:rPr lang="it-IT" sz="2400" dirty="0" smtClean="0"/>
-              <a:t>Automatizzare la gestione delle rette per il servizio e permettere la personalizzazione delle rette.</a:t>
-            </a:r>
-          </a:p>
-          <a:p>
-            <a:pPr marL="285750" indent="-285750">
-              <a:buFont typeface="Arial" pitchFamily="34" charset="0"/>
-              <a:buChar char="•"/>
-            </a:pPr>
-            <a:r>
-              <a:rPr lang="it-IT" sz="2400" dirty="0" smtClean="0"/>
-              <a:t>Possibilità di modificare manualmente la registrazione di un pagamento.</a:t>
-            </a:r>
-          </a:p>
-          <a:p>
-            <a:pPr marL="285750" indent="-285750">
-              <a:buFont typeface="Arial" pitchFamily="34" charset="0"/>
-              <a:buChar char="•"/>
-            </a:pPr>
-            <a:r>
-              <a:rPr lang="it-IT" sz="2400" dirty="0" smtClean="0"/>
-              <a:t>Inviare email di promemoria.</a:t>
-            </a:r>
-          </a:p>
-          <a:p>
-            <a:endParaRPr lang="it-IT" dirty="0"/>
-          </a:p>
-        </p:txBody>
-      </p:sp>
-    </p:spTree>
-    <p:extLst>
-      <p:ext uri="{BB962C8B-B14F-4D97-AF65-F5344CB8AC3E}">
-        <p14:creationId xmlns:p14="http://schemas.microsoft.com/office/powerpoint/2010/main" val="3516333073"/>
-      </p:ext>
-    </p:extLst>
-  </p:cSld>
-  <p:clrMapOvr>
-    <a:masterClrMapping/>
-  </p:clrMapOvr>
-  <mc:AlternateContent xmlns:mc="http://schemas.openxmlformats.org/markup-compatibility/2006" xmlns:p14="http://schemas.microsoft.com/office/powerpoint/2010/main">
-    <mc:Choice Requires="p14">
-      <p:transition spd="slow" p14:dur="2000"/>
-    </mc:Choice>
-    <mc:Fallback xmlns="">
-      <p:transition spd="slow"/>
-    </mc:Fallback>
-  </mc:AlternateContent>
-  <p:timing>
-    <p:tnLst>
-      <p:par>
-        <p:cTn id="1" dur="indefinite" restart="never" nodeType="tmRoot"/>
-      </p:par>
-    </p:tnLst>
-  </p:timing>
-</p:sld>
-</file>
-
-<file path=ppt/slides/slide12.xml><?xml version="1.0" encoding="utf-8"?>
-<p:sld xmlns:a="http://schemas.openxmlformats.org/drawingml/2006/main" xmlns:r="http://schemas.openxmlformats.org/officeDocument/2006/relationships" xmlns:p="http://schemas.openxmlformats.org/presentationml/2006/main">
-  <p:cSld>
-    <p:spTree>
-      <p:nvGrpSpPr>
-        <p:cNvPr id="1" name=""/>
-        <p:cNvGrpSpPr/>
-        <p:nvPr/>
-      </p:nvGrpSpPr>
-      <p:grpSpPr>
-        <a:xfrm>
-          <a:off x="0" y="0"/>
-          <a:ext cx="0" cy="0"/>
-          <a:chOff x="0" y="0"/>
-          <a:chExt cx="0" cy="0"/>
-        </a:xfrm>
-      </p:grpSpPr>
-      <p:sp>
-        <p:nvSpPr>
           <p:cNvPr id="2" name="CasellaDiTesto 1"/>
           <p:cNvSpPr txBox="1"/>
           <p:nvPr/>
@@ -5356,11 +5285,6 @@
               </a:rPr>
               <a:t>Genitore</a:t>
             </a:r>
-            <a:endParaRPr lang="it-IT" sz="3600" b="1" dirty="0" smtClean="0">
-              <a:solidFill>
-                <a:srgbClr val="000000"/>
-              </a:solidFill>
-            </a:endParaRPr>
           </a:p>
         </p:txBody>
       </p:sp>
@@ -5427,10 +5351,7 @@
           </a:bodyPr>
           <a:lstStyle/>
           <a:p>
-            <a:r>
-              <a:rPr lang="it-IT" sz="2400" dirty="0" smtClean="0"/>
-              <a:t>Può:</a:t>
-            </a:r>
+            <a:endParaRPr lang="it-IT" sz="2400" dirty="0" smtClean="0"/>
           </a:p>
           <a:p>
             <a:pPr marL="285750" indent="-285750">
@@ -5439,8 +5360,13 @@
             </a:pPr>
             <a:r>
               <a:rPr lang="it-IT" sz="2400" dirty="0" smtClean="0"/>
-              <a:t>Visualizzare lo storico dei pagamenti.</a:t>
-            </a:r>
+              <a:t>Visualizzare lo storico dei </a:t>
+            </a:r>
+            <a:r>
+              <a:rPr lang="it-IT" sz="2400" dirty="0" smtClean="0"/>
+              <a:t>pagamenti</a:t>
+            </a:r>
+            <a:endParaRPr lang="it-IT" sz="2400" dirty="0" smtClean="0"/>
           </a:p>
           <a:p>
             <a:pPr marL="285750" indent="-285750">
@@ -5449,8 +5375,13 @@
             </a:pPr>
             <a:r>
               <a:rPr lang="it-IT" sz="2400" dirty="0" smtClean="0"/>
-              <a:t>Visualizzare la fattura mensile.</a:t>
-            </a:r>
+              <a:t>Visualizzare la fattura </a:t>
+            </a:r>
+            <a:r>
+              <a:rPr lang="it-IT" sz="2400" dirty="0" smtClean="0"/>
+              <a:t>mensile</a:t>
+            </a:r>
+            <a:endParaRPr lang="it-IT" sz="2400" dirty="0" smtClean="0"/>
           </a:p>
           <a:p>
             <a:pPr marL="285750" indent="-285750">
@@ -5499,7 +5430,7 @@
 </p:sld>
 </file>
 
-<file path=ppt/slides/slide13.xml><?xml version="1.0" encoding="utf-8"?>
+<file path=ppt/slides/slide11.xml><?xml version="1.0" encoding="utf-8"?>
 <p:sld xmlns:a="http://schemas.openxmlformats.org/drawingml/2006/main" xmlns:r="http://schemas.openxmlformats.org/officeDocument/2006/relationships" xmlns:p="http://schemas.openxmlformats.org/presentationml/2006/main">
   <p:cSld>
     <p:spTree>
@@ -5624,7 +5555,7 @@
 </p:sld>
 </file>
 
-<file path=ppt/slides/slide14.xml><?xml version="1.0" encoding="utf-8"?>
+<file path=ppt/slides/slide12.xml><?xml version="1.0" encoding="utf-8"?>
 <p:sld xmlns:a="http://schemas.openxmlformats.org/drawingml/2006/main" xmlns:r="http://schemas.openxmlformats.org/officeDocument/2006/relationships" xmlns:p="http://schemas.openxmlformats.org/presentationml/2006/main">
   <p:cSld>
     <p:spTree>
@@ -5749,7 +5680,7 @@
 </p:sld>
 </file>
 
-<file path=ppt/slides/slide15.xml><?xml version="1.0" encoding="utf-8"?>
+<file path=ppt/slides/slide13.xml><?xml version="1.0" encoding="utf-8"?>
 <p:sld xmlns:a="http://schemas.openxmlformats.org/drawingml/2006/main" xmlns:r="http://schemas.openxmlformats.org/officeDocument/2006/relationships" xmlns:p="http://schemas.openxmlformats.org/presentationml/2006/main">
   <p:cSld>
     <p:spTree>
@@ -5866,307 +5797,6 @@
 </file>
 
 <file path=ppt/slides/slide2.xml><?xml version="1.0" encoding="utf-8"?>
-<p:sld xmlns:a="http://schemas.openxmlformats.org/drawingml/2006/main" xmlns:r="http://schemas.openxmlformats.org/officeDocument/2006/relationships" xmlns:p="http://schemas.openxmlformats.org/presentationml/2006/main" show="0">
-  <p:cSld>
-    <p:spTree>
-      <p:nvGrpSpPr>
-        <p:cNvPr id="1" name=""/>
-        <p:cNvGrpSpPr/>
-        <p:nvPr/>
-      </p:nvGrpSpPr>
-      <p:grpSpPr>
-        <a:xfrm>
-          <a:off x="0" y="0"/>
-          <a:ext cx="0" cy="0"/>
-          <a:chOff x="0" y="0"/>
-          <a:chExt cx="0" cy="0"/>
-        </a:xfrm>
-      </p:grpSpPr>
-      <p:sp>
-        <p:nvSpPr>
-          <p:cNvPr id="2" name="CasellaDiTesto 1"/>
-          <p:cNvSpPr txBox="1"/>
-          <p:nvPr/>
-        </p:nvSpPr>
-        <p:spPr>
-          <a:xfrm>
-            <a:off x="3214701" y="476672"/>
-            <a:ext cx="3029548" cy="1538883"/>
-          </a:xfrm>
-          <a:prstGeom prst="rect">
-            <a:avLst/>
-          </a:prstGeom>
-          <a:noFill/>
-        </p:spPr>
-        <p:txBody>
-          <a:bodyPr wrap="none" rtlCol="0">
-            <a:spAutoFit/>
-          </a:bodyPr>
-          <a:lstStyle/>
-          <a:p>
-            <a:pPr algn="ctr"/>
-            <a:r>
-              <a:rPr lang="it-IT" sz="4800" b="1" dirty="0" smtClean="0">
-                <a:latin typeface="+mj-lt"/>
-              </a:rPr>
-              <a:t>Pagamenti</a:t>
-            </a:r>
-          </a:p>
-          <a:p>
-            <a:pPr algn="ctr"/>
-            <a:r>
-              <a:rPr lang="it-IT" sz="2800" b="1" dirty="0" smtClean="0">
-                <a:latin typeface="+mj-lt"/>
-              </a:rPr>
-              <a:t>Requisiti funzionali</a:t>
-            </a:r>
-          </a:p>
-          <a:p>
-            <a:pPr algn="ctr"/>
-            <a:endParaRPr lang="it-IT" dirty="0">
-              <a:latin typeface="+mj-lt"/>
-            </a:endParaRPr>
-          </a:p>
-        </p:txBody>
-      </p:sp>
-      <p:sp>
-        <p:nvSpPr>
-          <p:cNvPr id="11" name="CasellaDiTesto 10"/>
-          <p:cNvSpPr txBox="1"/>
-          <p:nvPr/>
-        </p:nvSpPr>
-        <p:spPr>
-          <a:xfrm>
-            <a:off x="179512" y="1772816"/>
-            <a:ext cx="8846589" cy="4801314"/>
-          </a:xfrm>
-          <a:prstGeom prst="rect">
-            <a:avLst/>
-          </a:prstGeom>
-          <a:noFill/>
-        </p:spPr>
-        <p:txBody>
-          <a:bodyPr wrap="none" rtlCol="0">
-            <a:spAutoFit/>
-          </a:bodyPr>
-          <a:lstStyle/>
-          <a:p>
-            <a:endParaRPr lang="it-IT" dirty="0">
-              <a:solidFill>
-                <a:srgbClr val="FF0000"/>
-              </a:solidFill>
-            </a:endParaRPr>
-          </a:p>
-          <a:p>
-            <a:r>
-              <a:rPr lang="it-IT" b="1" dirty="0" smtClean="0"/>
-              <a:t>RF_M_1  </a:t>
-            </a:r>
-            <a:r>
-              <a:rPr lang="it-IT" b="1" dirty="0"/>
-              <a:t>lo</a:t>
-            </a:r>
-            <a:r>
-              <a:rPr lang="it-IT" dirty="0"/>
-              <a:t> </a:t>
-            </a:r>
-            <a:r>
-              <a:rPr lang="it-IT" b="1" dirty="0"/>
-              <a:t>stato dei pagamenti delle rette previste</a:t>
-            </a:r>
-            <a:endParaRPr lang="it-IT" dirty="0"/>
-          </a:p>
-          <a:p>
-            <a:pPr lvl="1"/>
-            <a:endParaRPr lang="it-IT" b="1" dirty="0" smtClean="0"/>
-          </a:p>
-          <a:p>
-            <a:pPr lvl="1"/>
-            <a:r>
-              <a:rPr lang="it-IT" b="1" dirty="0" smtClean="0"/>
-              <a:t>RF_M_1.1	</a:t>
-            </a:r>
-            <a:r>
-              <a:rPr lang="it-IT" dirty="0" smtClean="0"/>
-              <a:t>Possono </a:t>
-            </a:r>
-            <a:r>
-              <a:rPr lang="it-IT" dirty="0"/>
-              <a:t>essere visionati tutti gli iscritti che non hanno ancora </a:t>
-            </a:r>
-            <a:endParaRPr lang="it-IT" dirty="0" smtClean="0"/>
-          </a:p>
-          <a:p>
-            <a:pPr lvl="1"/>
-            <a:r>
-              <a:rPr lang="it-IT" dirty="0" smtClean="0"/>
-              <a:t>		provveduto </a:t>
-            </a:r>
-            <a:r>
-              <a:rPr lang="it-IT" dirty="0"/>
-              <a:t>al pagamento con </a:t>
-            </a:r>
-            <a:r>
-              <a:rPr lang="it-IT" dirty="0" smtClean="0"/>
-              <a:t>l'eventualità di aggiunta di una </a:t>
-            </a:r>
-          </a:p>
-          <a:p>
-            <a:pPr lvl="1"/>
-            <a:r>
-              <a:rPr lang="it-IT" dirty="0"/>
-              <a:t>	</a:t>
-            </a:r>
-            <a:r>
-              <a:rPr lang="it-IT" dirty="0" smtClean="0"/>
-              <a:t>	mail di promemoria;</a:t>
-            </a:r>
-          </a:p>
-          <a:p>
-            <a:endParaRPr lang="it-IT" dirty="0"/>
-          </a:p>
-          <a:p>
-            <a:pPr lvl="1"/>
-            <a:r>
-              <a:rPr lang="it-IT" b="1" dirty="0" smtClean="0"/>
-              <a:t>RF_M_1.2	</a:t>
-            </a:r>
-            <a:r>
-              <a:rPr lang="it-IT" dirty="0" smtClean="0"/>
-              <a:t>Possibilità </a:t>
-            </a:r>
-            <a:r>
-              <a:rPr lang="it-IT" dirty="0"/>
-              <a:t>di fatturare i pagamenti mensili con </a:t>
-            </a:r>
-            <a:r>
-              <a:rPr lang="it-IT" dirty="0" smtClean="0"/>
-              <a:t>l'eventualità di </a:t>
-            </a:r>
-          </a:p>
-          <a:p>
-            <a:pPr lvl="1"/>
-            <a:r>
-              <a:rPr lang="it-IT" dirty="0"/>
-              <a:t>	</a:t>
-            </a:r>
-            <a:r>
-              <a:rPr lang="it-IT" dirty="0" smtClean="0"/>
-              <a:t>	aggiunta di una mail di promemoria;</a:t>
-            </a:r>
-          </a:p>
-          <a:p>
-            <a:endParaRPr lang="it-IT" dirty="0"/>
-          </a:p>
-          <a:p>
-            <a:pPr lvl="1"/>
-            <a:r>
-              <a:rPr lang="it-IT" b="1" dirty="0" smtClean="0"/>
-              <a:t>RF_M_1.3	</a:t>
-            </a:r>
-            <a:r>
-              <a:rPr lang="it-IT" dirty="0" smtClean="0"/>
-              <a:t>I </a:t>
-            </a:r>
-            <a:r>
-              <a:rPr lang="it-IT" dirty="0"/>
-              <a:t>Genitori possono </a:t>
-            </a:r>
-            <a:r>
-              <a:rPr lang="it-IT" dirty="0" smtClean="0"/>
-              <a:t>visionare lo storico dei pagamenti effettuati;</a:t>
-            </a:r>
-          </a:p>
-          <a:p>
-            <a:endParaRPr lang="it-IT" dirty="0"/>
-          </a:p>
-          <a:p>
-            <a:pPr lvl="1"/>
-            <a:r>
-              <a:rPr lang="it-IT" b="1" dirty="0" smtClean="0"/>
-              <a:t>RF_M_1.4	</a:t>
-            </a:r>
-            <a:r>
-              <a:rPr lang="it-IT" dirty="0"/>
-              <a:t>A</a:t>
-            </a:r>
-            <a:r>
-              <a:rPr lang="it-IT" dirty="0" smtClean="0"/>
-              <a:t>utomatizzare </a:t>
-            </a:r>
-            <a:r>
-              <a:rPr lang="it-IT" dirty="0"/>
-              <a:t>la gestione delle rette per il servizio </a:t>
-            </a:r>
-            <a:r>
-              <a:rPr lang="it-IT" dirty="0" smtClean="0"/>
-              <a:t>e permettere </a:t>
-            </a:r>
-          </a:p>
-          <a:p>
-            <a:pPr lvl="1"/>
-            <a:r>
-              <a:rPr lang="it-IT" dirty="0"/>
-              <a:t>	</a:t>
-            </a:r>
-            <a:r>
-              <a:rPr lang="it-IT" dirty="0" smtClean="0"/>
-              <a:t>	la personalizzazione delle rette da parte del direttore dell'asilo</a:t>
-            </a:r>
-          </a:p>
-          <a:p>
-            <a:endParaRPr lang="it-IT" dirty="0"/>
-          </a:p>
-          <a:p>
-            <a:pPr lvl="1"/>
-            <a:r>
-              <a:rPr lang="it-IT" b="1" dirty="0" smtClean="0"/>
-              <a:t>RF_M_1.5	</a:t>
-            </a:r>
-            <a:r>
-              <a:rPr lang="it-IT" dirty="0" smtClean="0"/>
-              <a:t>Possibilità </a:t>
-            </a:r>
-            <a:r>
-              <a:rPr lang="it-IT" dirty="0"/>
-              <a:t>di modificare manualmente la registrazione di un pagamento; </a:t>
-            </a:r>
-          </a:p>
-          <a:p>
-            <a:pPr lvl="1"/>
-            <a:endParaRPr lang="it-IT" dirty="0"/>
-          </a:p>
-        </p:txBody>
-      </p:sp>
-    </p:spTree>
-    <p:extLst>
-      <p:ext uri="{BB962C8B-B14F-4D97-AF65-F5344CB8AC3E}">
-        <p14:creationId xmlns:p14="http://schemas.microsoft.com/office/powerpoint/2010/main" val="155874689"/>
-      </p:ext>
-    </p:extLst>
-  </p:cSld>
-  <p:clrMapOvr>
-    <a:masterClrMapping/>
-  </p:clrMapOvr>
-  <mc:AlternateContent xmlns:mc="http://schemas.openxmlformats.org/markup-compatibility/2006">
-    <mc:Choice xmlns:p14="http://schemas.microsoft.com/office/powerpoint/2010/main" Requires="p14">
-      <p:transition spd="slow" p14:dur="2000"/>
-    </mc:Choice>
-    <mc:Fallback>
-      <p:transition spd="slow"/>
-    </mc:Fallback>
-  </mc:AlternateContent>
-  <p:timing>
-    <p:tnLst>
-      <p:par>
-        <p:cTn id="1" dur="indefinite" restart="never" nodeType="tmRoot"/>
-      </p:par>
-    </p:tnLst>
-  </p:timing>
-</p:sld>
-</file>
-
-<file path=ppt/slides/slide3.xml><?xml version="1.0" encoding="utf-8"?>
 <p:sld xmlns:a="http://schemas.openxmlformats.org/drawingml/2006/main" xmlns:r="http://schemas.openxmlformats.org/officeDocument/2006/relationships" xmlns:p="http://schemas.openxmlformats.org/presentationml/2006/main">
   <p:cSld>
     <p:spTree>
@@ -6223,7 +5853,7 @@
         </p:nvSpPr>
         <p:spPr>
           <a:xfrm>
-            <a:off x="332158" y="2384435"/>
+            <a:off x="611560" y="1519308"/>
             <a:ext cx="5111750" cy="625536"/>
           </a:xfrm>
           <a:prstGeom prst="rect">
@@ -6403,23 +6033,7 @@
                   <a:srgbClr val="000000"/>
                 </a:solidFill>
               </a:rPr>
-              <a:t>Primo </a:t>
-            </a:r>
-            <a:r>
-              <a:rPr lang="en-US" dirty="0" err="1" smtClean="0">
-                <a:solidFill>
-                  <a:srgbClr val="000000"/>
-                </a:solidFill>
-              </a:rPr>
-              <a:t>impatto</a:t>
-            </a:r>
-            <a:r>
-              <a:rPr lang="en-US" dirty="0" smtClean="0">
-                <a:solidFill>
-                  <a:srgbClr val="000000"/>
-                </a:solidFill>
-              </a:rPr>
-              <a:t>: </a:t>
+              <a:t>PRIMO IMPATTO</a:t>
             </a:r>
             <a:endParaRPr lang="en-US" dirty="0">
               <a:solidFill>
@@ -6452,7 +6066,7 @@
         </p:blipFill>
         <p:spPr bwMode="auto">
           <a:xfrm>
-            <a:off x="3995936" y="1519308"/>
+            <a:off x="1262435" y="2276872"/>
             <a:ext cx="3810000" cy="2981325"/>
           </a:xfrm>
           <a:prstGeom prst="rect">
@@ -6480,7 +6094,7 @@
         </p:nvSpPr>
         <p:spPr>
           <a:xfrm>
-            <a:off x="1043608" y="5085184"/>
+            <a:off x="3133906" y="5589240"/>
             <a:ext cx="5111750" cy="625536"/>
           </a:xfrm>
           <a:prstGeom prst="rect">
@@ -6655,84 +6269,655 @@
               <a:buNone/>
             </a:pPr>
             <a:r>
-              <a:rPr lang="en-US" dirty="0" err="1" smtClean="0">
-                <a:solidFill>
-                  <a:srgbClr val="000000"/>
+              <a:rPr lang="en-US" i="1" dirty="0" err="1" smtClean="0">
+                <a:solidFill>
+                  <a:schemeClr val="accent4"/>
                 </a:solidFill>
               </a:rPr>
               <a:t>Capire</a:t>
             </a:r>
             <a:r>
-              <a:rPr lang="en-US" dirty="0" smtClean="0">
-                <a:solidFill>
-                  <a:srgbClr val="000000"/>
+              <a:rPr lang="en-US" i="1" dirty="0" smtClean="0">
+                <a:solidFill>
+                  <a:schemeClr val="accent4"/>
                 </a:solidFill>
               </a:rPr>
               <a:t> </a:t>
             </a:r>
             <a:r>
-              <a:rPr lang="en-US" dirty="0" err="1" smtClean="0">
-                <a:solidFill>
-                  <a:srgbClr val="000000"/>
+              <a:rPr lang="en-US" i="1" dirty="0" err="1" smtClean="0">
+                <a:solidFill>
+                  <a:schemeClr val="accent4"/>
                 </a:solidFill>
               </a:rPr>
               <a:t>cosa</a:t>
             </a:r>
             <a:r>
-              <a:rPr lang="en-US" dirty="0" smtClean="0">
-                <a:solidFill>
-                  <a:srgbClr val="000000"/>
+              <a:rPr lang="en-US" i="1" dirty="0" smtClean="0">
+                <a:solidFill>
+                  <a:schemeClr val="accent4"/>
                 </a:solidFill>
               </a:rPr>
               <a:t> </a:t>
             </a:r>
             <a:r>
-              <a:rPr lang="en-US" dirty="0" err="1" smtClean="0">
-                <a:solidFill>
-                  <a:srgbClr val="000000"/>
+              <a:rPr lang="en-US" i="1" dirty="0" err="1" smtClean="0">
+                <a:solidFill>
+                  <a:schemeClr val="accent4"/>
                 </a:solidFill>
               </a:rPr>
               <a:t>il</a:t>
             </a:r>
             <a:r>
-              <a:rPr lang="en-US" dirty="0" smtClean="0">
-                <a:solidFill>
-                  <a:srgbClr val="000000"/>
+              <a:rPr lang="en-US" i="1" dirty="0" smtClean="0">
+                <a:solidFill>
+                  <a:schemeClr val="accent4"/>
                 </a:solidFill>
               </a:rPr>
               <a:t> </a:t>
             </a:r>
             <a:r>
-              <a:rPr lang="en-US" dirty="0" err="1" smtClean="0">
-                <a:solidFill>
-                  <a:srgbClr val="000000"/>
+              <a:rPr lang="en-US" i="1" dirty="0" err="1" smtClean="0">
+                <a:solidFill>
+                  <a:schemeClr val="accent4"/>
                 </a:solidFill>
               </a:rPr>
               <a:t>cliente</a:t>
             </a:r>
             <a:r>
-              <a:rPr lang="en-US" dirty="0" smtClean="0">
-                <a:solidFill>
-                  <a:srgbClr val="000000"/>
+              <a:rPr lang="en-US" i="1" dirty="0" smtClean="0">
+                <a:solidFill>
+                  <a:schemeClr val="accent4"/>
                 </a:solidFill>
               </a:rPr>
               <a:t> </a:t>
             </a:r>
             <a:r>
-              <a:rPr lang="en-US" dirty="0" err="1" smtClean="0">
-                <a:solidFill>
-                  <a:srgbClr val="000000"/>
+              <a:rPr lang="en-US" i="1" dirty="0" err="1" smtClean="0">
+                <a:solidFill>
+                  <a:schemeClr val="accent4"/>
                 </a:solidFill>
               </a:rPr>
               <a:t>vuole</a:t>
             </a:r>
+            <a:endParaRPr lang="en-US" i="1" dirty="0">
+              <a:solidFill>
+                <a:schemeClr val="accent4"/>
+              </a:solidFill>
+            </a:endParaRPr>
+          </a:p>
+        </p:txBody>
+      </p:sp>
+    </p:spTree>
+    <p:extLst>
+      <p:ext uri="{BB962C8B-B14F-4D97-AF65-F5344CB8AC3E}">
+        <p14:creationId xmlns:p14="http://schemas.microsoft.com/office/powerpoint/2010/main" val="4188503847"/>
+      </p:ext>
+    </p:extLst>
+  </p:cSld>
+  <p:clrMapOvr>
+    <a:masterClrMapping/>
+  </p:clrMapOvr>
+  <p:timing>
+    <p:tnLst>
+      <p:par>
+        <p:cTn id="1" dur="indefinite" restart="never" nodeType="tmRoot">
+          <p:childTnLst>
+            <p:seq concurrent="1" nextAc="seek">
+              <p:cTn id="2" dur="indefinite" nodeType="mainSeq">
+                <p:childTnLst>
+                  <p:par>
+                    <p:cTn id="3" fill="hold">
+                      <p:stCondLst>
+                        <p:cond delay="indefinite"/>
+                        <p:cond evt="onBegin" delay="0">
+                          <p:tn val="2"/>
+                        </p:cond>
+                      </p:stCondLst>
+                      <p:childTnLst>
+                        <p:par>
+                          <p:cTn id="4" fill="hold">
+                            <p:stCondLst>
+                              <p:cond delay="0"/>
+                            </p:stCondLst>
+                            <p:childTnLst>
+                              <p:par>
+                                <p:cTn id="5" presetID="26" presetClass="emph" presetSubtype="0" fill="hold" grpId="0" nodeType="afterEffect">
+                                  <p:stCondLst>
+                                    <p:cond delay="0"/>
+                                  </p:stCondLst>
+                                  <p:childTnLst>
+                                    <p:animEffect transition="out" filter="fade">
+                                      <p:cBhvr>
+                                        <p:cTn id="6" dur="500" tmFilter="0, 0; .2, .5; .8, .5; 1, 0"/>
+                                        <p:tgtEl>
+                                          <p:spTgt spid="6"/>
+                                        </p:tgtEl>
+                                      </p:cBhvr>
+                                    </p:animEffect>
+                                    <p:animScale>
+                                      <p:cBhvr>
+                                        <p:cTn id="7" dur="250" autoRev="1" fill="hold"/>
+                                        <p:tgtEl>
+                                          <p:spTgt spid="6"/>
+                                        </p:tgtEl>
+                                      </p:cBhvr>
+                                      <p:by x="105000" y="105000"/>
+                                    </p:animScale>
+                                  </p:childTnLst>
+                                </p:cTn>
+                              </p:par>
+                            </p:childTnLst>
+                          </p:cTn>
+                        </p:par>
+                      </p:childTnLst>
+                    </p:cTn>
+                  </p:par>
+                  <p:par>
+                    <p:cTn id="8" fill="hold">
+                      <p:stCondLst>
+                        <p:cond delay="indefinite"/>
+                      </p:stCondLst>
+                      <p:childTnLst>
+                        <p:par>
+                          <p:cTn id="9" fill="hold">
+                            <p:stCondLst>
+                              <p:cond delay="0"/>
+                            </p:stCondLst>
+                            <p:childTnLst>
+                              <p:par>
+                                <p:cTn id="10" presetID="21" presetClass="entr" presetSubtype="1" fill="hold" nodeType="clickEffect">
+                                  <p:stCondLst>
+                                    <p:cond delay="0"/>
+                                  </p:stCondLst>
+                                  <p:childTnLst>
+                                    <p:set>
+                                      <p:cBhvr>
+                                        <p:cTn id="11" dur="1" fill="hold">
+                                          <p:stCondLst>
+                                            <p:cond delay="0"/>
+                                          </p:stCondLst>
+                                        </p:cTn>
+                                        <p:tgtEl>
+                                          <p:spTgt spid="1026"/>
+                                        </p:tgtEl>
+                                        <p:attrNameLst>
+                                          <p:attrName>style.visibility</p:attrName>
+                                        </p:attrNameLst>
+                                      </p:cBhvr>
+                                      <p:to>
+                                        <p:strVal val="visible"/>
+                                      </p:to>
+                                    </p:set>
+                                    <p:animEffect transition="in" filter="wheel(1)">
+                                      <p:cBhvr>
+                                        <p:cTn id="12" dur="2000"/>
+                                        <p:tgtEl>
+                                          <p:spTgt spid="1026"/>
+                                        </p:tgtEl>
+                                      </p:cBhvr>
+                                    </p:animEffect>
+                                  </p:childTnLst>
+                                </p:cTn>
+                              </p:par>
+                            </p:childTnLst>
+                          </p:cTn>
+                        </p:par>
+                      </p:childTnLst>
+                    </p:cTn>
+                  </p:par>
+                </p:childTnLst>
+              </p:cTn>
+              <p:prevCondLst>
+                <p:cond evt="onPrev" delay="0">
+                  <p:tgtEl>
+                    <p:sldTgt/>
+                  </p:tgtEl>
+                </p:cond>
+              </p:prevCondLst>
+              <p:nextCondLst>
+                <p:cond evt="onNext" delay="0">
+                  <p:tgtEl>
+                    <p:sldTgt/>
+                  </p:tgtEl>
+                </p:cond>
+              </p:nextCondLst>
+            </p:seq>
+          </p:childTnLst>
+        </p:cTn>
+      </p:par>
+    </p:tnLst>
+    <p:bldLst>
+      <p:bldP spid="6" grpId="0"/>
+    </p:bldLst>
+  </p:timing>
+</p:sld>
+</file>
+
+<file path=ppt/slides/slide3.xml><?xml version="1.0" encoding="utf-8"?>
+<p:sld xmlns:a="http://schemas.openxmlformats.org/drawingml/2006/main" xmlns:r="http://schemas.openxmlformats.org/officeDocument/2006/relationships" xmlns:p="http://schemas.openxmlformats.org/presentationml/2006/main">
+  <p:cSld>
+    <p:spTree>
+      <p:nvGrpSpPr>
+        <p:cNvPr id="1" name=""/>
+        <p:cNvGrpSpPr/>
+        <p:nvPr/>
+      </p:nvGrpSpPr>
+      <p:grpSpPr>
+        <a:xfrm>
+          <a:off x="0" y="0"/>
+          <a:ext cx="0" cy="0"/>
+          <a:chOff x="0" y="0"/>
+          <a:chExt cx="0" cy="0"/>
+        </a:xfrm>
+      </p:grpSpPr>
+      <p:sp>
+        <p:nvSpPr>
+          <p:cNvPr id="2" name="CasellaDiTesto 1"/>
+          <p:cNvSpPr txBox="1"/>
+          <p:nvPr/>
+        </p:nvSpPr>
+        <p:spPr>
+          <a:xfrm>
+            <a:off x="2950576" y="787214"/>
+            <a:ext cx="3557832" cy="646331"/>
+          </a:xfrm>
+          <a:prstGeom prst="rect">
+            <a:avLst/>
+          </a:prstGeom>
+          <a:noFill/>
+        </p:spPr>
+        <p:txBody>
+          <a:bodyPr wrap="none" rtlCol="0">
+            <a:spAutoFit/>
+          </a:bodyPr>
+          <a:lstStyle/>
+          <a:p>
+            <a:pPr algn="ctr"/>
+            <a:r>
+              <a:rPr lang="it-IT" sz="3600" b="1" dirty="0" smtClean="0">
+                <a:latin typeface="+mj-lt"/>
+              </a:rPr>
+              <a:t>Team M vs Bando</a:t>
+            </a:r>
+          </a:p>
+        </p:txBody>
+      </p:sp>
+      <p:sp>
+        <p:nvSpPr>
+          <p:cNvPr id="3" name="Content Placeholder 3"/>
+          <p:cNvSpPr txBox="1">
+            <a:spLocks/>
+          </p:cNvSpPr>
+          <p:nvPr/>
+        </p:nvSpPr>
+        <p:spPr>
+          <a:xfrm>
+            <a:off x="332158" y="2384434"/>
+            <a:ext cx="8488314" cy="1476614"/>
+          </a:xfrm>
+          <a:prstGeom prst="rect">
+            <a:avLst/>
+          </a:prstGeom>
+        </p:spPr>
+        <p:txBody>
+          <a:bodyPr tIns="0"/>
+          <a:lstStyle>
+            <a:lvl1pPr marL="274320" indent="-274320" algn="l" rtl="0" eaLnBrk="1" latinLnBrk="0" hangingPunct="1">
+              <a:spcBef>
+                <a:spcPct val="20000"/>
+              </a:spcBef>
+              <a:buClrTx/>
+              <a:buSzPct val="95000"/>
+              <a:buFont typeface="Wingdings" pitchFamily="2" charset="2"/>
+              <a:buChar char="v"/>
+              <a:defRPr kumimoji="0" sz="2800" kern="1200">
+                <a:solidFill>
+                  <a:schemeClr val="tx1"/>
+                </a:solidFill>
+                <a:latin typeface="+mn-lt"/>
+                <a:ea typeface="+mn-ea"/>
+                <a:cs typeface="+mn-cs"/>
+              </a:defRPr>
+            </a:lvl1pPr>
+            <a:lvl2pPr marL="640080" indent="-246888" algn="l" rtl="0" eaLnBrk="1" latinLnBrk="0" hangingPunct="1">
+              <a:spcBef>
+                <a:spcPct val="20000"/>
+              </a:spcBef>
+              <a:buClrTx/>
+              <a:buSzPct val="85000"/>
+              <a:buFont typeface="Courier New" pitchFamily="49" charset="0"/>
+              <a:buChar char="o"/>
+              <a:defRPr kumimoji="0" sz="2600" kern="1200">
+                <a:solidFill>
+                  <a:schemeClr val="tx1"/>
+                </a:solidFill>
+                <a:latin typeface="+mn-lt"/>
+                <a:ea typeface="+mn-ea"/>
+                <a:cs typeface="+mn-cs"/>
+              </a:defRPr>
+            </a:lvl2pPr>
+            <a:lvl3pPr marL="914400" indent="-246888" algn="l" rtl="0" eaLnBrk="1" latinLnBrk="0" hangingPunct="1">
+              <a:spcBef>
+                <a:spcPct val="20000"/>
+              </a:spcBef>
+              <a:buClrTx/>
+              <a:buSzPct val="70000"/>
+              <a:buFont typeface="Wingdings 2"/>
+              <a:buChar char=""/>
+              <a:defRPr kumimoji="0" sz="2400" kern="1200">
+                <a:solidFill>
+                  <a:schemeClr val="tx1"/>
+                </a:solidFill>
+                <a:latin typeface="+mn-lt"/>
+                <a:ea typeface="+mn-ea"/>
+                <a:cs typeface="+mn-cs"/>
+              </a:defRPr>
+            </a:lvl3pPr>
+            <a:lvl4pPr marL="1188720" indent="-210312" algn="l" rtl="0" eaLnBrk="1" latinLnBrk="0" hangingPunct="1">
+              <a:spcBef>
+                <a:spcPct val="20000"/>
+              </a:spcBef>
+              <a:buClrTx/>
+              <a:buSzPct val="65000"/>
+              <a:buFont typeface="Wingdings 2"/>
+              <a:buChar char=""/>
+              <a:defRPr kumimoji="0" sz="2000" kern="1200">
+                <a:solidFill>
+                  <a:schemeClr val="tx1"/>
+                </a:solidFill>
+                <a:latin typeface="+mn-lt"/>
+                <a:ea typeface="+mn-ea"/>
+                <a:cs typeface="+mn-cs"/>
+              </a:defRPr>
+            </a:lvl4pPr>
+            <a:lvl5pPr marL="1463040" indent="-210312" algn="l" rtl="0" eaLnBrk="1" latinLnBrk="0" hangingPunct="1">
+              <a:spcBef>
+                <a:spcPct val="20000"/>
+              </a:spcBef>
+              <a:buClrTx/>
+              <a:buSzPct val="65000"/>
+              <a:buFont typeface="Wingdings 2"/>
+              <a:buChar char=""/>
+              <a:defRPr kumimoji="0" sz="1800" kern="1200">
+                <a:solidFill>
+                  <a:schemeClr val="tx1"/>
+                </a:solidFill>
+                <a:latin typeface="+mn-lt"/>
+                <a:ea typeface="+mn-ea"/>
+                <a:cs typeface="+mn-cs"/>
+              </a:defRPr>
+            </a:lvl5pPr>
+            <a:lvl6pPr marL="1737360" indent="-210312" algn="l" rtl="0" eaLnBrk="1" latinLnBrk="0" hangingPunct="1">
+              <a:spcBef>
+                <a:spcPct val="20000"/>
+              </a:spcBef>
+              <a:buClr>
+                <a:schemeClr val="accent5"/>
+              </a:buClr>
+              <a:buSzPct val="80000"/>
+              <a:buFont typeface="Wingdings 2"/>
+              <a:buChar char=""/>
+              <a:defRPr kumimoji="0" sz="1800" kern="1200">
+                <a:solidFill>
+                  <a:schemeClr val="tx1"/>
+                </a:solidFill>
+                <a:latin typeface="+mn-lt"/>
+                <a:ea typeface="+mn-ea"/>
+                <a:cs typeface="+mn-cs"/>
+              </a:defRPr>
+            </a:lvl6pPr>
+            <a:lvl7pPr marL="1920240" indent="-182880" algn="l" rtl="0" eaLnBrk="1" latinLnBrk="0" hangingPunct="1">
+              <a:spcBef>
+                <a:spcPct val="20000"/>
+              </a:spcBef>
+              <a:buClr>
+                <a:schemeClr val="accent6"/>
+              </a:buClr>
+              <a:buSzPct val="80000"/>
+              <a:buFont typeface="Wingdings 2"/>
+              <a:buChar char=""/>
+              <a:defRPr kumimoji="0" sz="1600" kern="1200" baseline="0">
+                <a:solidFill>
+                  <a:schemeClr val="tx1"/>
+                </a:solidFill>
+                <a:latin typeface="+mn-lt"/>
+                <a:ea typeface="+mn-ea"/>
+                <a:cs typeface="+mn-cs"/>
+              </a:defRPr>
+            </a:lvl7pPr>
+            <a:lvl8pPr marL="2194560" indent="-182880" algn="l" rtl="0" eaLnBrk="1" latinLnBrk="0" hangingPunct="1">
+              <a:spcBef>
+                <a:spcPct val="20000"/>
+              </a:spcBef>
+              <a:buClr>
+                <a:schemeClr val="tx2"/>
+              </a:buClr>
+              <a:buChar char="•"/>
+              <a:defRPr kumimoji="0" sz="1600" kern="1200">
+                <a:solidFill>
+                  <a:schemeClr val="tx1"/>
+                </a:solidFill>
+                <a:latin typeface="+mn-lt"/>
+                <a:ea typeface="+mn-ea"/>
+                <a:cs typeface="+mn-cs"/>
+              </a:defRPr>
+            </a:lvl8pPr>
+            <a:lvl9pPr marL="2468880" indent="-182880" algn="l" rtl="0" eaLnBrk="1" latinLnBrk="0" hangingPunct="1">
+              <a:spcBef>
+                <a:spcPct val="20000"/>
+              </a:spcBef>
+              <a:buClr>
+                <a:schemeClr val="tx2"/>
+              </a:buClr>
+              <a:buFontTx/>
+              <a:buChar char="•"/>
+              <a:defRPr kumimoji="0" sz="1400" kern="1200" baseline="0">
+                <a:solidFill>
+                  <a:schemeClr val="tx1"/>
+                </a:solidFill>
+                <a:latin typeface="+mn-lt"/>
+                <a:ea typeface="+mn-ea"/>
+                <a:cs typeface="+mn-cs"/>
+              </a:defRPr>
+            </a:lvl9pPr>
+          </a:lstStyle>
+          <a:p>
+            <a:pPr marL="0" indent="0">
+              <a:buFont typeface="Wingdings" pitchFamily="2" charset="2"/>
+              <a:buNone/>
+            </a:pPr>
+            <a:r>
+              <a:rPr lang="en-US" b="1" dirty="0" smtClean="0">
+                <a:solidFill>
+                  <a:srgbClr val="000000"/>
+                </a:solidFill>
+              </a:rPr>
+              <a:t>Problem: </a:t>
+            </a:r>
+            <a:r>
+              <a:rPr lang="en-US" dirty="0" err="1" smtClean="0">
+                <a:solidFill>
+                  <a:srgbClr val="000000"/>
+                </a:solidFill>
+              </a:rPr>
+              <a:t>bando</a:t>
+            </a:r>
             <a:r>
               <a:rPr lang="en-US" dirty="0" smtClean="0">
                 <a:solidFill>
                   <a:srgbClr val="000000"/>
                 </a:solidFill>
               </a:rPr>
-              <a:t>.</a:t>
+              <a:t> </a:t>
+            </a:r>
+            <a:r>
+              <a:rPr lang="en-US" dirty="0" smtClean="0">
+                <a:solidFill>
+                  <a:srgbClr val="000000"/>
+                </a:solidFill>
+              </a:rPr>
+              <a:t>non </a:t>
+            </a:r>
+            <a:r>
+              <a:rPr lang="en-US" dirty="0" err="1" smtClean="0">
+                <a:solidFill>
+                  <a:srgbClr val="000000"/>
+                </a:solidFill>
+              </a:rPr>
+              <a:t>specifico</a:t>
+            </a:r>
+            <a:r>
+              <a:rPr lang="en-US" dirty="0" smtClean="0">
+                <a:solidFill>
+                  <a:srgbClr val="000000"/>
+                </a:solidFill>
+              </a:rPr>
+              <a:t> </a:t>
+            </a:r>
+            <a:r>
+              <a:rPr lang="en-US" dirty="0" err="1" smtClean="0">
+                <a:solidFill>
+                  <a:srgbClr val="000000"/>
+                </a:solidFill>
+              </a:rPr>
+              <a:t>su</a:t>
+            </a:r>
+            <a:r>
+              <a:rPr lang="en-US" dirty="0" smtClean="0">
+                <a:solidFill>
+                  <a:srgbClr val="000000"/>
+                </a:solidFill>
+              </a:rPr>
+              <a:t> </a:t>
+            </a:r>
+            <a:r>
+              <a:rPr lang="en-US" dirty="0" err="1" smtClean="0">
+                <a:solidFill>
+                  <a:srgbClr val="000000"/>
+                </a:solidFill>
+              </a:rPr>
+              <a:t>molte</a:t>
+            </a:r>
+            <a:r>
+              <a:rPr lang="en-US" dirty="0" smtClean="0">
+                <a:solidFill>
+                  <a:srgbClr val="000000"/>
+                </a:solidFill>
+              </a:rPr>
+              <a:t> </a:t>
+            </a:r>
+            <a:r>
+              <a:rPr lang="en-US" dirty="0" err="1" smtClean="0">
+                <a:solidFill>
+                  <a:srgbClr val="000000"/>
+                </a:solidFill>
+              </a:rPr>
+              <a:t>questioni</a:t>
+            </a:r>
+            <a:r>
+              <a:rPr lang="en-US" dirty="0" smtClean="0">
+                <a:solidFill>
+                  <a:srgbClr val="000000"/>
+                </a:solidFill>
+              </a:rPr>
+              <a:t>, solo </a:t>
+            </a:r>
+            <a:r>
+              <a:rPr lang="en-US" dirty="0" err="1" smtClean="0">
+                <a:solidFill>
+                  <a:srgbClr val="000000"/>
+                </a:solidFill>
+              </a:rPr>
+              <a:t>accennate</a:t>
+            </a:r>
+            <a:r>
+              <a:rPr lang="en-US" dirty="0" smtClean="0">
+                <a:solidFill>
+                  <a:srgbClr val="000000"/>
+                </a:solidFill>
+              </a:rPr>
+              <a:t> come </a:t>
+            </a:r>
+            <a:r>
+              <a:rPr lang="en-US" dirty="0" err="1" smtClean="0">
+                <a:solidFill>
+                  <a:srgbClr val="000000"/>
+                </a:solidFill>
+              </a:rPr>
+              <a:t>rimborso</a:t>
+            </a:r>
+            <a:r>
+              <a:rPr lang="en-US" dirty="0" smtClean="0">
+                <a:solidFill>
+                  <a:srgbClr val="000000"/>
+                </a:solidFill>
+              </a:rPr>
+              <a:t>, </a:t>
+            </a:r>
+            <a:r>
+              <a:rPr lang="en-US" dirty="0" err="1" smtClean="0">
+                <a:solidFill>
+                  <a:srgbClr val="000000"/>
+                </a:solidFill>
+              </a:rPr>
+              <a:t>sconto</a:t>
+            </a:r>
+            <a:r>
+              <a:rPr lang="en-US" dirty="0" smtClean="0">
+                <a:solidFill>
+                  <a:srgbClr val="000000"/>
+                </a:solidFill>
+              </a:rPr>
+              <a:t>, </a:t>
+            </a:r>
+            <a:r>
+              <a:rPr lang="en-US" dirty="0" err="1" smtClean="0">
+                <a:solidFill>
+                  <a:srgbClr val="000000"/>
+                </a:solidFill>
+              </a:rPr>
+              <a:t>dipendenti</a:t>
+            </a:r>
+            <a:r>
+              <a:rPr lang="en-US" dirty="0" smtClean="0">
+                <a:solidFill>
+                  <a:srgbClr val="000000"/>
+                </a:solidFill>
+              </a:rPr>
+              <a:t>/</a:t>
+            </a:r>
+            <a:r>
+              <a:rPr lang="en-US" dirty="0" err="1" smtClean="0">
+                <a:solidFill>
+                  <a:srgbClr val="000000"/>
+                </a:solidFill>
+              </a:rPr>
+              <a:t>studenti</a:t>
+            </a:r>
+            <a:r>
+              <a:rPr lang="en-US" dirty="0" smtClean="0">
+                <a:solidFill>
+                  <a:srgbClr val="000000"/>
+                </a:solidFill>
+              </a:rPr>
+              <a:t> </a:t>
+            </a:r>
+            <a:r>
+              <a:rPr lang="en-US" dirty="0" err="1" smtClean="0">
+                <a:solidFill>
+                  <a:srgbClr val="000000"/>
+                </a:solidFill>
+              </a:rPr>
+              <a:t>ecc</a:t>
+            </a:r>
+            <a:r>
+              <a:rPr lang="en-US" dirty="0" smtClean="0">
+                <a:solidFill>
+                  <a:srgbClr val="000000"/>
+                </a:solidFill>
+              </a:rPr>
+              <a:t>..</a:t>
             </a:r>
             <a:endParaRPr lang="en-US" dirty="0">
               <a:solidFill>
@@ -6742,10 +6927,298 @@
           </a:p>
         </p:txBody>
       </p:sp>
+      <p:sp>
+        <p:nvSpPr>
+          <p:cNvPr id="4" name="Content Placeholder 3"/>
+          <p:cNvSpPr txBox="1">
+            <a:spLocks/>
+          </p:cNvSpPr>
+          <p:nvPr/>
+        </p:nvSpPr>
+        <p:spPr>
+          <a:xfrm>
+            <a:off x="323528" y="4437112"/>
+            <a:ext cx="8352928" cy="1008112"/>
+          </a:xfrm>
+          <a:prstGeom prst="rect">
+            <a:avLst/>
+          </a:prstGeom>
+        </p:spPr>
+        <p:txBody>
+          <a:bodyPr tIns="0"/>
+          <a:lstStyle>
+            <a:lvl1pPr marL="274320" indent="-274320" algn="l" rtl="0" eaLnBrk="1" latinLnBrk="0" hangingPunct="1">
+              <a:spcBef>
+                <a:spcPct val="20000"/>
+              </a:spcBef>
+              <a:buClrTx/>
+              <a:buSzPct val="95000"/>
+              <a:buFont typeface="Wingdings" pitchFamily="2" charset="2"/>
+              <a:buChar char="v"/>
+              <a:defRPr kumimoji="0" sz="2800" kern="1200">
+                <a:solidFill>
+                  <a:schemeClr val="tx1"/>
+                </a:solidFill>
+                <a:latin typeface="+mn-lt"/>
+                <a:ea typeface="+mn-ea"/>
+                <a:cs typeface="+mn-cs"/>
+              </a:defRPr>
+            </a:lvl1pPr>
+            <a:lvl2pPr marL="640080" indent="-246888" algn="l" rtl="0" eaLnBrk="1" latinLnBrk="0" hangingPunct="1">
+              <a:spcBef>
+                <a:spcPct val="20000"/>
+              </a:spcBef>
+              <a:buClrTx/>
+              <a:buSzPct val="85000"/>
+              <a:buFont typeface="Courier New" pitchFamily="49" charset="0"/>
+              <a:buChar char="o"/>
+              <a:defRPr kumimoji="0" sz="2600" kern="1200">
+                <a:solidFill>
+                  <a:schemeClr val="tx1"/>
+                </a:solidFill>
+                <a:latin typeface="+mn-lt"/>
+                <a:ea typeface="+mn-ea"/>
+                <a:cs typeface="+mn-cs"/>
+              </a:defRPr>
+            </a:lvl2pPr>
+            <a:lvl3pPr marL="914400" indent="-246888" algn="l" rtl="0" eaLnBrk="1" latinLnBrk="0" hangingPunct="1">
+              <a:spcBef>
+                <a:spcPct val="20000"/>
+              </a:spcBef>
+              <a:buClrTx/>
+              <a:buSzPct val="70000"/>
+              <a:buFont typeface="Wingdings 2"/>
+              <a:buChar char=""/>
+              <a:defRPr kumimoji="0" sz="2400" kern="1200">
+                <a:solidFill>
+                  <a:schemeClr val="tx1"/>
+                </a:solidFill>
+                <a:latin typeface="+mn-lt"/>
+                <a:ea typeface="+mn-ea"/>
+                <a:cs typeface="+mn-cs"/>
+              </a:defRPr>
+            </a:lvl3pPr>
+            <a:lvl4pPr marL="1188720" indent="-210312" algn="l" rtl="0" eaLnBrk="1" latinLnBrk="0" hangingPunct="1">
+              <a:spcBef>
+                <a:spcPct val="20000"/>
+              </a:spcBef>
+              <a:buClrTx/>
+              <a:buSzPct val="65000"/>
+              <a:buFont typeface="Wingdings 2"/>
+              <a:buChar char=""/>
+              <a:defRPr kumimoji="0" sz="2000" kern="1200">
+                <a:solidFill>
+                  <a:schemeClr val="tx1"/>
+                </a:solidFill>
+                <a:latin typeface="+mn-lt"/>
+                <a:ea typeface="+mn-ea"/>
+                <a:cs typeface="+mn-cs"/>
+              </a:defRPr>
+            </a:lvl4pPr>
+            <a:lvl5pPr marL="1463040" indent="-210312" algn="l" rtl="0" eaLnBrk="1" latinLnBrk="0" hangingPunct="1">
+              <a:spcBef>
+                <a:spcPct val="20000"/>
+              </a:spcBef>
+              <a:buClrTx/>
+              <a:buSzPct val="65000"/>
+              <a:buFont typeface="Wingdings 2"/>
+              <a:buChar char=""/>
+              <a:defRPr kumimoji="0" sz="1800" kern="1200">
+                <a:solidFill>
+                  <a:schemeClr val="tx1"/>
+                </a:solidFill>
+                <a:latin typeface="+mn-lt"/>
+                <a:ea typeface="+mn-ea"/>
+                <a:cs typeface="+mn-cs"/>
+              </a:defRPr>
+            </a:lvl5pPr>
+            <a:lvl6pPr marL="1737360" indent="-210312" algn="l" rtl="0" eaLnBrk="1" latinLnBrk="0" hangingPunct="1">
+              <a:spcBef>
+                <a:spcPct val="20000"/>
+              </a:spcBef>
+              <a:buClr>
+                <a:schemeClr val="accent5"/>
+              </a:buClr>
+              <a:buSzPct val="80000"/>
+              <a:buFont typeface="Wingdings 2"/>
+              <a:buChar char=""/>
+              <a:defRPr kumimoji="0" sz="1800" kern="1200">
+                <a:solidFill>
+                  <a:schemeClr val="tx1"/>
+                </a:solidFill>
+                <a:latin typeface="+mn-lt"/>
+                <a:ea typeface="+mn-ea"/>
+                <a:cs typeface="+mn-cs"/>
+              </a:defRPr>
+            </a:lvl6pPr>
+            <a:lvl7pPr marL="1920240" indent="-182880" algn="l" rtl="0" eaLnBrk="1" latinLnBrk="0" hangingPunct="1">
+              <a:spcBef>
+                <a:spcPct val="20000"/>
+              </a:spcBef>
+              <a:buClr>
+                <a:schemeClr val="accent6"/>
+              </a:buClr>
+              <a:buSzPct val="80000"/>
+              <a:buFont typeface="Wingdings 2"/>
+              <a:buChar char=""/>
+              <a:defRPr kumimoji="0" sz="1600" kern="1200" baseline="0">
+                <a:solidFill>
+                  <a:schemeClr val="tx1"/>
+                </a:solidFill>
+                <a:latin typeface="+mn-lt"/>
+                <a:ea typeface="+mn-ea"/>
+                <a:cs typeface="+mn-cs"/>
+              </a:defRPr>
+            </a:lvl7pPr>
+            <a:lvl8pPr marL="2194560" indent="-182880" algn="l" rtl="0" eaLnBrk="1" latinLnBrk="0" hangingPunct="1">
+              <a:spcBef>
+                <a:spcPct val="20000"/>
+              </a:spcBef>
+              <a:buClr>
+                <a:schemeClr val="tx2"/>
+              </a:buClr>
+              <a:buChar char="•"/>
+              <a:defRPr kumimoji="0" sz="1600" kern="1200">
+                <a:solidFill>
+                  <a:schemeClr val="tx1"/>
+                </a:solidFill>
+                <a:latin typeface="+mn-lt"/>
+                <a:ea typeface="+mn-ea"/>
+                <a:cs typeface="+mn-cs"/>
+              </a:defRPr>
+            </a:lvl8pPr>
+            <a:lvl9pPr marL="2468880" indent="-182880" algn="l" rtl="0" eaLnBrk="1" latinLnBrk="0" hangingPunct="1">
+              <a:spcBef>
+                <a:spcPct val="20000"/>
+              </a:spcBef>
+              <a:buClr>
+                <a:schemeClr val="tx2"/>
+              </a:buClr>
+              <a:buFontTx/>
+              <a:buChar char="•"/>
+              <a:defRPr kumimoji="0" sz="1400" kern="1200" baseline="0">
+                <a:solidFill>
+                  <a:schemeClr val="tx1"/>
+                </a:solidFill>
+                <a:latin typeface="+mn-lt"/>
+                <a:ea typeface="+mn-ea"/>
+                <a:cs typeface="+mn-cs"/>
+              </a:defRPr>
+            </a:lvl9pPr>
+          </a:lstStyle>
+          <a:p>
+            <a:pPr marL="0" indent="0">
+              <a:buFont typeface="Wingdings" pitchFamily="2" charset="2"/>
+              <a:buNone/>
+            </a:pPr>
+            <a:r>
+              <a:rPr lang="en-US" b="1" dirty="0" smtClean="0">
+                <a:solidFill>
+                  <a:srgbClr val="000000"/>
+                </a:solidFill>
+              </a:rPr>
+              <a:t>Solution: </a:t>
+            </a:r>
+            <a:r>
+              <a:rPr lang="en-US" dirty="0" err="1" smtClean="0">
+                <a:solidFill>
+                  <a:srgbClr val="000000"/>
+                </a:solidFill>
+              </a:rPr>
+              <a:t>Gestire</a:t>
+            </a:r>
+            <a:r>
+              <a:rPr lang="en-US" dirty="0" smtClean="0">
+                <a:solidFill>
+                  <a:srgbClr val="000000"/>
+                </a:solidFill>
+              </a:rPr>
+              <a:t> </a:t>
+            </a:r>
+            <a:r>
+              <a:rPr lang="en-US" dirty="0" err="1" smtClean="0">
+                <a:solidFill>
+                  <a:srgbClr val="000000"/>
+                </a:solidFill>
+              </a:rPr>
+              <a:t>i</a:t>
+            </a:r>
+            <a:r>
+              <a:rPr lang="en-US" dirty="0" smtClean="0">
+                <a:solidFill>
+                  <a:srgbClr val="000000"/>
+                </a:solidFill>
+              </a:rPr>
+              <a:t> </a:t>
+            </a:r>
+            <a:r>
+              <a:rPr lang="en-US" dirty="0" err="1" smtClean="0">
+                <a:solidFill>
+                  <a:srgbClr val="000000"/>
+                </a:solidFill>
+              </a:rPr>
+              <a:t>pagamenti</a:t>
+            </a:r>
+            <a:r>
+              <a:rPr lang="en-US" dirty="0" smtClean="0">
+                <a:solidFill>
+                  <a:srgbClr val="000000"/>
+                </a:solidFill>
+              </a:rPr>
+              <a:t> </a:t>
+            </a:r>
+            <a:r>
+              <a:rPr lang="en-US" dirty="0" err="1" smtClean="0">
+                <a:solidFill>
+                  <a:srgbClr val="000000"/>
+                </a:solidFill>
+              </a:rPr>
+              <a:t>trattando</a:t>
+            </a:r>
+            <a:r>
+              <a:rPr lang="en-US" dirty="0" smtClean="0">
+                <a:solidFill>
+                  <a:srgbClr val="000000"/>
+                </a:solidFill>
+              </a:rPr>
+              <a:t> solo </a:t>
+            </a:r>
+            <a:r>
+              <a:rPr lang="en-US" dirty="0" err="1" smtClean="0">
+                <a:solidFill>
+                  <a:srgbClr val="000000"/>
+                </a:solidFill>
+              </a:rPr>
+              <a:t>campi</a:t>
+            </a:r>
+            <a:r>
+              <a:rPr lang="en-US" dirty="0" smtClean="0">
+                <a:solidFill>
+                  <a:srgbClr val="000000"/>
+                </a:solidFill>
+              </a:rPr>
+              <a:t> </a:t>
+            </a:r>
+            <a:r>
+              <a:rPr lang="en-US" dirty="0" err="1" smtClean="0">
+                <a:solidFill>
+                  <a:srgbClr val="000000"/>
+                </a:solidFill>
+              </a:rPr>
+              <a:t>noti</a:t>
+            </a:r>
+            <a:endParaRPr lang="en-US" dirty="0">
+              <a:solidFill>
+                <a:srgbClr val="000000"/>
+              </a:solidFill>
+            </a:endParaRPr>
+          </a:p>
+        </p:txBody>
+      </p:sp>
     </p:spTree>
     <p:extLst>
       <p:ext uri="{BB962C8B-B14F-4D97-AF65-F5344CB8AC3E}">
-        <p14:creationId xmlns:p14="http://schemas.microsoft.com/office/powerpoint/2010/main" val="4188503847"/>
+        <p14:creationId xmlns:p14="http://schemas.microsoft.com/office/powerpoint/2010/main" val="1896188625"/>
       </p:ext>
     </p:extLst>
   </p:cSld>
@@ -6781,14 +7254,14 @@
       </p:grpSpPr>
       <p:sp>
         <p:nvSpPr>
-          <p:cNvPr id="2" name="CasellaDiTesto 1"/>
+          <p:cNvPr id="3" name="CasellaDiTesto 2"/>
           <p:cNvSpPr txBox="1"/>
           <p:nvPr/>
         </p:nvSpPr>
         <p:spPr>
           <a:xfrm>
-            <a:off x="2950576" y="787214"/>
-            <a:ext cx="3557832" cy="646331"/>
+            <a:off x="2760544" y="471869"/>
+            <a:ext cx="3937873" cy="861774"/>
           </a:xfrm>
           <a:prstGeom prst="rect">
             <a:avLst/>
@@ -6803,586 +7276,71 @@
           <a:p>
             <a:pPr algn="ctr"/>
             <a:r>
-              <a:rPr lang="it-IT" sz="3600" b="1" dirty="0" smtClean="0">
+              <a:rPr lang="it-IT" sz="3200" b="1" dirty="0">
                 <a:latin typeface="+mj-lt"/>
               </a:rPr>
-              <a:t>Team M vs Bando</a:t>
-            </a:r>
-          </a:p>
-        </p:txBody>
-      </p:sp>
-      <p:sp>
-        <p:nvSpPr>
-          <p:cNvPr id="3" name="Content Placeholder 3"/>
-          <p:cNvSpPr txBox="1">
-            <a:spLocks/>
-          </p:cNvSpPr>
+              <a:t> </a:t>
+            </a:r>
+            <a:r>
+              <a:rPr lang="it-IT" sz="3200" b="1" dirty="0" smtClean="0">
+                <a:latin typeface="+mj-lt"/>
+              </a:rPr>
+              <a:t>Use Case Diagram 0.9</a:t>
+            </a:r>
+          </a:p>
+          <a:p>
+            <a:pPr algn="ctr"/>
+            <a:endParaRPr lang="it-IT" dirty="0">
+              <a:latin typeface="+mj-lt"/>
+            </a:endParaRPr>
+          </a:p>
+        </p:txBody>
+      </p:sp>
+      <p:pic>
+        <p:nvPicPr>
+          <p:cNvPr id="2050" name="Picture 2" descr="C:\Users\Marko\Desktop\Class_Diagram_Pagamenti (1).png"/>
+          <p:cNvPicPr>
+            <a:picLocks noChangeAspect="1" noChangeArrowheads="1"/>
+          </p:cNvPicPr>
           <p:nvPr/>
-        </p:nvSpPr>
-        <p:spPr>
+        </p:nvPicPr>
+        <p:blipFill>
+          <a:blip r:embed="rId2" cstate="print">
+            <a:extLst>
+              <a:ext uri="{28A0092B-C50C-407E-A947-70E740481C1C}">
+                <a14:useLocalDpi xmlns:a14="http://schemas.microsoft.com/office/drawing/2010/main" val="0"/>
+              </a:ext>
+            </a:extLst>
+          </a:blip>
+          <a:srcRect/>
+          <a:stretch>
+            <a:fillRect/>
+          </a:stretch>
+        </p:blipFill>
+        <p:spPr bwMode="auto">
           <a:xfrm>
-            <a:off x="332158" y="2384435"/>
-            <a:ext cx="6328074" cy="625536"/>
+            <a:off x="179512" y="1071391"/>
+            <a:ext cx="8652711" cy="5579826"/>
           </a:xfrm>
           <a:prstGeom prst="rect">
             <a:avLst/>
           </a:prstGeom>
+          <a:noFill/>
+          <a:extLst>
+            <a:ext uri="{909E8E84-426E-40DD-AFC4-6F175D3DCCD1}">
+              <a14:hiddenFill xmlns:a14="http://schemas.microsoft.com/office/drawing/2010/main">
+                <a:solidFill>
+                  <a:srgbClr val="FFFFFF"/>
+                </a:solidFill>
+              </a14:hiddenFill>
+            </a:ext>
+          </a:extLst>
         </p:spPr>
-        <p:txBody>
-          <a:bodyPr tIns="0"/>
-          <a:lstStyle>
-            <a:lvl1pPr marL="274320" indent="-274320" algn="l" rtl="0" eaLnBrk="1" latinLnBrk="0" hangingPunct="1">
-              <a:spcBef>
-                <a:spcPct val="20000"/>
-              </a:spcBef>
-              <a:buClrTx/>
-              <a:buSzPct val="95000"/>
-              <a:buFont typeface="Wingdings" pitchFamily="2" charset="2"/>
-              <a:buChar char="v"/>
-              <a:defRPr kumimoji="0" sz="2800" kern="1200">
-                <a:solidFill>
-                  <a:schemeClr val="tx1"/>
-                </a:solidFill>
-                <a:latin typeface="+mn-lt"/>
-                <a:ea typeface="+mn-ea"/>
-                <a:cs typeface="+mn-cs"/>
-              </a:defRPr>
-            </a:lvl1pPr>
-            <a:lvl2pPr marL="640080" indent="-246888" algn="l" rtl="0" eaLnBrk="1" latinLnBrk="0" hangingPunct="1">
-              <a:spcBef>
-                <a:spcPct val="20000"/>
-              </a:spcBef>
-              <a:buClrTx/>
-              <a:buSzPct val="85000"/>
-              <a:buFont typeface="Courier New" pitchFamily="49" charset="0"/>
-              <a:buChar char="o"/>
-              <a:defRPr kumimoji="0" sz="2600" kern="1200">
-                <a:solidFill>
-                  <a:schemeClr val="tx1"/>
-                </a:solidFill>
-                <a:latin typeface="+mn-lt"/>
-                <a:ea typeface="+mn-ea"/>
-                <a:cs typeface="+mn-cs"/>
-              </a:defRPr>
-            </a:lvl2pPr>
-            <a:lvl3pPr marL="914400" indent="-246888" algn="l" rtl="0" eaLnBrk="1" latinLnBrk="0" hangingPunct="1">
-              <a:spcBef>
-                <a:spcPct val="20000"/>
-              </a:spcBef>
-              <a:buClrTx/>
-              <a:buSzPct val="70000"/>
-              <a:buFont typeface="Wingdings 2"/>
-              <a:buChar char=""/>
-              <a:defRPr kumimoji="0" sz="2400" kern="1200">
-                <a:solidFill>
-                  <a:schemeClr val="tx1"/>
-                </a:solidFill>
-                <a:latin typeface="+mn-lt"/>
-                <a:ea typeface="+mn-ea"/>
-                <a:cs typeface="+mn-cs"/>
-              </a:defRPr>
-            </a:lvl3pPr>
-            <a:lvl4pPr marL="1188720" indent="-210312" algn="l" rtl="0" eaLnBrk="1" latinLnBrk="0" hangingPunct="1">
-              <a:spcBef>
-                <a:spcPct val="20000"/>
-              </a:spcBef>
-              <a:buClrTx/>
-              <a:buSzPct val="65000"/>
-              <a:buFont typeface="Wingdings 2"/>
-              <a:buChar char=""/>
-              <a:defRPr kumimoji="0" sz="2000" kern="1200">
-                <a:solidFill>
-                  <a:schemeClr val="tx1"/>
-                </a:solidFill>
-                <a:latin typeface="+mn-lt"/>
-                <a:ea typeface="+mn-ea"/>
-                <a:cs typeface="+mn-cs"/>
-              </a:defRPr>
-            </a:lvl4pPr>
-            <a:lvl5pPr marL="1463040" indent="-210312" algn="l" rtl="0" eaLnBrk="1" latinLnBrk="0" hangingPunct="1">
-              <a:spcBef>
-                <a:spcPct val="20000"/>
-              </a:spcBef>
-              <a:buClrTx/>
-              <a:buSzPct val="65000"/>
-              <a:buFont typeface="Wingdings 2"/>
-              <a:buChar char=""/>
-              <a:defRPr kumimoji="0" sz="1800" kern="1200">
-                <a:solidFill>
-                  <a:schemeClr val="tx1"/>
-                </a:solidFill>
-                <a:latin typeface="+mn-lt"/>
-                <a:ea typeface="+mn-ea"/>
-                <a:cs typeface="+mn-cs"/>
-              </a:defRPr>
-            </a:lvl5pPr>
-            <a:lvl6pPr marL="1737360" indent="-210312" algn="l" rtl="0" eaLnBrk="1" latinLnBrk="0" hangingPunct="1">
-              <a:spcBef>
-                <a:spcPct val="20000"/>
-              </a:spcBef>
-              <a:buClr>
-                <a:schemeClr val="accent5"/>
-              </a:buClr>
-              <a:buSzPct val="80000"/>
-              <a:buFont typeface="Wingdings 2"/>
-              <a:buChar char=""/>
-              <a:defRPr kumimoji="0" sz="1800" kern="1200">
-                <a:solidFill>
-                  <a:schemeClr val="tx1"/>
-                </a:solidFill>
-                <a:latin typeface="+mn-lt"/>
-                <a:ea typeface="+mn-ea"/>
-                <a:cs typeface="+mn-cs"/>
-              </a:defRPr>
-            </a:lvl6pPr>
-            <a:lvl7pPr marL="1920240" indent="-182880" algn="l" rtl="0" eaLnBrk="1" latinLnBrk="0" hangingPunct="1">
-              <a:spcBef>
-                <a:spcPct val="20000"/>
-              </a:spcBef>
-              <a:buClr>
-                <a:schemeClr val="accent6"/>
-              </a:buClr>
-              <a:buSzPct val="80000"/>
-              <a:buFont typeface="Wingdings 2"/>
-              <a:buChar char=""/>
-              <a:defRPr kumimoji="0" sz="1600" kern="1200" baseline="0">
-                <a:solidFill>
-                  <a:schemeClr val="tx1"/>
-                </a:solidFill>
-                <a:latin typeface="+mn-lt"/>
-                <a:ea typeface="+mn-ea"/>
-                <a:cs typeface="+mn-cs"/>
-              </a:defRPr>
-            </a:lvl7pPr>
-            <a:lvl8pPr marL="2194560" indent="-182880" algn="l" rtl="0" eaLnBrk="1" latinLnBrk="0" hangingPunct="1">
-              <a:spcBef>
-                <a:spcPct val="20000"/>
-              </a:spcBef>
-              <a:buClr>
-                <a:schemeClr val="tx2"/>
-              </a:buClr>
-              <a:buChar char="•"/>
-              <a:defRPr kumimoji="0" sz="1600" kern="1200">
-                <a:solidFill>
-                  <a:schemeClr val="tx1"/>
-                </a:solidFill>
-                <a:latin typeface="+mn-lt"/>
-                <a:ea typeface="+mn-ea"/>
-                <a:cs typeface="+mn-cs"/>
-              </a:defRPr>
-            </a:lvl8pPr>
-            <a:lvl9pPr marL="2468880" indent="-182880" algn="l" rtl="0" eaLnBrk="1" latinLnBrk="0" hangingPunct="1">
-              <a:spcBef>
-                <a:spcPct val="20000"/>
-              </a:spcBef>
-              <a:buClr>
-                <a:schemeClr val="tx2"/>
-              </a:buClr>
-              <a:buFontTx/>
-              <a:buChar char="•"/>
-              <a:defRPr kumimoji="0" sz="1400" kern="1200" baseline="0">
-                <a:solidFill>
-                  <a:schemeClr val="tx1"/>
-                </a:solidFill>
-                <a:latin typeface="+mn-lt"/>
-                <a:ea typeface="+mn-ea"/>
-                <a:cs typeface="+mn-cs"/>
-              </a:defRPr>
-            </a:lvl9pPr>
-          </a:lstStyle>
-          <a:p>
-            <a:pPr marL="0" indent="0">
-              <a:buFont typeface="Wingdings" pitchFamily="2" charset="2"/>
-              <a:buNone/>
-            </a:pPr>
-            <a:r>
-              <a:rPr lang="en-US" b="1" dirty="0" smtClean="0">
-                <a:solidFill>
-                  <a:srgbClr val="000000"/>
-                </a:solidFill>
-              </a:rPr>
-              <a:t>Problem: </a:t>
-            </a:r>
-            <a:r>
-              <a:rPr lang="en-US" dirty="0" err="1" smtClean="0">
-                <a:solidFill>
-                  <a:srgbClr val="000000"/>
-                </a:solidFill>
-              </a:rPr>
-              <a:t>bando</a:t>
-            </a:r>
-            <a:r>
-              <a:rPr lang="en-US" dirty="0" smtClean="0">
-                <a:solidFill>
-                  <a:srgbClr val="000000"/>
-                </a:solidFill>
-              </a:rPr>
-              <a:t> non </a:t>
-            </a:r>
-            <a:r>
-              <a:rPr lang="en-US" dirty="0" err="1" smtClean="0">
-                <a:solidFill>
-                  <a:srgbClr val="000000"/>
-                </a:solidFill>
-              </a:rPr>
-              <a:t>troppo</a:t>
-            </a:r>
-            <a:r>
-              <a:rPr lang="en-US" dirty="0" smtClean="0">
-                <a:solidFill>
-                  <a:srgbClr val="000000"/>
-                </a:solidFill>
-              </a:rPr>
-              <a:t> </a:t>
-            </a:r>
-            <a:r>
-              <a:rPr lang="en-US" dirty="0" err="1" smtClean="0">
-                <a:solidFill>
-                  <a:srgbClr val="000000"/>
-                </a:solidFill>
-              </a:rPr>
-              <a:t>chiaro</a:t>
-            </a:r>
-            <a:endParaRPr lang="en-US" dirty="0">
-              <a:solidFill>
-                <a:srgbClr val="000000"/>
-              </a:solidFill>
-            </a:endParaRPr>
-          </a:p>
-        </p:txBody>
-      </p:sp>
-      <p:sp>
-        <p:nvSpPr>
-          <p:cNvPr id="4" name="Content Placeholder 3"/>
-          <p:cNvSpPr txBox="1">
-            <a:spLocks/>
-          </p:cNvSpPr>
-          <p:nvPr/>
-        </p:nvSpPr>
-        <p:spPr>
-          <a:xfrm>
-            <a:off x="323528" y="4437112"/>
-            <a:ext cx="6328074" cy="1008112"/>
-          </a:xfrm>
-          <a:prstGeom prst="rect">
-            <a:avLst/>
-          </a:prstGeom>
-        </p:spPr>
-        <p:txBody>
-          <a:bodyPr tIns="0"/>
-          <a:lstStyle>
-            <a:lvl1pPr marL="274320" indent="-274320" algn="l" rtl="0" eaLnBrk="1" latinLnBrk="0" hangingPunct="1">
-              <a:spcBef>
-                <a:spcPct val="20000"/>
-              </a:spcBef>
-              <a:buClrTx/>
-              <a:buSzPct val="95000"/>
-              <a:buFont typeface="Wingdings" pitchFamily="2" charset="2"/>
-              <a:buChar char="v"/>
-              <a:defRPr kumimoji="0" sz="2800" kern="1200">
-                <a:solidFill>
-                  <a:schemeClr val="tx1"/>
-                </a:solidFill>
-                <a:latin typeface="+mn-lt"/>
-                <a:ea typeface="+mn-ea"/>
-                <a:cs typeface="+mn-cs"/>
-              </a:defRPr>
-            </a:lvl1pPr>
-            <a:lvl2pPr marL="640080" indent="-246888" algn="l" rtl="0" eaLnBrk="1" latinLnBrk="0" hangingPunct="1">
-              <a:spcBef>
-                <a:spcPct val="20000"/>
-              </a:spcBef>
-              <a:buClrTx/>
-              <a:buSzPct val="85000"/>
-              <a:buFont typeface="Courier New" pitchFamily="49" charset="0"/>
-              <a:buChar char="o"/>
-              <a:defRPr kumimoji="0" sz="2600" kern="1200">
-                <a:solidFill>
-                  <a:schemeClr val="tx1"/>
-                </a:solidFill>
-                <a:latin typeface="+mn-lt"/>
-                <a:ea typeface="+mn-ea"/>
-                <a:cs typeface="+mn-cs"/>
-              </a:defRPr>
-            </a:lvl2pPr>
-            <a:lvl3pPr marL="914400" indent="-246888" algn="l" rtl="0" eaLnBrk="1" latinLnBrk="0" hangingPunct="1">
-              <a:spcBef>
-                <a:spcPct val="20000"/>
-              </a:spcBef>
-              <a:buClrTx/>
-              <a:buSzPct val="70000"/>
-              <a:buFont typeface="Wingdings 2"/>
-              <a:buChar char=""/>
-              <a:defRPr kumimoji="0" sz="2400" kern="1200">
-                <a:solidFill>
-                  <a:schemeClr val="tx1"/>
-                </a:solidFill>
-                <a:latin typeface="+mn-lt"/>
-                <a:ea typeface="+mn-ea"/>
-                <a:cs typeface="+mn-cs"/>
-              </a:defRPr>
-            </a:lvl3pPr>
-            <a:lvl4pPr marL="1188720" indent="-210312" algn="l" rtl="0" eaLnBrk="1" latinLnBrk="0" hangingPunct="1">
-              <a:spcBef>
-                <a:spcPct val="20000"/>
-              </a:spcBef>
-              <a:buClrTx/>
-              <a:buSzPct val="65000"/>
-              <a:buFont typeface="Wingdings 2"/>
-              <a:buChar char=""/>
-              <a:defRPr kumimoji="0" sz="2000" kern="1200">
-                <a:solidFill>
-                  <a:schemeClr val="tx1"/>
-                </a:solidFill>
-                <a:latin typeface="+mn-lt"/>
-                <a:ea typeface="+mn-ea"/>
-                <a:cs typeface="+mn-cs"/>
-              </a:defRPr>
-            </a:lvl4pPr>
-            <a:lvl5pPr marL="1463040" indent="-210312" algn="l" rtl="0" eaLnBrk="1" latinLnBrk="0" hangingPunct="1">
-              <a:spcBef>
-                <a:spcPct val="20000"/>
-              </a:spcBef>
-              <a:buClrTx/>
-              <a:buSzPct val="65000"/>
-              <a:buFont typeface="Wingdings 2"/>
-              <a:buChar char=""/>
-              <a:defRPr kumimoji="0" sz="1800" kern="1200">
-                <a:solidFill>
-                  <a:schemeClr val="tx1"/>
-                </a:solidFill>
-                <a:latin typeface="+mn-lt"/>
-                <a:ea typeface="+mn-ea"/>
-                <a:cs typeface="+mn-cs"/>
-              </a:defRPr>
-            </a:lvl5pPr>
-            <a:lvl6pPr marL="1737360" indent="-210312" algn="l" rtl="0" eaLnBrk="1" latinLnBrk="0" hangingPunct="1">
-              <a:spcBef>
-                <a:spcPct val="20000"/>
-              </a:spcBef>
-              <a:buClr>
-                <a:schemeClr val="accent5"/>
-              </a:buClr>
-              <a:buSzPct val="80000"/>
-              <a:buFont typeface="Wingdings 2"/>
-              <a:buChar char=""/>
-              <a:defRPr kumimoji="0" sz="1800" kern="1200">
-                <a:solidFill>
-                  <a:schemeClr val="tx1"/>
-                </a:solidFill>
-                <a:latin typeface="+mn-lt"/>
-                <a:ea typeface="+mn-ea"/>
-                <a:cs typeface="+mn-cs"/>
-              </a:defRPr>
-            </a:lvl6pPr>
-            <a:lvl7pPr marL="1920240" indent="-182880" algn="l" rtl="0" eaLnBrk="1" latinLnBrk="0" hangingPunct="1">
-              <a:spcBef>
-                <a:spcPct val="20000"/>
-              </a:spcBef>
-              <a:buClr>
-                <a:schemeClr val="accent6"/>
-              </a:buClr>
-              <a:buSzPct val="80000"/>
-              <a:buFont typeface="Wingdings 2"/>
-              <a:buChar char=""/>
-              <a:defRPr kumimoji="0" sz="1600" kern="1200" baseline="0">
-                <a:solidFill>
-                  <a:schemeClr val="tx1"/>
-                </a:solidFill>
-                <a:latin typeface="+mn-lt"/>
-                <a:ea typeface="+mn-ea"/>
-                <a:cs typeface="+mn-cs"/>
-              </a:defRPr>
-            </a:lvl7pPr>
-            <a:lvl8pPr marL="2194560" indent="-182880" algn="l" rtl="0" eaLnBrk="1" latinLnBrk="0" hangingPunct="1">
-              <a:spcBef>
-                <a:spcPct val="20000"/>
-              </a:spcBef>
-              <a:buClr>
-                <a:schemeClr val="tx2"/>
-              </a:buClr>
-              <a:buChar char="•"/>
-              <a:defRPr kumimoji="0" sz="1600" kern="1200">
-                <a:solidFill>
-                  <a:schemeClr val="tx1"/>
-                </a:solidFill>
-                <a:latin typeface="+mn-lt"/>
-                <a:ea typeface="+mn-ea"/>
-                <a:cs typeface="+mn-cs"/>
-              </a:defRPr>
-            </a:lvl8pPr>
-            <a:lvl9pPr marL="2468880" indent="-182880" algn="l" rtl="0" eaLnBrk="1" latinLnBrk="0" hangingPunct="1">
-              <a:spcBef>
-                <a:spcPct val="20000"/>
-              </a:spcBef>
-              <a:buClr>
-                <a:schemeClr val="tx2"/>
-              </a:buClr>
-              <a:buFontTx/>
-              <a:buChar char="•"/>
-              <a:defRPr kumimoji="0" sz="1400" kern="1200" baseline="0">
-                <a:solidFill>
-                  <a:schemeClr val="tx1"/>
-                </a:solidFill>
-                <a:latin typeface="+mn-lt"/>
-                <a:ea typeface="+mn-ea"/>
-                <a:cs typeface="+mn-cs"/>
-              </a:defRPr>
-            </a:lvl9pPr>
-          </a:lstStyle>
-          <a:p>
-            <a:pPr marL="0" indent="0">
-              <a:buFont typeface="Wingdings" pitchFamily="2" charset="2"/>
-              <a:buNone/>
-            </a:pPr>
-            <a:r>
-              <a:rPr lang="en-US" b="1" dirty="0" smtClean="0">
-                <a:solidFill>
-                  <a:srgbClr val="000000"/>
-                </a:solidFill>
-              </a:rPr>
-              <a:t>Solution: </a:t>
-            </a:r>
-            <a:r>
-              <a:rPr lang="en-US" dirty="0" err="1" smtClean="0">
-                <a:solidFill>
-                  <a:srgbClr val="000000"/>
-                </a:solidFill>
-              </a:rPr>
-              <a:t>Gestire</a:t>
-            </a:r>
-            <a:r>
-              <a:rPr lang="en-US" dirty="0" smtClean="0">
-                <a:solidFill>
-                  <a:srgbClr val="000000"/>
-                </a:solidFill>
-              </a:rPr>
-              <a:t> </a:t>
-            </a:r>
-            <a:r>
-              <a:rPr lang="en-US" dirty="0" err="1" smtClean="0">
-                <a:solidFill>
-                  <a:srgbClr val="000000"/>
-                </a:solidFill>
-              </a:rPr>
-              <a:t>i</a:t>
-            </a:r>
-            <a:r>
-              <a:rPr lang="en-US" dirty="0" smtClean="0">
-                <a:solidFill>
-                  <a:srgbClr val="000000"/>
-                </a:solidFill>
-              </a:rPr>
-              <a:t> </a:t>
-            </a:r>
-            <a:r>
-              <a:rPr lang="en-US" dirty="0" err="1" smtClean="0">
-                <a:solidFill>
-                  <a:srgbClr val="000000"/>
-                </a:solidFill>
-              </a:rPr>
-              <a:t>pagamenti</a:t>
-            </a:r>
-            <a:r>
-              <a:rPr lang="en-US" dirty="0" smtClean="0">
-                <a:solidFill>
-                  <a:srgbClr val="000000"/>
-                </a:solidFill>
-              </a:rPr>
-              <a:t> in </a:t>
-            </a:r>
-            <a:r>
-              <a:rPr lang="en-US" dirty="0" err="1" smtClean="0">
-                <a:solidFill>
-                  <a:srgbClr val="000000"/>
-                </a:solidFill>
-              </a:rPr>
-              <a:t>modo</a:t>
-            </a:r>
-            <a:r>
-              <a:rPr lang="en-US" dirty="0" smtClean="0">
-                <a:solidFill>
-                  <a:srgbClr val="000000"/>
-                </a:solidFill>
-              </a:rPr>
-              <a:t>       molto </a:t>
-            </a:r>
-            <a:r>
-              <a:rPr lang="en-US" dirty="0" err="1" smtClean="0">
-                <a:solidFill>
-                  <a:srgbClr val="000000"/>
-                </a:solidFill>
-              </a:rPr>
-              <a:t>semplice</a:t>
-            </a:r>
-            <a:r>
-              <a:rPr lang="en-US" dirty="0" smtClean="0">
-                <a:solidFill>
-                  <a:srgbClr val="000000"/>
-                </a:solidFill>
-              </a:rPr>
-              <a:t> o </a:t>
-            </a:r>
-            <a:r>
-              <a:rPr lang="en-US" dirty="0" err="1" smtClean="0">
-                <a:solidFill>
-                  <a:srgbClr val="000000"/>
-                </a:solidFill>
-              </a:rPr>
-              <a:t>tipo</a:t>
-            </a:r>
-            <a:r>
-              <a:rPr lang="en-US" dirty="0" smtClean="0">
-                <a:solidFill>
-                  <a:srgbClr val="000000"/>
-                </a:solidFill>
-              </a:rPr>
-              <a:t> </a:t>
-            </a:r>
-            <a:r>
-              <a:rPr lang="en-US" dirty="0" err="1" smtClean="0">
-                <a:solidFill>
-                  <a:srgbClr val="000000"/>
-                </a:solidFill>
-              </a:rPr>
-              <a:t>parlare</a:t>
-            </a:r>
-            <a:r>
-              <a:rPr lang="en-US" dirty="0" smtClean="0">
-                <a:solidFill>
-                  <a:srgbClr val="000000"/>
-                </a:solidFill>
-              </a:rPr>
-              <a:t> col </a:t>
-            </a:r>
-            <a:r>
-              <a:rPr lang="en-US" dirty="0" err="1" smtClean="0">
-                <a:solidFill>
-                  <a:srgbClr val="000000"/>
-                </a:solidFill>
-              </a:rPr>
-              <a:t>cliente</a:t>
-            </a:r>
-            <a:r>
-              <a:rPr lang="en-US" dirty="0" smtClean="0">
-                <a:solidFill>
-                  <a:srgbClr val="000000"/>
-                </a:solidFill>
-              </a:rPr>
-              <a:t>*</a:t>
-            </a:r>
-            <a:endParaRPr lang="en-US" dirty="0">
-              <a:solidFill>
-                <a:srgbClr val="000000"/>
-              </a:solidFill>
-            </a:endParaRPr>
-          </a:p>
-        </p:txBody>
-      </p:sp>
+      </p:pic>
     </p:spTree>
     <p:extLst>
       <p:ext uri="{BB962C8B-B14F-4D97-AF65-F5344CB8AC3E}">
-        <p14:creationId xmlns:p14="http://schemas.microsoft.com/office/powerpoint/2010/main" val="1896188625"/>
+        <p14:creationId xmlns:p14="http://schemas.microsoft.com/office/powerpoint/2010/main" val="1417486241"/>
       </p:ext>
     </p:extLst>
   </p:cSld>
@@ -7418,128 +7376,6 @@
       </p:grpSpPr>
       <p:sp>
         <p:nvSpPr>
-          <p:cNvPr id="3" name="CasellaDiTesto 2"/>
-          <p:cNvSpPr txBox="1"/>
-          <p:nvPr/>
-        </p:nvSpPr>
-        <p:spPr>
-          <a:xfrm>
-            <a:off x="2760544" y="471869"/>
-            <a:ext cx="3937873" cy="861774"/>
-          </a:xfrm>
-          <a:prstGeom prst="rect">
-            <a:avLst/>
-          </a:prstGeom>
-          <a:noFill/>
-        </p:spPr>
-        <p:txBody>
-          <a:bodyPr wrap="none" rtlCol="0">
-            <a:spAutoFit/>
-          </a:bodyPr>
-          <a:lstStyle/>
-          <a:p>
-            <a:pPr algn="ctr"/>
-            <a:r>
-              <a:rPr lang="it-IT" sz="3200" b="1" dirty="0">
-                <a:latin typeface="+mj-lt"/>
-              </a:rPr>
-              <a:t> </a:t>
-            </a:r>
-            <a:r>
-              <a:rPr lang="it-IT" sz="3200" b="1" dirty="0" smtClean="0">
-                <a:latin typeface="+mj-lt"/>
-              </a:rPr>
-              <a:t>Use Case Diagram 0.9</a:t>
-            </a:r>
-          </a:p>
-          <a:p>
-            <a:pPr algn="ctr"/>
-            <a:endParaRPr lang="it-IT" dirty="0">
-              <a:latin typeface="+mj-lt"/>
-            </a:endParaRPr>
-          </a:p>
-        </p:txBody>
-      </p:sp>
-      <p:pic>
-        <p:nvPicPr>
-          <p:cNvPr id="2050" name="Picture 2" descr="C:\Users\Marko\Desktop\Class_Diagram_Pagamenti (1).png"/>
-          <p:cNvPicPr>
-            <a:picLocks noChangeAspect="1" noChangeArrowheads="1"/>
-          </p:cNvPicPr>
-          <p:nvPr/>
-        </p:nvPicPr>
-        <p:blipFill>
-          <a:blip r:embed="rId2" cstate="print">
-            <a:extLst>
-              <a:ext uri="{28A0092B-C50C-407E-A947-70E740481C1C}">
-                <a14:useLocalDpi xmlns:a14="http://schemas.microsoft.com/office/drawing/2010/main" val="0"/>
-              </a:ext>
-            </a:extLst>
-          </a:blip>
-          <a:srcRect/>
-          <a:stretch>
-            <a:fillRect/>
-          </a:stretch>
-        </p:blipFill>
-        <p:spPr bwMode="auto">
-          <a:xfrm>
-            <a:off x="179512" y="1071391"/>
-            <a:ext cx="8652711" cy="5579826"/>
-          </a:xfrm>
-          <a:prstGeom prst="rect">
-            <a:avLst/>
-          </a:prstGeom>
-          <a:noFill/>
-          <a:extLst>
-            <a:ext uri="{909E8E84-426E-40DD-AFC4-6F175D3DCCD1}">
-              <a14:hiddenFill xmlns:a14="http://schemas.microsoft.com/office/drawing/2010/main">
-                <a:solidFill>
-                  <a:srgbClr val="FFFFFF"/>
-                </a:solidFill>
-              </a14:hiddenFill>
-            </a:ext>
-          </a:extLst>
-        </p:spPr>
-      </p:pic>
-    </p:spTree>
-    <p:extLst>
-      <p:ext uri="{BB962C8B-B14F-4D97-AF65-F5344CB8AC3E}">
-        <p14:creationId xmlns:p14="http://schemas.microsoft.com/office/powerpoint/2010/main" val="1417486241"/>
-      </p:ext>
-    </p:extLst>
-  </p:cSld>
-  <p:clrMapOvr>
-    <a:masterClrMapping/>
-  </p:clrMapOvr>
-  <p:timing>
-    <p:tnLst>
-      <p:par>
-        <p:cTn id="1" dur="indefinite" restart="never" nodeType="tmRoot"/>
-      </p:par>
-    </p:tnLst>
-  </p:timing>
-</p:sld>
-</file>
-
-<file path=ppt/slides/slide6.xml><?xml version="1.0" encoding="utf-8"?>
-<p:sld xmlns:a="http://schemas.openxmlformats.org/drawingml/2006/main" xmlns:r="http://schemas.openxmlformats.org/officeDocument/2006/relationships" xmlns:p="http://schemas.openxmlformats.org/presentationml/2006/main">
-  <p:cSld>
-    <p:spTree>
-      <p:nvGrpSpPr>
-        <p:cNvPr id="1" name=""/>
-        <p:cNvGrpSpPr/>
-        <p:nvPr/>
-      </p:nvGrpSpPr>
-      <p:grpSpPr>
-        <a:xfrm>
-          <a:off x="0" y="0"/>
-          <a:ext cx="0" cy="0"/>
-          <a:chOff x="0" y="0"/>
-          <a:chExt cx="0" cy="0"/>
-        </a:xfrm>
-      </p:grpSpPr>
-      <p:sp>
-        <p:nvSpPr>
           <p:cNvPr id="2" name="CasellaDiTesto 1"/>
           <p:cNvSpPr txBox="1"/>
           <p:nvPr/>
@@ -7583,7 +7419,7 @@
         <p:spPr>
           <a:xfrm>
             <a:off x="298902" y="1556792"/>
-            <a:ext cx="7441450" cy="4608512"/>
+            <a:ext cx="8449562" cy="4608512"/>
           </a:xfrm>
           <a:prstGeom prst="rect">
             <a:avLst/>
@@ -7761,15 +7597,7 @@
                   <a:srgbClr val="000000"/>
                 </a:solidFill>
               </a:rPr>
-              <a:t>Cosa </a:t>
-            </a:r>
-            <a:r>
-              <a:rPr lang="it-IT" dirty="0" smtClean="0">
-                <a:solidFill>
-                  <a:srgbClr val="000000"/>
-                </a:solidFill>
-              </a:rPr>
-              <a:t>non va: </a:t>
+              <a:t>Cosa non va: </a:t>
             </a:r>
             <a:endParaRPr lang="it-IT" dirty="0">
               <a:solidFill>
@@ -7788,7 +7616,7 @@
                   <a:srgbClr val="000000"/>
                 </a:solidFill>
               </a:rPr>
-              <a:t>genitore </a:t>
+              <a:t>genitore non può pagare online ma deve pagare con bancomat allo sportello </a:t>
             </a:r>
             <a:r>
               <a:rPr lang="it-IT" dirty="0" smtClean="0">
@@ -7796,48 +7624,13 @@
                   <a:srgbClr val="000000"/>
                 </a:solidFill>
               </a:rPr>
-              <a:t>non può pagare online ma deve </a:t>
-            </a:r>
-            <a:r>
-              <a:rPr lang="it-IT" dirty="0" smtClean="0">
-                <a:solidFill>
-                  <a:srgbClr val="000000"/>
-                </a:solidFill>
-              </a:rPr>
-              <a:t>pagare </a:t>
-            </a:r>
-            <a:r>
-              <a:rPr lang="it-IT" dirty="0" smtClean="0">
-                <a:solidFill>
-                  <a:srgbClr val="000000"/>
-                </a:solidFill>
-              </a:rPr>
-              <a:t>con bancomat allo sportello </a:t>
-            </a:r>
-            <a:r>
-              <a:rPr lang="it-IT" dirty="0" smtClean="0">
-                <a:solidFill>
-                  <a:srgbClr val="000000"/>
-                </a:solidFill>
-              </a:rPr>
-              <a:t>dell’asilo </a:t>
-            </a:r>
-            <a:r>
-              <a:rPr lang="it-IT" dirty="0" smtClean="0">
-                <a:solidFill>
-                  <a:srgbClr val="000000"/>
-                </a:solidFill>
-              </a:rPr>
-              <a:t>perché scritto sul bando o detto </a:t>
-            </a:r>
-            <a:r>
-              <a:rPr lang="it-IT" dirty="0" smtClean="0">
-                <a:solidFill>
-                  <a:srgbClr val="000000"/>
-                </a:solidFill>
-              </a:rPr>
-              <a:t>dal cliente*</a:t>
-            </a:r>
+              <a:t>dell’asilo</a:t>
+            </a:r>
+            <a:endParaRPr lang="it-IT" dirty="0" smtClean="0">
+              <a:solidFill>
+                <a:srgbClr val="000000"/>
+              </a:solidFill>
+            </a:endParaRPr>
           </a:p>
           <a:p>
             <a:pPr>
@@ -7850,7 +7643,7 @@
                   <a:srgbClr val="000000"/>
                 </a:solidFill>
               </a:rPr>
-              <a:t>Gestione </a:t>
+              <a:t>Cauzione</a:t>
             </a:r>
             <a:r>
               <a:rPr lang="it-IT" dirty="0" smtClean="0">
@@ -7858,7 +7651,57 @@
                   <a:srgbClr val="000000"/>
                 </a:solidFill>
               </a:rPr>
-              <a:t>della cauzione: chiedere perché*</a:t>
+              <a:t>: </a:t>
+            </a:r>
+            <a:r>
+              <a:rPr lang="it-IT" dirty="0" smtClean="0">
+                <a:solidFill>
+                  <a:srgbClr val="000000"/>
+                </a:solidFill>
+              </a:rPr>
+              <a:t>è Stata tolta perché non era presente sul bando e abbiamo deciso di non occuparcene</a:t>
+            </a:r>
+            <a:endParaRPr lang="it-IT" dirty="0" smtClean="0">
+              <a:solidFill>
+                <a:srgbClr val="000000"/>
+              </a:solidFill>
+            </a:endParaRPr>
+          </a:p>
+          <a:p>
+            <a:pPr marL="0" indent="0">
+              <a:buNone/>
+            </a:pPr>
+            <a:endParaRPr lang="it-IT" dirty="0" smtClean="0">
+              <a:solidFill>
+                <a:srgbClr val="000000"/>
+              </a:solidFill>
+            </a:endParaRPr>
+          </a:p>
+          <a:p>
+            <a:pPr marL="0" indent="0">
+              <a:buNone/>
+            </a:pPr>
+            <a:r>
+              <a:rPr lang="it-IT" dirty="0" smtClean="0">
+                <a:solidFill>
+                  <a:srgbClr val="000000"/>
+                </a:solidFill>
+              </a:rPr>
+              <a:t>Cosa deve essere gestito:</a:t>
+            </a:r>
+          </a:p>
+          <a:p>
+            <a:pPr>
+              <a:buFont typeface="Arial" pitchFamily="34" charset="0"/>
+              <a:buChar char="•"/>
+            </a:pPr>
+            <a:r>
+              <a:rPr lang="it-IT" dirty="0" smtClean="0">
+                <a:solidFill>
+                  <a:srgbClr val="000000"/>
+                </a:solidFill>
+              </a:rPr>
+              <a:t>Devono essere gestiti gli extra</a:t>
             </a:r>
           </a:p>
           <a:p>
@@ -7904,6 +7747,128 @@
 </p:sld>
 </file>
 
+<file path=ppt/slides/slide6.xml><?xml version="1.0" encoding="utf-8"?>
+<p:sld xmlns:a="http://schemas.openxmlformats.org/drawingml/2006/main" xmlns:r="http://schemas.openxmlformats.org/officeDocument/2006/relationships" xmlns:p="http://schemas.openxmlformats.org/presentationml/2006/main">
+  <p:cSld>
+    <p:spTree>
+      <p:nvGrpSpPr>
+        <p:cNvPr id="1" name=""/>
+        <p:cNvGrpSpPr/>
+        <p:nvPr/>
+      </p:nvGrpSpPr>
+      <p:grpSpPr>
+        <a:xfrm>
+          <a:off x="0" y="0"/>
+          <a:ext cx="0" cy="0"/>
+          <a:chOff x="0" y="0"/>
+          <a:chExt cx="0" cy="0"/>
+        </a:xfrm>
+      </p:grpSpPr>
+      <p:sp>
+        <p:nvSpPr>
+          <p:cNvPr id="3" name="CasellaDiTesto 2"/>
+          <p:cNvSpPr txBox="1"/>
+          <p:nvPr/>
+        </p:nvSpPr>
+        <p:spPr>
+          <a:xfrm>
+            <a:off x="2760544" y="471869"/>
+            <a:ext cx="3937873" cy="861774"/>
+          </a:xfrm>
+          <a:prstGeom prst="rect">
+            <a:avLst/>
+          </a:prstGeom>
+          <a:noFill/>
+        </p:spPr>
+        <p:txBody>
+          <a:bodyPr wrap="none" rtlCol="0">
+            <a:spAutoFit/>
+          </a:bodyPr>
+          <a:lstStyle/>
+          <a:p>
+            <a:pPr algn="ctr"/>
+            <a:r>
+              <a:rPr lang="it-IT" sz="3200" b="1" dirty="0">
+                <a:latin typeface="+mj-lt"/>
+              </a:rPr>
+              <a:t> </a:t>
+            </a:r>
+            <a:r>
+              <a:rPr lang="it-IT" sz="3200" b="1" dirty="0" smtClean="0">
+                <a:latin typeface="+mj-lt"/>
+              </a:rPr>
+              <a:t>Use Case Diagram 1.0</a:t>
+            </a:r>
+          </a:p>
+          <a:p>
+            <a:pPr algn="ctr"/>
+            <a:endParaRPr lang="it-IT" dirty="0">
+              <a:latin typeface="+mj-lt"/>
+            </a:endParaRPr>
+          </a:p>
+        </p:txBody>
+      </p:sp>
+      <p:pic>
+        <p:nvPicPr>
+          <p:cNvPr id="2057" name="Picture 9" descr="C:\Users\Marko\Desktop\Class_Diagram_Pagamenti32.png"/>
+          <p:cNvPicPr>
+            <a:picLocks noChangeAspect="1" noChangeArrowheads="1"/>
+          </p:cNvPicPr>
+          <p:nvPr/>
+        </p:nvPicPr>
+        <p:blipFill>
+          <a:blip r:embed="rId3" cstate="print">
+            <a:extLst>
+              <a:ext uri="{28A0092B-C50C-407E-A947-70E740481C1C}">
+                <a14:useLocalDpi xmlns:a14="http://schemas.microsoft.com/office/drawing/2010/main" val="0"/>
+              </a:ext>
+            </a:extLst>
+          </a:blip>
+          <a:srcRect/>
+          <a:stretch>
+            <a:fillRect/>
+          </a:stretch>
+        </p:blipFill>
+        <p:spPr bwMode="auto">
+          <a:xfrm>
+            <a:off x="625024" y="1124744"/>
+            <a:ext cx="8208912" cy="5512276"/>
+          </a:xfrm>
+          <a:prstGeom prst="rect">
+            <a:avLst/>
+          </a:prstGeom>
+          <a:noFill/>
+          <a:extLst>
+            <a:ext uri="{909E8E84-426E-40DD-AFC4-6F175D3DCCD1}">
+              <a14:hiddenFill xmlns:a14="http://schemas.microsoft.com/office/drawing/2010/main">
+                <a:solidFill>
+                  <a:srgbClr val="FFFFFF"/>
+                </a:solidFill>
+              </a14:hiddenFill>
+            </a:ext>
+          </a:extLst>
+        </p:spPr>
+      </p:pic>
+    </p:spTree>
+    <p:extLst>
+      <p:ext uri="{BB962C8B-B14F-4D97-AF65-F5344CB8AC3E}">
+        <p14:creationId xmlns:p14="http://schemas.microsoft.com/office/powerpoint/2010/main" val="1824602548"/>
+      </p:ext>
+    </p:extLst>
+  </p:cSld>
+  <p:clrMapOvr>
+    <a:masterClrMapping/>
+  </p:clrMapOvr>
+  <p:timing>
+    <p:tnLst>
+      <p:par>
+        <p:cTn id="1" dur="indefinite" restart="never" nodeType="tmRoot"/>
+      </p:par>
+    </p:tnLst>
+  </p:timing>
+</p:sld>
+</file>
+
 <file path=ppt/slides/slide7.xml><?xml version="1.0" encoding="utf-8"?>
 <p:sld xmlns:a="http://schemas.openxmlformats.org/drawingml/2006/main" xmlns:r="http://schemas.openxmlformats.org/officeDocument/2006/relationships" xmlns:p="http://schemas.openxmlformats.org/presentationml/2006/main">
   <p:cSld>
@@ -7923,14 +7888,14 @@
       </p:grpSpPr>
       <p:sp>
         <p:nvSpPr>
-          <p:cNvPr id="2" name="CasellaDiTesto 1"/>
+          <p:cNvPr id="3" name="CasellaDiTesto 2"/>
           <p:cNvSpPr txBox="1"/>
           <p:nvPr/>
         </p:nvSpPr>
         <p:spPr>
           <a:xfrm>
-            <a:off x="2431274" y="476672"/>
-            <a:ext cx="4596451" cy="830997"/>
+            <a:off x="250424" y="1343090"/>
+            <a:ext cx="5648201" cy="861774"/>
           </a:xfrm>
           <a:prstGeom prst="rect">
             <a:avLst/>
@@ -7938,31 +7903,118 @@
           <a:noFill/>
         </p:spPr>
         <p:txBody>
-          <a:bodyPr wrap="none" rtlCol="0">
+          <a:bodyPr wrap="square" rtlCol="0">
             <a:spAutoFit/>
           </a:bodyPr>
           <a:lstStyle/>
           <a:p>
-            <a:pPr algn="ctr"/>
-            <a:r>
-              <a:rPr lang="it-IT" sz="2400" b="1" dirty="0" smtClean="0">
+            <a:r>
+              <a:rPr lang="it-IT" sz="3200" b="1" dirty="0">
                 <a:latin typeface="+mj-lt"/>
               </a:rPr>
-              <a:t>Problemi nella gestione degli extra</a:t>
-            </a:r>
-          </a:p>
-          <a:p>
-            <a:pPr algn="ctr"/>
-            <a:endParaRPr lang="it-IT" sz="2400" dirty="0">
+              <a:t> </a:t>
+            </a:r>
+            <a:r>
+              <a:rPr lang="it-IT" sz="3200" b="1" dirty="0" smtClean="0">
+                <a:latin typeface="+mj-lt"/>
+              </a:rPr>
+              <a:t>Procediamo??    No!</a:t>
+            </a:r>
+            <a:endParaRPr lang="it-IT" sz="3200" b="1" dirty="0" smtClean="0">
               <a:latin typeface="+mj-lt"/>
             </a:endParaRPr>
+          </a:p>
+          <a:p>
+            <a:endParaRPr lang="it-IT" dirty="0">
+              <a:latin typeface="+mj-lt"/>
+            </a:endParaRPr>
+          </a:p>
+        </p:txBody>
+      </p:sp>
+      <p:pic>
+        <p:nvPicPr>
+          <p:cNvPr id="2050" name="Picture 2" descr="C:\Users\Marko\Desktop\man-with-stop-sign-04.png"/>
+          <p:cNvPicPr>
+            <a:picLocks noChangeAspect="1" noChangeArrowheads="1"/>
+          </p:cNvPicPr>
+          <p:nvPr/>
+        </p:nvPicPr>
+        <p:blipFill>
+          <a:blip r:embed="rId3" cstate="print">
+            <a:extLst>
+              <a:ext uri="{28A0092B-C50C-407E-A947-70E740481C1C}">
+                <a14:useLocalDpi xmlns:a14="http://schemas.microsoft.com/office/drawing/2010/main" val="0"/>
+              </a:ext>
+            </a:extLst>
+          </a:blip>
+          <a:srcRect/>
+          <a:stretch>
+            <a:fillRect/>
+          </a:stretch>
+        </p:blipFill>
+        <p:spPr bwMode="auto">
+          <a:xfrm>
+            <a:off x="6084168" y="836712"/>
+            <a:ext cx="2592288" cy="2592288"/>
+          </a:xfrm>
+          <a:prstGeom prst="rect">
+            <a:avLst/>
+          </a:prstGeom>
+          <a:noFill/>
+          <a:extLst>
+            <a:ext uri="{909E8E84-426E-40DD-AFC4-6F175D3DCCD1}">
+              <a14:hiddenFill xmlns:a14="http://schemas.microsoft.com/office/drawing/2010/main">
+                <a:solidFill>
+                  <a:srgbClr val="FFFFFF"/>
+                </a:solidFill>
+              </a14:hiddenFill>
+            </a:ext>
+          </a:extLst>
+        </p:spPr>
+      </p:pic>
+      <p:sp>
+        <p:nvSpPr>
+          <p:cNvPr id="4" name="CasellaDiTesto 3"/>
+          <p:cNvSpPr txBox="1"/>
+          <p:nvPr/>
+        </p:nvSpPr>
+        <p:spPr>
+          <a:xfrm>
+            <a:off x="250424" y="3284984"/>
+            <a:ext cx="8426031" cy="1323439"/>
+          </a:xfrm>
+          <a:prstGeom prst="rect">
+            <a:avLst/>
+          </a:prstGeom>
+          <a:noFill/>
+        </p:spPr>
+        <p:txBody>
+          <a:bodyPr wrap="square" rtlCol="0">
+            <a:spAutoFit/>
+          </a:bodyPr>
+          <a:lstStyle/>
+          <a:p>
+            <a:r>
+              <a:rPr lang="it-IT" sz="3200" b="1" dirty="0" smtClean="0"/>
+              <a:t>C’è un’ultima revisione da fare:</a:t>
+            </a:r>
+            <a:endParaRPr lang="it-IT" sz="3200" b="1" dirty="0"/>
+          </a:p>
+          <a:p>
+            <a:endParaRPr lang="it-IT" sz="2400" dirty="0" smtClean="0"/>
+          </a:p>
+          <a:p>
+            <a:r>
+              <a:rPr lang="it-IT" sz="2400" dirty="0" smtClean="0"/>
+              <a:t>rimozione di promemoria fattura e promemoria pagamento </a:t>
+            </a:r>
           </a:p>
         </p:txBody>
       </p:sp>
     </p:spTree>
     <p:extLst>
       <p:ext uri="{BB962C8B-B14F-4D97-AF65-F5344CB8AC3E}">
-        <p14:creationId xmlns:p14="http://schemas.microsoft.com/office/powerpoint/2010/main" val="1431001417"/>
+        <p14:creationId xmlns:p14="http://schemas.microsoft.com/office/powerpoint/2010/main" val="3719780262"/>
       </p:ext>
     </p:extLst>
   </p:cSld>
@@ -8004,8 +8056,8 @@
         </p:nvSpPr>
         <p:spPr>
           <a:xfrm>
-            <a:off x="2760544" y="471869"/>
-            <a:ext cx="3937873" cy="861774"/>
+            <a:off x="2760543" y="471869"/>
+            <a:ext cx="3937873" cy="1077218"/>
           </a:xfrm>
           <a:prstGeom prst="rect">
             <a:avLst/>
@@ -8029,12 +8081,12 @@
               <a:rPr lang="it-IT" sz="3200" b="1" dirty="0" smtClean="0">
                 <a:latin typeface="+mj-lt"/>
               </a:rPr>
-              <a:t>Use Case Diagram 1.0</a:t>
+              <a:t>Use Case Diagram 4.0</a:t>
             </a:r>
           </a:p>
           <a:p>
             <a:pPr algn="ctr"/>
-            <a:endParaRPr lang="it-IT" dirty="0">
+            <a:endParaRPr lang="it-IT" sz="3200" dirty="0">
               <a:latin typeface="+mj-lt"/>
             </a:endParaRPr>
           </a:p>
@@ -8042,14 +8094,14 @@
       </p:sp>
       <p:pic>
         <p:nvPicPr>
-          <p:cNvPr id="2057" name="Picture 9" descr="C:\Users\Marko\Desktop\Class_Diagram_Pagamenti32.png"/>
+          <p:cNvPr id="2050" name="Picture 2" descr="C:\Users\Marko\Desktop\UCD_Pagamenti%20(2).png"/>
           <p:cNvPicPr>
             <a:picLocks noChangeAspect="1" noChangeArrowheads="1"/>
           </p:cNvPicPr>
           <p:nvPr/>
         </p:nvPicPr>
         <p:blipFill>
-          <a:blip r:embed="rId2" cstate="print">
+          <a:blip r:embed="rId3" cstate="print">
             <a:extLst>
               <a:ext uri="{28A0092B-C50C-407E-A947-70E740481C1C}">
                 <a14:useLocalDpi xmlns:a14="http://schemas.microsoft.com/office/drawing/2010/main" val="0"/>
@@ -8063,8 +8115,8 @@
         </p:blipFill>
         <p:spPr bwMode="auto">
           <a:xfrm>
-            <a:off x="625024" y="1124744"/>
-            <a:ext cx="8208912" cy="5512276"/>
+            <a:off x="795968" y="1559909"/>
+            <a:ext cx="7524750" cy="4953000"/>
           </a:xfrm>
           <a:prstGeom prst="rect">
             <a:avLst/>
@@ -8084,7 +8136,7 @@
     </p:spTree>
     <p:extLst>
       <p:ext uri="{BB962C8B-B14F-4D97-AF65-F5344CB8AC3E}">
-        <p14:creationId xmlns:p14="http://schemas.microsoft.com/office/powerpoint/2010/main" val="1824602548"/>
+        <p14:creationId xmlns:p14="http://schemas.microsoft.com/office/powerpoint/2010/main" val="3701313841"/>
       </p:ext>
     </p:extLst>
   </p:cSld>
@@ -8120,14 +8172,14 @@
       </p:grpSpPr>
       <p:sp>
         <p:nvSpPr>
-          <p:cNvPr id="3" name="CasellaDiTesto 2"/>
+          <p:cNvPr id="2" name="CasellaDiTesto 1"/>
           <p:cNvSpPr txBox="1"/>
           <p:nvPr/>
         </p:nvSpPr>
         <p:spPr>
           <a:xfrm>
-            <a:off x="3203848" y="692696"/>
-            <a:ext cx="2694777" cy="861774"/>
+            <a:off x="2339752" y="692696"/>
+            <a:ext cx="4392488" cy="646331"/>
           </a:xfrm>
           <a:prstGeom prst="rect">
             <a:avLst/>
@@ -8135,43 +8187,33 @@
           <a:noFill/>
         </p:spPr>
         <p:txBody>
-          <a:bodyPr wrap="none" rtlCol="0">
+          <a:bodyPr wrap="square" rtlCol="0">
             <a:spAutoFit/>
           </a:bodyPr>
           <a:lstStyle/>
           <a:p>
             <a:pPr algn="ctr"/>
             <a:r>
-              <a:rPr lang="it-IT" sz="3200" b="1" dirty="0">
-                <a:latin typeface="+mj-lt"/>
+              <a:rPr lang="it-IT" sz="3600" b="1" dirty="0" smtClean="0">
+                <a:solidFill>
+                  <a:srgbClr val="000000"/>
+                </a:solidFill>
               </a:rPr>
-              <a:t> </a:t>
-            </a:r>
-            <a:r>
-              <a:rPr lang="it-IT" sz="3200" b="1" dirty="0" smtClean="0">
-                <a:latin typeface="+mj-lt"/>
-              </a:rPr>
-              <a:t>Procediamo??</a:t>
-            </a:r>
-          </a:p>
-          <a:p>
-            <a:pPr algn="ctr"/>
-            <a:endParaRPr lang="it-IT" dirty="0">
-              <a:latin typeface="+mj-lt"/>
-            </a:endParaRPr>
+              <a:t>Impiegato Asilo</a:t>
+            </a:r>
           </a:p>
         </p:txBody>
       </p:sp>
       <p:pic>
         <p:nvPicPr>
-          <p:cNvPr id="2050" name="Picture 2" descr="C:\Users\Marko\Desktop\man-with-stop-sign-04.png"/>
+          <p:cNvPr id="1026" name="Picture 2" descr="C:\Users\Marko\Desktop\278940263_fb1f4f5100_o.jpg"/>
           <p:cNvPicPr>
             <a:picLocks noChangeAspect="1" noChangeArrowheads="1"/>
           </p:cNvPicPr>
           <p:nvPr/>
         </p:nvPicPr>
         <p:blipFill>
-          <a:blip r:embed="rId2" cstate="print">
+          <a:blip r:embed="rId2">
             <a:extLst>
               <a:ext uri="{28A0092B-C50C-407E-A947-70E740481C1C}">
                 <a14:useLocalDpi xmlns:a14="http://schemas.microsoft.com/office/drawing/2010/main" val="0"/>
@@ -8185,8 +8227,8 @@
         </p:blipFill>
         <p:spPr bwMode="auto">
           <a:xfrm>
-            <a:off x="6084168" y="836712"/>
-            <a:ext cx="2592288" cy="2592288"/>
+            <a:off x="5567999" y="3068961"/>
+            <a:ext cx="3576001" cy="3603368"/>
           </a:xfrm>
           <a:prstGeom prst="rect">
             <a:avLst/>
@@ -8205,14 +8247,14 @@
       </p:pic>
       <p:sp>
         <p:nvSpPr>
-          <p:cNvPr id="2" name="CasellaDiTesto 1"/>
+          <p:cNvPr id="5" name="CasellaDiTesto 4"/>
           <p:cNvSpPr txBox="1"/>
           <p:nvPr/>
         </p:nvSpPr>
         <p:spPr>
           <a:xfrm>
-            <a:off x="4538242" y="1735430"/>
-            <a:ext cx="864096" cy="523220"/>
+            <a:off x="406996" y="1628800"/>
+            <a:ext cx="5328592" cy="4431983"/>
           </a:xfrm>
           <a:prstGeom prst="rect">
             <a:avLst/>
@@ -8225,68 +8267,101 @@
           </a:bodyPr>
           <a:lstStyle/>
           <a:p>
-            <a:r>
-              <a:rPr lang="it-IT" sz="2800" b="1" dirty="0" smtClean="0"/>
-              <a:t>No!</a:t>
-            </a:r>
-            <a:endParaRPr lang="it-IT" sz="2800" b="1" dirty="0"/>
-          </a:p>
-        </p:txBody>
-      </p:sp>
-      <p:sp>
-        <p:nvSpPr>
-          <p:cNvPr id="4" name="CasellaDiTesto 3"/>
-          <p:cNvSpPr txBox="1"/>
-          <p:nvPr/>
-        </p:nvSpPr>
-        <p:spPr>
-          <a:xfrm>
-            <a:off x="250424" y="3284984"/>
-            <a:ext cx="8426031" cy="1692771"/>
-          </a:xfrm>
-          <a:prstGeom prst="rect">
-            <a:avLst/>
-          </a:prstGeom>
-          <a:noFill/>
-        </p:spPr>
-        <p:txBody>
-          <a:bodyPr wrap="square" rtlCol="0">
-            <a:spAutoFit/>
-          </a:bodyPr>
-          <a:lstStyle/>
-          <a:p>
-            <a:r>
-              <a:rPr lang="it-IT" sz="3200" b="1" dirty="0" smtClean="0"/>
-              <a:t>C’è </a:t>
-            </a:r>
-            <a:r>
-              <a:rPr lang="it-IT" sz="3200" b="1" dirty="0" smtClean="0"/>
-              <a:t>un’ultima revisione da fare:</a:t>
-            </a:r>
-            <a:endParaRPr lang="it-IT" sz="3200" b="1" dirty="0"/>
-          </a:p>
-          <a:p>
             <a:endParaRPr lang="it-IT" sz="2400" dirty="0" smtClean="0"/>
           </a:p>
           <a:p>
+            <a:pPr marL="285750" indent="-285750">
+              <a:buFont typeface="Arial" pitchFamily="34" charset="0"/>
+              <a:buChar char="•"/>
+            </a:pPr>
             <a:r>
               <a:rPr lang="it-IT" sz="2400" dirty="0" smtClean="0"/>
-              <a:t>rimozione di promemoria fattura e promemoria pagamento perché ….</a:t>
+              <a:t>Visualizzare lo stato dei pagamenti di tutti gli iscritti </a:t>
+            </a:r>
+          </a:p>
+          <a:p>
+            <a:pPr marL="285750" indent="-285750">
+              <a:buFont typeface="Arial" pitchFamily="34" charset="0"/>
+              <a:buChar char="•"/>
+            </a:pPr>
+            <a:r>
+              <a:rPr lang="it-IT" sz="2400" dirty="0" smtClean="0"/>
+              <a:t>Possibilità di fatturare i pagamenti </a:t>
+            </a:r>
+            <a:r>
+              <a:rPr lang="it-IT" sz="2400" dirty="0" smtClean="0"/>
+              <a:t>mensili</a:t>
             </a:r>
             <a:endParaRPr lang="it-IT" sz="2400" dirty="0" smtClean="0"/>
+          </a:p>
+          <a:p>
+            <a:pPr marL="285750" indent="-285750">
+              <a:buFont typeface="Arial" pitchFamily="34" charset="0"/>
+              <a:buChar char="•"/>
+            </a:pPr>
+            <a:r>
+              <a:rPr lang="it-IT" sz="2400" dirty="0" smtClean="0"/>
+              <a:t>Automatizzare la gestione delle rette per il servizio e permettere la personalizzazione delle </a:t>
+            </a:r>
+            <a:r>
+              <a:rPr lang="it-IT" sz="2400" dirty="0" smtClean="0"/>
+              <a:t>rette</a:t>
+            </a:r>
+            <a:endParaRPr lang="it-IT" sz="2400" dirty="0" smtClean="0"/>
+          </a:p>
+          <a:p>
+            <a:pPr marL="285750" indent="-285750">
+              <a:buFont typeface="Arial" pitchFamily="34" charset="0"/>
+              <a:buChar char="•"/>
+            </a:pPr>
+            <a:r>
+              <a:rPr lang="it-IT" sz="2400" dirty="0" smtClean="0"/>
+              <a:t>Possibilità di modificare manualmente la registrazione di un </a:t>
+            </a:r>
+            <a:r>
+              <a:rPr lang="it-IT" sz="2400" dirty="0" smtClean="0"/>
+              <a:t>pagamento</a:t>
+            </a:r>
+            <a:endParaRPr lang="it-IT" sz="2400" dirty="0" smtClean="0"/>
+          </a:p>
+          <a:p>
+            <a:pPr marL="285750" indent="-285750">
+              <a:buFont typeface="Arial" pitchFamily="34" charset="0"/>
+              <a:buChar char="•"/>
+            </a:pPr>
+            <a:r>
+              <a:rPr lang="it-IT" sz="2400" dirty="0" smtClean="0"/>
+              <a:t>Inviare email di </a:t>
+            </a:r>
+            <a:r>
+              <a:rPr lang="it-IT" sz="2400" dirty="0" smtClean="0"/>
+              <a:t>promemoria</a:t>
+            </a:r>
+            <a:endParaRPr lang="it-IT" sz="2400" dirty="0" smtClean="0"/>
+          </a:p>
+          <a:p>
+            <a:endParaRPr lang="it-IT" dirty="0"/>
           </a:p>
         </p:txBody>
       </p:sp>
     </p:spTree>
     <p:extLst>
       <p:ext uri="{BB962C8B-B14F-4D97-AF65-F5344CB8AC3E}">
-        <p14:creationId xmlns:p14="http://schemas.microsoft.com/office/powerpoint/2010/main" val="3719780262"/>
+        <p14:creationId xmlns:p14="http://schemas.microsoft.com/office/powerpoint/2010/main" val="3516333073"/>
       </p:ext>
     </p:extLst>
   </p:cSld>
   <p:clrMapOvr>
     <a:masterClrMapping/>
   </p:clrMapOvr>
+  <mc:AlternateContent xmlns:mc="http://schemas.openxmlformats.org/markup-compatibility/2006" xmlns:p14="http://schemas.microsoft.com/office/powerpoint/2010/main">
+    <mc:Choice Requires="p14">
+      <p:transition spd="slow" p14:dur="2000"/>
+    </mc:Choice>
+    <mc:Fallback xmlns="">
+      <p:transition spd="slow"/>
+    </mc:Fallback>
+  </mc:AlternateContent>
   <p:timing>
     <p:tnLst>
       <p:par>

--- a/Presentazione/Atsilo2/Parisi/Atsilo_M_Parisi.pptx
+++ b/Presentazione/Atsilo2/Parisi/Atsilo_M_Parisi.pptx
@@ -651,14 +651,6 @@
           <a:bodyPr/>
           <a:lstStyle/>
           <a:p>
-            <a:r>
-              <a:rPr lang="it-IT" dirty="0" smtClean="0"/>
-              <a:t>Dire</a:t>
-            </a:r>
-            <a:r>
-              <a:rPr lang="it-IT" baseline="0" dirty="0" smtClean="0"/>
-              <a:t> cosa si intende per gestione degli extra</a:t>
-            </a:r>
             <a:endParaRPr lang="it-IT" dirty="0"/>
           </a:p>
         </p:txBody>
@@ -681,7 +673,7 @@
             <a:fld id="{D70604CA-7593-4640-8FA1-5523937B8510}" type="slidenum">
               <a:rPr lang="it-IT" smtClean="0"/>
               <a:pPr/>
-              <a:t>5</a:t>
+              <a:t>4</a:t>
             </a:fld>
             <a:endParaRPr lang="it-IT"/>
           </a:p>
@@ -690,7 +682,7 @@
     </p:spTree>
     <p:extLst>
       <p:ext uri="{BB962C8B-B14F-4D97-AF65-F5344CB8AC3E}">
-        <p14:creationId xmlns:p14="http://schemas.microsoft.com/office/powerpoint/2010/main" val="968677491"/>
+        <p14:creationId xmlns:p14="http://schemas.microsoft.com/office/powerpoint/2010/main" val="1093366611"/>
       </p:ext>
     </p:extLst>
   </p:cSld>
@@ -744,6 +736,14 @@
           <a:bodyPr/>
           <a:lstStyle/>
           <a:p>
+            <a:r>
+              <a:rPr lang="it-IT" dirty="0" smtClean="0"/>
+              <a:t>Dire</a:t>
+            </a:r>
+            <a:r>
+              <a:rPr lang="it-IT" baseline="0" dirty="0" smtClean="0"/>
+              <a:t> cosa si intende per gestione degli extra</a:t>
+            </a:r>
             <a:endParaRPr lang="it-IT" dirty="0"/>
           </a:p>
         </p:txBody>
@@ -766,7 +766,7 @@
             <a:fld id="{D70604CA-7593-4640-8FA1-5523937B8510}" type="slidenum">
               <a:rPr lang="it-IT" smtClean="0"/>
               <a:pPr/>
-              <a:t>6</a:t>
+              <a:t>5</a:t>
             </a:fld>
             <a:endParaRPr lang="it-IT"/>
           </a:p>
@@ -775,7 +775,7 @@
     </p:spTree>
     <p:extLst>
       <p:ext uri="{BB962C8B-B14F-4D97-AF65-F5344CB8AC3E}">
-        <p14:creationId xmlns:p14="http://schemas.microsoft.com/office/powerpoint/2010/main" val="1685022444"/>
+        <p14:creationId xmlns:p14="http://schemas.microsoft.com/office/powerpoint/2010/main" val="968677491"/>
       </p:ext>
     </p:extLst>
   </p:cSld>
@@ -829,14 +829,6 @@
           <a:bodyPr/>
           <a:lstStyle/>
           <a:p>
-            <a:r>
-              <a:rPr lang="it-IT" dirty="0" smtClean="0"/>
-              <a:t>Invece</a:t>
-            </a:r>
-            <a:r>
-              <a:rPr lang="it-IT" baseline="0" dirty="0" smtClean="0"/>
-              <a:t> di essere esplicite le generalizzazioni sono implicite in modo da semplificare il tutto</a:t>
-            </a:r>
             <a:endParaRPr lang="it-IT" dirty="0"/>
           </a:p>
         </p:txBody>
@@ -859,7 +851,7 @@
             <a:fld id="{D70604CA-7593-4640-8FA1-5523937B8510}" type="slidenum">
               <a:rPr lang="it-IT" smtClean="0"/>
               <a:pPr/>
-              <a:t>7</a:t>
+              <a:t>6</a:t>
             </a:fld>
             <a:endParaRPr lang="it-IT"/>
           </a:p>
@@ -868,7 +860,7 @@
     </p:spTree>
     <p:extLst>
       <p:ext uri="{BB962C8B-B14F-4D97-AF65-F5344CB8AC3E}">
-        <p14:creationId xmlns:p14="http://schemas.microsoft.com/office/powerpoint/2010/main" val="2687425361"/>
+        <p14:creationId xmlns:p14="http://schemas.microsoft.com/office/powerpoint/2010/main" val="1685022444"/>
       </p:ext>
     </p:extLst>
   </p:cSld>
@@ -923,6 +915,115 @@
           <a:lstStyle/>
           <a:p>
             <a:r>
+              <a:rPr lang="it-IT" baseline="0" dirty="0" smtClean="0"/>
+              <a:t>le generalizzazioni i</a:t>
+            </a:r>
+            <a:r>
+              <a:rPr lang="it-IT" dirty="0" smtClean="0"/>
+              <a:t>nvece</a:t>
+            </a:r>
+            <a:r>
+              <a:rPr lang="it-IT" baseline="0" dirty="0" smtClean="0"/>
+              <a:t> </a:t>
+            </a:r>
+            <a:r>
+              <a:rPr lang="it-IT" baseline="0" dirty="0" smtClean="0"/>
+              <a:t>di </a:t>
+            </a:r>
+            <a:r>
+              <a:rPr lang="it-IT" baseline="0" dirty="0" smtClean="0"/>
+              <a:t>essere esplicite sono </a:t>
+            </a:r>
+            <a:r>
+              <a:rPr lang="it-IT" baseline="0" dirty="0" smtClean="0"/>
+              <a:t>implicite in modo da semplificare il tutto</a:t>
+            </a:r>
+            <a:endParaRPr lang="it-IT" dirty="0"/>
+          </a:p>
+        </p:txBody>
+      </p:sp>
+      <p:sp>
+        <p:nvSpPr>
+          <p:cNvPr id="4" name="Segnaposto numero diapositiva 3"/>
+          <p:cNvSpPr>
+            <a:spLocks noGrp="1"/>
+          </p:cNvSpPr>
+          <p:nvPr>
+            <p:ph type="sldNum" sz="quarter" idx="10"/>
+          </p:nvPr>
+        </p:nvSpPr>
+        <p:spPr/>
+        <p:txBody>
+          <a:bodyPr/>
+          <a:lstStyle/>
+          <a:p>
+            <a:fld id="{D70604CA-7593-4640-8FA1-5523937B8510}" type="slidenum">
+              <a:rPr lang="it-IT" smtClean="0"/>
+              <a:pPr/>
+              <a:t>7</a:t>
+            </a:fld>
+            <a:endParaRPr lang="it-IT"/>
+          </a:p>
+        </p:txBody>
+      </p:sp>
+    </p:spTree>
+    <p:extLst>
+      <p:ext uri="{BB962C8B-B14F-4D97-AF65-F5344CB8AC3E}">
+        <p14:creationId xmlns:p14="http://schemas.microsoft.com/office/powerpoint/2010/main" val="2687425361"/>
+      </p:ext>
+    </p:extLst>
+  </p:cSld>
+  <p:clrMapOvr>
+    <a:masterClrMapping/>
+  </p:clrMapOvr>
+</p:notes>
+</file>
+
+<file path=ppt/notesSlides/notesSlide6.xml><?xml version="1.0" encoding="utf-8"?>
+<p:notes xmlns:a="http://schemas.openxmlformats.org/drawingml/2006/main" xmlns:r="http://schemas.openxmlformats.org/officeDocument/2006/relationships" xmlns:p="http://schemas.openxmlformats.org/presentationml/2006/main">
+  <p:cSld>
+    <p:spTree>
+      <p:nvGrpSpPr>
+        <p:cNvPr id="1" name=""/>
+        <p:cNvGrpSpPr/>
+        <p:nvPr/>
+      </p:nvGrpSpPr>
+      <p:grpSpPr>
+        <a:xfrm>
+          <a:off x="0" y="0"/>
+          <a:ext cx="0" cy="0"/>
+          <a:chOff x="0" y="0"/>
+          <a:chExt cx="0" cy="0"/>
+        </a:xfrm>
+      </p:grpSpPr>
+      <p:sp>
+        <p:nvSpPr>
+          <p:cNvPr id="2" name="Segnaposto immagine diapositiva 1"/>
+          <p:cNvSpPr>
+            <a:spLocks noGrp="1" noRot="1" noChangeAspect="1"/>
+          </p:cNvSpPr>
+          <p:nvPr>
+            <p:ph type="sldImg"/>
+          </p:nvPr>
+        </p:nvSpPr>
+        <p:spPr/>
+      </p:sp>
+      <p:sp>
+        <p:nvSpPr>
+          <p:cNvPr id="3" name="Segnaposto note 2"/>
+          <p:cNvSpPr>
+            <a:spLocks noGrp="1"/>
+          </p:cNvSpPr>
+          <p:nvPr>
+            <p:ph type="body" idx="1"/>
+          </p:nvPr>
+        </p:nvSpPr>
+        <p:spPr/>
+        <p:txBody>
+          <a:bodyPr/>
+          <a:lstStyle/>
+          <a:p>
+            <a:r>
               <a:rPr lang="it-IT" dirty="0" smtClean="0"/>
               <a:t>Fare una ricapitolazione cosa può fare l’impiegato e cosa può fare il genitore</a:t>
             </a:r>
@@ -967,7 +1068,7 @@
 </p:notes>
 </file>
 
-<file path=ppt/notesSlides/notesSlide6.xml><?xml version="1.0" encoding="utf-8"?>
+<file path=ppt/notesSlides/notesSlide7.xml><?xml version="1.0" encoding="utf-8"?>
 <p:notes xmlns:a="http://schemas.openxmlformats.org/drawingml/2006/main" xmlns:r="http://schemas.openxmlformats.org/officeDocument/2006/relationships" xmlns:p="http://schemas.openxmlformats.org/presentationml/2006/main">
   <p:cSld>
     <p:spTree>
@@ -4984,7 +5085,7 @@
         </p:nvGraphicFramePr>
         <p:xfrm>
           <a:off x="179512" y="5517232"/>
-          <a:ext cx="2051720" cy="1089471"/>
+          <a:ext cx="2051720" cy="1188720"/>
         </p:xfrm>
         <a:graphic>
           <a:graphicData uri="http://schemas.openxmlformats.org/drawingml/2006/table">
@@ -5105,7 +5206,7 @@
         </p:nvGraphicFramePr>
         <p:xfrm>
           <a:off x="6948264" y="5877272"/>
-          <a:ext cx="2051720" cy="726314"/>
+          <a:ext cx="2051720" cy="792480"/>
         </p:xfrm>
         <a:graphic>
           <a:graphicData uri="http://schemas.openxmlformats.org/drawingml/2006/table">
@@ -5360,13 +5461,8 @@
             </a:pPr>
             <a:r>
               <a:rPr lang="it-IT" sz="2400" dirty="0" smtClean="0"/>
-              <a:t>Visualizzare lo storico dei </a:t>
-            </a:r>
-            <a:r>
-              <a:rPr lang="it-IT" sz="2400" dirty="0" smtClean="0"/>
-              <a:t>pagamenti</a:t>
-            </a:r>
-            <a:endParaRPr lang="it-IT" sz="2400" dirty="0" smtClean="0"/>
+              <a:t>Visualizzare lo storico dei pagamenti</a:t>
+            </a:r>
           </a:p>
           <a:p>
             <a:pPr marL="285750" indent="-285750">
@@ -5375,13 +5471,8 @@
             </a:pPr>
             <a:r>
               <a:rPr lang="it-IT" sz="2400" dirty="0" smtClean="0"/>
-              <a:t>Visualizzare la fattura </a:t>
-            </a:r>
-            <a:r>
-              <a:rPr lang="it-IT" sz="2400" dirty="0" smtClean="0"/>
-              <a:t>mensile</a:t>
-            </a:r>
-            <a:endParaRPr lang="it-IT" sz="2400" dirty="0" smtClean="0"/>
+              <a:t>Visualizzare la fattura mensile</a:t>
+            </a:r>
           </a:p>
           <a:p>
             <a:pPr marL="285750" indent="-285750">
@@ -6749,15 +6840,7 @@
                   <a:srgbClr val="000000"/>
                 </a:solidFill>
               </a:rPr>
-              <a:t> </a:t>
-            </a:r>
-            <a:r>
-              <a:rPr lang="en-US" dirty="0" smtClean="0">
-                <a:solidFill>
-                  <a:srgbClr val="000000"/>
-                </a:solidFill>
-              </a:rPr>
-              <a:t>non </a:t>
+              <a:t> non </a:t>
             </a:r>
             <a:r>
               <a:rPr lang="en-US" dirty="0" err="1" smtClean="0">
@@ -7298,14 +7381,14 @@
       </p:sp>
       <p:pic>
         <p:nvPicPr>
-          <p:cNvPr id="2050" name="Picture 2" descr="C:\Users\Marko\Desktop\Class_Diagram_Pagamenti (1).png"/>
+          <p:cNvPr id="1026" name="Picture 2" descr="C:\Users\Marko\Desktop\Class_Diagram_Pagamenti buono.png"/>
           <p:cNvPicPr>
             <a:picLocks noChangeAspect="1" noChangeArrowheads="1"/>
           </p:cNvPicPr>
           <p:nvPr/>
         </p:nvPicPr>
         <p:blipFill>
-          <a:blip r:embed="rId2" cstate="print">
+          <a:blip r:embed="rId3">
             <a:extLst>
               <a:ext uri="{28A0092B-C50C-407E-A947-70E740481C1C}">
                 <a14:useLocalDpi xmlns:a14="http://schemas.microsoft.com/office/drawing/2010/main" val="0"/>
@@ -7319,8 +7402,8 @@
         </p:blipFill>
         <p:spPr bwMode="auto">
           <a:xfrm>
-            <a:off x="179512" y="1071391"/>
-            <a:ext cx="8652711" cy="5579826"/>
+            <a:off x="34022" y="1196752"/>
+            <a:ext cx="9144000" cy="5328592"/>
           </a:xfrm>
           <a:prstGeom prst="rect">
             <a:avLst/>
@@ -7616,21 +7699,8 @@
                   <a:srgbClr val="000000"/>
                 </a:solidFill>
               </a:rPr>
-              <a:t>genitore non può pagare online ma deve pagare con bancomat allo sportello </a:t>
-            </a:r>
-            <a:r>
-              <a:rPr lang="it-IT" dirty="0" smtClean="0">
-                <a:solidFill>
-                  <a:srgbClr val="000000"/>
-                </a:solidFill>
-              </a:rPr>
-              <a:t>dell’asilo</a:t>
-            </a:r>
-            <a:endParaRPr lang="it-IT" dirty="0" smtClean="0">
-              <a:solidFill>
-                <a:srgbClr val="000000"/>
-              </a:solidFill>
-            </a:endParaRPr>
+              <a:t>genitore non può pagare online ma deve pagare con bancomat allo sportello dell’asilo</a:t>
+            </a:r>
           </a:p>
           <a:p>
             <a:pPr>
@@ -7643,29 +7713,8 @@
                   <a:srgbClr val="000000"/>
                 </a:solidFill>
               </a:rPr>
-              <a:t>Cauzione</a:t>
-            </a:r>
-            <a:r>
-              <a:rPr lang="it-IT" dirty="0" smtClean="0">
-                <a:solidFill>
-                  <a:srgbClr val="000000"/>
-                </a:solidFill>
-              </a:rPr>
-              <a:t>: </a:t>
-            </a:r>
-            <a:r>
-              <a:rPr lang="it-IT" dirty="0" smtClean="0">
-                <a:solidFill>
-                  <a:srgbClr val="000000"/>
-                </a:solidFill>
-              </a:rPr>
-              <a:t>è Stata tolta perché non era presente sul bando e abbiamo deciso di non occuparcene</a:t>
-            </a:r>
-            <a:endParaRPr lang="it-IT" dirty="0" smtClean="0">
-              <a:solidFill>
-                <a:srgbClr val="000000"/>
-              </a:solidFill>
-            </a:endParaRPr>
+              <a:t>Cauzione: è Stata tolta perché non era presente sul bando e abbiamo deciso di non occuparcene</a:t>
+            </a:r>
           </a:p>
           <a:p>
             <a:pPr marL="0" indent="0">
@@ -7810,14 +7859,14 @@
       </p:sp>
       <p:pic>
         <p:nvPicPr>
-          <p:cNvPr id="2057" name="Picture 9" descr="C:\Users\Marko\Desktop\Class_Diagram_Pagamenti32.png"/>
+          <p:cNvPr id="2050" name="Picture 2" descr="C:\Users\Marko\Desktop\Class_Diagram_Pagamenti32.png"/>
           <p:cNvPicPr>
             <a:picLocks noChangeAspect="1" noChangeArrowheads="1"/>
           </p:cNvPicPr>
           <p:nvPr/>
         </p:nvPicPr>
         <p:blipFill>
-          <a:blip r:embed="rId3" cstate="print">
+          <a:blip r:embed="rId3">
             <a:extLst>
               <a:ext uri="{28A0092B-C50C-407E-A947-70E740481C1C}">
                 <a14:useLocalDpi xmlns:a14="http://schemas.microsoft.com/office/drawing/2010/main" val="0"/>
@@ -7831,8 +7880,8 @@
         </p:blipFill>
         <p:spPr bwMode="auto">
           <a:xfrm>
-            <a:off x="625024" y="1124744"/>
-            <a:ext cx="8208912" cy="5512276"/>
+            <a:off x="179512" y="1124744"/>
+            <a:ext cx="8572500" cy="5334000"/>
           </a:xfrm>
           <a:prstGeom prst="rect">
             <a:avLst/>
@@ -7920,9 +7969,6 @@
               </a:rPr>
               <a:t>Procediamo??    No!</a:t>
             </a:r>
-            <a:endParaRPr lang="it-IT" sz="3200" b="1" dirty="0" smtClean="0">
-              <a:latin typeface="+mj-lt"/>
-            </a:endParaRPr>
           </a:p>
           <a:p>
             <a:endParaRPr lang="it-IT" dirty="0">
@@ -8286,13 +8332,8 @@
             </a:pPr>
             <a:r>
               <a:rPr lang="it-IT" sz="2400" dirty="0" smtClean="0"/>
-              <a:t>Possibilità di fatturare i pagamenti </a:t>
-            </a:r>
-            <a:r>
-              <a:rPr lang="it-IT" sz="2400" dirty="0" smtClean="0"/>
-              <a:t>mensili</a:t>
-            </a:r>
-            <a:endParaRPr lang="it-IT" sz="2400" dirty="0" smtClean="0"/>
+              <a:t>Possibilità di fatturare i pagamenti mensili</a:t>
+            </a:r>
           </a:p>
           <a:p>
             <a:pPr marL="285750" indent="-285750">
@@ -8301,13 +8342,8 @@
             </a:pPr>
             <a:r>
               <a:rPr lang="it-IT" sz="2400" dirty="0" smtClean="0"/>
-              <a:t>Automatizzare la gestione delle rette per il servizio e permettere la personalizzazione delle </a:t>
-            </a:r>
-            <a:r>
-              <a:rPr lang="it-IT" sz="2400" dirty="0" smtClean="0"/>
-              <a:t>rette</a:t>
-            </a:r>
-            <a:endParaRPr lang="it-IT" sz="2400" dirty="0" smtClean="0"/>
+              <a:t>Automatizzare la gestione delle rette per il servizio e permettere la personalizzazione delle rette</a:t>
+            </a:r>
           </a:p>
           <a:p>
             <a:pPr marL="285750" indent="-285750">
@@ -8316,13 +8352,8 @@
             </a:pPr>
             <a:r>
               <a:rPr lang="it-IT" sz="2400" dirty="0" smtClean="0"/>
-              <a:t>Possibilità di modificare manualmente la registrazione di un </a:t>
-            </a:r>
-            <a:r>
-              <a:rPr lang="it-IT" sz="2400" dirty="0" smtClean="0"/>
-              <a:t>pagamento</a:t>
-            </a:r>
-            <a:endParaRPr lang="it-IT" sz="2400" dirty="0" smtClean="0"/>
+              <a:t>Possibilità di modificare manualmente la registrazione di un pagamento</a:t>
+            </a:r>
           </a:p>
           <a:p>
             <a:pPr marL="285750" indent="-285750">
@@ -8331,13 +8362,8 @@
             </a:pPr>
             <a:r>
               <a:rPr lang="it-IT" sz="2400" dirty="0" smtClean="0"/>
-              <a:t>Inviare email di </a:t>
-            </a:r>
-            <a:r>
-              <a:rPr lang="it-IT" sz="2400" dirty="0" smtClean="0"/>
-              <a:t>promemoria</a:t>
-            </a:r>
-            <a:endParaRPr lang="it-IT" sz="2400" dirty="0" smtClean="0"/>
+              <a:t>Inviare email di promemoria</a:t>
+            </a:r>
           </a:p>
           <a:p>
             <a:endParaRPr lang="it-IT" dirty="0"/>

--- a/Presentazione/Atsilo2/Parisi/Atsilo_M_Parisi.pptx
+++ b/Presentazione/Atsilo2/Parisi/Atsilo_M_Parisi.pptx
@@ -742,7 +742,17 @@
             </a:r>
             <a:r>
               <a:rPr lang="it-IT" baseline="0" dirty="0" smtClean="0"/>
-              <a:t> cosa si intende per gestione degli extra</a:t>
+              <a:t> cosa si intende per gestione degli </a:t>
+            </a:r>
+            <a:r>
+              <a:rPr lang="it-IT" baseline="0" dirty="0" smtClean="0"/>
+              <a:t>extra</a:t>
+            </a:r>
+          </a:p>
+          <a:p>
+            <a:r>
+              <a:rPr lang="it-IT" baseline="0" dirty="0" smtClean="0"/>
+              <a:t>il nostro sistema prevede che i genitori possono richiedere variazione sul menù di base sia sull’orario </a:t>
             </a:r>
             <a:endParaRPr lang="it-IT" dirty="0"/>
           </a:p>
@@ -924,19 +934,7 @@
             </a:r>
             <a:r>
               <a:rPr lang="it-IT" baseline="0" dirty="0" smtClean="0"/>
-              <a:t> </a:t>
-            </a:r>
-            <a:r>
-              <a:rPr lang="it-IT" baseline="0" dirty="0" smtClean="0"/>
-              <a:t>di </a:t>
-            </a:r>
-            <a:r>
-              <a:rPr lang="it-IT" baseline="0" dirty="0" smtClean="0"/>
-              <a:t>essere esplicite sono </a:t>
-            </a:r>
-            <a:r>
-              <a:rPr lang="it-IT" baseline="0" dirty="0" smtClean="0"/>
-              <a:t>implicite in modo da semplificare il tutto</a:t>
+              <a:t> di essere esplicite sono implicite in modo da semplificare il tutto</a:t>
             </a:r>
             <a:endParaRPr lang="it-IT" dirty="0"/>
           </a:p>
@@ -1144,6 +1142,103 @@
     <p:extLst>
       <p:ext uri="{BB962C8B-B14F-4D97-AF65-F5344CB8AC3E}">
         <p14:creationId xmlns:p14="http://schemas.microsoft.com/office/powerpoint/2010/main" val="328384907"/>
+      </p:ext>
+    </p:extLst>
+  </p:cSld>
+  <p:clrMapOvr>
+    <a:masterClrMapping/>
+  </p:clrMapOvr>
+</p:notes>
+</file>
+
+<file path=ppt/notesSlides/notesSlide8.xml><?xml version="1.0" encoding="utf-8"?>
+<p:notes xmlns:a="http://schemas.openxmlformats.org/drawingml/2006/main" xmlns:r="http://schemas.openxmlformats.org/officeDocument/2006/relationships" xmlns:p="http://schemas.openxmlformats.org/presentationml/2006/main">
+  <p:cSld>
+    <p:spTree>
+      <p:nvGrpSpPr>
+        <p:cNvPr id="1" name=""/>
+        <p:cNvGrpSpPr/>
+        <p:nvPr/>
+      </p:nvGrpSpPr>
+      <p:grpSpPr>
+        <a:xfrm>
+          <a:off x="0" y="0"/>
+          <a:ext cx="0" cy="0"/>
+          <a:chOff x="0" y="0"/>
+          <a:chExt cx="0" cy="0"/>
+        </a:xfrm>
+      </p:grpSpPr>
+      <p:sp>
+        <p:nvSpPr>
+          <p:cNvPr id="2" name="Segnaposto immagine diapositiva 1"/>
+          <p:cNvSpPr>
+            <a:spLocks noGrp="1" noRot="1" noChangeAspect="1"/>
+          </p:cNvSpPr>
+          <p:nvPr>
+            <p:ph type="sldImg"/>
+          </p:nvPr>
+        </p:nvSpPr>
+        <p:spPr/>
+      </p:sp>
+      <p:sp>
+        <p:nvSpPr>
+          <p:cNvPr id="3" name="Segnaposto note 2"/>
+          <p:cNvSpPr>
+            <a:spLocks noGrp="1"/>
+          </p:cNvSpPr>
+          <p:nvPr>
+            <p:ph type="body" idx="1"/>
+          </p:nvPr>
+        </p:nvSpPr>
+        <p:spPr/>
+        <p:txBody>
+          <a:bodyPr/>
+          <a:lstStyle/>
+          <a:p>
+            <a:r>
+              <a:rPr lang="it-IT" dirty="0" smtClean="0"/>
+              <a:t>Questa che</a:t>
+            </a:r>
+            <a:r>
+              <a:rPr lang="it-IT" baseline="0" dirty="0" smtClean="0"/>
+              <a:t> ho mostrato sostanzialmente è l’idea su cui noi volevamo basarci per implementare la gestione dei pagamenti ma </a:t>
+            </a:r>
+            <a:r>
+              <a:rPr lang="it-IT" baseline="0" smtClean="0"/>
+              <a:t>essendo a bassa priorità non è stato implementato sia per mancanza di tempo effettivo sia per mancanza di skill necessarie</a:t>
+            </a:r>
+            <a:endParaRPr lang="it-IT" dirty="0"/>
+          </a:p>
+        </p:txBody>
+      </p:sp>
+      <p:sp>
+        <p:nvSpPr>
+          <p:cNvPr id="4" name="Segnaposto numero diapositiva 3"/>
+          <p:cNvSpPr>
+            <a:spLocks noGrp="1"/>
+          </p:cNvSpPr>
+          <p:nvPr>
+            <p:ph type="sldNum" sz="quarter" idx="10"/>
+          </p:nvPr>
+        </p:nvSpPr>
+        <p:spPr/>
+        <p:txBody>
+          <a:bodyPr/>
+          <a:lstStyle/>
+          <a:p>
+            <a:fld id="{D70604CA-7593-4640-8FA1-5523937B8510}" type="slidenum">
+              <a:rPr lang="it-IT" smtClean="0"/>
+              <a:pPr/>
+              <a:t>13</a:t>
+            </a:fld>
+            <a:endParaRPr lang="it-IT"/>
+          </a:p>
+        </p:txBody>
+      </p:sp>
+    </p:spTree>
+    <p:extLst>
+      <p:ext uri="{BB962C8B-B14F-4D97-AF65-F5344CB8AC3E}">
+        <p14:creationId xmlns:p14="http://schemas.microsoft.com/office/powerpoint/2010/main" val="3771085237"/>
       </p:ext>
     </p:extLst>
   </p:cSld>
@@ -5085,7 +5180,7 @@
         </p:nvGraphicFramePr>
         <p:xfrm>
           <a:off x="179512" y="5517232"/>
-          <a:ext cx="2051720" cy="1188720"/>
+          <a:ext cx="2051720" cy="1089471"/>
         </p:xfrm>
         <a:graphic>
           <a:graphicData uri="http://schemas.openxmlformats.org/drawingml/2006/table">
@@ -5206,7 +5301,7 @@
         </p:nvGraphicFramePr>
         <p:xfrm>
           <a:off x="6948264" y="5877272"/>
-          <a:ext cx="2051720" cy="792480"/>
+          <a:ext cx="2051720" cy="726314"/>
         </p:xfrm>
         <a:graphic>
           <a:graphicData uri="http://schemas.openxmlformats.org/drawingml/2006/table">
@@ -5797,7 +5892,7 @@
           <p:nvPr/>
         </p:nvPicPr>
         <p:blipFill>
-          <a:blip r:embed="rId2" cstate="print">
+          <a:blip r:embed="rId3" cstate="print">
             <a:extLst>
               <a:ext uri="{28A0092B-C50C-407E-A947-70E740481C1C}">
                 <a14:useLocalDpi xmlns:a14="http://schemas.microsoft.com/office/drawing/2010/main" val="0"/>
@@ -7713,7 +7808,15 @@
                   <a:srgbClr val="000000"/>
                 </a:solidFill>
               </a:rPr>
-              <a:t>Cauzione: è Stata tolta perché non era presente sul bando e abbiamo deciso di non occuparcene</a:t>
+              <a:t>Cauzione non </a:t>
+            </a:r>
+            <a:r>
+              <a:rPr lang="it-IT" dirty="0" smtClean="0">
+                <a:solidFill>
+                  <a:srgbClr val="000000"/>
+                </a:solidFill>
+              </a:rPr>
+              <a:t>presente sul bando e abbiamo deciso di non occuparcene</a:t>
             </a:r>
           </a:p>
           <a:p>

--- a/Presentazione/Atsilo2/Parisi/Atsilo_M_Parisi.pptx
+++ b/Presentazione/Atsilo2/Parisi/Atsilo_M_Parisi.pptx
@@ -9,17 +9,17 @@
   </p:notesMasterIdLst>
   <p:sldIdLst>
     <p:sldId id="256" r:id="rId2"/>
-    <p:sldId id="269" r:id="rId3"/>
-    <p:sldId id="266" r:id="rId4"/>
-    <p:sldId id="263" r:id="rId5"/>
-    <p:sldId id="275" r:id="rId6"/>
-    <p:sldId id="270" r:id="rId7"/>
-    <p:sldId id="274" r:id="rId8"/>
-    <p:sldId id="262" r:id="rId9"/>
-    <p:sldId id="273" r:id="rId10"/>
-    <p:sldId id="276" r:id="rId11"/>
-    <p:sldId id="261" r:id="rId12"/>
-    <p:sldId id="264" r:id="rId13"/>
+    <p:sldId id="277" r:id="rId3"/>
+    <p:sldId id="273" r:id="rId4"/>
+    <p:sldId id="276" r:id="rId5"/>
+    <p:sldId id="269" r:id="rId6"/>
+    <p:sldId id="266" r:id="rId7"/>
+    <p:sldId id="263" r:id="rId8"/>
+    <p:sldId id="275" r:id="rId9"/>
+    <p:sldId id="270" r:id="rId10"/>
+    <p:sldId id="274" r:id="rId11"/>
+    <p:sldId id="262" r:id="rId12"/>
+    <p:sldId id="261" r:id="rId13"/>
     <p:sldId id="260" r:id="rId14"/>
   </p:sldIdLst>
   <p:sldSz cx="9144000" cy="6858000" type="screen4x3"/>
@@ -124,7 +124,7 @@
 
 <file path=ppt/commentAuthors.xml><?xml version="1.0" encoding="utf-8"?>
 <p:cmAuthorLst xmlns:a="http://schemas.openxmlformats.org/drawingml/2006/main" xmlns:r="http://schemas.openxmlformats.org/officeDocument/2006/relationships" xmlns:p="http://schemas.openxmlformats.org/presentationml/2006/main">
-  <p:cmAuthor id="0" name="Giulio" initials="GF" lastIdx="6" clrIdx="0"/>
+  <p:cmAuthor id="0" name="Giulio" initials="GF" lastIdx="7" clrIdx="0"/>
   <p:cmAuthor id="1" name="Marko" initials="M" lastIdx="0" clrIdx="1"/>
 </p:cmAuthorLst>
 </file>
@@ -673,7 +673,7 @@
             <a:fld id="{D70604CA-7593-4640-8FA1-5523937B8510}" type="slidenum">
               <a:rPr lang="it-IT" smtClean="0"/>
               <a:pPr/>
-              <a:t>4</a:t>
+              <a:t>7</a:t>
             </a:fld>
             <a:endParaRPr lang="it-IT"/>
           </a:p>
@@ -742,11 +742,7 @@
             </a:r>
             <a:r>
               <a:rPr lang="it-IT" baseline="0" dirty="0" smtClean="0"/>
-              <a:t> cosa si intende per gestione degli </a:t>
-            </a:r>
-            <a:r>
-              <a:rPr lang="it-IT" baseline="0" dirty="0" smtClean="0"/>
-              <a:t>extra</a:t>
+              <a:t> cosa si intende per gestione degli extra</a:t>
             </a:r>
           </a:p>
           <a:p>
@@ -776,7 +772,7 @@
             <a:fld id="{D70604CA-7593-4640-8FA1-5523937B8510}" type="slidenum">
               <a:rPr lang="it-IT" smtClean="0"/>
               <a:pPr/>
-              <a:t>5</a:t>
+              <a:t>8</a:t>
             </a:fld>
             <a:endParaRPr lang="it-IT"/>
           </a:p>
@@ -861,7 +857,7 @@
             <a:fld id="{D70604CA-7593-4640-8FA1-5523937B8510}" type="slidenum">
               <a:rPr lang="it-IT" smtClean="0"/>
               <a:pPr/>
-              <a:t>6</a:t>
+              <a:t>9</a:t>
             </a:fld>
             <a:endParaRPr lang="it-IT"/>
           </a:p>
@@ -958,7 +954,7 @@
             <a:fld id="{D70604CA-7593-4640-8FA1-5523937B8510}" type="slidenum">
               <a:rPr lang="it-IT" smtClean="0"/>
               <a:pPr/>
-              <a:t>7</a:t>
+              <a:t>10</a:t>
             </a:fld>
             <a:endParaRPr lang="it-IT"/>
           </a:p>
@@ -1047,7 +1043,7 @@
             <a:fld id="{D70604CA-7593-4640-8FA1-5523937B8510}" type="slidenum">
               <a:rPr lang="it-IT" smtClean="0"/>
               <a:pPr/>
-              <a:t>8</a:t>
+              <a:t>11</a:t>
             </a:fld>
             <a:endParaRPr lang="it-IT"/>
           </a:p>
@@ -1132,7 +1128,7 @@
             <a:fld id="{D70604CA-7593-4640-8FA1-5523937B8510}" type="slidenum">
               <a:rPr lang="it-IT" smtClean="0"/>
               <a:pPr/>
-              <a:t>11</a:t>
+              <a:t>12</a:t>
             </a:fld>
             <a:endParaRPr lang="it-IT"/>
           </a:p>
@@ -5452,14 +5448,14 @@
       </p:grpSpPr>
       <p:sp>
         <p:nvSpPr>
-          <p:cNvPr id="2" name="CasellaDiTesto 1"/>
+          <p:cNvPr id="3" name="CasellaDiTesto 2"/>
           <p:cNvSpPr txBox="1"/>
           <p:nvPr/>
         </p:nvSpPr>
         <p:spPr>
           <a:xfrm>
-            <a:off x="2313062" y="660807"/>
-            <a:ext cx="4392488" cy="646331"/>
+            <a:off x="250424" y="1343090"/>
+            <a:ext cx="5648201" cy="861774"/>
           </a:xfrm>
           <a:prstGeom prst="rect">
             <a:avLst/>
@@ -5472,28 +5468,36 @@
           </a:bodyPr>
           <a:lstStyle/>
           <a:p>
-            <a:pPr algn="ctr"/>
-            <a:r>
-              <a:rPr lang="it-IT" sz="3600" b="1" dirty="0" smtClean="0">
-                <a:solidFill>
-                  <a:srgbClr val="000000"/>
-                </a:solidFill>
+            <a:r>
+              <a:rPr lang="it-IT" sz="3200" b="1" dirty="0">
+                <a:latin typeface="+mj-lt"/>
               </a:rPr>
-              <a:t>Genitore</a:t>
-            </a:r>
+              <a:t> </a:t>
+            </a:r>
+            <a:r>
+              <a:rPr lang="it-IT" sz="3200" b="1" dirty="0" smtClean="0">
+                <a:latin typeface="+mj-lt"/>
+              </a:rPr>
+              <a:t>Procediamo??    No!</a:t>
+            </a:r>
+          </a:p>
+          <a:p>
+            <a:endParaRPr lang="it-IT" dirty="0">
+              <a:latin typeface="+mj-lt"/>
+            </a:endParaRPr>
           </a:p>
         </p:txBody>
       </p:sp>
       <p:pic>
         <p:nvPicPr>
-          <p:cNvPr id="4" name="Picture 2" descr="C:\Users\Marko\Desktop\genitori-1.jpg"/>
+          <p:cNvPr id="2050" name="Picture 2" descr="C:\Users\Marko\Desktop\man-with-stop-sign-04.png"/>
           <p:cNvPicPr>
             <a:picLocks noChangeAspect="1" noChangeArrowheads="1"/>
           </p:cNvPicPr>
           <p:nvPr/>
         </p:nvPicPr>
         <p:blipFill>
-          <a:blip r:embed="rId2">
+          <a:blip r:embed="rId3" cstate="print">
             <a:extLst>
               <a:ext uri="{28A0092B-C50C-407E-A947-70E740481C1C}">
                 <a14:useLocalDpi xmlns:a14="http://schemas.microsoft.com/office/drawing/2010/main" val="0"/>
@@ -5507,8 +5511,8 @@
         </p:blipFill>
         <p:spPr bwMode="auto">
           <a:xfrm>
-            <a:off x="5567999" y="3068962"/>
-            <a:ext cx="3576001" cy="3702126"/>
+            <a:off x="6084168" y="836712"/>
+            <a:ext cx="2592288" cy="2592288"/>
           </a:xfrm>
           <a:prstGeom prst="rect">
             <a:avLst/>
@@ -5527,14 +5531,14 @@
       </p:pic>
       <p:sp>
         <p:nvSpPr>
-          <p:cNvPr id="5" name="CasellaDiTesto 4"/>
+          <p:cNvPr id="4" name="CasellaDiTesto 3"/>
           <p:cNvSpPr txBox="1"/>
           <p:nvPr/>
         </p:nvSpPr>
         <p:spPr>
           <a:xfrm>
-            <a:off x="406996" y="1628800"/>
-            <a:ext cx="5328592" cy="2215991"/>
+            <a:off x="250424" y="3284984"/>
+            <a:ext cx="8426031" cy="1323439"/>
           </a:xfrm>
           <a:prstGeom prst="rect">
             <a:avLst/>
@@ -5547,65 +5551,33 @@
           </a:bodyPr>
           <a:lstStyle/>
           <a:p>
+            <a:r>
+              <a:rPr lang="it-IT" sz="3200" b="1" dirty="0" smtClean="0"/>
+              <a:t>C’è un’ultima revisione da fare:</a:t>
+            </a:r>
+            <a:endParaRPr lang="it-IT" sz="3200" b="1" dirty="0"/>
+          </a:p>
+          <a:p>
             <a:endParaRPr lang="it-IT" sz="2400" dirty="0" smtClean="0"/>
           </a:p>
           <a:p>
-            <a:pPr marL="285750" indent="-285750">
-              <a:buFont typeface="Arial" pitchFamily="34" charset="0"/>
-              <a:buChar char="•"/>
-            </a:pPr>
             <a:r>
               <a:rPr lang="it-IT" sz="2400" dirty="0" smtClean="0"/>
-              <a:t>Visualizzare lo storico dei pagamenti</a:t>
-            </a:r>
-          </a:p>
-          <a:p>
-            <a:pPr marL="285750" indent="-285750">
-              <a:buFont typeface="Arial" pitchFamily="34" charset="0"/>
-              <a:buChar char="•"/>
-            </a:pPr>
-            <a:r>
-              <a:rPr lang="it-IT" sz="2400" dirty="0" smtClean="0"/>
-              <a:t>Visualizzare la fattura mensile</a:t>
-            </a:r>
-          </a:p>
-          <a:p>
-            <a:pPr marL="285750" indent="-285750">
-              <a:buFont typeface="Arial" pitchFamily="34" charset="0"/>
-              <a:buChar char="•"/>
-            </a:pPr>
-            <a:endParaRPr lang="it-IT" sz="2400" dirty="0" smtClean="0"/>
-          </a:p>
-          <a:p>
-            <a:pPr marL="285750" indent="-285750">
-              <a:buFont typeface="Arial" pitchFamily="34" charset="0"/>
-              <a:buChar char="•"/>
-            </a:pPr>
-            <a:endParaRPr lang="it-IT" sz="2400" dirty="0" smtClean="0"/>
-          </a:p>
-          <a:p>
-            <a:endParaRPr lang="it-IT" dirty="0"/>
+              <a:t>rimozione di promemoria fattura e promemoria pagamento </a:t>
+            </a:r>
           </a:p>
         </p:txBody>
       </p:sp>
     </p:spTree>
     <p:extLst>
       <p:ext uri="{BB962C8B-B14F-4D97-AF65-F5344CB8AC3E}">
-        <p14:creationId xmlns:p14="http://schemas.microsoft.com/office/powerpoint/2010/main" val="576094641"/>
+        <p14:creationId xmlns:p14="http://schemas.microsoft.com/office/powerpoint/2010/main" val="3719780262"/>
       </p:ext>
     </p:extLst>
   </p:cSld>
   <p:clrMapOvr>
     <a:masterClrMapping/>
   </p:clrMapOvr>
-  <mc:AlternateContent xmlns:mc="http://schemas.openxmlformats.org/markup-compatibility/2006" xmlns:p14="http://schemas.microsoft.com/office/powerpoint/2010/main">
-    <mc:Choice Requires="p14">
-      <p:transition spd="slow" p14:dur="2000"/>
-    </mc:Choice>
-    <mc:Fallback xmlns="">
-      <p:transition spd="slow"/>
-    </mc:Fallback>
-  </mc:AlternateContent>
   <p:timing>
     <p:tnLst>
       <p:par>
@@ -5617,6 +5589,128 @@
 </file>
 
 <file path=ppt/slides/slide11.xml><?xml version="1.0" encoding="utf-8"?>
+<p:sld xmlns:a="http://schemas.openxmlformats.org/drawingml/2006/main" xmlns:r="http://schemas.openxmlformats.org/officeDocument/2006/relationships" xmlns:p="http://schemas.openxmlformats.org/presentationml/2006/main">
+  <p:cSld>
+    <p:spTree>
+      <p:nvGrpSpPr>
+        <p:cNvPr id="1" name=""/>
+        <p:cNvGrpSpPr/>
+        <p:nvPr/>
+      </p:nvGrpSpPr>
+      <p:grpSpPr>
+        <a:xfrm>
+          <a:off x="0" y="0"/>
+          <a:ext cx="0" cy="0"/>
+          <a:chOff x="0" y="0"/>
+          <a:chExt cx="0" cy="0"/>
+        </a:xfrm>
+      </p:grpSpPr>
+      <p:sp>
+        <p:nvSpPr>
+          <p:cNvPr id="3" name="CasellaDiTesto 2"/>
+          <p:cNvSpPr txBox="1"/>
+          <p:nvPr/>
+        </p:nvSpPr>
+        <p:spPr>
+          <a:xfrm>
+            <a:off x="2760543" y="471869"/>
+            <a:ext cx="3937873" cy="1077218"/>
+          </a:xfrm>
+          <a:prstGeom prst="rect">
+            <a:avLst/>
+          </a:prstGeom>
+          <a:noFill/>
+        </p:spPr>
+        <p:txBody>
+          <a:bodyPr wrap="none" rtlCol="0">
+            <a:spAutoFit/>
+          </a:bodyPr>
+          <a:lstStyle/>
+          <a:p>
+            <a:pPr algn="ctr"/>
+            <a:r>
+              <a:rPr lang="it-IT" sz="3200" b="1" dirty="0">
+                <a:latin typeface="+mj-lt"/>
+              </a:rPr>
+              <a:t> </a:t>
+            </a:r>
+            <a:r>
+              <a:rPr lang="it-IT" sz="3200" b="1" dirty="0" smtClean="0">
+                <a:latin typeface="+mj-lt"/>
+              </a:rPr>
+              <a:t>Use Case Diagram 4.0</a:t>
+            </a:r>
+          </a:p>
+          <a:p>
+            <a:pPr algn="ctr"/>
+            <a:endParaRPr lang="it-IT" sz="3200" dirty="0">
+              <a:latin typeface="+mj-lt"/>
+            </a:endParaRPr>
+          </a:p>
+        </p:txBody>
+      </p:sp>
+      <p:pic>
+        <p:nvPicPr>
+          <p:cNvPr id="2050" name="Picture 2" descr="C:\Users\Marko\Desktop\UCD_Pagamenti%20(2).png"/>
+          <p:cNvPicPr>
+            <a:picLocks noChangeAspect="1" noChangeArrowheads="1"/>
+          </p:cNvPicPr>
+          <p:nvPr/>
+        </p:nvPicPr>
+        <p:blipFill>
+          <a:blip r:embed="rId3" cstate="print">
+            <a:extLst>
+              <a:ext uri="{28A0092B-C50C-407E-A947-70E740481C1C}">
+                <a14:useLocalDpi xmlns:a14="http://schemas.microsoft.com/office/drawing/2010/main" val="0"/>
+              </a:ext>
+            </a:extLst>
+          </a:blip>
+          <a:srcRect/>
+          <a:stretch>
+            <a:fillRect/>
+          </a:stretch>
+        </p:blipFill>
+        <p:spPr bwMode="auto">
+          <a:xfrm>
+            <a:off x="795968" y="1559909"/>
+            <a:ext cx="7524750" cy="4953000"/>
+          </a:xfrm>
+          <a:prstGeom prst="rect">
+            <a:avLst/>
+          </a:prstGeom>
+          <a:noFill/>
+          <a:extLst>
+            <a:ext uri="{909E8E84-426E-40DD-AFC4-6F175D3DCCD1}">
+              <a14:hiddenFill xmlns:a14="http://schemas.microsoft.com/office/drawing/2010/main">
+                <a:solidFill>
+                  <a:srgbClr val="FFFFFF"/>
+                </a:solidFill>
+              </a14:hiddenFill>
+            </a:ext>
+          </a:extLst>
+        </p:spPr>
+      </p:pic>
+    </p:spTree>
+    <p:extLst>
+      <p:ext uri="{BB962C8B-B14F-4D97-AF65-F5344CB8AC3E}">
+        <p14:creationId xmlns:p14="http://schemas.microsoft.com/office/powerpoint/2010/main" val="3701313841"/>
+      </p:ext>
+    </p:extLst>
+  </p:cSld>
+  <p:clrMapOvr>
+    <a:masterClrMapping/>
+  </p:clrMapOvr>
+  <p:timing>
+    <p:tnLst>
+      <p:par>
+        <p:cTn id="1" dur="indefinite" restart="never" nodeType="tmRoot"/>
+      </p:par>
+    </p:tnLst>
+  </p:timing>
+</p:sld>
+</file>
+
+<file path=ppt/slides/slide12.xml><?xml version="1.0" encoding="utf-8"?>
 <p:sld xmlns:a="http://schemas.openxmlformats.org/drawingml/2006/main" xmlns:r="http://schemas.openxmlformats.org/officeDocument/2006/relationships" xmlns:p="http://schemas.openxmlformats.org/presentationml/2006/main">
   <p:cSld>
     <p:spTree>
@@ -5725,131 +5819,6 @@
     <p:extLst>
       <p:ext uri="{BB962C8B-B14F-4D97-AF65-F5344CB8AC3E}">
         <p14:creationId xmlns:p14="http://schemas.microsoft.com/office/powerpoint/2010/main" val="1653549512"/>
-      </p:ext>
-    </p:extLst>
-  </p:cSld>
-  <p:clrMapOvr>
-    <a:masterClrMapping/>
-  </p:clrMapOvr>
-  <p:timing>
-    <p:tnLst>
-      <p:par>
-        <p:cTn id="1" dur="indefinite" restart="never" nodeType="tmRoot"/>
-      </p:par>
-    </p:tnLst>
-  </p:timing>
-</p:sld>
-</file>
-
-<file path=ppt/slides/slide12.xml><?xml version="1.0" encoding="utf-8"?>
-<p:sld xmlns:a="http://schemas.openxmlformats.org/drawingml/2006/main" xmlns:r="http://schemas.openxmlformats.org/officeDocument/2006/relationships" xmlns:p="http://schemas.openxmlformats.org/presentationml/2006/main">
-  <p:cSld>
-    <p:spTree>
-      <p:nvGrpSpPr>
-        <p:cNvPr id="1" name=""/>
-        <p:cNvGrpSpPr/>
-        <p:nvPr/>
-      </p:nvGrpSpPr>
-      <p:grpSpPr>
-        <a:xfrm>
-          <a:off x="0" y="0"/>
-          <a:ext cx="0" cy="0"/>
-          <a:chOff x="0" y="0"/>
-          <a:chExt cx="0" cy="0"/>
-        </a:xfrm>
-      </p:grpSpPr>
-      <p:pic>
-        <p:nvPicPr>
-          <p:cNvPr id="2050" name="Picture 2" descr="C:\Users\Marko\Desktop\UC 22.png"/>
-          <p:cNvPicPr>
-            <a:picLocks noChangeAspect="1" noChangeArrowheads="1"/>
-          </p:cNvPicPr>
-          <p:nvPr/>
-        </p:nvPicPr>
-        <p:blipFill>
-          <a:blip r:embed="rId2" cstate="print">
-            <a:extLst>
-              <a:ext uri="{28A0092B-C50C-407E-A947-70E740481C1C}">
-                <a14:useLocalDpi xmlns:a14="http://schemas.microsoft.com/office/drawing/2010/main" val="0"/>
-              </a:ext>
-            </a:extLst>
-          </a:blip>
-          <a:srcRect/>
-          <a:stretch>
-            <a:fillRect/>
-          </a:stretch>
-        </p:blipFill>
-        <p:spPr bwMode="auto">
-          <a:xfrm>
-            <a:off x="251520" y="1484784"/>
-            <a:ext cx="8919155" cy="5184576"/>
-          </a:xfrm>
-          <a:prstGeom prst="rect">
-            <a:avLst/>
-          </a:prstGeom>
-          <a:noFill/>
-          <a:extLst>
-            <a:ext uri="{909E8E84-426E-40DD-AFC4-6F175D3DCCD1}">
-              <a14:hiddenFill xmlns:a14="http://schemas.microsoft.com/office/drawing/2010/main">
-                <a:solidFill>
-                  <a:srgbClr val="FFFFFF"/>
-                </a:solidFill>
-              </a14:hiddenFill>
-            </a:ext>
-          </a:extLst>
-        </p:spPr>
-      </p:pic>
-      <p:sp>
-        <p:nvSpPr>
-          <p:cNvPr id="6" name="CasellaDiTesto 5"/>
-          <p:cNvSpPr txBox="1"/>
-          <p:nvPr/>
-        </p:nvSpPr>
-        <p:spPr>
-          <a:xfrm>
-            <a:off x="2915816" y="471868"/>
-            <a:ext cx="3384261" cy="830997"/>
-          </a:xfrm>
-          <a:prstGeom prst="rect">
-            <a:avLst/>
-          </a:prstGeom>
-          <a:noFill/>
-        </p:spPr>
-        <p:txBody>
-          <a:bodyPr wrap="none" rtlCol="0">
-            <a:spAutoFit/>
-          </a:bodyPr>
-          <a:lstStyle/>
-          <a:p>
-            <a:pPr algn="ctr"/>
-            <a:r>
-              <a:rPr lang="it-IT" sz="4800" b="1" dirty="0">
-                <a:latin typeface="+mj-lt"/>
-              </a:rPr>
-              <a:t> </a:t>
-            </a:r>
-            <a:r>
-              <a:rPr lang="it-IT" sz="3200" b="1" dirty="0">
-                <a:latin typeface="+mj-lt"/>
-              </a:rPr>
-              <a:t>E</a:t>
-            </a:r>
-            <a:r>
-              <a:rPr lang="it-IT" sz="3200" b="1" dirty="0" smtClean="0">
-                <a:latin typeface="+mj-lt"/>
-              </a:rPr>
-              <a:t>sempio Use Case</a:t>
-            </a:r>
-            <a:endParaRPr lang="it-IT" sz="3200" dirty="0">
-              <a:latin typeface="+mj-lt"/>
-            </a:endParaRPr>
-          </a:p>
-        </p:txBody>
-      </p:sp>
-    </p:spTree>
-    <p:extLst>
-      <p:ext uri="{BB962C8B-B14F-4D97-AF65-F5344CB8AC3E}">
-        <p14:creationId xmlns:p14="http://schemas.microsoft.com/office/powerpoint/2010/main" val="1574381410"/>
       </p:ext>
     </p:extLst>
   </p:cSld>
@@ -5983,6 +5952,505 @@
 </file>
 
 <file path=ppt/slides/slide2.xml><?xml version="1.0" encoding="utf-8"?>
+<p:sld xmlns:a="http://schemas.openxmlformats.org/drawingml/2006/main" xmlns:r="http://schemas.openxmlformats.org/officeDocument/2006/relationships" xmlns:p="http://schemas.openxmlformats.org/presentationml/2006/main">
+  <p:cSld>
+    <p:spTree>
+      <p:nvGrpSpPr>
+        <p:cNvPr id="1" name=""/>
+        <p:cNvGrpSpPr/>
+        <p:nvPr/>
+      </p:nvGrpSpPr>
+      <p:grpSpPr>
+        <a:xfrm>
+          <a:off x="0" y="0"/>
+          <a:ext cx="0" cy="0"/>
+          <a:chOff x="0" y="0"/>
+          <a:chExt cx="0" cy="0"/>
+        </a:xfrm>
+      </p:grpSpPr>
+      <p:sp>
+        <p:nvSpPr>
+          <p:cNvPr id="2" name="Titolo 1"/>
+          <p:cNvSpPr>
+            <a:spLocks noGrp="1"/>
+          </p:cNvSpPr>
+          <p:nvPr>
+            <p:ph type="title"/>
+          </p:nvPr>
+        </p:nvSpPr>
+        <p:spPr>
+          <a:xfrm>
+            <a:off x="2699792" y="764704"/>
+            <a:ext cx="3888432" cy="578328"/>
+          </a:xfrm>
+        </p:spPr>
+        <p:txBody>
+          <a:bodyPr>
+            <a:noAutofit/>
+          </a:bodyPr>
+          <a:lstStyle/>
+          <a:p>
+            <a:r>
+              <a:rPr lang="it-IT" sz="3600" b="1" dirty="0" smtClean="0"/>
+              <a:t>Gestione Pagamenti</a:t>
+            </a:r>
+            <a:endParaRPr lang="it-IT" sz="3600" b="1" dirty="0"/>
+          </a:p>
+        </p:txBody>
+      </p:sp>
+      <p:pic>
+        <p:nvPicPr>
+          <p:cNvPr id="3" name="Picture 2" descr="C:\Users\Marko\Desktop\20110128102721.jpg"/>
+          <p:cNvPicPr>
+            <a:picLocks noChangeAspect="1" noChangeArrowheads="1"/>
+          </p:cNvPicPr>
+          <p:nvPr/>
+        </p:nvPicPr>
+        <p:blipFill>
+          <a:blip r:embed="rId2">
+            <a:extLst>
+              <a:ext uri="{BEBA8EAE-BF5A-486C-A8C5-ECC9F3942E4B}">
+                <a14:imgProps xmlns:a14="http://schemas.microsoft.com/office/drawing/2010/main">
+                  <a14:imgLayer r:embed="rId3">
+                    <a14:imgEffect>
+                      <a14:sharpenSoften amount="25000"/>
+                    </a14:imgEffect>
+                  </a14:imgLayer>
+                </a14:imgProps>
+              </a:ext>
+              <a:ext uri="{28A0092B-C50C-407E-A947-70E740481C1C}">
+                <a14:useLocalDpi xmlns:a14="http://schemas.microsoft.com/office/drawing/2010/main" val="0"/>
+              </a:ext>
+            </a:extLst>
+          </a:blip>
+          <a:srcRect/>
+          <a:stretch>
+            <a:fillRect/>
+          </a:stretch>
+        </p:blipFill>
+        <p:spPr bwMode="auto">
+          <a:xfrm>
+            <a:off x="2051720" y="1844823"/>
+            <a:ext cx="5134743" cy="4282335"/>
+          </a:xfrm>
+          <a:prstGeom prst="rect">
+            <a:avLst/>
+          </a:prstGeom>
+          <a:noFill/>
+          <a:extLst>
+            <a:ext uri="{909E8E84-426E-40DD-AFC4-6F175D3DCCD1}">
+              <a14:hiddenFill xmlns:a14="http://schemas.microsoft.com/office/drawing/2010/main">
+                <a:solidFill>
+                  <a:srgbClr val="FFFFFF"/>
+                </a:solidFill>
+              </a14:hiddenFill>
+            </a:ext>
+          </a:extLst>
+        </p:spPr>
+      </p:pic>
+    </p:spTree>
+    <p:extLst>
+      <p:ext uri="{BB962C8B-B14F-4D97-AF65-F5344CB8AC3E}">
+        <p14:creationId xmlns:p14="http://schemas.microsoft.com/office/powerpoint/2010/main" val="2865657727"/>
+      </p:ext>
+    </p:extLst>
+  </p:cSld>
+  <p:clrMapOvr>
+    <a:masterClrMapping/>
+  </p:clrMapOvr>
+  <p:timing>
+    <p:tnLst>
+      <p:par>
+        <p:cTn id="1" dur="indefinite" restart="never" nodeType="tmRoot"/>
+      </p:par>
+    </p:tnLst>
+  </p:timing>
+</p:sld>
+</file>
+
+<file path=ppt/slides/slide3.xml><?xml version="1.0" encoding="utf-8"?>
+<p:sld xmlns:a="http://schemas.openxmlformats.org/drawingml/2006/main" xmlns:r="http://schemas.openxmlformats.org/officeDocument/2006/relationships" xmlns:p="http://schemas.openxmlformats.org/presentationml/2006/main">
+  <p:cSld>
+    <p:spTree>
+      <p:nvGrpSpPr>
+        <p:cNvPr id="1" name=""/>
+        <p:cNvGrpSpPr/>
+        <p:nvPr/>
+      </p:nvGrpSpPr>
+      <p:grpSpPr>
+        <a:xfrm>
+          <a:off x="0" y="0"/>
+          <a:ext cx="0" cy="0"/>
+          <a:chOff x="0" y="0"/>
+          <a:chExt cx="0" cy="0"/>
+        </a:xfrm>
+      </p:grpSpPr>
+      <p:sp>
+        <p:nvSpPr>
+          <p:cNvPr id="2" name="CasellaDiTesto 1"/>
+          <p:cNvSpPr txBox="1"/>
+          <p:nvPr/>
+        </p:nvSpPr>
+        <p:spPr>
+          <a:xfrm>
+            <a:off x="2339752" y="692696"/>
+            <a:ext cx="4392488" cy="646331"/>
+          </a:xfrm>
+          <a:prstGeom prst="rect">
+            <a:avLst/>
+          </a:prstGeom>
+          <a:noFill/>
+        </p:spPr>
+        <p:txBody>
+          <a:bodyPr wrap="square" rtlCol="0">
+            <a:spAutoFit/>
+          </a:bodyPr>
+          <a:lstStyle/>
+          <a:p>
+            <a:pPr algn="ctr"/>
+            <a:r>
+              <a:rPr lang="it-IT" sz="3600" b="1" dirty="0" smtClean="0">
+                <a:solidFill>
+                  <a:srgbClr val="000000"/>
+                </a:solidFill>
+              </a:rPr>
+              <a:t>Impiegato Asilo</a:t>
+            </a:r>
+          </a:p>
+        </p:txBody>
+      </p:sp>
+      <p:pic>
+        <p:nvPicPr>
+          <p:cNvPr id="1026" name="Picture 2" descr="C:\Users\Marko\Desktop\278940263_fb1f4f5100_o.jpg"/>
+          <p:cNvPicPr>
+            <a:picLocks noChangeAspect="1" noChangeArrowheads="1"/>
+          </p:cNvPicPr>
+          <p:nvPr/>
+        </p:nvPicPr>
+        <p:blipFill>
+          <a:blip r:embed="rId2">
+            <a:extLst>
+              <a:ext uri="{28A0092B-C50C-407E-A947-70E740481C1C}">
+                <a14:useLocalDpi xmlns:a14="http://schemas.microsoft.com/office/drawing/2010/main" val="0"/>
+              </a:ext>
+            </a:extLst>
+          </a:blip>
+          <a:srcRect/>
+          <a:stretch>
+            <a:fillRect/>
+          </a:stretch>
+        </p:blipFill>
+        <p:spPr bwMode="auto">
+          <a:xfrm>
+            <a:off x="5567999" y="3068961"/>
+            <a:ext cx="3576001" cy="3603368"/>
+          </a:xfrm>
+          <a:prstGeom prst="rect">
+            <a:avLst/>
+          </a:prstGeom>
+          <a:noFill/>
+          <a:extLst>
+            <a:ext uri="{909E8E84-426E-40DD-AFC4-6F175D3DCCD1}">
+              <a14:hiddenFill xmlns:a14="http://schemas.microsoft.com/office/drawing/2010/main">
+                <a:solidFill>
+                  <a:srgbClr val="FFFFFF"/>
+                </a:solidFill>
+              </a14:hiddenFill>
+            </a:ext>
+          </a:extLst>
+        </p:spPr>
+      </p:pic>
+      <p:sp>
+        <p:nvSpPr>
+          <p:cNvPr id="5" name="CasellaDiTesto 4"/>
+          <p:cNvSpPr txBox="1"/>
+          <p:nvPr/>
+        </p:nvSpPr>
+        <p:spPr>
+          <a:xfrm>
+            <a:off x="406996" y="1628800"/>
+            <a:ext cx="5328592" cy="4431983"/>
+          </a:xfrm>
+          <a:prstGeom prst="rect">
+            <a:avLst/>
+          </a:prstGeom>
+          <a:noFill/>
+        </p:spPr>
+        <p:txBody>
+          <a:bodyPr wrap="square" rtlCol="0">
+            <a:spAutoFit/>
+          </a:bodyPr>
+          <a:lstStyle/>
+          <a:p>
+            <a:endParaRPr lang="it-IT" sz="2400" dirty="0" smtClean="0"/>
+          </a:p>
+          <a:p>
+            <a:pPr marL="285750" indent="-285750">
+              <a:buFont typeface="Arial" pitchFamily="34" charset="0"/>
+              <a:buChar char="•"/>
+            </a:pPr>
+            <a:r>
+              <a:rPr lang="it-IT" sz="2400" dirty="0" smtClean="0"/>
+              <a:t>Visualizzare lo stato dei pagamenti di tutti gli iscritti </a:t>
+            </a:r>
+          </a:p>
+          <a:p>
+            <a:pPr marL="285750" indent="-285750">
+              <a:buFont typeface="Arial" pitchFamily="34" charset="0"/>
+              <a:buChar char="•"/>
+            </a:pPr>
+            <a:r>
+              <a:rPr lang="it-IT" sz="2400" dirty="0" smtClean="0"/>
+              <a:t>Possibilità di fatturare i pagamenti mensili</a:t>
+            </a:r>
+          </a:p>
+          <a:p>
+            <a:pPr marL="285750" indent="-285750">
+              <a:buFont typeface="Arial" pitchFamily="34" charset="0"/>
+              <a:buChar char="•"/>
+            </a:pPr>
+            <a:r>
+              <a:rPr lang="it-IT" sz="2400" dirty="0" smtClean="0"/>
+              <a:t>Automatizzare la gestione delle rette per il servizio e permettere la personalizzazione delle rette</a:t>
+            </a:r>
+          </a:p>
+          <a:p>
+            <a:pPr marL="285750" indent="-285750">
+              <a:buFont typeface="Arial" pitchFamily="34" charset="0"/>
+              <a:buChar char="•"/>
+            </a:pPr>
+            <a:r>
+              <a:rPr lang="it-IT" sz="2400" dirty="0" smtClean="0"/>
+              <a:t>Possibilità di modificare manualmente la registrazione di un pagamento</a:t>
+            </a:r>
+          </a:p>
+          <a:p>
+            <a:pPr marL="285750" indent="-285750">
+              <a:buFont typeface="Arial" pitchFamily="34" charset="0"/>
+              <a:buChar char="•"/>
+            </a:pPr>
+            <a:r>
+              <a:rPr lang="it-IT" sz="2400" dirty="0" smtClean="0"/>
+              <a:t>Inviare email di promemoria</a:t>
+            </a:r>
+          </a:p>
+          <a:p>
+            <a:endParaRPr lang="it-IT" dirty="0"/>
+          </a:p>
+        </p:txBody>
+      </p:sp>
+    </p:spTree>
+    <p:extLst>
+      <p:ext uri="{BB962C8B-B14F-4D97-AF65-F5344CB8AC3E}">
+        <p14:creationId xmlns:p14="http://schemas.microsoft.com/office/powerpoint/2010/main" val="3516333073"/>
+      </p:ext>
+    </p:extLst>
+  </p:cSld>
+  <p:clrMapOvr>
+    <a:masterClrMapping/>
+  </p:clrMapOvr>
+  <mc:AlternateContent xmlns:mc="http://schemas.openxmlformats.org/markup-compatibility/2006" xmlns:p14="http://schemas.microsoft.com/office/powerpoint/2010/main">
+    <mc:Choice Requires="p14">
+      <p:transition spd="slow" p14:dur="2000"/>
+    </mc:Choice>
+    <mc:Fallback xmlns="">
+      <p:transition spd="slow"/>
+    </mc:Fallback>
+  </mc:AlternateContent>
+  <p:timing>
+    <p:tnLst>
+      <p:par>
+        <p:cTn id="1" dur="indefinite" restart="never" nodeType="tmRoot"/>
+      </p:par>
+    </p:tnLst>
+  </p:timing>
+</p:sld>
+</file>
+
+<file path=ppt/slides/slide4.xml><?xml version="1.0" encoding="utf-8"?>
+<p:sld xmlns:a="http://schemas.openxmlformats.org/drawingml/2006/main" xmlns:r="http://schemas.openxmlformats.org/officeDocument/2006/relationships" xmlns:p="http://schemas.openxmlformats.org/presentationml/2006/main">
+  <p:cSld>
+    <p:spTree>
+      <p:nvGrpSpPr>
+        <p:cNvPr id="1" name=""/>
+        <p:cNvGrpSpPr/>
+        <p:nvPr/>
+      </p:nvGrpSpPr>
+      <p:grpSpPr>
+        <a:xfrm>
+          <a:off x="0" y="0"/>
+          <a:ext cx="0" cy="0"/>
+          <a:chOff x="0" y="0"/>
+          <a:chExt cx="0" cy="0"/>
+        </a:xfrm>
+      </p:grpSpPr>
+      <p:sp>
+        <p:nvSpPr>
+          <p:cNvPr id="2" name="CasellaDiTesto 1"/>
+          <p:cNvSpPr txBox="1"/>
+          <p:nvPr/>
+        </p:nvSpPr>
+        <p:spPr>
+          <a:xfrm>
+            <a:off x="2313062" y="660807"/>
+            <a:ext cx="4392488" cy="646331"/>
+          </a:xfrm>
+          <a:prstGeom prst="rect">
+            <a:avLst/>
+          </a:prstGeom>
+          <a:noFill/>
+        </p:spPr>
+        <p:txBody>
+          <a:bodyPr wrap="square" rtlCol="0">
+            <a:spAutoFit/>
+          </a:bodyPr>
+          <a:lstStyle/>
+          <a:p>
+            <a:pPr algn="ctr"/>
+            <a:r>
+              <a:rPr lang="it-IT" sz="3600" b="1" dirty="0" smtClean="0">
+                <a:solidFill>
+                  <a:srgbClr val="000000"/>
+                </a:solidFill>
+              </a:rPr>
+              <a:t>Genitore</a:t>
+            </a:r>
+          </a:p>
+        </p:txBody>
+      </p:sp>
+      <p:pic>
+        <p:nvPicPr>
+          <p:cNvPr id="4" name="Picture 2" descr="C:\Users\Marko\Desktop\genitori-1.jpg"/>
+          <p:cNvPicPr>
+            <a:picLocks noChangeAspect="1" noChangeArrowheads="1"/>
+          </p:cNvPicPr>
+          <p:nvPr/>
+        </p:nvPicPr>
+        <p:blipFill>
+          <a:blip r:embed="rId2">
+            <a:extLst>
+              <a:ext uri="{28A0092B-C50C-407E-A947-70E740481C1C}">
+                <a14:useLocalDpi xmlns:a14="http://schemas.microsoft.com/office/drawing/2010/main" val="0"/>
+              </a:ext>
+            </a:extLst>
+          </a:blip>
+          <a:srcRect/>
+          <a:stretch>
+            <a:fillRect/>
+          </a:stretch>
+        </p:blipFill>
+        <p:spPr bwMode="auto">
+          <a:xfrm>
+            <a:off x="5567999" y="3068962"/>
+            <a:ext cx="3576001" cy="3702126"/>
+          </a:xfrm>
+          <a:prstGeom prst="rect">
+            <a:avLst/>
+          </a:prstGeom>
+          <a:noFill/>
+          <a:extLst>
+            <a:ext uri="{909E8E84-426E-40DD-AFC4-6F175D3DCCD1}">
+              <a14:hiddenFill xmlns:a14="http://schemas.microsoft.com/office/drawing/2010/main">
+                <a:solidFill>
+                  <a:srgbClr val="FFFFFF"/>
+                </a:solidFill>
+              </a14:hiddenFill>
+            </a:ext>
+          </a:extLst>
+        </p:spPr>
+      </p:pic>
+      <p:sp>
+        <p:nvSpPr>
+          <p:cNvPr id="5" name="CasellaDiTesto 4"/>
+          <p:cNvSpPr txBox="1"/>
+          <p:nvPr/>
+        </p:nvSpPr>
+        <p:spPr>
+          <a:xfrm>
+            <a:off x="406996" y="1628800"/>
+            <a:ext cx="5328592" cy="2215991"/>
+          </a:xfrm>
+          <a:prstGeom prst="rect">
+            <a:avLst/>
+          </a:prstGeom>
+          <a:noFill/>
+        </p:spPr>
+        <p:txBody>
+          <a:bodyPr wrap="square" rtlCol="0">
+            <a:spAutoFit/>
+          </a:bodyPr>
+          <a:lstStyle/>
+          <a:p>
+            <a:endParaRPr lang="it-IT" sz="2400" dirty="0" smtClean="0"/>
+          </a:p>
+          <a:p>
+            <a:pPr marL="285750" indent="-285750">
+              <a:buFont typeface="Arial" pitchFamily="34" charset="0"/>
+              <a:buChar char="•"/>
+            </a:pPr>
+            <a:r>
+              <a:rPr lang="it-IT" sz="2400" dirty="0" smtClean="0"/>
+              <a:t>Visualizzare lo storico dei pagamenti</a:t>
+            </a:r>
+          </a:p>
+          <a:p>
+            <a:pPr marL="285750" indent="-285750">
+              <a:buFont typeface="Arial" pitchFamily="34" charset="0"/>
+              <a:buChar char="•"/>
+            </a:pPr>
+            <a:r>
+              <a:rPr lang="it-IT" sz="2400" dirty="0" smtClean="0"/>
+              <a:t>Visualizzare la fattura mensile</a:t>
+            </a:r>
+          </a:p>
+          <a:p>
+            <a:pPr marL="285750" indent="-285750">
+              <a:buFont typeface="Arial" pitchFamily="34" charset="0"/>
+              <a:buChar char="•"/>
+            </a:pPr>
+            <a:endParaRPr lang="it-IT" sz="2400" dirty="0" smtClean="0"/>
+          </a:p>
+          <a:p>
+            <a:pPr marL="285750" indent="-285750">
+              <a:buFont typeface="Arial" pitchFamily="34" charset="0"/>
+              <a:buChar char="•"/>
+            </a:pPr>
+            <a:endParaRPr lang="it-IT" sz="2400" dirty="0" smtClean="0"/>
+          </a:p>
+          <a:p>
+            <a:endParaRPr lang="it-IT" dirty="0"/>
+          </a:p>
+        </p:txBody>
+      </p:sp>
+    </p:spTree>
+    <p:extLst>
+      <p:ext uri="{BB962C8B-B14F-4D97-AF65-F5344CB8AC3E}">
+        <p14:creationId xmlns:p14="http://schemas.microsoft.com/office/powerpoint/2010/main" val="576094641"/>
+      </p:ext>
+    </p:extLst>
+  </p:cSld>
+  <p:clrMapOvr>
+    <a:masterClrMapping/>
+  </p:clrMapOvr>
+  <mc:AlternateContent xmlns:mc="http://schemas.openxmlformats.org/markup-compatibility/2006" xmlns:p14="http://schemas.microsoft.com/office/powerpoint/2010/main">
+    <mc:Choice Requires="p14">
+      <p:transition spd="slow" p14:dur="2000"/>
+    </mc:Choice>
+    <mc:Fallback xmlns="">
+      <p:transition spd="slow"/>
+    </mc:Fallback>
+  </mc:AlternateContent>
+  <p:timing>
+    <p:tnLst>
+      <p:par>
+        <p:cTn id="1" dur="indefinite" restart="never" nodeType="tmRoot"/>
+      </p:par>
+    </p:tnLst>
+  </p:timing>
+</p:sld>
+</file>
+
+<file path=ppt/slides/slide5.xml><?xml version="1.0" encoding="utf-8"?>
 <p:sld xmlns:a="http://schemas.openxmlformats.org/drawingml/2006/main" xmlns:r="http://schemas.openxmlformats.org/officeDocument/2006/relationships" xmlns:p="http://schemas.openxmlformats.org/presentationml/2006/main">
   <p:cSld>
     <p:spTree>
@@ -6680,7 +7148,7 @@
 </p:sld>
 </file>
 
-<file path=ppt/slides/slide3.xml><?xml version="1.0" encoding="utf-8"?>
+<file path=ppt/slides/slide6.xml><?xml version="1.0" encoding="utf-8"?>
 <p:sld xmlns:a="http://schemas.openxmlformats.org/drawingml/2006/main" xmlns:r="http://schemas.openxmlformats.org/officeDocument/2006/relationships" xmlns:p="http://schemas.openxmlformats.org/presentationml/2006/main">
   <p:cSld>
     <p:spTree>
@@ -7413,7 +7881,7 @@
 </p:sld>
 </file>
 
-<file path=ppt/slides/slide4.xml><?xml version="1.0" encoding="utf-8"?>
+<file path=ppt/slides/slide7.xml><?xml version="1.0" encoding="utf-8"?>
 <p:sld xmlns:a="http://schemas.openxmlformats.org/drawingml/2006/main" xmlns:r="http://schemas.openxmlformats.org/officeDocument/2006/relationships" xmlns:p="http://schemas.openxmlformats.org/presentationml/2006/main">
   <p:cSld>
     <p:spTree>
@@ -7535,7 +8003,7 @@
 </p:sld>
 </file>
 
-<file path=ppt/slides/slide5.xml><?xml version="1.0" encoding="utf-8"?>
+<file path=ppt/slides/slide8.xml><?xml version="1.0" encoding="utf-8"?>
 <p:sld xmlns:a="http://schemas.openxmlformats.org/drawingml/2006/main" xmlns:r="http://schemas.openxmlformats.org/officeDocument/2006/relationships" xmlns:p="http://schemas.openxmlformats.org/presentationml/2006/main">
   <p:cSld>
     <p:spTree>
@@ -7808,15 +8276,7 @@
                   <a:srgbClr val="000000"/>
                 </a:solidFill>
               </a:rPr>
-              <a:t>Cauzione non </a:t>
-            </a:r>
-            <a:r>
-              <a:rPr lang="it-IT" dirty="0" smtClean="0">
-                <a:solidFill>
-                  <a:srgbClr val="000000"/>
-                </a:solidFill>
-              </a:rPr>
-              <a:t>presente sul bando e abbiamo deciso di non occuparcene</a:t>
+              <a:t>Cauzione non presente sul bando e abbiamo deciso di non occuparcene</a:t>
             </a:r>
           </a:p>
           <a:p>
@@ -7899,7 +8359,7 @@
 </p:sld>
 </file>
 
-<file path=ppt/slides/slide6.xml><?xml version="1.0" encoding="utf-8"?>
+<file path=ppt/slides/slide9.xml><?xml version="1.0" encoding="utf-8"?>
 <p:sld xmlns:a="http://schemas.openxmlformats.org/drawingml/2006/main" xmlns:r="http://schemas.openxmlformats.org/officeDocument/2006/relationships" xmlns:p="http://schemas.openxmlformats.org/presentationml/2006/main">
   <p:cSld>
     <p:spTree>
@@ -8011,486 +8471,6 @@
   <p:clrMapOvr>
     <a:masterClrMapping/>
   </p:clrMapOvr>
-  <p:timing>
-    <p:tnLst>
-      <p:par>
-        <p:cTn id="1" dur="indefinite" restart="never" nodeType="tmRoot"/>
-      </p:par>
-    </p:tnLst>
-  </p:timing>
-</p:sld>
-</file>
-
-<file path=ppt/slides/slide7.xml><?xml version="1.0" encoding="utf-8"?>
-<p:sld xmlns:a="http://schemas.openxmlformats.org/drawingml/2006/main" xmlns:r="http://schemas.openxmlformats.org/officeDocument/2006/relationships" xmlns:p="http://schemas.openxmlformats.org/presentationml/2006/main">
-  <p:cSld>
-    <p:spTree>
-      <p:nvGrpSpPr>
-        <p:cNvPr id="1" name=""/>
-        <p:cNvGrpSpPr/>
-        <p:nvPr/>
-      </p:nvGrpSpPr>
-      <p:grpSpPr>
-        <a:xfrm>
-          <a:off x="0" y="0"/>
-          <a:ext cx="0" cy="0"/>
-          <a:chOff x="0" y="0"/>
-          <a:chExt cx="0" cy="0"/>
-        </a:xfrm>
-      </p:grpSpPr>
-      <p:sp>
-        <p:nvSpPr>
-          <p:cNvPr id="3" name="CasellaDiTesto 2"/>
-          <p:cNvSpPr txBox="1"/>
-          <p:nvPr/>
-        </p:nvSpPr>
-        <p:spPr>
-          <a:xfrm>
-            <a:off x="250424" y="1343090"/>
-            <a:ext cx="5648201" cy="861774"/>
-          </a:xfrm>
-          <a:prstGeom prst="rect">
-            <a:avLst/>
-          </a:prstGeom>
-          <a:noFill/>
-        </p:spPr>
-        <p:txBody>
-          <a:bodyPr wrap="square" rtlCol="0">
-            <a:spAutoFit/>
-          </a:bodyPr>
-          <a:lstStyle/>
-          <a:p>
-            <a:r>
-              <a:rPr lang="it-IT" sz="3200" b="1" dirty="0">
-                <a:latin typeface="+mj-lt"/>
-              </a:rPr>
-              <a:t> </a:t>
-            </a:r>
-            <a:r>
-              <a:rPr lang="it-IT" sz="3200" b="1" dirty="0" smtClean="0">
-                <a:latin typeface="+mj-lt"/>
-              </a:rPr>
-              <a:t>Procediamo??    No!</a:t>
-            </a:r>
-          </a:p>
-          <a:p>
-            <a:endParaRPr lang="it-IT" dirty="0">
-              <a:latin typeface="+mj-lt"/>
-            </a:endParaRPr>
-          </a:p>
-        </p:txBody>
-      </p:sp>
-      <p:pic>
-        <p:nvPicPr>
-          <p:cNvPr id="2050" name="Picture 2" descr="C:\Users\Marko\Desktop\man-with-stop-sign-04.png"/>
-          <p:cNvPicPr>
-            <a:picLocks noChangeAspect="1" noChangeArrowheads="1"/>
-          </p:cNvPicPr>
-          <p:nvPr/>
-        </p:nvPicPr>
-        <p:blipFill>
-          <a:blip r:embed="rId3" cstate="print">
-            <a:extLst>
-              <a:ext uri="{28A0092B-C50C-407E-A947-70E740481C1C}">
-                <a14:useLocalDpi xmlns:a14="http://schemas.microsoft.com/office/drawing/2010/main" val="0"/>
-              </a:ext>
-            </a:extLst>
-          </a:blip>
-          <a:srcRect/>
-          <a:stretch>
-            <a:fillRect/>
-          </a:stretch>
-        </p:blipFill>
-        <p:spPr bwMode="auto">
-          <a:xfrm>
-            <a:off x="6084168" y="836712"/>
-            <a:ext cx="2592288" cy="2592288"/>
-          </a:xfrm>
-          <a:prstGeom prst="rect">
-            <a:avLst/>
-          </a:prstGeom>
-          <a:noFill/>
-          <a:extLst>
-            <a:ext uri="{909E8E84-426E-40DD-AFC4-6F175D3DCCD1}">
-              <a14:hiddenFill xmlns:a14="http://schemas.microsoft.com/office/drawing/2010/main">
-                <a:solidFill>
-                  <a:srgbClr val="FFFFFF"/>
-                </a:solidFill>
-              </a14:hiddenFill>
-            </a:ext>
-          </a:extLst>
-        </p:spPr>
-      </p:pic>
-      <p:sp>
-        <p:nvSpPr>
-          <p:cNvPr id="4" name="CasellaDiTesto 3"/>
-          <p:cNvSpPr txBox="1"/>
-          <p:nvPr/>
-        </p:nvSpPr>
-        <p:spPr>
-          <a:xfrm>
-            <a:off x="250424" y="3284984"/>
-            <a:ext cx="8426031" cy="1323439"/>
-          </a:xfrm>
-          <a:prstGeom prst="rect">
-            <a:avLst/>
-          </a:prstGeom>
-          <a:noFill/>
-        </p:spPr>
-        <p:txBody>
-          <a:bodyPr wrap="square" rtlCol="0">
-            <a:spAutoFit/>
-          </a:bodyPr>
-          <a:lstStyle/>
-          <a:p>
-            <a:r>
-              <a:rPr lang="it-IT" sz="3200" b="1" dirty="0" smtClean="0"/>
-              <a:t>C’è un’ultima revisione da fare:</a:t>
-            </a:r>
-            <a:endParaRPr lang="it-IT" sz="3200" b="1" dirty="0"/>
-          </a:p>
-          <a:p>
-            <a:endParaRPr lang="it-IT" sz="2400" dirty="0" smtClean="0"/>
-          </a:p>
-          <a:p>
-            <a:r>
-              <a:rPr lang="it-IT" sz="2400" dirty="0" smtClean="0"/>
-              <a:t>rimozione di promemoria fattura e promemoria pagamento </a:t>
-            </a:r>
-          </a:p>
-        </p:txBody>
-      </p:sp>
-    </p:spTree>
-    <p:extLst>
-      <p:ext uri="{BB962C8B-B14F-4D97-AF65-F5344CB8AC3E}">
-        <p14:creationId xmlns:p14="http://schemas.microsoft.com/office/powerpoint/2010/main" val="3719780262"/>
-      </p:ext>
-    </p:extLst>
-  </p:cSld>
-  <p:clrMapOvr>
-    <a:masterClrMapping/>
-  </p:clrMapOvr>
-  <p:timing>
-    <p:tnLst>
-      <p:par>
-        <p:cTn id="1" dur="indefinite" restart="never" nodeType="tmRoot"/>
-      </p:par>
-    </p:tnLst>
-  </p:timing>
-</p:sld>
-</file>
-
-<file path=ppt/slides/slide8.xml><?xml version="1.0" encoding="utf-8"?>
-<p:sld xmlns:a="http://schemas.openxmlformats.org/drawingml/2006/main" xmlns:r="http://schemas.openxmlformats.org/officeDocument/2006/relationships" xmlns:p="http://schemas.openxmlformats.org/presentationml/2006/main">
-  <p:cSld>
-    <p:spTree>
-      <p:nvGrpSpPr>
-        <p:cNvPr id="1" name=""/>
-        <p:cNvGrpSpPr/>
-        <p:nvPr/>
-      </p:nvGrpSpPr>
-      <p:grpSpPr>
-        <a:xfrm>
-          <a:off x="0" y="0"/>
-          <a:ext cx="0" cy="0"/>
-          <a:chOff x="0" y="0"/>
-          <a:chExt cx="0" cy="0"/>
-        </a:xfrm>
-      </p:grpSpPr>
-      <p:sp>
-        <p:nvSpPr>
-          <p:cNvPr id="3" name="CasellaDiTesto 2"/>
-          <p:cNvSpPr txBox="1"/>
-          <p:nvPr/>
-        </p:nvSpPr>
-        <p:spPr>
-          <a:xfrm>
-            <a:off x="2760543" y="471869"/>
-            <a:ext cx="3937873" cy="1077218"/>
-          </a:xfrm>
-          <a:prstGeom prst="rect">
-            <a:avLst/>
-          </a:prstGeom>
-          <a:noFill/>
-        </p:spPr>
-        <p:txBody>
-          <a:bodyPr wrap="none" rtlCol="0">
-            <a:spAutoFit/>
-          </a:bodyPr>
-          <a:lstStyle/>
-          <a:p>
-            <a:pPr algn="ctr"/>
-            <a:r>
-              <a:rPr lang="it-IT" sz="3200" b="1" dirty="0">
-                <a:latin typeface="+mj-lt"/>
-              </a:rPr>
-              <a:t> </a:t>
-            </a:r>
-            <a:r>
-              <a:rPr lang="it-IT" sz="3200" b="1" dirty="0" smtClean="0">
-                <a:latin typeface="+mj-lt"/>
-              </a:rPr>
-              <a:t>Use Case Diagram 4.0</a:t>
-            </a:r>
-          </a:p>
-          <a:p>
-            <a:pPr algn="ctr"/>
-            <a:endParaRPr lang="it-IT" sz="3200" dirty="0">
-              <a:latin typeface="+mj-lt"/>
-            </a:endParaRPr>
-          </a:p>
-        </p:txBody>
-      </p:sp>
-      <p:pic>
-        <p:nvPicPr>
-          <p:cNvPr id="2050" name="Picture 2" descr="C:\Users\Marko\Desktop\UCD_Pagamenti%20(2).png"/>
-          <p:cNvPicPr>
-            <a:picLocks noChangeAspect="1" noChangeArrowheads="1"/>
-          </p:cNvPicPr>
-          <p:nvPr/>
-        </p:nvPicPr>
-        <p:blipFill>
-          <a:blip r:embed="rId3" cstate="print">
-            <a:extLst>
-              <a:ext uri="{28A0092B-C50C-407E-A947-70E740481C1C}">
-                <a14:useLocalDpi xmlns:a14="http://schemas.microsoft.com/office/drawing/2010/main" val="0"/>
-              </a:ext>
-            </a:extLst>
-          </a:blip>
-          <a:srcRect/>
-          <a:stretch>
-            <a:fillRect/>
-          </a:stretch>
-        </p:blipFill>
-        <p:spPr bwMode="auto">
-          <a:xfrm>
-            <a:off x="795968" y="1559909"/>
-            <a:ext cx="7524750" cy="4953000"/>
-          </a:xfrm>
-          <a:prstGeom prst="rect">
-            <a:avLst/>
-          </a:prstGeom>
-          <a:noFill/>
-          <a:extLst>
-            <a:ext uri="{909E8E84-426E-40DD-AFC4-6F175D3DCCD1}">
-              <a14:hiddenFill xmlns:a14="http://schemas.microsoft.com/office/drawing/2010/main">
-                <a:solidFill>
-                  <a:srgbClr val="FFFFFF"/>
-                </a:solidFill>
-              </a14:hiddenFill>
-            </a:ext>
-          </a:extLst>
-        </p:spPr>
-      </p:pic>
-    </p:spTree>
-    <p:extLst>
-      <p:ext uri="{BB962C8B-B14F-4D97-AF65-F5344CB8AC3E}">
-        <p14:creationId xmlns:p14="http://schemas.microsoft.com/office/powerpoint/2010/main" val="3701313841"/>
-      </p:ext>
-    </p:extLst>
-  </p:cSld>
-  <p:clrMapOvr>
-    <a:masterClrMapping/>
-  </p:clrMapOvr>
-  <p:timing>
-    <p:tnLst>
-      <p:par>
-        <p:cTn id="1" dur="indefinite" restart="never" nodeType="tmRoot"/>
-      </p:par>
-    </p:tnLst>
-  </p:timing>
-</p:sld>
-</file>
-
-<file path=ppt/slides/slide9.xml><?xml version="1.0" encoding="utf-8"?>
-<p:sld xmlns:a="http://schemas.openxmlformats.org/drawingml/2006/main" xmlns:r="http://schemas.openxmlformats.org/officeDocument/2006/relationships" xmlns:p="http://schemas.openxmlformats.org/presentationml/2006/main">
-  <p:cSld>
-    <p:spTree>
-      <p:nvGrpSpPr>
-        <p:cNvPr id="1" name=""/>
-        <p:cNvGrpSpPr/>
-        <p:nvPr/>
-      </p:nvGrpSpPr>
-      <p:grpSpPr>
-        <a:xfrm>
-          <a:off x="0" y="0"/>
-          <a:ext cx="0" cy="0"/>
-          <a:chOff x="0" y="0"/>
-          <a:chExt cx="0" cy="0"/>
-        </a:xfrm>
-      </p:grpSpPr>
-      <p:sp>
-        <p:nvSpPr>
-          <p:cNvPr id="2" name="CasellaDiTesto 1"/>
-          <p:cNvSpPr txBox="1"/>
-          <p:nvPr/>
-        </p:nvSpPr>
-        <p:spPr>
-          <a:xfrm>
-            <a:off x="2339752" y="692696"/>
-            <a:ext cx="4392488" cy="646331"/>
-          </a:xfrm>
-          <a:prstGeom prst="rect">
-            <a:avLst/>
-          </a:prstGeom>
-          <a:noFill/>
-        </p:spPr>
-        <p:txBody>
-          <a:bodyPr wrap="square" rtlCol="0">
-            <a:spAutoFit/>
-          </a:bodyPr>
-          <a:lstStyle/>
-          <a:p>
-            <a:pPr algn="ctr"/>
-            <a:r>
-              <a:rPr lang="it-IT" sz="3600" b="1" dirty="0" smtClean="0">
-                <a:solidFill>
-                  <a:srgbClr val="000000"/>
-                </a:solidFill>
-              </a:rPr>
-              <a:t>Impiegato Asilo</a:t>
-            </a:r>
-          </a:p>
-        </p:txBody>
-      </p:sp>
-      <p:pic>
-        <p:nvPicPr>
-          <p:cNvPr id="1026" name="Picture 2" descr="C:\Users\Marko\Desktop\278940263_fb1f4f5100_o.jpg"/>
-          <p:cNvPicPr>
-            <a:picLocks noChangeAspect="1" noChangeArrowheads="1"/>
-          </p:cNvPicPr>
-          <p:nvPr/>
-        </p:nvPicPr>
-        <p:blipFill>
-          <a:blip r:embed="rId2">
-            <a:extLst>
-              <a:ext uri="{28A0092B-C50C-407E-A947-70E740481C1C}">
-                <a14:useLocalDpi xmlns:a14="http://schemas.microsoft.com/office/drawing/2010/main" val="0"/>
-              </a:ext>
-            </a:extLst>
-          </a:blip>
-          <a:srcRect/>
-          <a:stretch>
-            <a:fillRect/>
-          </a:stretch>
-        </p:blipFill>
-        <p:spPr bwMode="auto">
-          <a:xfrm>
-            <a:off x="5567999" y="3068961"/>
-            <a:ext cx="3576001" cy="3603368"/>
-          </a:xfrm>
-          <a:prstGeom prst="rect">
-            <a:avLst/>
-          </a:prstGeom>
-          <a:noFill/>
-          <a:extLst>
-            <a:ext uri="{909E8E84-426E-40DD-AFC4-6F175D3DCCD1}">
-              <a14:hiddenFill xmlns:a14="http://schemas.microsoft.com/office/drawing/2010/main">
-                <a:solidFill>
-                  <a:srgbClr val="FFFFFF"/>
-                </a:solidFill>
-              </a14:hiddenFill>
-            </a:ext>
-          </a:extLst>
-        </p:spPr>
-      </p:pic>
-      <p:sp>
-        <p:nvSpPr>
-          <p:cNvPr id="5" name="CasellaDiTesto 4"/>
-          <p:cNvSpPr txBox="1"/>
-          <p:nvPr/>
-        </p:nvSpPr>
-        <p:spPr>
-          <a:xfrm>
-            <a:off x="406996" y="1628800"/>
-            <a:ext cx="5328592" cy="4431983"/>
-          </a:xfrm>
-          <a:prstGeom prst="rect">
-            <a:avLst/>
-          </a:prstGeom>
-          <a:noFill/>
-        </p:spPr>
-        <p:txBody>
-          <a:bodyPr wrap="square" rtlCol="0">
-            <a:spAutoFit/>
-          </a:bodyPr>
-          <a:lstStyle/>
-          <a:p>
-            <a:endParaRPr lang="it-IT" sz="2400" dirty="0" smtClean="0"/>
-          </a:p>
-          <a:p>
-            <a:pPr marL="285750" indent="-285750">
-              <a:buFont typeface="Arial" pitchFamily="34" charset="0"/>
-              <a:buChar char="•"/>
-            </a:pPr>
-            <a:r>
-              <a:rPr lang="it-IT" sz="2400" dirty="0" smtClean="0"/>
-              <a:t>Visualizzare lo stato dei pagamenti di tutti gli iscritti </a:t>
-            </a:r>
-          </a:p>
-          <a:p>
-            <a:pPr marL="285750" indent="-285750">
-              <a:buFont typeface="Arial" pitchFamily="34" charset="0"/>
-              <a:buChar char="•"/>
-            </a:pPr>
-            <a:r>
-              <a:rPr lang="it-IT" sz="2400" dirty="0" smtClean="0"/>
-              <a:t>Possibilità di fatturare i pagamenti mensili</a:t>
-            </a:r>
-          </a:p>
-          <a:p>
-            <a:pPr marL="285750" indent="-285750">
-              <a:buFont typeface="Arial" pitchFamily="34" charset="0"/>
-              <a:buChar char="•"/>
-            </a:pPr>
-            <a:r>
-              <a:rPr lang="it-IT" sz="2400" dirty="0" smtClean="0"/>
-              <a:t>Automatizzare la gestione delle rette per il servizio e permettere la personalizzazione delle rette</a:t>
-            </a:r>
-          </a:p>
-          <a:p>
-            <a:pPr marL="285750" indent="-285750">
-              <a:buFont typeface="Arial" pitchFamily="34" charset="0"/>
-              <a:buChar char="•"/>
-            </a:pPr>
-            <a:r>
-              <a:rPr lang="it-IT" sz="2400" dirty="0" smtClean="0"/>
-              <a:t>Possibilità di modificare manualmente la registrazione di un pagamento</a:t>
-            </a:r>
-          </a:p>
-          <a:p>
-            <a:pPr marL="285750" indent="-285750">
-              <a:buFont typeface="Arial" pitchFamily="34" charset="0"/>
-              <a:buChar char="•"/>
-            </a:pPr>
-            <a:r>
-              <a:rPr lang="it-IT" sz="2400" dirty="0" smtClean="0"/>
-              <a:t>Inviare email di promemoria</a:t>
-            </a:r>
-          </a:p>
-          <a:p>
-            <a:endParaRPr lang="it-IT" dirty="0"/>
-          </a:p>
-        </p:txBody>
-      </p:sp>
-    </p:spTree>
-    <p:extLst>
-      <p:ext uri="{BB962C8B-B14F-4D97-AF65-F5344CB8AC3E}">
-        <p14:creationId xmlns:p14="http://schemas.microsoft.com/office/powerpoint/2010/main" val="3516333073"/>
-      </p:ext>
-    </p:extLst>
-  </p:cSld>
-  <p:clrMapOvr>
-    <a:masterClrMapping/>
-  </p:clrMapOvr>
-  <mc:AlternateContent xmlns:mc="http://schemas.openxmlformats.org/markup-compatibility/2006" xmlns:p14="http://schemas.microsoft.com/office/powerpoint/2010/main">
-    <mc:Choice Requires="p14">
-      <p:transition spd="slow" p14:dur="2000"/>
-    </mc:Choice>
-    <mc:Fallback xmlns="">
-      <p:transition spd="slow"/>
-    </mc:Fallback>
-  </mc:AlternateContent>
   <p:timing>
     <p:tnLst>
       <p:par>

--- a/Presentazione/Atsilo2/Parisi/Atsilo_M_Parisi.pptx
+++ b/Presentazione/Atsilo2/Parisi/Atsilo_M_Parisi.pptx
@@ -5,22 +5,24 @@
     <p:sldMasterId id="2147483684" r:id="rId1"/>
   </p:sldMasterIdLst>
   <p:notesMasterIdLst>
-    <p:notesMasterId r:id="rId15"/>
+    <p:notesMasterId r:id="rId17"/>
   </p:notesMasterIdLst>
   <p:sldIdLst>
     <p:sldId id="256" r:id="rId2"/>
     <p:sldId id="277" r:id="rId3"/>
-    <p:sldId id="273" r:id="rId4"/>
-    <p:sldId id="276" r:id="rId5"/>
-    <p:sldId id="269" r:id="rId6"/>
-    <p:sldId id="266" r:id="rId7"/>
-    <p:sldId id="263" r:id="rId8"/>
-    <p:sldId id="275" r:id="rId9"/>
-    <p:sldId id="270" r:id="rId10"/>
-    <p:sldId id="274" r:id="rId11"/>
+    <p:sldId id="278" r:id="rId4"/>
+    <p:sldId id="273" r:id="rId5"/>
+    <p:sldId id="276" r:id="rId6"/>
+    <p:sldId id="269" r:id="rId7"/>
+    <p:sldId id="266" r:id="rId8"/>
+    <p:sldId id="263" r:id="rId9"/>
+    <p:sldId id="275" r:id="rId10"/>
+    <p:sldId id="270" r:id="rId11"/>
     <p:sldId id="262" r:id="rId12"/>
     <p:sldId id="261" r:id="rId13"/>
     <p:sldId id="260" r:id="rId14"/>
+    <p:sldId id="279" r:id="rId15"/>
+    <p:sldId id="280" r:id="rId16"/>
   </p:sldIdLst>
   <p:sldSz cx="9144000" cy="6858000" type="screen4x3"/>
   <p:notesSz cx="6858000" cy="9144000"/>
@@ -124,7 +126,7 @@
 
 <file path=ppt/commentAuthors.xml><?xml version="1.0" encoding="utf-8"?>
 <p:cmAuthorLst xmlns:a="http://schemas.openxmlformats.org/drawingml/2006/main" xmlns:r="http://schemas.openxmlformats.org/officeDocument/2006/relationships" xmlns:p="http://schemas.openxmlformats.org/presentationml/2006/main">
-  <p:cmAuthor id="0" name="Giulio" initials="GF" lastIdx="7" clrIdx="0"/>
+  <p:cmAuthor id="0" name="Giulio" initials="GF" lastIdx="9" clrIdx="0"/>
   <p:cmAuthor id="1" name="Marko" initials="M" lastIdx="0" clrIdx="1"/>
 </p:cmAuthorLst>
 </file>
@@ -144,10 +146,6 @@
     <p:pos x="-2" y="22"/>
     <p:text>O scrivi Problem e Solution
 o Problema e Soluzione</p:text>
-  </p:cm>
-  <p:cm authorId="0" dt="2012-12-30T15:26:57.375" idx="3">
-    <p:pos x="4150" y="3018"/>
-    <p:text>che è st'asterisco?</p:text>
   </p:cm>
 </p:cmLst>
 </file>
@@ -607,6 +605,216 @@
 </p:notes>
 </file>
 
+<file path=ppt/notesSlides/notesSlide10.xml><?xml version="1.0" encoding="utf-8"?>
+<p:notes xmlns:a="http://schemas.openxmlformats.org/drawingml/2006/main" xmlns:r="http://schemas.openxmlformats.org/officeDocument/2006/relationships" xmlns:p="http://schemas.openxmlformats.org/presentationml/2006/main">
+  <p:cSld>
+    <p:spTree>
+      <p:nvGrpSpPr>
+        <p:cNvPr id="1" name=""/>
+        <p:cNvGrpSpPr/>
+        <p:nvPr/>
+      </p:nvGrpSpPr>
+      <p:grpSpPr>
+        <a:xfrm>
+          <a:off x="0" y="0"/>
+          <a:ext cx="0" cy="0"/>
+          <a:chOff x="0" y="0"/>
+          <a:chExt cx="0" cy="0"/>
+        </a:xfrm>
+      </p:grpSpPr>
+      <p:sp>
+        <p:nvSpPr>
+          <p:cNvPr id="2" name="Segnaposto immagine diapositiva 1"/>
+          <p:cNvSpPr>
+            <a:spLocks noGrp="1" noRot="1" noChangeAspect="1"/>
+          </p:cNvSpPr>
+          <p:nvPr>
+            <p:ph type="sldImg"/>
+          </p:nvPr>
+        </p:nvSpPr>
+        <p:spPr/>
+      </p:sp>
+      <p:sp>
+        <p:nvSpPr>
+          <p:cNvPr id="3" name="Segnaposto note 2"/>
+          <p:cNvSpPr>
+            <a:spLocks noGrp="1"/>
+          </p:cNvSpPr>
+          <p:nvPr>
+            <p:ph type="body" idx="1"/>
+          </p:nvPr>
+        </p:nvSpPr>
+        <p:spPr/>
+        <p:txBody>
+          <a:bodyPr/>
+          <a:lstStyle/>
+          <a:p>
+            <a:pPr marL="0" marR="0" indent="0" algn="l" defTabSz="914400" rtl="0" eaLnBrk="1" fontAlgn="auto" latinLnBrk="0" hangingPunct="1">
+              <a:lnSpc>
+                <a:spcPct val="100000"/>
+              </a:lnSpc>
+              <a:spcBef>
+                <a:spcPts val="0"/>
+              </a:spcBef>
+              <a:spcAft>
+                <a:spcPts val="0"/>
+              </a:spcAft>
+              <a:buClrTx/>
+              <a:buSzTx/>
+              <a:buFontTx/>
+              <a:buNone/>
+              <a:tabLst/>
+              <a:defRPr/>
+            </a:pPr>
+            <a:endParaRPr lang="it-IT" sz="1200" dirty="0" smtClean="0"/>
+          </a:p>
+          <a:p>
+            <a:endParaRPr lang="it-IT" dirty="0"/>
+          </a:p>
+        </p:txBody>
+      </p:sp>
+      <p:sp>
+        <p:nvSpPr>
+          <p:cNvPr id="4" name="Segnaposto numero diapositiva 3"/>
+          <p:cNvSpPr>
+            <a:spLocks noGrp="1"/>
+          </p:cNvSpPr>
+          <p:nvPr>
+            <p:ph type="sldNum" sz="quarter" idx="10"/>
+          </p:nvPr>
+        </p:nvSpPr>
+        <p:spPr/>
+        <p:txBody>
+          <a:bodyPr/>
+          <a:lstStyle/>
+          <a:p>
+            <a:fld id="{D70604CA-7593-4640-8FA1-5523937B8510}" type="slidenum">
+              <a:rPr lang="it-IT" smtClean="0"/>
+              <a:pPr/>
+              <a:t>14</a:t>
+            </a:fld>
+            <a:endParaRPr lang="it-IT"/>
+          </a:p>
+        </p:txBody>
+      </p:sp>
+    </p:spTree>
+    <p:extLst>
+      <p:ext uri="{BB962C8B-B14F-4D97-AF65-F5344CB8AC3E}">
+        <p14:creationId xmlns:p14="http://schemas.microsoft.com/office/powerpoint/2010/main" val="2716859324"/>
+      </p:ext>
+    </p:extLst>
+  </p:cSld>
+  <p:clrMapOvr>
+    <a:masterClrMapping/>
+  </p:clrMapOvr>
+</p:notes>
+</file>
+
+<file path=ppt/notesSlides/notesSlide11.xml><?xml version="1.0" encoding="utf-8"?>
+<p:notes xmlns:a="http://schemas.openxmlformats.org/drawingml/2006/main" xmlns:r="http://schemas.openxmlformats.org/officeDocument/2006/relationships" xmlns:p="http://schemas.openxmlformats.org/presentationml/2006/main">
+  <p:cSld>
+    <p:spTree>
+      <p:nvGrpSpPr>
+        <p:cNvPr id="1" name=""/>
+        <p:cNvGrpSpPr/>
+        <p:nvPr/>
+      </p:nvGrpSpPr>
+      <p:grpSpPr>
+        <a:xfrm>
+          <a:off x="0" y="0"/>
+          <a:ext cx="0" cy="0"/>
+          <a:chOff x="0" y="0"/>
+          <a:chExt cx="0" cy="0"/>
+        </a:xfrm>
+      </p:grpSpPr>
+      <p:sp>
+        <p:nvSpPr>
+          <p:cNvPr id="2" name="Segnaposto immagine diapositiva 1"/>
+          <p:cNvSpPr>
+            <a:spLocks noGrp="1" noRot="1" noChangeAspect="1"/>
+          </p:cNvSpPr>
+          <p:nvPr>
+            <p:ph type="sldImg"/>
+          </p:nvPr>
+        </p:nvSpPr>
+        <p:spPr/>
+      </p:sp>
+      <p:sp>
+        <p:nvSpPr>
+          <p:cNvPr id="3" name="Segnaposto note 2"/>
+          <p:cNvSpPr>
+            <a:spLocks noGrp="1"/>
+          </p:cNvSpPr>
+          <p:nvPr>
+            <p:ph type="body" idx="1"/>
+          </p:nvPr>
+        </p:nvSpPr>
+        <p:spPr/>
+        <p:txBody>
+          <a:bodyPr/>
+          <a:lstStyle/>
+          <a:p>
+            <a:pPr marL="0" marR="0" indent="0" algn="l" defTabSz="914400" rtl="0" eaLnBrk="1" fontAlgn="auto" latinLnBrk="0" hangingPunct="1">
+              <a:lnSpc>
+                <a:spcPct val="100000"/>
+              </a:lnSpc>
+              <a:spcBef>
+                <a:spcPts val="0"/>
+              </a:spcBef>
+              <a:spcAft>
+                <a:spcPts val="0"/>
+              </a:spcAft>
+              <a:buClrTx/>
+              <a:buSzTx/>
+              <a:buFontTx/>
+              <a:buNone/>
+              <a:tabLst/>
+              <a:defRPr/>
+            </a:pPr>
+            <a:endParaRPr lang="it-IT" sz="1200" dirty="0" smtClean="0"/>
+          </a:p>
+          <a:p>
+            <a:endParaRPr lang="it-IT" dirty="0"/>
+          </a:p>
+        </p:txBody>
+      </p:sp>
+      <p:sp>
+        <p:nvSpPr>
+          <p:cNvPr id="4" name="Segnaposto numero diapositiva 3"/>
+          <p:cNvSpPr>
+            <a:spLocks noGrp="1"/>
+          </p:cNvSpPr>
+          <p:nvPr>
+            <p:ph type="sldNum" sz="quarter" idx="10"/>
+          </p:nvPr>
+        </p:nvSpPr>
+        <p:spPr/>
+        <p:txBody>
+          <a:bodyPr/>
+          <a:lstStyle/>
+          <a:p>
+            <a:fld id="{D70604CA-7593-4640-8FA1-5523937B8510}" type="slidenum">
+              <a:rPr lang="it-IT" smtClean="0"/>
+              <a:pPr/>
+              <a:t>15</a:t>
+            </a:fld>
+            <a:endParaRPr lang="it-IT"/>
+          </a:p>
+        </p:txBody>
+      </p:sp>
+    </p:spTree>
+    <p:extLst>
+      <p:ext uri="{BB962C8B-B14F-4D97-AF65-F5344CB8AC3E}">
+        <p14:creationId xmlns:p14="http://schemas.microsoft.com/office/powerpoint/2010/main" val="2716859324"/>
+      </p:ext>
+    </p:extLst>
+  </p:cSld>
+  <p:clrMapOvr>
+    <a:masterClrMapping/>
+  </p:clrMapOvr>
+</p:notes>
+</file>
+
 <file path=ppt/notesSlides/notesSlide2.xml><?xml version="1.0" encoding="utf-8"?>
 <p:notes xmlns:a="http://schemas.openxmlformats.org/drawingml/2006/main" xmlns:r="http://schemas.openxmlformats.org/officeDocument/2006/relationships" xmlns:p="http://schemas.openxmlformats.org/presentationml/2006/main">
   <p:cSld>
@@ -651,6 +859,14 @@
           <a:bodyPr/>
           <a:lstStyle/>
           <a:p>
+            <a:r>
+              <a:rPr lang="it-IT" dirty="0" smtClean="0"/>
+              <a:t>Come gia accennato da francesco</a:t>
+            </a:r>
+            <a:r>
+              <a:rPr lang="it-IT" baseline="0" dirty="0" smtClean="0"/>
+              <a:t> il nostro team si è occupato della gestione dei pagamenti, dei servizi quali mensa e orario e dei tirocinanti del sistema at-silo io mi occuperò di esporre la gestione dei pagamenti</a:t>
+            </a:r>
             <a:endParaRPr lang="it-IT" dirty="0"/>
           </a:p>
         </p:txBody>
@@ -673,7 +889,7 @@
             <a:fld id="{D70604CA-7593-4640-8FA1-5523937B8510}" type="slidenum">
               <a:rPr lang="it-IT" smtClean="0"/>
               <a:pPr/>
-              <a:t>7</a:t>
+              <a:t>2</a:t>
             </a:fld>
             <a:endParaRPr lang="it-IT"/>
           </a:p>
@@ -682,7 +898,7 @@
     </p:spTree>
     <p:extLst>
       <p:ext uri="{BB962C8B-B14F-4D97-AF65-F5344CB8AC3E}">
-        <p14:creationId xmlns:p14="http://schemas.microsoft.com/office/powerpoint/2010/main" val="1093366611"/>
+        <p14:creationId xmlns:p14="http://schemas.microsoft.com/office/powerpoint/2010/main" val="3122029082"/>
       </p:ext>
     </p:extLst>
   </p:cSld>
@@ -736,20 +952,6 @@
           <a:bodyPr/>
           <a:lstStyle/>
           <a:p>
-            <a:r>
-              <a:rPr lang="it-IT" dirty="0" smtClean="0"/>
-              <a:t>Dire</a:t>
-            </a:r>
-            <a:r>
-              <a:rPr lang="it-IT" baseline="0" dirty="0" smtClean="0"/>
-              <a:t> cosa si intende per gestione degli extra</a:t>
-            </a:r>
-          </a:p>
-          <a:p>
-            <a:r>
-              <a:rPr lang="it-IT" baseline="0" dirty="0" smtClean="0"/>
-              <a:t>il nostro sistema prevede che i genitori possono richiedere variazione sul menù di base sia sull’orario </a:t>
-            </a:r>
             <a:endParaRPr lang="it-IT" dirty="0"/>
           </a:p>
         </p:txBody>
@@ -772,7 +974,7 @@
             <a:fld id="{D70604CA-7593-4640-8FA1-5523937B8510}" type="slidenum">
               <a:rPr lang="it-IT" smtClean="0"/>
               <a:pPr/>
-              <a:t>8</a:t>
+              <a:t>3</a:t>
             </a:fld>
             <a:endParaRPr lang="it-IT"/>
           </a:p>
@@ -781,7 +983,7 @@
     </p:spTree>
     <p:extLst>
       <p:ext uri="{BB962C8B-B14F-4D97-AF65-F5344CB8AC3E}">
-        <p14:creationId xmlns:p14="http://schemas.microsoft.com/office/powerpoint/2010/main" val="968677491"/>
+        <p14:creationId xmlns:p14="http://schemas.microsoft.com/office/powerpoint/2010/main" val="1632684865"/>
       </p:ext>
     </p:extLst>
   </p:cSld>
@@ -857,7 +1059,7 @@
             <a:fld id="{D70604CA-7593-4640-8FA1-5523937B8510}" type="slidenum">
               <a:rPr lang="it-IT" smtClean="0"/>
               <a:pPr/>
-              <a:t>9</a:t>
+              <a:t>8</a:t>
             </a:fld>
             <a:endParaRPr lang="it-IT"/>
           </a:p>
@@ -866,7 +1068,7 @@
     </p:spTree>
     <p:extLst>
       <p:ext uri="{BB962C8B-B14F-4D97-AF65-F5344CB8AC3E}">
-        <p14:creationId xmlns:p14="http://schemas.microsoft.com/office/powerpoint/2010/main" val="1685022444"/>
+        <p14:creationId xmlns:p14="http://schemas.microsoft.com/office/powerpoint/2010/main" val="1093366611"/>
       </p:ext>
     </p:extLst>
   </p:cSld>
@@ -921,16 +1123,18 @@
           <a:lstStyle/>
           <a:p>
             <a:r>
+              <a:rPr lang="it-IT" dirty="0" smtClean="0"/>
+              <a:t>Dire</a:t>
+            </a:r>
+            <a:r>
               <a:rPr lang="it-IT" baseline="0" dirty="0" smtClean="0"/>
-              <a:t>le generalizzazioni i</a:t>
-            </a:r>
-            <a:r>
-              <a:rPr lang="it-IT" dirty="0" smtClean="0"/>
-              <a:t>nvece</a:t>
-            </a:r>
+              <a:t> cosa si intende per gestione degli extra</a:t>
+            </a:r>
+          </a:p>
+          <a:p>
             <a:r>
               <a:rPr lang="it-IT" baseline="0" dirty="0" smtClean="0"/>
-              <a:t> di essere esplicite sono implicite in modo da semplificare il tutto</a:t>
+              <a:t>il nostro sistema prevede che i genitori possono richiedere variazione sul menù di base sia sull’orario </a:t>
             </a:r>
             <a:endParaRPr lang="it-IT" dirty="0"/>
           </a:p>
@@ -954,7 +1158,7 @@
             <a:fld id="{D70604CA-7593-4640-8FA1-5523937B8510}" type="slidenum">
               <a:rPr lang="it-IT" smtClean="0"/>
               <a:pPr/>
-              <a:t>10</a:t>
+              <a:t>9</a:t>
             </a:fld>
             <a:endParaRPr lang="it-IT"/>
           </a:p>
@@ -963,7 +1167,7 @@
     </p:spTree>
     <p:extLst>
       <p:ext uri="{BB962C8B-B14F-4D97-AF65-F5344CB8AC3E}">
-        <p14:creationId xmlns:p14="http://schemas.microsoft.com/office/powerpoint/2010/main" val="2687425361"/>
+        <p14:creationId xmlns:p14="http://schemas.microsoft.com/office/powerpoint/2010/main" val="968677491"/>
       </p:ext>
     </p:extLst>
   </p:cSld>
@@ -1019,7 +1223,11 @@
           <a:p>
             <a:r>
               <a:rPr lang="it-IT" dirty="0" smtClean="0"/>
-              <a:t>Fare una ricapitolazione cosa può fare l’impiegato e cosa può fare il genitore</a:t>
+              <a:t>Promemoria pagamento e promemoria fattura inclusi </a:t>
+            </a:r>
+            <a:r>
+              <a:rPr lang="it-IT" smtClean="0"/>
+              <a:t>in invipromemoria</a:t>
             </a:r>
             <a:endParaRPr lang="it-IT" dirty="0"/>
           </a:p>
@@ -1043,7 +1251,7 @@
             <a:fld id="{D70604CA-7593-4640-8FA1-5523937B8510}" type="slidenum">
               <a:rPr lang="it-IT" smtClean="0"/>
               <a:pPr/>
-              <a:t>11</a:t>
+              <a:t>10</a:t>
             </a:fld>
             <a:endParaRPr lang="it-IT"/>
           </a:p>
@@ -1052,7 +1260,7 @@
     </p:spTree>
     <p:extLst>
       <p:ext uri="{BB962C8B-B14F-4D97-AF65-F5344CB8AC3E}">
-        <p14:creationId xmlns:p14="http://schemas.microsoft.com/office/powerpoint/2010/main" val="3294237695"/>
+        <p14:creationId xmlns:p14="http://schemas.microsoft.com/office/powerpoint/2010/main" val="1685022444"/>
       </p:ext>
     </p:extLst>
   </p:cSld>
@@ -1106,6 +1314,10 @@
           <a:bodyPr/>
           <a:lstStyle/>
           <a:p>
+            <a:r>
+              <a:rPr lang="it-IT" dirty="0" smtClean="0"/>
+              <a:t>Fare una ricapitolazione cosa può fare l’impiegato e cosa può fare il genitore</a:t>
+            </a:r>
             <a:endParaRPr lang="it-IT" dirty="0"/>
           </a:p>
         </p:txBody>
@@ -1128,7 +1340,7 @@
             <a:fld id="{D70604CA-7593-4640-8FA1-5523937B8510}" type="slidenum">
               <a:rPr lang="it-IT" smtClean="0"/>
               <a:pPr/>
-              <a:t>12</a:t>
+              <a:t>11</a:t>
             </a:fld>
             <a:endParaRPr lang="it-IT"/>
           </a:p>
@@ -1137,7 +1349,7 @@
     </p:spTree>
     <p:extLst>
       <p:ext uri="{BB962C8B-B14F-4D97-AF65-F5344CB8AC3E}">
-        <p14:creationId xmlns:p14="http://schemas.microsoft.com/office/powerpoint/2010/main" val="328384907"/>
+        <p14:creationId xmlns:p14="http://schemas.microsoft.com/office/powerpoint/2010/main" val="3294237695"/>
       </p:ext>
     </p:extLst>
   </p:cSld>
@@ -1191,17 +1403,98 @@
           <a:bodyPr/>
           <a:lstStyle/>
           <a:p>
+            <a:endParaRPr lang="it-IT" dirty="0"/>
+          </a:p>
+        </p:txBody>
+      </p:sp>
+      <p:sp>
+        <p:nvSpPr>
+          <p:cNvPr id="4" name="Segnaposto numero diapositiva 3"/>
+          <p:cNvSpPr>
+            <a:spLocks noGrp="1"/>
+          </p:cNvSpPr>
+          <p:nvPr>
+            <p:ph type="sldNum" sz="quarter" idx="10"/>
+          </p:nvPr>
+        </p:nvSpPr>
+        <p:spPr/>
+        <p:txBody>
+          <a:bodyPr/>
+          <a:lstStyle/>
+          <a:p>
+            <a:fld id="{D70604CA-7593-4640-8FA1-5523937B8510}" type="slidenum">
+              <a:rPr lang="it-IT" smtClean="0"/>
+              <a:pPr/>
+              <a:t>12</a:t>
+            </a:fld>
+            <a:endParaRPr lang="it-IT"/>
+          </a:p>
+        </p:txBody>
+      </p:sp>
+    </p:spTree>
+    <p:extLst>
+      <p:ext uri="{BB962C8B-B14F-4D97-AF65-F5344CB8AC3E}">
+        <p14:creationId xmlns:p14="http://schemas.microsoft.com/office/powerpoint/2010/main" val="328384907"/>
+      </p:ext>
+    </p:extLst>
+  </p:cSld>
+  <p:clrMapOvr>
+    <a:masterClrMapping/>
+  </p:clrMapOvr>
+</p:notes>
+</file>
+
+<file path=ppt/notesSlides/notesSlide9.xml><?xml version="1.0" encoding="utf-8"?>
+<p:notes xmlns:a="http://schemas.openxmlformats.org/drawingml/2006/main" xmlns:r="http://schemas.openxmlformats.org/officeDocument/2006/relationships" xmlns:p="http://schemas.openxmlformats.org/presentationml/2006/main">
+  <p:cSld>
+    <p:spTree>
+      <p:nvGrpSpPr>
+        <p:cNvPr id="1" name=""/>
+        <p:cNvGrpSpPr/>
+        <p:nvPr/>
+      </p:nvGrpSpPr>
+      <p:grpSpPr>
+        <a:xfrm>
+          <a:off x="0" y="0"/>
+          <a:ext cx="0" cy="0"/>
+          <a:chOff x="0" y="0"/>
+          <a:chExt cx="0" cy="0"/>
+        </a:xfrm>
+      </p:grpSpPr>
+      <p:sp>
+        <p:nvSpPr>
+          <p:cNvPr id="2" name="Segnaposto immagine diapositiva 1"/>
+          <p:cNvSpPr>
+            <a:spLocks noGrp="1" noRot="1" noChangeAspect="1"/>
+          </p:cNvSpPr>
+          <p:nvPr>
+            <p:ph type="sldImg"/>
+          </p:nvPr>
+        </p:nvSpPr>
+        <p:spPr/>
+      </p:sp>
+      <p:sp>
+        <p:nvSpPr>
+          <p:cNvPr id="3" name="Segnaposto note 2"/>
+          <p:cNvSpPr>
+            <a:spLocks noGrp="1"/>
+          </p:cNvSpPr>
+          <p:nvPr>
+            <p:ph type="body" idx="1"/>
+          </p:nvPr>
+        </p:nvSpPr>
+        <p:spPr/>
+        <p:txBody>
+          <a:bodyPr/>
+          <a:lstStyle/>
+          <a:p>
             <a:r>
               <a:rPr lang="it-IT" dirty="0" smtClean="0"/>
               <a:t>Questa che</a:t>
             </a:r>
             <a:r>
               <a:rPr lang="it-IT" baseline="0" dirty="0" smtClean="0"/>
-              <a:t> ho mostrato sostanzialmente è l’idea su cui noi volevamo basarci per implementare la gestione dei pagamenti ma </a:t>
-            </a:r>
-            <a:r>
-              <a:rPr lang="it-IT" baseline="0" smtClean="0"/>
-              <a:t>essendo a bassa priorità non è stato implementato sia per mancanza di tempo effettivo sia per mancanza di skill necessarie</a:t>
+              <a:t> ho mostrato sostanzialmente è l’idea su cui noi volevamo basarci per implementare la gestione dei pagamenti ma essendo a bassa priorità non è stato implementato sia per mancanza di tempo effettivo sia per mancanza di skill necessarie</a:t>
             </a:r>
             <a:endParaRPr lang="it-IT" dirty="0"/>
           </a:p>
@@ -5176,7 +5469,7 @@
         </p:nvGraphicFramePr>
         <p:xfrm>
           <a:off x="179512" y="5517232"/>
-          <a:ext cx="2051720" cy="1089471"/>
+          <a:ext cx="2051720" cy="1188720"/>
         </p:xfrm>
         <a:graphic>
           <a:graphicData uri="http://schemas.openxmlformats.org/drawingml/2006/table">
@@ -5297,7 +5590,7 @@
         </p:nvGraphicFramePr>
         <p:xfrm>
           <a:off x="6948264" y="5877272"/>
-          <a:ext cx="2051720" cy="726314"/>
+          <a:ext cx="2051720" cy="792480"/>
         </p:xfrm>
         <a:graphic>
           <a:graphicData uri="http://schemas.openxmlformats.org/drawingml/2006/table">
@@ -5454,8 +5747,8 @@
         </p:nvSpPr>
         <p:spPr>
           <a:xfrm>
-            <a:off x="250424" y="1343090"/>
-            <a:ext cx="5648201" cy="861774"/>
+            <a:off x="2760544" y="471869"/>
+            <a:ext cx="3937873" cy="861774"/>
           </a:xfrm>
           <a:prstGeom prst="rect">
             <a:avLst/>
@@ -5463,11 +5756,12 @@
           <a:noFill/>
         </p:spPr>
         <p:txBody>
-          <a:bodyPr wrap="square" rtlCol="0">
+          <a:bodyPr wrap="none" rtlCol="0">
             <a:spAutoFit/>
           </a:bodyPr>
           <a:lstStyle/>
           <a:p>
+            <a:pPr algn="ctr"/>
             <a:r>
               <a:rPr lang="it-IT" sz="3200" b="1" dirty="0">
                 <a:latin typeface="+mj-lt"/>
@@ -5478,10 +5772,11 @@
               <a:rPr lang="it-IT" sz="3200" b="1" dirty="0" smtClean="0">
                 <a:latin typeface="+mj-lt"/>
               </a:rPr>
-              <a:t>Procediamo??    No!</a:t>
-            </a:r>
-          </a:p>
-          <a:p>
+              <a:t>Use Case Diagram 1.0</a:t>
+            </a:r>
+          </a:p>
+          <a:p>
+            <a:pPr algn="ctr"/>
             <a:endParaRPr lang="it-IT" dirty="0">
               <a:latin typeface="+mj-lt"/>
             </a:endParaRPr>
@@ -5490,14 +5785,14 @@
       </p:sp>
       <p:pic>
         <p:nvPicPr>
-          <p:cNvPr id="2050" name="Picture 2" descr="C:\Users\Marko\Desktop\man-with-stop-sign-04.png"/>
+          <p:cNvPr id="2050" name="Picture 2" descr="C:\Users\Marko\Desktop\Class_Diagram_Pagamenti32.png"/>
           <p:cNvPicPr>
             <a:picLocks noChangeAspect="1" noChangeArrowheads="1"/>
           </p:cNvPicPr>
           <p:nvPr/>
         </p:nvPicPr>
         <p:blipFill>
-          <a:blip r:embed="rId3" cstate="print">
+          <a:blip r:embed="rId3">
             <a:extLst>
               <a:ext uri="{28A0092B-C50C-407E-A947-70E740481C1C}">
                 <a14:useLocalDpi xmlns:a14="http://schemas.microsoft.com/office/drawing/2010/main" val="0"/>
@@ -5511,8 +5806,8 @@
         </p:blipFill>
         <p:spPr bwMode="auto">
           <a:xfrm>
-            <a:off x="6084168" y="836712"/>
-            <a:ext cx="2592288" cy="2592288"/>
+            <a:off x="179512" y="1124744"/>
+            <a:ext cx="8572500" cy="5334000"/>
           </a:xfrm>
           <a:prstGeom prst="rect">
             <a:avLst/>
@@ -5531,47 +5826,54 @@
       </p:pic>
       <p:sp>
         <p:nvSpPr>
-          <p:cNvPr id="4" name="CasellaDiTesto 3"/>
-          <p:cNvSpPr txBox="1"/>
+          <p:cNvPr id="4" name="Ovale 3"/>
+          <p:cNvSpPr/>
           <p:nvPr/>
         </p:nvSpPr>
         <p:spPr>
           <a:xfrm>
-            <a:off x="250424" y="3284984"/>
-            <a:ext cx="8426031" cy="1323439"/>
+            <a:off x="2604836" y="2852936"/>
+            <a:ext cx="4271420" cy="1152128"/>
           </a:xfrm>
-          <a:prstGeom prst="rect">
+          <a:prstGeom prst="ellipse">
             <a:avLst/>
           </a:prstGeom>
           <a:noFill/>
+          <a:ln>
+            <a:solidFill>
+              <a:srgbClr val="FF0000"/>
+            </a:solidFill>
+          </a:ln>
         </p:spPr>
-        <p:txBody>
-          <a:bodyPr wrap="square" rtlCol="0">
-            <a:spAutoFit/>
-          </a:bodyPr>
+        <p:style>
+          <a:lnRef idx="2">
+            <a:schemeClr val="accent1">
+              <a:shade val="50000"/>
+            </a:schemeClr>
+          </a:lnRef>
+          <a:fillRef idx="1">
+            <a:schemeClr val="accent1"/>
+          </a:fillRef>
+          <a:effectRef idx="0">
+            <a:schemeClr val="accent1"/>
+          </a:effectRef>
+          <a:fontRef idx="minor">
+            <a:schemeClr val="lt1"/>
+          </a:fontRef>
+        </p:style>
+        <p:txBody>
+          <a:bodyPr rtlCol="0" anchor="ctr"/>
           <a:lstStyle/>
           <a:p>
-            <a:r>
-              <a:rPr lang="it-IT" sz="3200" b="1" dirty="0" smtClean="0"/>
-              <a:t>C’è un’ultima revisione da fare:</a:t>
-            </a:r>
-            <a:endParaRPr lang="it-IT" sz="3200" b="1" dirty="0"/>
-          </a:p>
-          <a:p>
-            <a:endParaRPr lang="it-IT" sz="2400" dirty="0" smtClean="0"/>
-          </a:p>
-          <a:p>
-            <a:r>
-              <a:rPr lang="it-IT" sz="2400" dirty="0" smtClean="0"/>
-              <a:t>rimozione di promemoria fattura e promemoria pagamento </a:t>
-            </a:r>
+            <a:pPr algn="ctr"/>
+            <a:endParaRPr lang="it-IT"/>
           </a:p>
         </p:txBody>
       </p:sp>
     </p:spTree>
     <p:extLst>
       <p:ext uri="{BB962C8B-B14F-4D97-AF65-F5344CB8AC3E}">
-        <p14:creationId xmlns:p14="http://schemas.microsoft.com/office/powerpoint/2010/main" val="3719780262"/>
+        <p14:creationId xmlns:p14="http://schemas.microsoft.com/office/powerpoint/2010/main" val="1824602548"/>
       </p:ext>
     </p:extLst>
   </p:cSld>
@@ -5581,9 +5883,88 @@
   <p:timing>
     <p:tnLst>
       <p:par>
-        <p:cTn id="1" dur="indefinite" restart="never" nodeType="tmRoot"/>
+        <p:cTn id="1" dur="indefinite" restart="never" nodeType="tmRoot">
+          <p:childTnLst>
+            <p:seq concurrent="1" nextAc="seek">
+              <p:cTn id="2" dur="indefinite" nodeType="mainSeq">
+                <p:childTnLst>
+                  <p:par>
+                    <p:cTn id="3" fill="hold">
+                      <p:stCondLst>
+                        <p:cond delay="indefinite"/>
+                      </p:stCondLst>
+                      <p:childTnLst>
+                        <p:par>
+                          <p:cTn id="4" fill="hold">
+                            <p:stCondLst>
+                              <p:cond delay="0"/>
+                            </p:stCondLst>
+                            <p:childTnLst>
+                              <p:par>
+                                <p:cTn id="5" presetID="10" presetClass="entr" presetSubtype="0" fill="hold" grpId="0" nodeType="clickEffect">
+                                  <p:stCondLst>
+                                    <p:cond delay="0"/>
+                                  </p:stCondLst>
+                                  <p:childTnLst>
+                                    <p:set>
+                                      <p:cBhvr>
+                                        <p:cTn id="6" dur="1" fill="hold">
+                                          <p:stCondLst>
+                                            <p:cond delay="0"/>
+                                          </p:stCondLst>
+                                        </p:cTn>
+                                        <p:tgtEl>
+                                          <p:spTgt spid="4"/>
+                                        </p:tgtEl>
+                                        <p:attrNameLst>
+                                          <p:attrName>style.visibility</p:attrName>
+                                        </p:attrNameLst>
+                                      </p:cBhvr>
+                                      <p:to>
+                                        <p:strVal val="visible"/>
+                                      </p:to>
+                                    </p:set>
+                                    <p:animEffect transition="in" filter="fade">
+                                      <p:cBhvr>
+                                        <p:cTn id="7" dur="500"/>
+                                        <p:tgtEl>
+                                          <p:spTgt spid="4"/>
+                                        </p:tgtEl>
+                                      </p:cBhvr>
+                                    </p:animEffect>
+                                  </p:childTnLst>
+                                </p:cTn>
+                              </p:par>
+                            </p:childTnLst>
+                          </p:cTn>
+                        </p:par>
+                      </p:childTnLst>
+                    </p:cTn>
+                  </p:par>
+                </p:childTnLst>
+              </p:cTn>
+              <p:prevCondLst>
+                <p:cond evt="onPrev" delay="0">
+                  <p:tgtEl>
+                    <p:sldTgt/>
+                  </p:tgtEl>
+                </p:cond>
+              </p:prevCondLst>
+              <p:nextCondLst>
+                <p:cond evt="onNext" delay="0">
+                  <p:tgtEl>
+                    <p:sldTgt/>
+                  </p:tgtEl>
+                </p:cond>
+              </p:nextCondLst>
+            </p:seq>
+          </p:childTnLst>
+        </p:cTn>
       </p:par>
     </p:tnLst>
+    <p:bldLst>
+      <p:bldP spid="4" grpId="0" animBg="1"/>
+    </p:bldLst>
   </p:timing>
 </p:sld>
 </file>
@@ -5951,6 +6332,222 @@
 </p:sld>
 </file>
 
+<file path=ppt/slides/slide14.xml><?xml version="1.0" encoding="utf-8"?>
+<p:sld xmlns:a="http://schemas.openxmlformats.org/drawingml/2006/main" xmlns:r="http://schemas.openxmlformats.org/officeDocument/2006/relationships" xmlns:p="http://schemas.openxmlformats.org/presentationml/2006/main">
+  <p:cSld>
+    <p:spTree>
+      <p:nvGrpSpPr>
+        <p:cNvPr id="1" name=""/>
+        <p:cNvGrpSpPr/>
+        <p:nvPr/>
+      </p:nvGrpSpPr>
+      <p:grpSpPr>
+        <a:xfrm>
+          <a:off x="0" y="0"/>
+          <a:ext cx="0" cy="0"/>
+          <a:chOff x="0" y="0"/>
+          <a:chExt cx="0" cy="0"/>
+        </a:xfrm>
+      </p:grpSpPr>
+      <p:sp>
+        <p:nvSpPr>
+          <p:cNvPr id="2" name="CasellaDiTesto 1"/>
+          <p:cNvSpPr txBox="1"/>
+          <p:nvPr/>
+        </p:nvSpPr>
+        <p:spPr>
+          <a:xfrm>
+            <a:off x="6540" y="692696"/>
+            <a:ext cx="9144000" cy="646331"/>
+          </a:xfrm>
+          <a:prstGeom prst="rect">
+            <a:avLst/>
+          </a:prstGeom>
+          <a:noFill/>
+        </p:spPr>
+        <p:txBody>
+          <a:bodyPr wrap="square" rtlCol="0">
+            <a:spAutoFit/>
+          </a:bodyPr>
+          <a:lstStyle/>
+          <a:p>
+            <a:pPr algn="ctr"/>
+            <a:r>
+              <a:rPr lang="it-IT" sz="3600" b="1" dirty="0" smtClean="0"/>
+              <a:t>Problemi riscontrati nella stesura del RAD</a:t>
+            </a:r>
+            <a:endParaRPr lang="it-IT" sz="3600" b="1" dirty="0"/>
+          </a:p>
+        </p:txBody>
+      </p:sp>
+      <p:sp>
+        <p:nvSpPr>
+          <p:cNvPr id="3" name="CasellaDiTesto 2"/>
+          <p:cNvSpPr txBox="1"/>
+          <p:nvPr/>
+        </p:nvSpPr>
+        <p:spPr>
+          <a:xfrm>
+            <a:off x="204308" y="1700808"/>
+            <a:ext cx="8748464" cy="892552"/>
+          </a:xfrm>
+          <a:prstGeom prst="rect">
+            <a:avLst/>
+          </a:prstGeom>
+          <a:noFill/>
+        </p:spPr>
+        <p:txBody>
+          <a:bodyPr wrap="square" rtlCol="0">
+            <a:spAutoFit/>
+          </a:bodyPr>
+          <a:lstStyle/>
+          <a:p>
+            <a:r>
+              <a:rPr lang="it-IT" sz="2800" b="1" dirty="0" smtClean="0">
+                <a:solidFill>
+                  <a:srgbClr val="FF0000"/>
+                </a:solidFill>
+              </a:rPr>
+              <a:t>Contro:</a:t>
+            </a:r>
+          </a:p>
+          <a:p>
+            <a:r>
+              <a:rPr lang="it-IT" sz="2400" dirty="0" smtClean="0"/>
+              <a:t> </a:t>
+            </a:r>
+            <a:endParaRPr lang="it-IT" sz="2400" dirty="0"/>
+          </a:p>
+        </p:txBody>
+      </p:sp>
+    </p:spTree>
+    <p:extLst>
+      <p:ext uri="{BB962C8B-B14F-4D97-AF65-F5344CB8AC3E}">
+        <p14:creationId xmlns:p14="http://schemas.microsoft.com/office/powerpoint/2010/main" val="2708678656"/>
+      </p:ext>
+    </p:extLst>
+  </p:cSld>
+  <p:clrMapOvr>
+    <a:masterClrMapping/>
+  </p:clrMapOvr>
+  <p:timing>
+    <p:tnLst>
+      <p:par>
+        <p:cTn id="1" dur="indefinite" restart="never" nodeType="tmRoot"/>
+      </p:par>
+    </p:tnLst>
+  </p:timing>
+</p:sld>
+</file>
+
+<file path=ppt/slides/slide15.xml><?xml version="1.0" encoding="utf-8"?>
+<p:sld xmlns:a="http://schemas.openxmlformats.org/drawingml/2006/main" xmlns:r="http://schemas.openxmlformats.org/officeDocument/2006/relationships" xmlns:p="http://schemas.openxmlformats.org/presentationml/2006/main">
+  <p:cSld>
+    <p:spTree>
+      <p:nvGrpSpPr>
+        <p:cNvPr id="1" name=""/>
+        <p:cNvGrpSpPr/>
+        <p:nvPr/>
+      </p:nvGrpSpPr>
+      <p:grpSpPr>
+        <a:xfrm>
+          <a:off x="0" y="0"/>
+          <a:ext cx="0" cy="0"/>
+          <a:chOff x="0" y="0"/>
+          <a:chExt cx="0" cy="0"/>
+        </a:xfrm>
+      </p:grpSpPr>
+      <p:sp>
+        <p:nvSpPr>
+          <p:cNvPr id="2" name="CasellaDiTesto 1"/>
+          <p:cNvSpPr txBox="1"/>
+          <p:nvPr/>
+        </p:nvSpPr>
+        <p:spPr>
+          <a:xfrm>
+            <a:off x="6540" y="692696"/>
+            <a:ext cx="9144000" cy="646331"/>
+          </a:xfrm>
+          <a:prstGeom prst="rect">
+            <a:avLst/>
+          </a:prstGeom>
+          <a:noFill/>
+        </p:spPr>
+        <p:txBody>
+          <a:bodyPr wrap="square" rtlCol="0">
+            <a:spAutoFit/>
+          </a:bodyPr>
+          <a:lstStyle/>
+          <a:p>
+            <a:pPr algn="ctr"/>
+            <a:r>
+              <a:rPr lang="it-IT" sz="3600" b="1" dirty="0" smtClean="0"/>
+              <a:t>Problemi riscontrati nella stesura del RAD</a:t>
+            </a:r>
+            <a:endParaRPr lang="it-IT" sz="3600" b="1" dirty="0"/>
+          </a:p>
+        </p:txBody>
+      </p:sp>
+      <p:sp>
+        <p:nvSpPr>
+          <p:cNvPr id="3" name="CasellaDiTesto 2"/>
+          <p:cNvSpPr txBox="1"/>
+          <p:nvPr/>
+        </p:nvSpPr>
+        <p:spPr>
+          <a:xfrm>
+            <a:off x="204308" y="1700808"/>
+            <a:ext cx="8748464" cy="892552"/>
+          </a:xfrm>
+          <a:prstGeom prst="rect">
+            <a:avLst/>
+          </a:prstGeom>
+          <a:noFill/>
+        </p:spPr>
+        <p:txBody>
+          <a:bodyPr wrap="square" rtlCol="0">
+            <a:spAutoFit/>
+          </a:bodyPr>
+          <a:lstStyle/>
+          <a:p>
+            <a:r>
+              <a:rPr lang="it-IT" sz="2800" b="1" dirty="0" smtClean="0">
+                <a:solidFill>
+                  <a:srgbClr val="00B050"/>
+                </a:solidFill>
+              </a:rPr>
+              <a:t>Pro: </a:t>
+            </a:r>
+          </a:p>
+          <a:p>
+            <a:r>
+              <a:rPr lang="it-IT" sz="2400" dirty="0" smtClean="0"/>
+              <a:t> </a:t>
+            </a:r>
+            <a:endParaRPr lang="it-IT" sz="2400" dirty="0"/>
+          </a:p>
+        </p:txBody>
+      </p:sp>
+    </p:spTree>
+    <p:extLst>
+      <p:ext uri="{BB962C8B-B14F-4D97-AF65-F5344CB8AC3E}">
+        <p14:creationId xmlns:p14="http://schemas.microsoft.com/office/powerpoint/2010/main" val="2005058674"/>
+      </p:ext>
+    </p:extLst>
+  </p:cSld>
+  <p:clrMapOvr>
+    <a:masterClrMapping/>
+  </p:clrMapOvr>
+  <p:timing>
+    <p:tnLst>
+      <p:par>
+        <p:cTn id="1" dur="indefinite" restart="never" nodeType="tmRoot"/>
+      </p:par>
+    </p:tnLst>
+  </p:timing>
+</p:sld>
+</file>
+
 <file path=ppt/slides/slide2.xml><?xml version="1.0" encoding="utf-8"?>
 <p:sld xmlns:a="http://schemas.openxmlformats.org/drawingml/2006/main" xmlns:r="http://schemas.openxmlformats.org/officeDocument/2006/relationships" xmlns:p="http://schemas.openxmlformats.org/presentationml/2006/main">
   <p:cSld>
@@ -5980,8 +6577,8 @@
         </p:nvSpPr>
         <p:spPr>
           <a:xfrm>
-            <a:off x="2699792" y="764704"/>
-            <a:ext cx="3888432" cy="578328"/>
+            <a:off x="1187624" y="3212976"/>
+            <a:ext cx="6624736" cy="648072"/>
           </a:xfrm>
         </p:spPr>
         <p:txBody>
@@ -5990,6 +6587,7 @@
           </a:bodyPr>
           <a:lstStyle/>
           <a:p>
+            <a:pPr algn="ctr"/>
             <a:r>
               <a:rPr lang="it-IT" sz="3600" b="1" dirty="0" smtClean="0"/>
               <a:t>Gestione Pagamenti</a:t>
@@ -5998,56 +6596,6 @@
           </a:p>
         </p:txBody>
       </p:sp>
-      <p:pic>
-        <p:nvPicPr>
-          <p:cNvPr id="3" name="Picture 2" descr="C:\Users\Marko\Desktop\20110128102721.jpg"/>
-          <p:cNvPicPr>
-            <a:picLocks noChangeAspect="1" noChangeArrowheads="1"/>
-          </p:cNvPicPr>
-          <p:nvPr/>
-        </p:nvPicPr>
-        <p:blipFill>
-          <a:blip r:embed="rId2">
-            <a:extLst>
-              <a:ext uri="{BEBA8EAE-BF5A-486C-A8C5-ECC9F3942E4B}">
-                <a14:imgProps xmlns:a14="http://schemas.microsoft.com/office/drawing/2010/main">
-                  <a14:imgLayer r:embed="rId3">
-                    <a14:imgEffect>
-                      <a14:sharpenSoften amount="25000"/>
-                    </a14:imgEffect>
-                  </a14:imgLayer>
-                </a14:imgProps>
-              </a:ext>
-              <a:ext uri="{28A0092B-C50C-407E-A947-70E740481C1C}">
-                <a14:useLocalDpi xmlns:a14="http://schemas.microsoft.com/office/drawing/2010/main" val="0"/>
-              </a:ext>
-            </a:extLst>
-          </a:blip>
-          <a:srcRect/>
-          <a:stretch>
-            <a:fillRect/>
-          </a:stretch>
-        </p:blipFill>
-        <p:spPr bwMode="auto">
-          <a:xfrm>
-            <a:off x="2051720" y="1844823"/>
-            <a:ext cx="5134743" cy="4282335"/>
-          </a:xfrm>
-          <a:prstGeom prst="rect">
-            <a:avLst/>
-          </a:prstGeom>
-          <a:noFill/>
-          <a:extLst>
-            <a:ext uri="{909E8E84-426E-40DD-AFC4-6F175D3DCCD1}">
-              <a14:hiddenFill xmlns:a14="http://schemas.microsoft.com/office/drawing/2010/main">
-                <a:solidFill>
-                  <a:srgbClr val="FFFFFF"/>
-                </a:solidFill>
-              </a14:hiddenFill>
-            </a:ext>
-          </a:extLst>
-        </p:spPr>
-      </p:pic>
     </p:spTree>
     <p:extLst>
       <p:ext uri="{BB962C8B-B14F-4D97-AF65-F5344CB8AC3E}">
@@ -6085,6 +6633,677 @@
           <a:chExt cx="0" cy="0"/>
         </a:xfrm>
       </p:grpSpPr>
+      <p:pic>
+        <p:nvPicPr>
+          <p:cNvPr id="1026" name="Picture 2" descr="C:\Users\Fr4nc3sc0\Desktop\at-silo\RAD\3 - Sistema proposto\attori.png"/>
+          <p:cNvPicPr>
+            <a:picLocks noChangeAspect="1" noChangeArrowheads="1"/>
+          </p:cNvPicPr>
+          <p:nvPr/>
+        </p:nvPicPr>
+        <p:blipFill>
+          <a:blip r:embed="rId3">
+            <a:extLst>
+              <a:ext uri="{28A0092B-C50C-407E-A947-70E740481C1C}">
+                <a14:useLocalDpi xmlns:a14="http://schemas.microsoft.com/office/drawing/2010/main" val="0"/>
+              </a:ext>
+            </a:extLst>
+          </a:blip>
+          <a:srcRect/>
+          <a:stretch>
+            <a:fillRect/>
+          </a:stretch>
+        </p:blipFill>
+        <p:spPr bwMode="auto">
+          <a:xfrm>
+            <a:off x="2261679" y="620689"/>
+            <a:ext cx="5052690" cy="6233836"/>
+          </a:xfrm>
+          <a:prstGeom prst="rect">
+            <a:avLst/>
+          </a:prstGeom>
+          <a:noFill/>
+          <a:extLst>
+            <a:ext uri="{909E8E84-426E-40DD-AFC4-6F175D3DCCD1}">
+              <a14:hiddenFill xmlns:a14="http://schemas.microsoft.com/office/drawing/2010/main">
+                <a:solidFill>
+                  <a:srgbClr val="FFFFFF"/>
+                </a:solidFill>
+              </a14:hiddenFill>
+            </a:ext>
+          </a:extLst>
+        </p:spPr>
+      </p:pic>
+      <p:cxnSp>
+        <p:nvCxnSpPr>
+          <p:cNvPr id="4" name="Connettore 1 3"/>
+          <p:cNvCxnSpPr/>
+          <p:nvPr/>
+        </p:nvCxnSpPr>
+        <p:spPr>
+          <a:xfrm>
+            <a:off x="3023828" y="1484784"/>
+            <a:ext cx="482235" cy="0"/>
+          </a:xfrm>
+          <a:prstGeom prst="line">
+            <a:avLst/>
+          </a:prstGeom>
+          <a:ln w="38100">
+            <a:solidFill>
+              <a:srgbClr val="FF0000"/>
+            </a:solidFill>
+          </a:ln>
+          <a:effectLst>
+            <a:glow rad="63500">
+              <a:schemeClr val="accent3">
+                <a:satMod val="175000"/>
+                <a:alpha val="40000"/>
+              </a:schemeClr>
+            </a:glow>
+          </a:effectLst>
+        </p:spPr>
+        <p:style>
+          <a:lnRef idx="1">
+            <a:schemeClr val="accent1"/>
+          </a:lnRef>
+          <a:fillRef idx="0">
+            <a:schemeClr val="accent1"/>
+          </a:fillRef>
+          <a:effectRef idx="0">
+            <a:schemeClr val="accent1"/>
+          </a:effectRef>
+          <a:fontRef idx="minor">
+            <a:schemeClr val="tx1"/>
+          </a:fontRef>
+        </p:style>
+      </p:cxnSp>
+      <p:cxnSp>
+        <p:nvCxnSpPr>
+          <p:cNvPr id="10" name="Connettore 1 9"/>
+          <p:cNvCxnSpPr/>
+          <p:nvPr/>
+        </p:nvCxnSpPr>
+        <p:spPr>
+          <a:xfrm>
+            <a:off x="3779912" y="3068960"/>
+            <a:ext cx="704806" cy="0"/>
+          </a:xfrm>
+          <a:prstGeom prst="line">
+            <a:avLst/>
+          </a:prstGeom>
+          <a:ln w="38100">
+            <a:solidFill>
+              <a:srgbClr val="FF0000"/>
+            </a:solidFill>
+          </a:ln>
+          <a:effectLst>
+            <a:glow rad="63500">
+              <a:schemeClr val="accent3">
+                <a:satMod val="175000"/>
+                <a:alpha val="40000"/>
+              </a:schemeClr>
+            </a:glow>
+          </a:effectLst>
+        </p:spPr>
+        <p:style>
+          <a:lnRef idx="1">
+            <a:schemeClr val="accent1"/>
+          </a:lnRef>
+          <a:fillRef idx="0">
+            <a:schemeClr val="accent1"/>
+          </a:fillRef>
+          <a:effectRef idx="0">
+            <a:schemeClr val="accent1"/>
+          </a:effectRef>
+          <a:fontRef idx="minor">
+            <a:schemeClr val="tx1"/>
+          </a:fontRef>
+        </p:style>
+      </p:cxnSp>
+      <p:cxnSp>
+        <p:nvCxnSpPr>
+          <p:cNvPr id="12" name="Connettore 1 11"/>
+          <p:cNvCxnSpPr/>
+          <p:nvPr/>
+        </p:nvCxnSpPr>
+        <p:spPr>
+          <a:xfrm>
+            <a:off x="2987824" y="6237312"/>
+            <a:ext cx="843276" cy="0"/>
+          </a:xfrm>
+          <a:prstGeom prst="line">
+            <a:avLst/>
+          </a:prstGeom>
+          <a:ln w="38100">
+            <a:solidFill>
+              <a:srgbClr val="FF0000"/>
+            </a:solidFill>
+          </a:ln>
+          <a:effectLst>
+            <a:glow rad="63500">
+              <a:schemeClr val="accent3">
+                <a:satMod val="175000"/>
+                <a:alpha val="40000"/>
+              </a:schemeClr>
+            </a:glow>
+          </a:effectLst>
+        </p:spPr>
+        <p:style>
+          <a:lnRef idx="1">
+            <a:schemeClr val="accent1"/>
+          </a:lnRef>
+          <a:fillRef idx="0">
+            <a:schemeClr val="accent1"/>
+          </a:fillRef>
+          <a:effectRef idx="0">
+            <a:schemeClr val="accent1"/>
+          </a:effectRef>
+          <a:fontRef idx="minor">
+            <a:schemeClr val="tx1"/>
+          </a:fontRef>
+        </p:style>
+      </p:cxnSp>
+      <p:cxnSp>
+        <p:nvCxnSpPr>
+          <p:cNvPr id="14" name="Connettore 1 13"/>
+          <p:cNvCxnSpPr/>
+          <p:nvPr/>
+        </p:nvCxnSpPr>
+        <p:spPr>
+          <a:xfrm>
+            <a:off x="2915816" y="6597352"/>
+            <a:ext cx="556426" cy="0"/>
+          </a:xfrm>
+          <a:prstGeom prst="line">
+            <a:avLst/>
+          </a:prstGeom>
+          <a:ln w="38100">
+            <a:solidFill>
+              <a:srgbClr val="FF0000"/>
+            </a:solidFill>
+          </a:ln>
+          <a:effectLst>
+            <a:glow rad="63500">
+              <a:schemeClr val="accent3">
+                <a:satMod val="175000"/>
+                <a:alpha val="40000"/>
+              </a:schemeClr>
+            </a:glow>
+          </a:effectLst>
+        </p:spPr>
+        <p:style>
+          <a:lnRef idx="1">
+            <a:schemeClr val="accent1"/>
+          </a:lnRef>
+          <a:fillRef idx="0">
+            <a:schemeClr val="accent1"/>
+          </a:fillRef>
+          <a:effectRef idx="0">
+            <a:schemeClr val="accent1"/>
+          </a:effectRef>
+          <a:fontRef idx="minor">
+            <a:schemeClr val="tx1"/>
+          </a:fontRef>
+        </p:style>
+      </p:cxnSp>
+      <p:cxnSp>
+        <p:nvCxnSpPr>
+          <p:cNvPr id="16" name="Connettore 1 15"/>
+          <p:cNvCxnSpPr/>
+          <p:nvPr/>
+        </p:nvCxnSpPr>
+        <p:spPr>
+          <a:xfrm>
+            <a:off x="4139952" y="3429000"/>
+            <a:ext cx="408045" cy="0"/>
+          </a:xfrm>
+          <a:prstGeom prst="line">
+            <a:avLst/>
+          </a:prstGeom>
+          <a:ln w="38100">
+            <a:solidFill>
+              <a:srgbClr val="FF0000"/>
+            </a:solidFill>
+          </a:ln>
+          <a:effectLst>
+            <a:glow rad="63500">
+              <a:schemeClr val="accent3">
+                <a:satMod val="175000"/>
+                <a:alpha val="40000"/>
+              </a:schemeClr>
+            </a:glow>
+          </a:effectLst>
+        </p:spPr>
+        <p:style>
+          <a:lnRef idx="1">
+            <a:schemeClr val="accent1"/>
+          </a:lnRef>
+          <a:fillRef idx="0">
+            <a:schemeClr val="accent1"/>
+          </a:fillRef>
+          <a:effectRef idx="0">
+            <a:schemeClr val="accent1"/>
+          </a:effectRef>
+          <a:fontRef idx="minor">
+            <a:schemeClr val="tx1"/>
+          </a:fontRef>
+        </p:style>
+      </p:cxnSp>
+      <p:sp>
+        <p:nvSpPr>
+          <p:cNvPr id="17" name="Ovale 16"/>
+          <p:cNvSpPr/>
+          <p:nvPr/>
+        </p:nvSpPr>
+        <p:spPr>
+          <a:xfrm>
+            <a:off x="2915816" y="1268760"/>
+            <a:ext cx="540060" cy="216024"/>
+          </a:xfrm>
+          <a:prstGeom prst="ellipse">
+            <a:avLst/>
+          </a:prstGeom>
+          <a:noFill/>
+          <a:ln>
+            <a:solidFill>
+              <a:srgbClr val="FF0000"/>
+            </a:solidFill>
+          </a:ln>
+        </p:spPr>
+        <p:style>
+          <a:lnRef idx="2">
+            <a:schemeClr val="accent1">
+              <a:shade val="50000"/>
+            </a:schemeClr>
+          </a:lnRef>
+          <a:fillRef idx="1">
+            <a:schemeClr val="accent1"/>
+          </a:fillRef>
+          <a:effectRef idx="0">
+            <a:schemeClr val="accent1"/>
+          </a:effectRef>
+          <a:fontRef idx="minor">
+            <a:schemeClr val="lt1"/>
+          </a:fontRef>
+        </p:style>
+        <p:txBody>
+          <a:bodyPr rtlCol="0" anchor="ctr"/>
+          <a:lstStyle/>
+          <a:p>
+            <a:pPr algn="ctr"/>
+            <a:endParaRPr lang="it-IT"/>
+          </a:p>
+        </p:txBody>
+      </p:sp>
+      <p:sp>
+        <p:nvSpPr>
+          <p:cNvPr id="9" name="Ovale 8"/>
+          <p:cNvSpPr/>
+          <p:nvPr/>
+        </p:nvSpPr>
+        <p:spPr>
+          <a:xfrm>
+            <a:off x="3666895" y="2831046"/>
+            <a:ext cx="792088" cy="216024"/>
+          </a:xfrm>
+          <a:prstGeom prst="ellipse">
+            <a:avLst/>
+          </a:prstGeom>
+          <a:noFill/>
+          <a:ln>
+            <a:solidFill>
+              <a:srgbClr val="FF0000"/>
+            </a:solidFill>
+          </a:ln>
+        </p:spPr>
+        <p:style>
+          <a:lnRef idx="2">
+            <a:schemeClr val="accent1">
+              <a:shade val="50000"/>
+            </a:schemeClr>
+          </a:lnRef>
+          <a:fillRef idx="1">
+            <a:schemeClr val="accent1"/>
+          </a:fillRef>
+          <a:effectRef idx="0">
+            <a:schemeClr val="accent1"/>
+          </a:effectRef>
+          <a:fontRef idx="minor">
+            <a:schemeClr val="lt1"/>
+          </a:fontRef>
+        </p:style>
+        <p:txBody>
+          <a:bodyPr rtlCol="0" anchor="ctr"/>
+          <a:lstStyle/>
+          <a:p>
+            <a:pPr algn="ctr"/>
+            <a:endParaRPr lang="it-IT"/>
+          </a:p>
+        </p:txBody>
+      </p:sp>
+    </p:spTree>
+    <p:extLst>
+      <p:ext uri="{BB962C8B-B14F-4D97-AF65-F5344CB8AC3E}">
+        <p14:creationId xmlns:p14="http://schemas.microsoft.com/office/powerpoint/2010/main" val="3983998448"/>
+      </p:ext>
+    </p:extLst>
+  </p:cSld>
+  <p:clrMapOvr>
+    <a:masterClrMapping/>
+  </p:clrMapOvr>
+  <p:timing>
+    <p:tnLst>
+      <p:par>
+        <p:cTn id="1" dur="indefinite" restart="never" nodeType="tmRoot">
+          <p:childTnLst>
+            <p:seq concurrent="1" nextAc="seek">
+              <p:cTn id="2" dur="indefinite" nodeType="mainSeq">
+                <p:childTnLst>
+                  <p:par>
+                    <p:cTn id="3" fill="hold">
+                      <p:stCondLst>
+                        <p:cond delay="indefinite"/>
+                      </p:stCondLst>
+                      <p:childTnLst>
+                        <p:par>
+                          <p:cTn id="4" fill="hold">
+                            <p:stCondLst>
+                              <p:cond delay="0"/>
+                            </p:stCondLst>
+                            <p:childTnLst>
+                              <p:par>
+                                <p:cTn id="5" presetID="1" presetClass="entr" presetSubtype="0" fill="hold" nodeType="clickEffect">
+                                  <p:stCondLst>
+                                    <p:cond delay="0"/>
+                                  </p:stCondLst>
+                                  <p:childTnLst>
+                                    <p:set>
+                                      <p:cBhvr>
+                                        <p:cTn id="6" dur="1" fill="hold">
+                                          <p:stCondLst>
+                                            <p:cond delay="0"/>
+                                          </p:stCondLst>
+                                        </p:cTn>
+                                        <p:tgtEl>
+                                          <p:spTgt spid="4"/>
+                                        </p:tgtEl>
+                                        <p:attrNameLst>
+                                          <p:attrName>style.visibility</p:attrName>
+                                        </p:attrNameLst>
+                                      </p:cBhvr>
+                                      <p:to>
+                                        <p:strVal val="visible"/>
+                                      </p:to>
+                                    </p:set>
+                                  </p:childTnLst>
+                                </p:cTn>
+                              </p:par>
+                              <p:par>
+                                <p:cTn id="7" presetID="1" presetClass="entr" presetSubtype="0" fill="hold" nodeType="withEffect">
+                                  <p:stCondLst>
+                                    <p:cond delay="0"/>
+                                  </p:stCondLst>
+                                  <p:childTnLst>
+                                    <p:set>
+                                      <p:cBhvr>
+                                        <p:cTn id="8" dur="1" fill="hold">
+                                          <p:stCondLst>
+                                            <p:cond delay="0"/>
+                                          </p:stCondLst>
+                                        </p:cTn>
+                                        <p:tgtEl>
+                                          <p:spTgt spid="10"/>
+                                        </p:tgtEl>
+                                        <p:attrNameLst>
+                                          <p:attrName>style.visibility</p:attrName>
+                                        </p:attrNameLst>
+                                      </p:cBhvr>
+                                      <p:to>
+                                        <p:strVal val="visible"/>
+                                      </p:to>
+                                    </p:set>
+                                  </p:childTnLst>
+                                </p:cTn>
+                              </p:par>
+                              <p:par>
+                                <p:cTn id="9" presetID="1" presetClass="entr" presetSubtype="0" fill="hold" nodeType="withEffect">
+                                  <p:stCondLst>
+                                    <p:cond delay="0"/>
+                                  </p:stCondLst>
+                                  <p:childTnLst>
+                                    <p:set>
+                                      <p:cBhvr>
+                                        <p:cTn id="10" dur="1" fill="hold">
+                                          <p:stCondLst>
+                                            <p:cond delay="0"/>
+                                          </p:stCondLst>
+                                        </p:cTn>
+                                        <p:tgtEl>
+                                          <p:spTgt spid="12"/>
+                                        </p:tgtEl>
+                                        <p:attrNameLst>
+                                          <p:attrName>style.visibility</p:attrName>
+                                        </p:attrNameLst>
+                                      </p:cBhvr>
+                                      <p:to>
+                                        <p:strVal val="visible"/>
+                                      </p:to>
+                                    </p:set>
+                                  </p:childTnLst>
+                                </p:cTn>
+                              </p:par>
+                              <p:par>
+                                <p:cTn id="11" presetID="1" presetClass="entr" presetSubtype="0" fill="hold" nodeType="withEffect">
+                                  <p:stCondLst>
+                                    <p:cond delay="0"/>
+                                  </p:stCondLst>
+                                  <p:childTnLst>
+                                    <p:set>
+                                      <p:cBhvr>
+                                        <p:cTn id="12" dur="1" fill="hold">
+                                          <p:stCondLst>
+                                            <p:cond delay="0"/>
+                                          </p:stCondLst>
+                                        </p:cTn>
+                                        <p:tgtEl>
+                                          <p:spTgt spid="14"/>
+                                        </p:tgtEl>
+                                        <p:attrNameLst>
+                                          <p:attrName>style.visibility</p:attrName>
+                                        </p:attrNameLst>
+                                      </p:cBhvr>
+                                      <p:to>
+                                        <p:strVal val="visible"/>
+                                      </p:to>
+                                    </p:set>
+                                  </p:childTnLst>
+                                </p:cTn>
+                              </p:par>
+                              <p:par>
+                                <p:cTn id="13" presetID="1" presetClass="entr" presetSubtype="0" fill="hold" nodeType="withEffect">
+                                  <p:stCondLst>
+                                    <p:cond delay="0"/>
+                                  </p:stCondLst>
+                                  <p:childTnLst>
+                                    <p:set>
+                                      <p:cBhvr>
+                                        <p:cTn id="14" dur="1" fill="hold">
+                                          <p:stCondLst>
+                                            <p:cond delay="0"/>
+                                          </p:stCondLst>
+                                        </p:cTn>
+                                        <p:tgtEl>
+                                          <p:spTgt spid="16"/>
+                                        </p:tgtEl>
+                                        <p:attrNameLst>
+                                          <p:attrName>style.visibility</p:attrName>
+                                        </p:attrNameLst>
+                                      </p:cBhvr>
+                                      <p:to>
+                                        <p:strVal val="visible"/>
+                                      </p:to>
+                                    </p:set>
+                                  </p:childTnLst>
+                                </p:cTn>
+                              </p:par>
+                            </p:childTnLst>
+                          </p:cTn>
+                        </p:par>
+                      </p:childTnLst>
+                    </p:cTn>
+                  </p:par>
+                  <p:par>
+                    <p:cTn id="15" fill="hold">
+                      <p:stCondLst>
+                        <p:cond delay="indefinite"/>
+                      </p:stCondLst>
+                      <p:childTnLst>
+                        <p:par>
+                          <p:cTn id="16" fill="hold">
+                            <p:stCondLst>
+                              <p:cond delay="0"/>
+                            </p:stCondLst>
+                            <p:childTnLst>
+                              <p:par>
+                                <p:cTn id="17" presetID="10" presetClass="entr" presetSubtype="0" fill="hold" grpId="0" nodeType="clickEffect">
+                                  <p:stCondLst>
+                                    <p:cond delay="0"/>
+                                  </p:stCondLst>
+                                  <p:childTnLst>
+                                    <p:set>
+                                      <p:cBhvr>
+                                        <p:cTn id="18" dur="1" fill="hold">
+                                          <p:stCondLst>
+                                            <p:cond delay="0"/>
+                                          </p:stCondLst>
+                                        </p:cTn>
+                                        <p:tgtEl>
+                                          <p:spTgt spid="17"/>
+                                        </p:tgtEl>
+                                        <p:attrNameLst>
+                                          <p:attrName>style.visibility</p:attrName>
+                                        </p:attrNameLst>
+                                      </p:cBhvr>
+                                      <p:to>
+                                        <p:strVal val="visible"/>
+                                      </p:to>
+                                    </p:set>
+                                    <p:animEffect transition="in" filter="fade">
+                                      <p:cBhvr>
+                                        <p:cTn id="19" dur="500"/>
+                                        <p:tgtEl>
+                                          <p:spTgt spid="17"/>
+                                        </p:tgtEl>
+                                      </p:cBhvr>
+                                    </p:animEffect>
+                                  </p:childTnLst>
+                                </p:cTn>
+                              </p:par>
+                            </p:childTnLst>
+                          </p:cTn>
+                        </p:par>
+                      </p:childTnLst>
+                    </p:cTn>
+                  </p:par>
+                  <p:par>
+                    <p:cTn id="20" fill="hold">
+                      <p:stCondLst>
+                        <p:cond delay="indefinite"/>
+                      </p:stCondLst>
+                      <p:childTnLst>
+                        <p:par>
+                          <p:cTn id="21" fill="hold">
+                            <p:stCondLst>
+                              <p:cond delay="0"/>
+                            </p:stCondLst>
+                            <p:childTnLst>
+                              <p:par>
+                                <p:cTn id="22" presetID="10" presetClass="entr" presetSubtype="0" fill="hold" grpId="0" nodeType="clickEffect">
+                                  <p:stCondLst>
+                                    <p:cond delay="0"/>
+                                  </p:stCondLst>
+                                  <p:childTnLst>
+                                    <p:set>
+                                      <p:cBhvr>
+                                        <p:cTn id="23" dur="1" fill="hold">
+                                          <p:stCondLst>
+                                            <p:cond delay="0"/>
+                                          </p:stCondLst>
+                                        </p:cTn>
+                                        <p:tgtEl>
+                                          <p:spTgt spid="9"/>
+                                        </p:tgtEl>
+                                        <p:attrNameLst>
+                                          <p:attrName>style.visibility</p:attrName>
+                                        </p:attrNameLst>
+                                      </p:cBhvr>
+                                      <p:to>
+                                        <p:strVal val="visible"/>
+                                      </p:to>
+                                    </p:set>
+                                    <p:animEffect transition="in" filter="fade">
+                                      <p:cBhvr>
+                                        <p:cTn id="24" dur="500"/>
+                                        <p:tgtEl>
+                                          <p:spTgt spid="9"/>
+                                        </p:tgtEl>
+                                      </p:cBhvr>
+                                    </p:animEffect>
+                                  </p:childTnLst>
+                                </p:cTn>
+                              </p:par>
+                            </p:childTnLst>
+                          </p:cTn>
+                        </p:par>
+                      </p:childTnLst>
+                    </p:cTn>
+                  </p:par>
+                </p:childTnLst>
+              </p:cTn>
+              <p:prevCondLst>
+                <p:cond evt="onPrev" delay="0">
+                  <p:tgtEl>
+                    <p:sldTgt/>
+                  </p:tgtEl>
+                </p:cond>
+              </p:prevCondLst>
+              <p:nextCondLst>
+                <p:cond evt="onNext" delay="0">
+                  <p:tgtEl>
+                    <p:sldTgt/>
+                  </p:tgtEl>
+                </p:cond>
+              </p:nextCondLst>
+            </p:seq>
+          </p:childTnLst>
+        </p:cTn>
+      </p:par>
+    </p:tnLst>
+    <p:bldLst>
+      <p:bldP spid="17" grpId="0" animBg="1"/>
+      <p:bldP spid="9" grpId="0" animBg="1"/>
+    </p:bldLst>
+  </p:timing>
+</p:sld>
+</file>
+
+<file path=ppt/slides/slide4.xml><?xml version="1.0" encoding="utf-8"?>
+<p:sld xmlns:a="http://schemas.openxmlformats.org/drawingml/2006/main" xmlns:r="http://schemas.openxmlformats.org/officeDocument/2006/relationships" xmlns:p="http://schemas.openxmlformats.org/presentationml/2006/main">
+  <p:cSld>
+    <p:spTree>
+      <p:nvGrpSpPr>
+        <p:cNvPr id="1" name=""/>
+        <p:cNvGrpSpPr/>
+        <p:nvPr/>
+      </p:nvGrpSpPr>
+      <p:grpSpPr>
+        <a:xfrm>
+          <a:off x="0" y="0"/>
+          <a:ext cx="0" cy="0"/>
+          <a:chOff x="0" y="0"/>
+          <a:chExt cx="0" cy="0"/>
+        </a:xfrm>
+      </p:grpSpPr>
       <p:sp>
         <p:nvSpPr>
           <p:cNvPr id="2" name="CasellaDiTesto 1"/>
@@ -6182,12 +7401,16 @@
           </a:bodyPr>
           <a:lstStyle/>
           <a:p>
+            <a:pPr marL="342900" indent="-342900">
+              <a:buFont typeface="Wingdings" pitchFamily="2" charset="2"/>
+              <a:buChar char="v"/>
+            </a:pPr>
             <a:endParaRPr lang="it-IT" sz="2400" dirty="0" smtClean="0"/>
           </a:p>
           <a:p>
-            <a:pPr marL="285750" indent="-285750">
-              <a:buFont typeface="Arial" pitchFamily="34" charset="0"/>
-              <a:buChar char="•"/>
+            <a:pPr marL="342900" indent="-342900">
+              <a:buFont typeface="Wingdings" pitchFamily="2" charset="2"/>
+              <a:buChar char="v"/>
             </a:pPr>
             <a:r>
               <a:rPr lang="it-IT" sz="2400" dirty="0" smtClean="0"/>
@@ -6195,9 +7418,9 @@
             </a:r>
           </a:p>
           <a:p>
-            <a:pPr marL="285750" indent="-285750">
-              <a:buFont typeface="Arial" pitchFamily="34" charset="0"/>
-              <a:buChar char="•"/>
+            <a:pPr marL="342900" indent="-342900">
+              <a:buFont typeface="Wingdings" pitchFamily="2" charset="2"/>
+              <a:buChar char="v"/>
             </a:pPr>
             <a:r>
               <a:rPr lang="it-IT" sz="2400" dirty="0" smtClean="0"/>
@@ -6205,9 +7428,9 @@
             </a:r>
           </a:p>
           <a:p>
-            <a:pPr marL="285750" indent="-285750">
-              <a:buFont typeface="Arial" pitchFamily="34" charset="0"/>
-              <a:buChar char="•"/>
+            <a:pPr marL="342900" indent="-342900">
+              <a:buFont typeface="Wingdings" pitchFamily="2" charset="2"/>
+              <a:buChar char="v"/>
             </a:pPr>
             <a:r>
               <a:rPr lang="it-IT" sz="2400" dirty="0" smtClean="0"/>
@@ -6215,9 +7438,9 @@
             </a:r>
           </a:p>
           <a:p>
-            <a:pPr marL="285750" indent="-285750">
-              <a:buFont typeface="Arial" pitchFamily="34" charset="0"/>
-              <a:buChar char="•"/>
+            <a:pPr marL="342900" indent="-342900">
+              <a:buFont typeface="Wingdings" pitchFamily="2" charset="2"/>
+              <a:buChar char="v"/>
             </a:pPr>
             <a:r>
               <a:rPr lang="it-IT" sz="2400" dirty="0" smtClean="0"/>
@@ -6225,9 +7448,9 @@
             </a:r>
           </a:p>
           <a:p>
-            <a:pPr marL="285750" indent="-285750">
-              <a:buFont typeface="Arial" pitchFamily="34" charset="0"/>
-              <a:buChar char="•"/>
+            <a:pPr marL="342900" indent="-342900">
+              <a:buFont typeface="Wingdings" pitchFamily="2" charset="2"/>
+              <a:buChar char="v"/>
             </a:pPr>
             <a:r>
               <a:rPr lang="it-IT" sz="2400" dirty="0" smtClean="0"/>
@@ -6267,7 +7490,7 @@
 </p:sld>
 </file>
 
-<file path=ppt/slides/slide4.xml><?xml version="1.0" encoding="utf-8"?>
+<file path=ppt/slides/slide5.xml><?xml version="1.0" encoding="utf-8"?>
 <p:sld xmlns:a="http://schemas.openxmlformats.org/drawingml/2006/main" xmlns:r="http://schemas.openxmlformats.org/officeDocument/2006/relationships" xmlns:p="http://schemas.openxmlformats.org/presentationml/2006/main">
   <p:cSld>
     <p:spTree>
@@ -6384,9 +7607,9 @@
             <a:endParaRPr lang="it-IT" sz="2400" dirty="0" smtClean="0"/>
           </a:p>
           <a:p>
-            <a:pPr marL="285750" indent="-285750">
-              <a:buFont typeface="Arial" pitchFamily="34" charset="0"/>
-              <a:buChar char="•"/>
+            <a:pPr marL="342900" indent="-342900">
+              <a:buFont typeface="Wingdings" pitchFamily="2" charset="2"/>
+              <a:buChar char="v"/>
             </a:pPr>
             <a:r>
               <a:rPr lang="it-IT" sz="2400" dirty="0" smtClean="0"/>
@@ -6394,9 +7617,9 @@
             </a:r>
           </a:p>
           <a:p>
-            <a:pPr marL="285750" indent="-285750">
-              <a:buFont typeface="Arial" pitchFamily="34" charset="0"/>
-              <a:buChar char="•"/>
+            <a:pPr marL="342900" indent="-342900">
+              <a:buFont typeface="Wingdings" pitchFamily="2" charset="2"/>
+              <a:buChar char="v"/>
             </a:pPr>
             <a:r>
               <a:rPr lang="it-IT" sz="2400" dirty="0" smtClean="0"/>
@@ -6450,7 +7673,7 @@
 </p:sld>
 </file>
 
-<file path=ppt/slides/slide5.xml><?xml version="1.0" encoding="utf-8"?>
+<file path=ppt/slides/slide6.xml><?xml version="1.0" encoding="utf-8"?>
 <p:sld xmlns:a="http://schemas.openxmlformats.org/drawingml/2006/main" xmlns:r="http://schemas.openxmlformats.org/officeDocument/2006/relationships" xmlns:p="http://schemas.openxmlformats.org/presentationml/2006/main">
   <p:cSld>
     <p:spTree>
@@ -7148,7 +8371,7 @@
 </p:sld>
 </file>
 
-<file path=ppt/slides/slide6.xml><?xml version="1.0" encoding="utf-8"?>
+<file path=ppt/slides/slide7.xml><?xml version="1.0" encoding="utf-8"?>
 <p:sld xmlns:a="http://schemas.openxmlformats.org/drawingml/2006/main" xmlns:r="http://schemas.openxmlformats.org/officeDocument/2006/relationships" xmlns:p="http://schemas.openxmlformats.org/presentationml/2006/main">
   <p:cSld>
     <p:spTree>
@@ -7173,7 +8396,7 @@
         </p:nvSpPr>
         <p:spPr>
           <a:xfrm>
-            <a:off x="2950576" y="787214"/>
+            <a:off x="1043608" y="787214"/>
             <a:ext cx="3557832" cy="646331"/>
           </a:xfrm>
           <a:prstGeom prst="rect">
@@ -7207,7 +8430,7 @@
         </p:nvSpPr>
         <p:spPr>
           <a:xfrm>
-            <a:off x="332158" y="2384434"/>
+            <a:off x="332158" y="2132856"/>
             <a:ext cx="8488314" cy="1476614"/>
           </a:xfrm>
           <a:prstGeom prst="rect">
@@ -7583,7 +8806,7 @@
         </p:nvSpPr>
         <p:spPr>
           <a:xfrm>
-            <a:off x="323528" y="4437112"/>
+            <a:off x="323528" y="4077072"/>
             <a:ext cx="8352928" cy="1008112"/>
           </a:xfrm>
           <a:prstGeom prst="rect">
@@ -7861,6 +9084,70 @@
           </a:p>
         </p:txBody>
       </p:sp>
+      <p:pic>
+        <p:nvPicPr>
+          <p:cNvPr id="1026" name="Picture 2"/>
+          <p:cNvPicPr>
+            <a:picLocks noChangeAspect="1" noChangeArrowheads="1"/>
+          </p:cNvPicPr>
+          <p:nvPr/>
+        </p:nvPicPr>
+        <p:blipFill>
+          <a:blip r:embed="rId2" cstate="print">
+            <a:extLst>
+              <a:ext uri="{28A0092B-C50C-407E-A947-70E740481C1C}">
+                <a14:useLocalDpi xmlns:a14="http://schemas.microsoft.com/office/drawing/2010/main" val="0"/>
+              </a:ext>
+            </a:extLst>
+          </a:blip>
+          <a:srcRect/>
+          <a:stretch>
+            <a:fillRect/>
+          </a:stretch>
+        </p:blipFill>
+        <p:spPr bwMode="auto">
+          <a:xfrm>
+            <a:off x="7116817" y="4797152"/>
+            <a:ext cx="1691039" cy="1695183"/>
+          </a:xfrm>
+          <a:prstGeom prst="rect">
+            <a:avLst/>
+          </a:prstGeom>
+          <a:noFill/>
+          <a:ln>
+            <a:noFill/>
+          </a:ln>
+          <a:effectLst/>
+          <a:extLst>
+            <a:ext uri="{909E8E84-426E-40DD-AFC4-6F175D3DCCD1}">
+              <a14:hiddenFill xmlns:a14="http://schemas.microsoft.com/office/drawing/2010/main">
+                <a:solidFill>
+                  <a:schemeClr val="accent1"/>
+                </a:solidFill>
+              </a14:hiddenFill>
+            </a:ext>
+            <a:ext uri="{91240B29-F687-4F45-9708-019B960494DF}">
+              <a14:hiddenLine xmlns:a14="http://schemas.microsoft.com/office/drawing/2010/main" w="9525">
+                <a:solidFill>
+                  <a:schemeClr val="tx1"/>
+                </a:solidFill>
+                <a:miter lim="800000"/>
+                <a:headEnd/>
+                <a:tailEnd/>
+              </a14:hiddenLine>
+            </a:ext>
+            <a:ext uri="{AF507438-7753-43E0-B8FC-AC1667EBCBE1}">
+              <a14:hiddenEffects xmlns:a14="http://schemas.microsoft.com/office/drawing/2010/main">
+                <a:effectLst>
+                  <a:outerShdw dist="35921" dir="2700000" algn="ctr" rotWithShape="0">
+                    <a:schemeClr val="bg2"/>
+                  </a:outerShdw>
+                </a:effectLst>
+              </a14:hiddenEffects>
+            </a:ext>
+          </a:extLst>
+        </p:spPr>
+      </p:pic>
     </p:spTree>
     <p:extLst>
       <p:ext uri="{BB962C8B-B14F-4D97-AF65-F5344CB8AC3E}">
@@ -7881,7 +9168,7 @@
 </p:sld>
 </file>
 
-<file path=ppt/slides/slide7.xml><?xml version="1.0" encoding="utf-8"?>
+<file path=ppt/slides/slide8.xml><?xml version="1.0" encoding="utf-8"?>
 <p:sld xmlns:a="http://schemas.openxmlformats.org/drawingml/2006/main" xmlns:r="http://schemas.openxmlformats.org/officeDocument/2006/relationships" xmlns:p="http://schemas.openxmlformats.org/presentationml/2006/main">
   <p:cSld>
     <p:spTree>
@@ -8003,7 +9290,7 @@
 </p:sld>
 </file>
 
-<file path=ppt/slides/slide8.xml><?xml version="1.0" encoding="utf-8"?>
+<file path=ppt/slides/slide9.xml><?xml version="1.0" encoding="utf-8"?>
 <p:sld xmlns:a="http://schemas.openxmlformats.org/drawingml/2006/main" xmlns:r="http://schemas.openxmlformats.org/officeDocument/2006/relationships" xmlns:p="http://schemas.openxmlformats.org/presentationml/2006/main">
   <p:cSld>
     <p:spTree>
@@ -8252,24 +9539,16 @@
             </a:endParaRPr>
           </a:p>
           <a:p>
-            <a:pPr>
-              <a:buFont typeface="Arial" pitchFamily="34" charset="0"/>
-              <a:buChar char="•"/>
-            </a:pPr>
             <a:r>
               <a:rPr lang="it-IT" dirty="0" smtClean="0">
                 <a:solidFill>
                   <a:srgbClr val="000000"/>
                 </a:solidFill>
               </a:rPr>
-              <a:t>genitore non può pagare online ma deve pagare con bancomat allo sportello dell’asilo</a:t>
-            </a:r>
-          </a:p>
-          <a:p>
-            <a:pPr>
-              <a:buFont typeface="Arial" pitchFamily="34" charset="0"/>
-              <a:buChar char="•"/>
-            </a:pPr>
+              <a:t>Genitore non può pagare online ma deve pagare con   bancomat allo sportello dell’asilo</a:t>
+            </a:r>
+          </a:p>
+          <a:p>
             <a:r>
               <a:rPr lang="it-IT" dirty="0" smtClean="0">
                 <a:solidFill>
@@ -8280,9 +9559,6 @@
             </a:r>
           </a:p>
           <a:p>
-            <a:pPr marL="0" indent="0">
-              <a:buNone/>
-            </a:pPr>
             <a:endParaRPr lang="it-IT" dirty="0" smtClean="0">
               <a:solidFill>
                 <a:srgbClr val="000000"/>
@@ -8303,10 +9579,6 @@
             </a:r>
           </a:p>
           <a:p>
-            <a:pPr>
-              <a:buFont typeface="Arial" pitchFamily="34" charset="0"/>
-              <a:buChar char="•"/>
-            </a:pPr>
             <a:r>
               <a:rPr lang="it-IT" dirty="0" smtClean="0">
                 <a:solidFill>
@@ -8349,128 +9621,6 @@
       <p:transition spd="slow"/>
     </mc:Fallback>
   </mc:AlternateContent>
-  <p:timing>
-    <p:tnLst>
-      <p:par>
-        <p:cTn id="1" dur="indefinite" restart="never" nodeType="tmRoot"/>
-      </p:par>
-    </p:tnLst>
-  </p:timing>
-</p:sld>
-</file>
-
-<file path=ppt/slides/slide9.xml><?xml version="1.0" encoding="utf-8"?>
-<p:sld xmlns:a="http://schemas.openxmlformats.org/drawingml/2006/main" xmlns:r="http://schemas.openxmlformats.org/officeDocument/2006/relationships" xmlns:p="http://schemas.openxmlformats.org/presentationml/2006/main">
-  <p:cSld>
-    <p:spTree>
-      <p:nvGrpSpPr>
-        <p:cNvPr id="1" name=""/>
-        <p:cNvGrpSpPr/>
-        <p:nvPr/>
-      </p:nvGrpSpPr>
-      <p:grpSpPr>
-        <a:xfrm>
-          <a:off x="0" y="0"/>
-          <a:ext cx="0" cy="0"/>
-          <a:chOff x="0" y="0"/>
-          <a:chExt cx="0" cy="0"/>
-        </a:xfrm>
-      </p:grpSpPr>
-      <p:sp>
-        <p:nvSpPr>
-          <p:cNvPr id="3" name="CasellaDiTesto 2"/>
-          <p:cNvSpPr txBox="1"/>
-          <p:nvPr/>
-        </p:nvSpPr>
-        <p:spPr>
-          <a:xfrm>
-            <a:off x="2760544" y="471869"/>
-            <a:ext cx="3937873" cy="861774"/>
-          </a:xfrm>
-          <a:prstGeom prst="rect">
-            <a:avLst/>
-          </a:prstGeom>
-          <a:noFill/>
-        </p:spPr>
-        <p:txBody>
-          <a:bodyPr wrap="none" rtlCol="0">
-            <a:spAutoFit/>
-          </a:bodyPr>
-          <a:lstStyle/>
-          <a:p>
-            <a:pPr algn="ctr"/>
-            <a:r>
-              <a:rPr lang="it-IT" sz="3200" b="1" dirty="0">
-                <a:latin typeface="+mj-lt"/>
-              </a:rPr>
-              <a:t> </a:t>
-            </a:r>
-            <a:r>
-              <a:rPr lang="it-IT" sz="3200" b="1" dirty="0" smtClean="0">
-                <a:latin typeface="+mj-lt"/>
-              </a:rPr>
-              <a:t>Use Case Diagram 1.0</a:t>
-            </a:r>
-          </a:p>
-          <a:p>
-            <a:pPr algn="ctr"/>
-            <a:endParaRPr lang="it-IT" dirty="0">
-              <a:latin typeface="+mj-lt"/>
-            </a:endParaRPr>
-          </a:p>
-        </p:txBody>
-      </p:sp>
-      <p:pic>
-        <p:nvPicPr>
-          <p:cNvPr id="2050" name="Picture 2" descr="C:\Users\Marko\Desktop\Class_Diagram_Pagamenti32.png"/>
-          <p:cNvPicPr>
-            <a:picLocks noChangeAspect="1" noChangeArrowheads="1"/>
-          </p:cNvPicPr>
-          <p:nvPr/>
-        </p:nvPicPr>
-        <p:blipFill>
-          <a:blip r:embed="rId3">
-            <a:extLst>
-              <a:ext uri="{28A0092B-C50C-407E-A947-70E740481C1C}">
-                <a14:useLocalDpi xmlns:a14="http://schemas.microsoft.com/office/drawing/2010/main" val="0"/>
-              </a:ext>
-            </a:extLst>
-          </a:blip>
-          <a:srcRect/>
-          <a:stretch>
-            <a:fillRect/>
-          </a:stretch>
-        </p:blipFill>
-        <p:spPr bwMode="auto">
-          <a:xfrm>
-            <a:off x="179512" y="1124744"/>
-            <a:ext cx="8572500" cy="5334000"/>
-          </a:xfrm>
-          <a:prstGeom prst="rect">
-            <a:avLst/>
-          </a:prstGeom>
-          <a:noFill/>
-          <a:extLst>
-            <a:ext uri="{909E8E84-426E-40DD-AFC4-6F175D3DCCD1}">
-              <a14:hiddenFill xmlns:a14="http://schemas.microsoft.com/office/drawing/2010/main">
-                <a:solidFill>
-                  <a:srgbClr val="FFFFFF"/>
-                </a:solidFill>
-              </a14:hiddenFill>
-            </a:ext>
-          </a:extLst>
-        </p:spPr>
-      </p:pic>
-    </p:spTree>
-    <p:extLst>
-      <p:ext uri="{BB962C8B-B14F-4D97-AF65-F5344CB8AC3E}">
-        <p14:creationId xmlns:p14="http://schemas.microsoft.com/office/powerpoint/2010/main" val="1824602548"/>
-      </p:ext>
-    </p:extLst>
-  </p:cSld>
-  <p:clrMapOvr>
-    <a:masterClrMapping/>
-  </p:clrMapOvr>
   <p:timing>
     <p:tnLst>
       <p:par>

--- a/Presentazione/Atsilo2/Parisi/Atsilo_M_Parisi.pptx
+++ b/Presentazione/Atsilo2/Parisi/Atsilo_M_Parisi.pptx
@@ -18,11 +18,11 @@
     <p:sldId id="263" r:id="rId9"/>
     <p:sldId id="275" r:id="rId10"/>
     <p:sldId id="270" r:id="rId11"/>
-    <p:sldId id="262" r:id="rId12"/>
-    <p:sldId id="261" r:id="rId13"/>
-    <p:sldId id="260" r:id="rId14"/>
-    <p:sldId id="279" r:id="rId15"/>
-    <p:sldId id="280" r:id="rId16"/>
+    <p:sldId id="281" r:id="rId12"/>
+    <p:sldId id="262" r:id="rId13"/>
+    <p:sldId id="261" r:id="rId14"/>
+    <p:sldId id="260" r:id="rId15"/>
+    <p:sldId id="279" r:id="rId16"/>
   </p:sldIdLst>
   <p:sldSz cx="9144000" cy="6858000" type="screen4x3"/>
   <p:notesSz cx="6858000" cy="9144000"/>
@@ -649,26 +649,14 @@
           <a:bodyPr/>
           <a:lstStyle/>
           <a:p>
-            <a:pPr marL="0" marR="0" indent="0" algn="l" defTabSz="914400" rtl="0" eaLnBrk="1" fontAlgn="auto" latinLnBrk="0" hangingPunct="1">
-              <a:lnSpc>
-                <a:spcPct val="100000"/>
-              </a:lnSpc>
-              <a:spcBef>
-                <a:spcPts val="0"/>
-              </a:spcBef>
-              <a:spcAft>
-                <a:spcPts val="0"/>
-              </a:spcAft>
-              <a:buClrTx/>
-              <a:buSzTx/>
-              <a:buFontTx/>
-              <a:buNone/>
-              <a:tabLst/>
-              <a:defRPr/>
-            </a:pPr>
-            <a:endParaRPr lang="it-IT" sz="1200" dirty="0" smtClean="0"/>
-          </a:p>
-          <a:p>
+            <a:r>
+              <a:rPr lang="it-IT" dirty="0" smtClean="0"/>
+              <a:t>Questa che</a:t>
+            </a:r>
+            <a:r>
+              <a:rPr lang="it-IT" baseline="0" dirty="0" smtClean="0"/>
+              <a:t> ho mostrato sostanzialmente è l’idea su cui noi volevamo basarci per implementare la gestione dei pagamenti ma essendo a bassa priorità non è stato implementato sia per mancanza di tempo effettivo sia per mancanza di skill necessarie</a:t>
+            </a:r>
             <a:endParaRPr lang="it-IT" dirty="0"/>
           </a:p>
         </p:txBody>
@@ -700,7 +688,7 @@
     </p:spTree>
     <p:extLst>
       <p:ext uri="{BB962C8B-B14F-4D97-AF65-F5344CB8AC3E}">
-        <p14:creationId xmlns:p14="http://schemas.microsoft.com/office/powerpoint/2010/main" val="2716859324"/>
+        <p14:creationId xmlns:p14="http://schemas.microsoft.com/office/powerpoint/2010/main" val="3771085237"/>
       </p:ext>
     </p:extLst>
   </p:cSld>
@@ -753,6 +741,53 @@
         <p:txBody>
           <a:bodyPr/>
           <a:lstStyle/>
+          <a:p>
+            <a:pPr marL="0" marR="0" indent="0" algn="l" defTabSz="914400" rtl="0" eaLnBrk="1" fontAlgn="auto" latinLnBrk="0" hangingPunct="1">
+              <a:lnSpc>
+                <a:spcPct val="100000"/>
+              </a:lnSpc>
+              <a:spcBef>
+                <a:spcPts val="0"/>
+              </a:spcBef>
+              <a:spcAft>
+                <a:spcPts val="0"/>
+              </a:spcAft>
+              <a:buClrTx/>
+              <a:buSzTx/>
+              <a:buFontTx/>
+              <a:buNone/>
+              <a:tabLst/>
+              <a:defRPr/>
+            </a:pPr>
+            <a:r>
+              <a:rPr lang="it-IT" sz="1200" dirty="0" smtClean="0"/>
+              <a:t>Problemi come: rimborso,cauzione,sconti</a:t>
+            </a:r>
+            <a:r>
+              <a:rPr lang="it-IT" sz="1200" baseline="0" dirty="0" smtClean="0"/>
+              <a:t> era specificato solo concettualmente ma non come farlo quindi o si sceglieva una strada dettagliata oppure si rimaneva sul generale.</a:t>
+            </a:r>
+          </a:p>
+          <a:p>
+            <a:pPr marL="0" marR="0" indent="0" algn="l" defTabSz="914400" rtl="0" eaLnBrk="1" fontAlgn="auto" latinLnBrk="0" hangingPunct="1">
+              <a:lnSpc>
+                <a:spcPct val="100000"/>
+              </a:lnSpc>
+              <a:spcBef>
+                <a:spcPts val="0"/>
+              </a:spcBef>
+              <a:spcAft>
+                <a:spcPts val="0"/>
+              </a:spcAft>
+              <a:buClrTx/>
+              <a:buSzTx/>
+              <a:buFontTx/>
+              <a:buNone/>
+              <a:tabLst/>
+              <a:defRPr/>
+            </a:pPr>
+            <a:endParaRPr lang="it-IT" sz="1200" baseline="0" dirty="0" smtClean="0"/>
+          </a:p>
           <a:p>
             <a:pPr marL="0" marR="0" indent="0" algn="l" defTabSz="914400" rtl="0" eaLnBrk="1" fontAlgn="auto" latinLnBrk="0" hangingPunct="1">
               <a:lnSpc>
@@ -1128,13 +1163,37 @@
             </a:r>
             <a:r>
               <a:rPr lang="it-IT" baseline="0" dirty="0" smtClean="0"/>
-              <a:t> cosa si intende per gestione degli extra</a:t>
-            </a:r>
-          </a:p>
-          <a:p>
+              <a:t> </a:t>
+            </a:r>
             <a:r>
               <a:rPr lang="it-IT" baseline="0" dirty="0" smtClean="0"/>
-              <a:t>il nostro sistema prevede che i genitori possono richiedere variazione sul menù di base sia sull’orario </a:t>
+              <a:t>cosa si intende per gestione degli extra</a:t>
+            </a:r>
+          </a:p>
+          <a:p>
+            <a:r>
+              <a:rPr lang="it-IT" baseline="0" dirty="0" smtClean="0"/>
+              <a:t>il nostro sistema prevede che i genitori possono richiedere </a:t>
+            </a:r>
+            <a:r>
+              <a:rPr lang="it-IT" baseline="0" dirty="0" smtClean="0"/>
+              <a:t>variazione sia </a:t>
+            </a:r>
+            <a:r>
+              <a:rPr lang="it-IT" baseline="0" dirty="0" smtClean="0"/>
+              <a:t>sul menù di base </a:t>
+            </a:r>
+            <a:r>
+              <a:rPr lang="it-IT" baseline="0" dirty="0" smtClean="0"/>
+              <a:t>e sia </a:t>
+            </a:r>
+            <a:r>
+              <a:rPr lang="it-IT" baseline="0" dirty="0" smtClean="0"/>
+              <a:t>sull’orario </a:t>
+            </a:r>
+            <a:r>
+              <a:rPr lang="it-IT" baseline="0" dirty="0" smtClean="0"/>
+              <a:t>e ovviamente queste variazioni sono soggette a pagamento</a:t>
             </a:r>
             <a:endParaRPr lang="it-IT" dirty="0"/>
           </a:p>
@@ -1316,7 +1375,19 @@
           <a:p>
             <a:r>
               <a:rPr lang="it-IT" dirty="0" smtClean="0"/>
-              <a:t>Fare una ricapitolazione cosa può fare l’impiegato e cosa può fare il genitore</a:t>
+              <a:t>Promemoria pagamento e promemoria fattura inclusi in </a:t>
+            </a:r>
+            <a:r>
+              <a:rPr lang="it-IT" dirty="0" smtClean="0"/>
+              <a:t>invio</a:t>
+            </a:r>
+            <a:r>
+              <a:rPr lang="it-IT" baseline="0" dirty="0" smtClean="0"/>
+              <a:t> </a:t>
+            </a:r>
+            <a:r>
+              <a:rPr lang="it-IT" dirty="0" smtClean="0"/>
+              <a:t>ipromemoria</a:t>
             </a:r>
             <a:endParaRPr lang="it-IT" dirty="0"/>
           </a:p>
@@ -1349,7 +1420,7 @@
     </p:spTree>
     <p:extLst>
       <p:ext uri="{BB962C8B-B14F-4D97-AF65-F5344CB8AC3E}">
-        <p14:creationId xmlns:p14="http://schemas.microsoft.com/office/powerpoint/2010/main" val="3294237695"/>
+        <p14:creationId xmlns:p14="http://schemas.microsoft.com/office/powerpoint/2010/main" val="1685022444"/>
       </p:ext>
     </p:extLst>
   </p:cSld>
@@ -1403,6 +1474,10 @@
           <a:bodyPr/>
           <a:lstStyle/>
           <a:p>
+            <a:r>
+              <a:rPr lang="it-IT" dirty="0" smtClean="0"/>
+              <a:t>Fare una ricapitolazione cosa può fare l’impiegato e cosa può fare il genitore</a:t>
+            </a:r>
             <a:endParaRPr lang="it-IT" dirty="0"/>
           </a:p>
         </p:txBody>
@@ -1434,7 +1509,7 @@
     </p:spTree>
     <p:extLst>
       <p:ext uri="{BB962C8B-B14F-4D97-AF65-F5344CB8AC3E}">
-        <p14:creationId xmlns:p14="http://schemas.microsoft.com/office/powerpoint/2010/main" val="328384907"/>
+        <p14:creationId xmlns:p14="http://schemas.microsoft.com/office/powerpoint/2010/main" val="3294237695"/>
       </p:ext>
     </p:extLst>
   </p:cSld>
@@ -1488,14 +1563,6 @@
           <a:bodyPr/>
           <a:lstStyle/>
           <a:p>
-            <a:r>
-              <a:rPr lang="it-IT" dirty="0" smtClean="0"/>
-              <a:t>Questa che</a:t>
-            </a:r>
-            <a:r>
-              <a:rPr lang="it-IT" baseline="0" dirty="0" smtClean="0"/>
-              <a:t> ho mostrato sostanzialmente è l’idea su cui noi volevamo basarci per implementare la gestione dei pagamenti ma essendo a bassa priorità non è stato implementato sia per mancanza di tempo effettivo sia per mancanza di skill necessarie</a:t>
-            </a:r>
             <a:endParaRPr lang="it-IT" dirty="0"/>
           </a:p>
         </p:txBody>
@@ -1527,7 +1594,7 @@
     </p:spTree>
     <p:extLst>
       <p:ext uri="{BB962C8B-B14F-4D97-AF65-F5344CB8AC3E}">
-        <p14:creationId xmlns:p14="http://schemas.microsoft.com/office/powerpoint/2010/main" val="3771085237"/>
+        <p14:creationId xmlns:p14="http://schemas.microsoft.com/office/powerpoint/2010/main" val="328384907"/>
       </p:ext>
     </p:extLst>
   </p:cSld>
@@ -5832,6 +5899,353 @@
         </p:nvSpPr>
         <p:spPr>
           <a:xfrm>
+            <a:off x="3347864" y="5301208"/>
+            <a:ext cx="2258770" cy="792088"/>
+          </a:xfrm>
+          <a:prstGeom prst="ellipse">
+            <a:avLst/>
+          </a:prstGeom>
+          <a:noFill/>
+          <a:ln>
+            <a:solidFill>
+              <a:srgbClr val="FF0000"/>
+            </a:solidFill>
+          </a:ln>
+        </p:spPr>
+        <p:style>
+          <a:lnRef idx="2">
+            <a:schemeClr val="accent1">
+              <a:shade val="50000"/>
+            </a:schemeClr>
+          </a:lnRef>
+          <a:fillRef idx="1">
+            <a:schemeClr val="accent1"/>
+          </a:fillRef>
+          <a:effectRef idx="0">
+            <a:schemeClr val="accent1"/>
+          </a:effectRef>
+          <a:fontRef idx="minor">
+            <a:schemeClr val="lt1"/>
+          </a:fontRef>
+        </p:style>
+        <p:txBody>
+          <a:bodyPr rtlCol="0" anchor="ctr"/>
+          <a:lstStyle/>
+          <a:p>
+            <a:pPr algn="ctr"/>
+            <a:endParaRPr lang="it-IT"/>
+          </a:p>
+        </p:txBody>
+      </p:sp>
+      <p:sp>
+        <p:nvSpPr>
+          <p:cNvPr id="5" name="Ovale 4"/>
+          <p:cNvSpPr/>
+          <p:nvPr/>
+        </p:nvSpPr>
+        <p:spPr>
+          <a:xfrm>
+            <a:off x="5606634" y="4797152"/>
+            <a:ext cx="1557654" cy="612224"/>
+          </a:xfrm>
+          <a:prstGeom prst="ellipse">
+            <a:avLst/>
+          </a:prstGeom>
+          <a:noFill/>
+          <a:ln>
+            <a:solidFill>
+              <a:srgbClr val="FF0000"/>
+            </a:solidFill>
+          </a:ln>
+        </p:spPr>
+        <p:style>
+          <a:lnRef idx="2">
+            <a:schemeClr val="accent1">
+              <a:shade val="50000"/>
+            </a:schemeClr>
+          </a:lnRef>
+          <a:fillRef idx="1">
+            <a:schemeClr val="accent1"/>
+          </a:fillRef>
+          <a:effectRef idx="0">
+            <a:schemeClr val="accent1"/>
+          </a:effectRef>
+          <a:fontRef idx="minor">
+            <a:schemeClr val="lt1"/>
+          </a:fontRef>
+        </p:style>
+        <p:txBody>
+          <a:bodyPr rtlCol="0" anchor="ctr"/>
+          <a:lstStyle/>
+          <a:p>
+            <a:pPr algn="ctr"/>
+            <a:endParaRPr lang="it-IT"/>
+          </a:p>
+        </p:txBody>
+      </p:sp>
+    </p:spTree>
+    <p:extLst>
+      <p:ext uri="{BB962C8B-B14F-4D97-AF65-F5344CB8AC3E}">
+        <p14:creationId xmlns:p14="http://schemas.microsoft.com/office/powerpoint/2010/main" val="1824602548"/>
+      </p:ext>
+    </p:extLst>
+  </p:cSld>
+  <p:clrMapOvr>
+    <a:masterClrMapping/>
+  </p:clrMapOvr>
+  <p:timing>
+    <p:tnLst>
+      <p:par>
+        <p:cTn id="1" dur="indefinite" restart="never" nodeType="tmRoot">
+          <p:childTnLst>
+            <p:seq concurrent="1" nextAc="seek">
+              <p:cTn id="2" dur="indefinite" nodeType="mainSeq">
+                <p:childTnLst>
+                  <p:par>
+                    <p:cTn id="3" fill="hold">
+                      <p:stCondLst>
+                        <p:cond delay="indefinite"/>
+                      </p:stCondLst>
+                      <p:childTnLst>
+                        <p:par>
+                          <p:cTn id="4" fill="hold">
+                            <p:stCondLst>
+                              <p:cond delay="0"/>
+                            </p:stCondLst>
+                            <p:childTnLst>
+                              <p:par>
+                                <p:cTn id="5" presetID="10" presetClass="entr" presetSubtype="0" fill="hold" grpId="0" nodeType="clickEffect">
+                                  <p:stCondLst>
+                                    <p:cond delay="0"/>
+                                  </p:stCondLst>
+                                  <p:childTnLst>
+                                    <p:set>
+                                      <p:cBhvr>
+                                        <p:cTn id="6" dur="1" fill="hold">
+                                          <p:stCondLst>
+                                            <p:cond delay="0"/>
+                                          </p:stCondLst>
+                                        </p:cTn>
+                                        <p:tgtEl>
+                                          <p:spTgt spid="4"/>
+                                        </p:tgtEl>
+                                        <p:attrNameLst>
+                                          <p:attrName>style.visibility</p:attrName>
+                                        </p:attrNameLst>
+                                      </p:cBhvr>
+                                      <p:to>
+                                        <p:strVal val="visible"/>
+                                      </p:to>
+                                    </p:set>
+                                    <p:animEffect transition="in" filter="fade">
+                                      <p:cBhvr>
+                                        <p:cTn id="7" dur="500"/>
+                                        <p:tgtEl>
+                                          <p:spTgt spid="4"/>
+                                        </p:tgtEl>
+                                      </p:cBhvr>
+                                    </p:animEffect>
+                                  </p:childTnLst>
+                                </p:cTn>
+                              </p:par>
+                            </p:childTnLst>
+                          </p:cTn>
+                        </p:par>
+                      </p:childTnLst>
+                    </p:cTn>
+                  </p:par>
+                  <p:par>
+                    <p:cTn id="8" fill="hold">
+                      <p:stCondLst>
+                        <p:cond delay="indefinite"/>
+                      </p:stCondLst>
+                      <p:childTnLst>
+                        <p:par>
+                          <p:cTn id="9" fill="hold">
+                            <p:stCondLst>
+                              <p:cond delay="0"/>
+                            </p:stCondLst>
+                            <p:childTnLst>
+                              <p:par>
+                                <p:cTn id="10" presetID="10" presetClass="entr" presetSubtype="0" fill="hold" grpId="0" nodeType="clickEffect">
+                                  <p:stCondLst>
+                                    <p:cond delay="0"/>
+                                  </p:stCondLst>
+                                  <p:childTnLst>
+                                    <p:set>
+                                      <p:cBhvr>
+                                        <p:cTn id="11" dur="1" fill="hold">
+                                          <p:stCondLst>
+                                            <p:cond delay="0"/>
+                                          </p:stCondLst>
+                                        </p:cTn>
+                                        <p:tgtEl>
+                                          <p:spTgt spid="5"/>
+                                        </p:tgtEl>
+                                        <p:attrNameLst>
+                                          <p:attrName>style.visibility</p:attrName>
+                                        </p:attrNameLst>
+                                      </p:cBhvr>
+                                      <p:to>
+                                        <p:strVal val="visible"/>
+                                      </p:to>
+                                    </p:set>
+                                    <p:animEffect transition="in" filter="fade">
+                                      <p:cBhvr>
+                                        <p:cTn id="12" dur="500"/>
+                                        <p:tgtEl>
+                                          <p:spTgt spid="5"/>
+                                        </p:tgtEl>
+                                      </p:cBhvr>
+                                    </p:animEffect>
+                                  </p:childTnLst>
+                                </p:cTn>
+                              </p:par>
+                            </p:childTnLst>
+                          </p:cTn>
+                        </p:par>
+                      </p:childTnLst>
+                    </p:cTn>
+                  </p:par>
+                </p:childTnLst>
+              </p:cTn>
+              <p:prevCondLst>
+                <p:cond evt="onPrev" delay="0">
+                  <p:tgtEl>
+                    <p:sldTgt/>
+                  </p:tgtEl>
+                </p:cond>
+              </p:prevCondLst>
+              <p:nextCondLst>
+                <p:cond evt="onNext" delay="0">
+                  <p:tgtEl>
+                    <p:sldTgt/>
+                  </p:tgtEl>
+                </p:cond>
+              </p:nextCondLst>
+            </p:seq>
+          </p:childTnLst>
+        </p:cTn>
+      </p:par>
+    </p:tnLst>
+    <p:bldLst>
+      <p:bldP spid="4" grpId="0" animBg="1"/>
+      <p:bldP spid="5" grpId="0" animBg="1"/>
+    </p:bldLst>
+  </p:timing>
+</p:sld>
+</file>
+
+<file path=ppt/slides/slide11.xml><?xml version="1.0" encoding="utf-8"?>
+<p:sld xmlns:a="http://schemas.openxmlformats.org/drawingml/2006/main" xmlns:r="http://schemas.openxmlformats.org/officeDocument/2006/relationships" xmlns:p="http://schemas.openxmlformats.org/presentationml/2006/main">
+  <p:cSld>
+    <p:spTree>
+      <p:nvGrpSpPr>
+        <p:cNvPr id="1" name=""/>
+        <p:cNvGrpSpPr/>
+        <p:nvPr/>
+      </p:nvGrpSpPr>
+      <p:grpSpPr>
+        <a:xfrm>
+          <a:off x="0" y="0"/>
+          <a:ext cx="0" cy="0"/>
+          <a:chOff x="0" y="0"/>
+          <a:chExt cx="0" cy="0"/>
+        </a:xfrm>
+      </p:grpSpPr>
+      <p:sp>
+        <p:nvSpPr>
+          <p:cNvPr id="3" name="CasellaDiTesto 2"/>
+          <p:cNvSpPr txBox="1"/>
+          <p:nvPr/>
+        </p:nvSpPr>
+        <p:spPr>
+          <a:xfrm>
+            <a:off x="2760544" y="471869"/>
+            <a:ext cx="3937873" cy="861774"/>
+          </a:xfrm>
+          <a:prstGeom prst="rect">
+            <a:avLst/>
+          </a:prstGeom>
+          <a:noFill/>
+        </p:spPr>
+        <p:txBody>
+          <a:bodyPr wrap="none" rtlCol="0">
+            <a:spAutoFit/>
+          </a:bodyPr>
+          <a:lstStyle/>
+          <a:p>
+            <a:pPr algn="ctr"/>
+            <a:r>
+              <a:rPr lang="it-IT" sz="3200" b="1" dirty="0">
+                <a:latin typeface="+mj-lt"/>
+              </a:rPr>
+              <a:t> </a:t>
+            </a:r>
+            <a:r>
+              <a:rPr lang="it-IT" sz="3200" b="1" dirty="0" smtClean="0">
+                <a:latin typeface="+mj-lt"/>
+              </a:rPr>
+              <a:t>Use Case Diagram 1.0</a:t>
+            </a:r>
+          </a:p>
+          <a:p>
+            <a:pPr algn="ctr"/>
+            <a:endParaRPr lang="it-IT" dirty="0">
+              <a:latin typeface="+mj-lt"/>
+            </a:endParaRPr>
+          </a:p>
+        </p:txBody>
+      </p:sp>
+      <p:pic>
+        <p:nvPicPr>
+          <p:cNvPr id="2050" name="Picture 2" descr="C:\Users\Marko\Desktop\Class_Diagram_Pagamenti32.png"/>
+          <p:cNvPicPr>
+            <a:picLocks noChangeAspect="1" noChangeArrowheads="1"/>
+          </p:cNvPicPr>
+          <p:nvPr/>
+        </p:nvPicPr>
+        <p:blipFill>
+          <a:blip r:embed="rId3">
+            <a:extLst>
+              <a:ext uri="{28A0092B-C50C-407E-A947-70E740481C1C}">
+                <a14:useLocalDpi xmlns:a14="http://schemas.microsoft.com/office/drawing/2010/main" val="0"/>
+              </a:ext>
+            </a:extLst>
+          </a:blip>
+          <a:srcRect/>
+          <a:stretch>
+            <a:fillRect/>
+          </a:stretch>
+        </p:blipFill>
+        <p:spPr bwMode="auto">
+          <a:xfrm>
+            <a:off x="179512" y="1124744"/>
+            <a:ext cx="8572500" cy="5334000"/>
+          </a:xfrm>
+          <a:prstGeom prst="rect">
+            <a:avLst/>
+          </a:prstGeom>
+          <a:noFill/>
+          <a:extLst>
+            <a:ext uri="{909E8E84-426E-40DD-AFC4-6F175D3DCCD1}">
+              <a14:hiddenFill xmlns:a14="http://schemas.microsoft.com/office/drawing/2010/main">
+                <a:solidFill>
+                  <a:srgbClr val="FFFFFF"/>
+                </a:solidFill>
+              </a14:hiddenFill>
+            </a:ext>
+          </a:extLst>
+        </p:spPr>
+      </p:pic>
+      <p:sp>
+        <p:nvSpPr>
+          <p:cNvPr id="4" name="Ovale 3"/>
+          <p:cNvSpPr/>
+          <p:nvPr/>
+        </p:nvSpPr>
+        <p:spPr>
+          <a:xfrm>
             <a:off x="2604836" y="2852936"/>
             <a:ext cx="4271420" cy="1152128"/>
           </a:xfrm>
@@ -5873,7 +6287,7 @@
     </p:spTree>
     <p:extLst>
       <p:ext uri="{BB962C8B-B14F-4D97-AF65-F5344CB8AC3E}">
-        <p14:creationId xmlns:p14="http://schemas.microsoft.com/office/powerpoint/2010/main" val="1824602548"/>
+        <p14:creationId xmlns:p14="http://schemas.microsoft.com/office/powerpoint/2010/main" val="4209306795"/>
       </p:ext>
     </p:extLst>
   </p:cSld>
@@ -5969,7 +6383,7 @@
 </p:sld>
 </file>
 
-<file path=ppt/slides/slide11.xml><?xml version="1.0" encoding="utf-8"?>
+<file path=ppt/slides/slide12.xml><?xml version="1.0" encoding="utf-8"?>
 <p:sld xmlns:a="http://schemas.openxmlformats.org/drawingml/2006/main" xmlns:r="http://schemas.openxmlformats.org/officeDocument/2006/relationships" xmlns:p="http://schemas.openxmlformats.org/presentationml/2006/main">
   <p:cSld>
     <p:spTree>
@@ -6091,7 +6505,7 @@
 </p:sld>
 </file>
 
-<file path=ppt/slides/slide12.xml><?xml version="1.0" encoding="utf-8"?>
+<file path=ppt/slides/slide13.xml><?xml version="1.0" encoding="utf-8"?>
 <p:sld xmlns:a="http://schemas.openxmlformats.org/drawingml/2006/main" xmlns:r="http://schemas.openxmlformats.org/officeDocument/2006/relationships" xmlns:p="http://schemas.openxmlformats.org/presentationml/2006/main">
   <p:cSld>
     <p:spTree>
@@ -6216,7 +6630,7 @@
 </p:sld>
 </file>
 
-<file path=ppt/slides/slide13.xml><?xml version="1.0" encoding="utf-8"?>
+<file path=ppt/slides/slide14.xml><?xml version="1.0" encoding="utf-8"?>
 <p:sld xmlns:a="http://schemas.openxmlformats.org/drawingml/2006/main" xmlns:r="http://schemas.openxmlformats.org/officeDocument/2006/relationships" xmlns:p="http://schemas.openxmlformats.org/presentationml/2006/main">
   <p:cSld>
     <p:spTree>
@@ -6332,114 +6746,6 @@
 </p:sld>
 </file>
 
-<file path=ppt/slides/slide14.xml><?xml version="1.0" encoding="utf-8"?>
-<p:sld xmlns:a="http://schemas.openxmlformats.org/drawingml/2006/main" xmlns:r="http://schemas.openxmlformats.org/officeDocument/2006/relationships" xmlns:p="http://schemas.openxmlformats.org/presentationml/2006/main">
-  <p:cSld>
-    <p:spTree>
-      <p:nvGrpSpPr>
-        <p:cNvPr id="1" name=""/>
-        <p:cNvGrpSpPr/>
-        <p:nvPr/>
-      </p:nvGrpSpPr>
-      <p:grpSpPr>
-        <a:xfrm>
-          <a:off x="0" y="0"/>
-          <a:ext cx="0" cy="0"/>
-          <a:chOff x="0" y="0"/>
-          <a:chExt cx="0" cy="0"/>
-        </a:xfrm>
-      </p:grpSpPr>
-      <p:sp>
-        <p:nvSpPr>
-          <p:cNvPr id="2" name="CasellaDiTesto 1"/>
-          <p:cNvSpPr txBox="1"/>
-          <p:nvPr/>
-        </p:nvSpPr>
-        <p:spPr>
-          <a:xfrm>
-            <a:off x="6540" y="692696"/>
-            <a:ext cx="9144000" cy="646331"/>
-          </a:xfrm>
-          <a:prstGeom prst="rect">
-            <a:avLst/>
-          </a:prstGeom>
-          <a:noFill/>
-        </p:spPr>
-        <p:txBody>
-          <a:bodyPr wrap="square" rtlCol="0">
-            <a:spAutoFit/>
-          </a:bodyPr>
-          <a:lstStyle/>
-          <a:p>
-            <a:pPr algn="ctr"/>
-            <a:r>
-              <a:rPr lang="it-IT" sz="3600" b="1" dirty="0" smtClean="0"/>
-              <a:t>Problemi riscontrati nella stesura del RAD</a:t>
-            </a:r>
-            <a:endParaRPr lang="it-IT" sz="3600" b="1" dirty="0"/>
-          </a:p>
-        </p:txBody>
-      </p:sp>
-      <p:sp>
-        <p:nvSpPr>
-          <p:cNvPr id="3" name="CasellaDiTesto 2"/>
-          <p:cNvSpPr txBox="1"/>
-          <p:nvPr/>
-        </p:nvSpPr>
-        <p:spPr>
-          <a:xfrm>
-            <a:off x="204308" y="1700808"/>
-            <a:ext cx="8748464" cy="892552"/>
-          </a:xfrm>
-          <a:prstGeom prst="rect">
-            <a:avLst/>
-          </a:prstGeom>
-          <a:noFill/>
-        </p:spPr>
-        <p:txBody>
-          <a:bodyPr wrap="square" rtlCol="0">
-            <a:spAutoFit/>
-          </a:bodyPr>
-          <a:lstStyle/>
-          <a:p>
-            <a:r>
-              <a:rPr lang="it-IT" sz="2800" b="1" dirty="0" smtClean="0">
-                <a:solidFill>
-                  <a:srgbClr val="FF0000"/>
-                </a:solidFill>
-              </a:rPr>
-              <a:t>Contro:</a:t>
-            </a:r>
-          </a:p>
-          <a:p>
-            <a:r>
-              <a:rPr lang="it-IT" sz="2400" dirty="0" smtClean="0"/>
-              <a:t> </a:t>
-            </a:r>
-            <a:endParaRPr lang="it-IT" sz="2400" dirty="0"/>
-          </a:p>
-        </p:txBody>
-      </p:sp>
-    </p:spTree>
-    <p:extLst>
-      <p:ext uri="{BB962C8B-B14F-4D97-AF65-F5344CB8AC3E}">
-        <p14:creationId xmlns:p14="http://schemas.microsoft.com/office/powerpoint/2010/main" val="2708678656"/>
-      </p:ext>
-    </p:extLst>
-  </p:cSld>
-  <p:clrMapOvr>
-    <a:masterClrMapping/>
-  </p:clrMapOvr>
-  <p:timing>
-    <p:tnLst>
-      <p:par>
-        <p:cTn id="1" dur="indefinite" restart="never" nodeType="tmRoot"/>
-      </p:par>
-    </p:tnLst>
-  </p:timing>
-</p:sld>
-</file>
-
 <file path=ppt/slides/slide15.xml><?xml version="1.0" encoding="utf-8"?>
 <p:sld xmlns:a="http://schemas.openxmlformats.org/drawingml/2006/main" xmlns:r="http://schemas.openxmlformats.org/officeDocument/2006/relationships" xmlns:p="http://schemas.openxmlformats.org/presentationml/2006/main">
   <p:cSld>
@@ -6497,7 +6803,7 @@
         <p:spPr>
           <a:xfrm>
             <a:off x="204308" y="1700808"/>
-            <a:ext cx="8748464" cy="892552"/>
+            <a:ext cx="3863636" cy="1831271"/>
           </a:xfrm>
           <a:prstGeom prst="rect">
             <a:avLst/>
@@ -6511,13 +6817,40 @@
           <a:lstStyle/>
           <a:p>
             <a:r>
-              <a:rPr lang="it-IT" sz="2800" b="1" dirty="0" smtClean="0">
-                <a:solidFill>
-                  <a:srgbClr val="00B050"/>
+              <a:rPr lang="it-IT" sz="3300" b="1" dirty="0" smtClean="0">
+                <a:solidFill>
+                  <a:srgbClr val="FF0000"/>
                 </a:solidFill>
               </a:rPr>
-              <a:t>Pro: </a:t>
-            </a:r>
+              <a:t>Contro</a:t>
+            </a:r>
+            <a:r>
+              <a:rPr lang="it-IT" sz="3300" b="1" dirty="0" smtClean="0">
+                <a:solidFill>
+                  <a:srgbClr val="FF0000"/>
+                </a:solidFill>
+              </a:rPr>
+              <a:t>:</a:t>
+            </a:r>
+          </a:p>
+          <a:p>
+            <a:pPr marL="457200" indent="-457200">
+              <a:buFont typeface="Wingdings" pitchFamily="2" charset="2"/>
+              <a:buChar char="v"/>
+            </a:pPr>
+            <a:r>
+              <a:rPr lang="it-IT" sz="2800" dirty="0" smtClean="0">
+                <a:solidFill>
+                  <a:schemeClr val="bg1"/>
+                </a:solidFill>
+              </a:rPr>
+              <a:t>Indicazioni troppo generali nel bando</a:t>
+            </a:r>
+            <a:endParaRPr lang="it-IT" sz="2800" dirty="0" smtClean="0">
+              <a:solidFill>
+                <a:schemeClr val="bg1"/>
+              </a:solidFill>
+            </a:endParaRPr>
           </a:p>
           <a:p>
             <a:r>
@@ -6528,10 +6861,173 @@
           </a:p>
         </p:txBody>
       </p:sp>
+      <p:sp>
+        <p:nvSpPr>
+          <p:cNvPr id="4" name="CasellaDiTesto 3"/>
+          <p:cNvSpPr txBox="1"/>
+          <p:nvPr/>
+        </p:nvSpPr>
+        <p:spPr>
+          <a:xfrm>
+            <a:off x="4355976" y="1741745"/>
+            <a:ext cx="4145128" cy="2693045"/>
+          </a:xfrm>
+          <a:prstGeom prst="rect">
+            <a:avLst/>
+          </a:prstGeom>
+          <a:noFill/>
+        </p:spPr>
+        <p:txBody>
+          <a:bodyPr wrap="square" rtlCol="0">
+            <a:spAutoFit/>
+          </a:bodyPr>
+          <a:lstStyle/>
+          <a:p>
+            <a:r>
+              <a:rPr lang="it-IT" sz="3300" b="1" dirty="0" smtClean="0">
+                <a:solidFill>
+                  <a:srgbClr val="00B050"/>
+                </a:solidFill>
+              </a:rPr>
+              <a:t>Pro</a:t>
+            </a:r>
+            <a:r>
+              <a:rPr lang="it-IT" sz="3300" b="1" dirty="0" smtClean="0">
+                <a:solidFill>
+                  <a:srgbClr val="00B050"/>
+                </a:solidFill>
+              </a:rPr>
+              <a:t>:</a:t>
+            </a:r>
+          </a:p>
+          <a:p>
+            <a:pPr marL="457200" indent="-457200">
+              <a:buFont typeface="Wingdings" pitchFamily="2" charset="2"/>
+              <a:buChar char="v"/>
+            </a:pPr>
+            <a:r>
+              <a:rPr lang="it-IT" sz="2800" dirty="0" smtClean="0">
+                <a:solidFill>
+                  <a:schemeClr val="bg1"/>
+                </a:solidFill>
+              </a:rPr>
+              <a:t>Definizione di concetti semplici e non specifici</a:t>
+            </a:r>
+          </a:p>
+          <a:p>
+            <a:pPr marL="914400" lvl="1" indent="-457200">
+              <a:buFont typeface="Courier New" pitchFamily="49" charset="0"/>
+              <a:buChar char="o"/>
+            </a:pPr>
+            <a:r>
+              <a:rPr lang="it-IT" sz="2800" i="1" dirty="0" smtClean="0">
+                <a:solidFill>
+                  <a:schemeClr val="bg1"/>
+                </a:solidFill>
+              </a:rPr>
+              <a:t>Flessibilità rispetto ai cambiamenti</a:t>
+            </a:r>
+            <a:endParaRPr lang="it-IT" sz="2800" i="1" dirty="0" smtClean="0">
+              <a:solidFill>
+                <a:schemeClr val="bg1"/>
+              </a:solidFill>
+            </a:endParaRPr>
+          </a:p>
+          <a:p>
+            <a:r>
+              <a:rPr lang="it-IT" sz="2400" dirty="0" smtClean="0"/>
+              <a:t> </a:t>
+            </a:r>
+            <a:endParaRPr lang="it-IT" sz="2400" dirty="0"/>
+          </a:p>
+        </p:txBody>
+      </p:sp>
+      <p:pic>
+        <p:nvPicPr>
+          <p:cNvPr id="1026" name="Picture 2" descr="C:\Users\Marko\Desktop\omino_si.jpg"/>
+          <p:cNvPicPr>
+            <a:picLocks noChangeAspect="1" noChangeArrowheads="1"/>
+          </p:cNvPicPr>
+          <p:nvPr/>
+        </p:nvPicPr>
+        <p:blipFill>
+          <a:blip r:embed="rId3">
+            <a:extLst>
+              <a:ext uri="{28A0092B-C50C-407E-A947-70E740481C1C}">
+                <a14:useLocalDpi xmlns:a14="http://schemas.microsoft.com/office/drawing/2010/main" val="0"/>
+              </a:ext>
+            </a:extLst>
+          </a:blip>
+          <a:srcRect/>
+          <a:stretch>
+            <a:fillRect/>
+          </a:stretch>
+        </p:blipFill>
+        <p:spPr bwMode="auto">
+          <a:xfrm>
+            <a:off x="7884368" y="4797035"/>
+            <a:ext cx="1198016" cy="2016341"/>
+          </a:xfrm>
+          <a:prstGeom prst="rect">
+            <a:avLst/>
+          </a:prstGeom>
+          <a:noFill/>
+          <a:extLst>
+            <a:ext uri="{909E8E84-426E-40DD-AFC4-6F175D3DCCD1}">
+              <a14:hiddenFill xmlns:a14="http://schemas.microsoft.com/office/drawing/2010/main">
+                <a:solidFill>
+                  <a:srgbClr val="FFFFFF"/>
+                </a:solidFill>
+              </a14:hiddenFill>
+            </a:ext>
+          </a:extLst>
+        </p:spPr>
+      </p:pic>
+      <p:pic>
+        <p:nvPicPr>
+          <p:cNvPr id="1027" name="Picture 3" descr="C:\Users\Marko\Desktop\omino_no.jpg"/>
+          <p:cNvPicPr>
+            <a:picLocks noChangeAspect="1" noChangeArrowheads="1"/>
+          </p:cNvPicPr>
+          <p:nvPr/>
+        </p:nvPicPr>
+        <p:blipFill>
+          <a:blip r:embed="rId4">
+            <a:extLst>
+              <a:ext uri="{28A0092B-C50C-407E-A947-70E740481C1C}">
+                <a14:useLocalDpi xmlns:a14="http://schemas.microsoft.com/office/drawing/2010/main" val="0"/>
+              </a:ext>
+            </a:extLst>
+          </a:blip>
+          <a:srcRect/>
+          <a:stretch>
+            <a:fillRect/>
+          </a:stretch>
+        </p:blipFill>
+        <p:spPr bwMode="auto">
+          <a:xfrm>
+            <a:off x="3131840" y="4752571"/>
+            <a:ext cx="1221217" cy="2060805"/>
+          </a:xfrm>
+          <a:prstGeom prst="rect">
+            <a:avLst/>
+          </a:prstGeom>
+          <a:noFill/>
+          <a:extLst>
+            <a:ext uri="{909E8E84-426E-40DD-AFC4-6F175D3DCCD1}">
+              <a14:hiddenFill xmlns:a14="http://schemas.microsoft.com/office/drawing/2010/main">
+                <a:solidFill>
+                  <a:srgbClr val="FFFFFF"/>
+                </a:solidFill>
+              </a14:hiddenFill>
+            </a:ext>
+          </a:extLst>
+        </p:spPr>
+      </p:pic>
     </p:spTree>
     <p:extLst>
       <p:ext uri="{BB962C8B-B14F-4D97-AF65-F5344CB8AC3E}">
-        <p14:creationId xmlns:p14="http://schemas.microsoft.com/office/powerpoint/2010/main" val="2005058674"/>
+        <p14:creationId xmlns:p14="http://schemas.microsoft.com/office/powerpoint/2010/main" val="2708678656"/>
       </p:ext>
     </p:extLst>
   </p:cSld>
@@ -6589,10 +7085,10 @@
           <a:p>
             <a:pPr algn="ctr"/>
             <a:r>
-              <a:rPr lang="it-IT" sz="3600" b="1" dirty="0" smtClean="0"/>
+              <a:rPr lang="it-IT" sz="4800" b="1" dirty="0" smtClean="0"/>
               <a:t>Gestione Pagamenti</a:t>
             </a:r>
-            <a:endParaRPr lang="it-IT" sz="3600" b="1" dirty="0"/>
+            <a:endParaRPr lang="it-IT" sz="4800" b="1" dirty="0"/>
           </a:p>
         </p:txBody>
       </p:sp>
@@ -9555,7 +10051,7 @@
                   <a:srgbClr val="000000"/>
                 </a:solidFill>
               </a:rPr>
-              <a:t>Cauzione non presente sul bando e abbiamo deciso di non occuparcene</a:t>
+              <a:t>Cauzione non presente sul bando </a:t>
             </a:r>
           </a:p>
           <a:p>

--- a/Presentazione/Atsilo2/Parisi/Atsilo_M_Parisi.pptx
+++ b/Presentazione/Atsilo2/Parisi/Atsilo_M_Parisi.pptx
@@ -5,24 +5,25 @@
     <p:sldMasterId id="2147483684" r:id="rId1"/>
   </p:sldMasterIdLst>
   <p:notesMasterIdLst>
-    <p:notesMasterId r:id="rId17"/>
+    <p:notesMasterId r:id="rId18"/>
   </p:notesMasterIdLst>
   <p:sldIdLst>
     <p:sldId id="256" r:id="rId2"/>
     <p:sldId id="277" r:id="rId3"/>
-    <p:sldId id="278" r:id="rId4"/>
-    <p:sldId id="273" r:id="rId5"/>
-    <p:sldId id="276" r:id="rId6"/>
-    <p:sldId id="269" r:id="rId7"/>
-    <p:sldId id="266" r:id="rId8"/>
-    <p:sldId id="263" r:id="rId9"/>
-    <p:sldId id="275" r:id="rId10"/>
-    <p:sldId id="270" r:id="rId11"/>
-    <p:sldId id="281" r:id="rId12"/>
-    <p:sldId id="262" r:id="rId13"/>
-    <p:sldId id="261" r:id="rId14"/>
-    <p:sldId id="260" r:id="rId15"/>
-    <p:sldId id="279" r:id="rId16"/>
+    <p:sldId id="282" r:id="rId4"/>
+    <p:sldId id="278" r:id="rId5"/>
+    <p:sldId id="273" r:id="rId6"/>
+    <p:sldId id="276" r:id="rId7"/>
+    <p:sldId id="269" r:id="rId8"/>
+    <p:sldId id="266" r:id="rId9"/>
+    <p:sldId id="263" r:id="rId10"/>
+    <p:sldId id="275" r:id="rId11"/>
+    <p:sldId id="270" r:id="rId12"/>
+    <p:sldId id="281" r:id="rId13"/>
+    <p:sldId id="262" r:id="rId14"/>
+    <p:sldId id="261" r:id="rId15"/>
+    <p:sldId id="260" r:id="rId16"/>
+    <p:sldId id="279" r:id="rId17"/>
   </p:sldIdLst>
   <p:sldSz cx="9144000" cy="6858000" type="screen4x3"/>
   <p:notesSz cx="6858000" cy="9144000"/>
@@ -251,7 +252,7 @@
             <a:fld id="{38D78F4D-402C-46E0-A4BB-DF91EA86B14C}" type="datetimeFigureOut">
               <a:rPr lang="it-IT" smtClean="0"/>
               <a:pPr/>
-              <a:t>03/01/2013</a:t>
+              <a:t>04/01/2013</a:t>
             </a:fld>
             <a:endParaRPr lang="it-IT"/>
           </a:p>
@@ -649,14 +650,6 @@
           <a:bodyPr/>
           <a:lstStyle/>
           <a:p>
-            <a:r>
-              <a:rPr lang="it-IT" dirty="0" smtClean="0"/>
-              <a:t>Questa che</a:t>
-            </a:r>
-            <a:r>
-              <a:rPr lang="it-IT" baseline="0" dirty="0" smtClean="0"/>
-              <a:t> ho mostrato sostanzialmente è l’idea su cui noi volevamo basarci per implementare la gestione dei pagamenti ma essendo a bassa priorità non è stato implementato sia per mancanza di tempo effettivo sia per mancanza di skill necessarie</a:t>
-            </a:r>
             <a:endParaRPr lang="it-IT" dirty="0"/>
           </a:p>
         </p:txBody>
@@ -688,7 +681,7 @@
     </p:spTree>
     <p:extLst>
       <p:ext uri="{BB962C8B-B14F-4D97-AF65-F5344CB8AC3E}">
-        <p14:creationId xmlns:p14="http://schemas.microsoft.com/office/powerpoint/2010/main" val="3771085237"/>
+        <p14:creationId xmlns:p14="http://schemas.microsoft.com/office/powerpoint/2010/main" val="328384907"/>
       </p:ext>
     </p:extLst>
   </p:cSld>
@@ -742,6 +735,113 @@
           <a:bodyPr/>
           <a:lstStyle/>
           <a:p>
+            <a:r>
+              <a:rPr lang="it-IT" dirty="0" smtClean="0"/>
+              <a:t>Questa che</a:t>
+            </a:r>
+            <a:r>
+              <a:rPr lang="it-IT" baseline="0" dirty="0" smtClean="0"/>
+              <a:t> ho mostrato sostanzialmente è l’idea su cui noi volevamo basarci per implementare la gestione dei pagamenti ma essendo a </a:t>
+            </a:r>
+            <a:r>
+              <a:rPr lang="it-IT" baseline="0" dirty="0" smtClean="0"/>
+              <a:t>media</a:t>
+            </a:r>
+          </a:p>
+          <a:p>
+            <a:r>
+              <a:rPr lang="it-IT" baseline="0" dirty="0" smtClean="0"/>
+              <a:t> </a:t>
+            </a:r>
+            <a:r>
+              <a:rPr lang="it-IT" baseline="0" dirty="0" smtClean="0"/>
+              <a:t>priorità non è stato implementato sia per mancanza di tempo effettivo sia per mancanza di skill necessarie</a:t>
+            </a:r>
+            <a:endParaRPr lang="it-IT" dirty="0"/>
+          </a:p>
+        </p:txBody>
+      </p:sp>
+      <p:sp>
+        <p:nvSpPr>
+          <p:cNvPr id="4" name="Segnaposto numero diapositiva 3"/>
+          <p:cNvSpPr>
+            <a:spLocks noGrp="1"/>
+          </p:cNvSpPr>
+          <p:nvPr>
+            <p:ph type="sldNum" sz="quarter" idx="10"/>
+          </p:nvPr>
+        </p:nvSpPr>
+        <p:spPr/>
+        <p:txBody>
+          <a:bodyPr/>
+          <a:lstStyle/>
+          <a:p>
+            <a:fld id="{D70604CA-7593-4640-8FA1-5523937B8510}" type="slidenum">
+              <a:rPr lang="it-IT" smtClean="0"/>
+              <a:pPr/>
+              <a:t>15</a:t>
+            </a:fld>
+            <a:endParaRPr lang="it-IT"/>
+          </a:p>
+        </p:txBody>
+      </p:sp>
+    </p:spTree>
+    <p:extLst>
+      <p:ext uri="{BB962C8B-B14F-4D97-AF65-F5344CB8AC3E}">
+        <p14:creationId xmlns:p14="http://schemas.microsoft.com/office/powerpoint/2010/main" val="3771085237"/>
+      </p:ext>
+    </p:extLst>
+  </p:cSld>
+  <p:clrMapOvr>
+    <a:masterClrMapping/>
+  </p:clrMapOvr>
+</p:notes>
+</file>
+
+<file path=ppt/notesSlides/notesSlide12.xml><?xml version="1.0" encoding="utf-8"?>
+<p:notes xmlns:a="http://schemas.openxmlformats.org/drawingml/2006/main" xmlns:r="http://schemas.openxmlformats.org/officeDocument/2006/relationships" xmlns:p="http://schemas.openxmlformats.org/presentationml/2006/main">
+  <p:cSld>
+    <p:spTree>
+      <p:nvGrpSpPr>
+        <p:cNvPr id="1" name=""/>
+        <p:cNvGrpSpPr/>
+        <p:nvPr/>
+      </p:nvGrpSpPr>
+      <p:grpSpPr>
+        <a:xfrm>
+          <a:off x="0" y="0"/>
+          <a:ext cx="0" cy="0"/>
+          <a:chOff x="0" y="0"/>
+          <a:chExt cx="0" cy="0"/>
+        </a:xfrm>
+      </p:grpSpPr>
+      <p:sp>
+        <p:nvSpPr>
+          <p:cNvPr id="2" name="Segnaposto immagine diapositiva 1"/>
+          <p:cNvSpPr>
+            <a:spLocks noGrp="1" noRot="1" noChangeAspect="1"/>
+          </p:cNvSpPr>
+          <p:nvPr>
+            <p:ph type="sldImg"/>
+          </p:nvPr>
+        </p:nvSpPr>
+        <p:spPr/>
+      </p:sp>
+      <p:sp>
+        <p:nvSpPr>
+          <p:cNvPr id="3" name="Segnaposto note 2"/>
+          <p:cNvSpPr>
+            <a:spLocks noGrp="1"/>
+          </p:cNvSpPr>
+          <p:nvPr>
+            <p:ph type="body" idx="1"/>
+          </p:nvPr>
+        </p:nvSpPr>
+        <p:spPr/>
+        <p:txBody>
+          <a:bodyPr/>
+          <a:lstStyle/>
+          <a:p>
             <a:pPr marL="0" marR="0" indent="0" algn="l" defTabSz="914400" rtl="0" eaLnBrk="1" fontAlgn="auto" latinLnBrk="0" hangingPunct="1">
               <a:lnSpc>
                 <a:spcPct val="100000"/>
@@ -831,7 +931,7 @@
             <a:fld id="{D70604CA-7593-4640-8FA1-5523937B8510}" type="slidenum">
               <a:rPr lang="it-IT" smtClean="0"/>
               <a:pPr/>
-              <a:t>15</a:t>
+              <a:t>16</a:t>
             </a:fld>
             <a:endParaRPr lang="it-IT"/>
           </a:p>
@@ -987,6 +1087,24 @@
           <a:bodyPr/>
           <a:lstStyle/>
           <a:p>
+            <a:r>
+              <a:rPr lang="it-IT" baseline="0" dirty="0" smtClean="0"/>
+              <a:t>il </a:t>
+            </a:r>
+            <a:r>
+              <a:rPr lang="it-IT" baseline="0" dirty="0" smtClean="0"/>
+              <a:t>nostro team si è occupato della gestione dei pagamenti, dei servizi quali mensa e orario e dei tirocinanti del sistema </a:t>
+            </a:r>
+            <a:r>
+              <a:rPr lang="it-IT" baseline="0" dirty="0" smtClean="0"/>
+              <a:t>at-silo.</a:t>
+            </a:r>
+          </a:p>
+          <a:p>
+            <a:r>
+              <a:rPr lang="it-IT" baseline="0" dirty="0" smtClean="0"/>
+              <a:t>Ci siamo posti l’obiettivo di..</a:t>
+            </a:r>
             <a:endParaRPr lang="it-IT" dirty="0"/>
           </a:p>
         </p:txBody>
@@ -1018,7 +1136,7 @@
     </p:spTree>
     <p:extLst>
       <p:ext uri="{BB962C8B-B14F-4D97-AF65-F5344CB8AC3E}">
-        <p14:creationId xmlns:p14="http://schemas.microsoft.com/office/powerpoint/2010/main" val="1632684865"/>
+        <p14:creationId xmlns:p14="http://schemas.microsoft.com/office/powerpoint/2010/main" val="3122029082"/>
       </p:ext>
     </p:extLst>
   </p:cSld>
@@ -1094,7 +1212,7 @@
             <a:fld id="{D70604CA-7593-4640-8FA1-5523937B8510}" type="slidenum">
               <a:rPr lang="it-IT" smtClean="0"/>
               <a:pPr/>
-              <a:t>8</a:t>
+              <a:t>4</a:t>
             </a:fld>
             <a:endParaRPr lang="it-IT"/>
           </a:p>
@@ -1103,7 +1221,7 @@
     </p:spTree>
     <p:extLst>
       <p:ext uri="{BB962C8B-B14F-4D97-AF65-F5344CB8AC3E}">
-        <p14:creationId xmlns:p14="http://schemas.microsoft.com/office/powerpoint/2010/main" val="1093366611"/>
+        <p14:creationId xmlns:p14="http://schemas.microsoft.com/office/powerpoint/2010/main" val="1632684865"/>
       </p:ext>
     </p:extLst>
   </p:cSld>
@@ -1157,44 +1275,6 @@
           <a:bodyPr/>
           <a:lstStyle/>
           <a:p>
-            <a:r>
-              <a:rPr lang="it-IT" dirty="0" smtClean="0"/>
-              <a:t>Dire</a:t>
-            </a:r>
-            <a:r>
-              <a:rPr lang="it-IT" baseline="0" dirty="0" smtClean="0"/>
-              <a:t> </a:t>
-            </a:r>
-            <a:r>
-              <a:rPr lang="it-IT" baseline="0" dirty="0" smtClean="0"/>
-              <a:t>cosa si intende per gestione degli extra</a:t>
-            </a:r>
-          </a:p>
-          <a:p>
-            <a:r>
-              <a:rPr lang="it-IT" baseline="0" dirty="0" smtClean="0"/>
-              <a:t>il nostro sistema prevede che i genitori possono richiedere </a:t>
-            </a:r>
-            <a:r>
-              <a:rPr lang="it-IT" baseline="0" dirty="0" smtClean="0"/>
-              <a:t>variazione sia </a:t>
-            </a:r>
-            <a:r>
-              <a:rPr lang="it-IT" baseline="0" dirty="0" smtClean="0"/>
-              <a:t>sul menù di base </a:t>
-            </a:r>
-            <a:r>
-              <a:rPr lang="it-IT" baseline="0" dirty="0" smtClean="0"/>
-              <a:t>e sia </a:t>
-            </a:r>
-            <a:r>
-              <a:rPr lang="it-IT" baseline="0" dirty="0" smtClean="0"/>
-              <a:t>sull’orario </a:t>
-            </a:r>
-            <a:r>
-              <a:rPr lang="it-IT" baseline="0" dirty="0" smtClean="0"/>
-              <a:t>e ovviamente queste variazioni sono soggette a pagamento</a:t>
-            </a:r>
             <a:endParaRPr lang="it-IT" dirty="0"/>
           </a:p>
         </p:txBody>
@@ -1226,7 +1306,7 @@
     </p:spTree>
     <p:extLst>
       <p:ext uri="{BB962C8B-B14F-4D97-AF65-F5344CB8AC3E}">
-        <p14:creationId xmlns:p14="http://schemas.microsoft.com/office/powerpoint/2010/main" val="968677491"/>
+        <p14:creationId xmlns:p14="http://schemas.microsoft.com/office/powerpoint/2010/main" val="1093366611"/>
       </p:ext>
     </p:extLst>
   </p:cSld>
@@ -1282,11 +1362,17 @@
           <a:p>
             <a:r>
               <a:rPr lang="it-IT" dirty="0" smtClean="0"/>
-              <a:t>Promemoria pagamento e promemoria fattura inclusi </a:t>
-            </a:r>
-            <a:r>
-              <a:rPr lang="it-IT" smtClean="0"/>
-              <a:t>in invipromemoria</a:t>
+              <a:t>Dire</a:t>
+            </a:r>
+            <a:r>
+              <a:rPr lang="it-IT" baseline="0" dirty="0" smtClean="0"/>
+              <a:t> cosa si intende per gestione degli extra</a:t>
+            </a:r>
+          </a:p>
+          <a:p>
+            <a:r>
+              <a:rPr lang="it-IT" baseline="0" dirty="0" smtClean="0"/>
+              <a:t>il nostro sistema prevede che i genitori possono richiedere variazione sia sul menù di base e sia sull’orario e ovviamente queste variazioni sono soggette a pagamento</a:t>
             </a:r>
             <a:endParaRPr lang="it-IT" dirty="0"/>
           </a:p>
@@ -1319,7 +1405,7 @@
     </p:spTree>
     <p:extLst>
       <p:ext uri="{BB962C8B-B14F-4D97-AF65-F5344CB8AC3E}">
-        <p14:creationId xmlns:p14="http://schemas.microsoft.com/office/powerpoint/2010/main" val="1685022444"/>
+        <p14:creationId xmlns:p14="http://schemas.microsoft.com/office/powerpoint/2010/main" val="968677491"/>
       </p:ext>
     </p:extLst>
   </p:cSld>
@@ -1375,19 +1461,11 @@
           <a:p>
             <a:r>
               <a:rPr lang="it-IT" dirty="0" smtClean="0"/>
-              <a:t>Promemoria pagamento e promemoria fattura inclusi in </a:t>
-            </a:r>
-            <a:r>
-              <a:rPr lang="it-IT" dirty="0" smtClean="0"/>
-              <a:t>invio</a:t>
-            </a:r>
-            <a:r>
-              <a:rPr lang="it-IT" baseline="0" dirty="0" smtClean="0"/>
-              <a:t> </a:t>
-            </a:r>
-            <a:r>
-              <a:rPr lang="it-IT" dirty="0" smtClean="0"/>
-              <a:t>ipromemoria</a:t>
+              <a:t>Promemoria pagamento e promemoria fattura inclusi </a:t>
+            </a:r>
+            <a:r>
+              <a:rPr lang="it-IT" smtClean="0"/>
+              <a:t>in invipromemoria</a:t>
             </a:r>
             <a:endParaRPr lang="it-IT" dirty="0"/>
           </a:p>
@@ -1476,7 +1554,15 @@
           <a:p>
             <a:r>
               <a:rPr lang="it-IT" dirty="0" smtClean="0"/>
-              <a:t>Fare una ricapitolazione cosa può fare l’impiegato e cosa può fare il genitore</a:t>
+              <a:t>Promemoria pagamento e promemoria fattura inclusi in invio</a:t>
+            </a:r>
+            <a:r>
+              <a:rPr lang="it-IT" baseline="0" dirty="0" smtClean="0"/>
+              <a:t> </a:t>
+            </a:r>
+            <a:r>
+              <a:rPr lang="it-IT" dirty="0" smtClean="0"/>
+              <a:t>ipromemoria</a:t>
             </a:r>
             <a:endParaRPr lang="it-IT" dirty="0"/>
           </a:p>
@@ -1509,7 +1595,7 @@
     </p:spTree>
     <p:extLst>
       <p:ext uri="{BB962C8B-B14F-4D97-AF65-F5344CB8AC3E}">
-        <p14:creationId xmlns:p14="http://schemas.microsoft.com/office/powerpoint/2010/main" val="3294237695"/>
+        <p14:creationId xmlns:p14="http://schemas.microsoft.com/office/powerpoint/2010/main" val="1685022444"/>
       </p:ext>
     </p:extLst>
   </p:cSld>
@@ -1563,6 +1649,10 @@
           <a:bodyPr/>
           <a:lstStyle/>
           <a:p>
+            <a:r>
+              <a:rPr lang="it-IT" dirty="0" smtClean="0"/>
+              <a:t>Fare una ricapitolazione cosa può fare l’impiegato e cosa può fare il genitore</a:t>
+            </a:r>
             <a:endParaRPr lang="it-IT" dirty="0"/>
           </a:p>
         </p:txBody>
@@ -1594,7 +1684,7 @@
     </p:spTree>
     <p:extLst>
       <p:ext uri="{BB962C8B-B14F-4D97-AF65-F5344CB8AC3E}">
-        <p14:creationId xmlns:p14="http://schemas.microsoft.com/office/powerpoint/2010/main" val="328384907"/>
+        <p14:creationId xmlns:p14="http://schemas.microsoft.com/office/powerpoint/2010/main" val="3294237695"/>
       </p:ext>
     </p:extLst>
   </p:cSld>
@@ -1770,7 +1860,7 @@
             <a:fld id="{63CABBC0-75E4-43BB-A6A6-84C2A96BDB82}" type="datetimeFigureOut">
               <a:rPr lang="it-IT" smtClean="0"/>
               <a:pPr/>
-              <a:t>03/01/2013</a:t>
+              <a:t>04/01/2013</a:t>
             </a:fld>
             <a:endParaRPr lang="it-IT"/>
           </a:p>
@@ -1952,7 +2042,7 @@
             <a:fld id="{63CABBC0-75E4-43BB-A6A6-84C2A96BDB82}" type="datetimeFigureOut">
               <a:rPr lang="it-IT" smtClean="0"/>
               <a:pPr/>
-              <a:t>03/01/2013</a:t>
+              <a:t>04/01/2013</a:t>
             </a:fld>
             <a:endParaRPr lang="it-IT"/>
           </a:p>
@@ -2144,7 +2234,7 @@
             <a:fld id="{63CABBC0-75E4-43BB-A6A6-84C2A96BDB82}" type="datetimeFigureOut">
               <a:rPr lang="it-IT" smtClean="0"/>
               <a:pPr/>
-              <a:t>03/01/2013</a:t>
+              <a:t>04/01/2013</a:t>
             </a:fld>
             <a:endParaRPr lang="it-IT"/>
           </a:p>
@@ -2326,7 +2416,7 @@
             <a:fld id="{63CABBC0-75E4-43BB-A6A6-84C2A96BDB82}" type="datetimeFigureOut">
               <a:rPr lang="it-IT" smtClean="0"/>
               <a:pPr/>
-              <a:t>03/01/2013</a:t>
+              <a:t>04/01/2013</a:t>
             </a:fld>
             <a:endParaRPr lang="it-IT"/>
           </a:p>
@@ -2569,7 +2659,7 @@
             <a:fld id="{63CABBC0-75E4-43BB-A6A6-84C2A96BDB82}" type="datetimeFigureOut">
               <a:rPr lang="it-IT" smtClean="0"/>
               <a:pPr/>
-              <a:t>03/01/2013</a:t>
+              <a:t>04/01/2013</a:t>
             </a:fld>
             <a:endParaRPr lang="it-IT"/>
           </a:p>
@@ -2850,7 +2940,7 @@
             <a:fld id="{63CABBC0-75E4-43BB-A6A6-84C2A96BDB82}" type="datetimeFigureOut">
               <a:rPr lang="it-IT" smtClean="0"/>
               <a:pPr/>
-              <a:t>03/01/2013</a:t>
+              <a:t>04/01/2013</a:t>
             </a:fld>
             <a:endParaRPr lang="it-IT"/>
           </a:p>
@@ -3241,7 +3331,7 @@
             <a:fld id="{63CABBC0-75E4-43BB-A6A6-84C2A96BDB82}" type="datetimeFigureOut">
               <a:rPr lang="it-IT" smtClean="0"/>
               <a:pPr/>
-              <a:t>03/01/2013</a:t>
+              <a:t>04/01/2013</a:t>
             </a:fld>
             <a:endParaRPr lang="it-IT"/>
           </a:p>
@@ -3400,7 +3490,7 @@
             <a:fld id="{63CABBC0-75E4-43BB-A6A6-84C2A96BDB82}" type="datetimeFigureOut">
               <a:rPr lang="it-IT" smtClean="0"/>
               <a:pPr/>
-              <a:t>03/01/2013</a:t>
+              <a:t>04/01/2013</a:t>
             </a:fld>
             <a:endParaRPr lang="it-IT"/>
           </a:p>
@@ -3499,7 +3589,7 @@
             <a:fld id="{63CABBC0-75E4-43BB-A6A6-84C2A96BDB82}" type="datetimeFigureOut">
               <a:rPr lang="it-IT" smtClean="0"/>
               <a:pPr/>
-              <a:t>03/01/2013</a:t>
+              <a:t>04/01/2013</a:t>
             </a:fld>
             <a:endParaRPr lang="it-IT"/>
           </a:p>
@@ -3769,7 +3859,7 @@
             <a:fld id="{63CABBC0-75E4-43BB-A6A6-84C2A96BDB82}" type="datetimeFigureOut">
               <a:rPr lang="it-IT" smtClean="0"/>
               <a:pPr/>
-              <a:t>03/01/2013</a:t>
+              <a:t>04/01/2013</a:t>
             </a:fld>
             <a:endParaRPr lang="it-IT"/>
           </a:p>
@@ -4066,7 +4156,7 @@
             <a:fld id="{63CABBC0-75E4-43BB-A6A6-84C2A96BDB82}" type="datetimeFigureOut">
               <a:rPr lang="it-IT" smtClean="0"/>
               <a:pPr/>
-              <a:t>03/01/2013</a:t>
+              <a:t>04/01/2013</a:t>
             </a:fld>
             <a:endParaRPr lang="it-IT"/>
           </a:p>
@@ -4846,7 +4936,7 @@
             <a:fld id="{63CABBC0-75E4-43BB-A6A6-84C2A96BDB82}" type="datetimeFigureOut">
               <a:rPr lang="it-IT" smtClean="0"/>
               <a:pPr/>
-              <a:t>03/01/2013</a:t>
+              <a:t>04/01/2013</a:t>
             </a:fld>
             <a:endParaRPr lang="it-IT"/>
           </a:p>
@@ -5536,7 +5626,7 @@
         </p:nvGraphicFramePr>
         <p:xfrm>
           <a:off x="179512" y="5517232"/>
-          <a:ext cx="2051720" cy="1188720"/>
+          <a:ext cx="2051720" cy="1089471"/>
         </p:xfrm>
         <a:graphic>
           <a:graphicData uri="http://schemas.openxmlformats.org/drawingml/2006/table">
@@ -5657,7 +5747,7 @@
         </p:nvGraphicFramePr>
         <p:xfrm>
           <a:off x="6948264" y="5877272"/>
-          <a:ext cx="2051720" cy="792480"/>
+          <a:ext cx="2051720" cy="726314"/>
         </p:xfrm>
         <a:graphic>
           <a:graphicData uri="http://schemas.openxmlformats.org/drawingml/2006/table">
@@ -5790,6 +5880,347 @@
 </file>
 
 <file path=ppt/slides/slide10.xml><?xml version="1.0" encoding="utf-8"?>
+<p:sld xmlns:a="http://schemas.openxmlformats.org/drawingml/2006/main" xmlns:r="http://schemas.openxmlformats.org/officeDocument/2006/relationships" xmlns:p="http://schemas.openxmlformats.org/presentationml/2006/main">
+  <p:cSld>
+    <p:spTree>
+      <p:nvGrpSpPr>
+        <p:cNvPr id="1" name=""/>
+        <p:cNvGrpSpPr/>
+        <p:nvPr/>
+      </p:nvGrpSpPr>
+      <p:grpSpPr>
+        <a:xfrm>
+          <a:off x="0" y="0"/>
+          <a:ext cx="0" cy="0"/>
+          <a:chOff x="0" y="0"/>
+          <a:chExt cx="0" cy="0"/>
+        </a:xfrm>
+      </p:grpSpPr>
+      <p:sp>
+        <p:nvSpPr>
+          <p:cNvPr id="2" name="CasellaDiTesto 1"/>
+          <p:cNvSpPr txBox="1"/>
+          <p:nvPr/>
+        </p:nvSpPr>
+        <p:spPr>
+          <a:xfrm>
+            <a:off x="2339752" y="692696"/>
+            <a:ext cx="4392488" cy="646331"/>
+          </a:xfrm>
+          <a:prstGeom prst="rect">
+            <a:avLst/>
+          </a:prstGeom>
+          <a:noFill/>
+        </p:spPr>
+        <p:txBody>
+          <a:bodyPr wrap="square" rtlCol="0">
+            <a:spAutoFit/>
+          </a:bodyPr>
+          <a:lstStyle/>
+          <a:p>
+            <a:pPr algn="ctr"/>
+            <a:r>
+              <a:rPr lang="it-IT" sz="3600" b="1" dirty="0" smtClean="0">
+                <a:solidFill>
+                  <a:srgbClr val="000000"/>
+                </a:solidFill>
+              </a:rPr>
+              <a:t>Versione iniziale</a:t>
+            </a:r>
+          </a:p>
+        </p:txBody>
+      </p:sp>
+      <p:sp>
+        <p:nvSpPr>
+          <p:cNvPr id="9" name="Content Placeholder 3"/>
+          <p:cNvSpPr txBox="1">
+            <a:spLocks/>
+          </p:cNvSpPr>
+          <p:nvPr/>
+        </p:nvSpPr>
+        <p:spPr>
+          <a:xfrm>
+            <a:off x="298902" y="1556792"/>
+            <a:ext cx="8449562" cy="4608512"/>
+          </a:xfrm>
+          <a:prstGeom prst="rect">
+            <a:avLst/>
+          </a:prstGeom>
+        </p:spPr>
+        <p:txBody>
+          <a:bodyPr tIns="0"/>
+          <a:lstStyle>
+            <a:lvl1pPr marL="274320" indent="-274320" algn="l" rtl="0" eaLnBrk="1" latinLnBrk="0" hangingPunct="1">
+              <a:spcBef>
+                <a:spcPct val="20000"/>
+              </a:spcBef>
+              <a:buClrTx/>
+              <a:buSzPct val="95000"/>
+              <a:buFont typeface="Wingdings" pitchFamily="2" charset="2"/>
+              <a:buChar char="v"/>
+              <a:defRPr kumimoji="0" sz="2800" kern="1200">
+                <a:solidFill>
+                  <a:schemeClr val="tx1"/>
+                </a:solidFill>
+                <a:latin typeface="+mn-lt"/>
+                <a:ea typeface="+mn-ea"/>
+                <a:cs typeface="+mn-cs"/>
+              </a:defRPr>
+            </a:lvl1pPr>
+            <a:lvl2pPr marL="640080" indent="-246888" algn="l" rtl="0" eaLnBrk="1" latinLnBrk="0" hangingPunct="1">
+              <a:spcBef>
+                <a:spcPct val="20000"/>
+              </a:spcBef>
+              <a:buClrTx/>
+              <a:buSzPct val="85000"/>
+              <a:buFont typeface="Courier New" pitchFamily="49" charset="0"/>
+              <a:buChar char="o"/>
+              <a:defRPr kumimoji="0" sz="2600" kern="1200">
+                <a:solidFill>
+                  <a:schemeClr val="tx1"/>
+                </a:solidFill>
+                <a:latin typeface="+mn-lt"/>
+                <a:ea typeface="+mn-ea"/>
+                <a:cs typeface="+mn-cs"/>
+              </a:defRPr>
+            </a:lvl2pPr>
+            <a:lvl3pPr marL="914400" indent="-246888" algn="l" rtl="0" eaLnBrk="1" latinLnBrk="0" hangingPunct="1">
+              <a:spcBef>
+                <a:spcPct val="20000"/>
+              </a:spcBef>
+              <a:buClrTx/>
+              <a:buSzPct val="70000"/>
+              <a:buFont typeface="Wingdings 2"/>
+              <a:buChar char=""/>
+              <a:defRPr kumimoji="0" sz="2400" kern="1200">
+                <a:solidFill>
+                  <a:schemeClr val="tx1"/>
+                </a:solidFill>
+                <a:latin typeface="+mn-lt"/>
+                <a:ea typeface="+mn-ea"/>
+                <a:cs typeface="+mn-cs"/>
+              </a:defRPr>
+            </a:lvl3pPr>
+            <a:lvl4pPr marL="1188720" indent="-210312" algn="l" rtl="0" eaLnBrk="1" latinLnBrk="0" hangingPunct="1">
+              <a:spcBef>
+                <a:spcPct val="20000"/>
+              </a:spcBef>
+              <a:buClrTx/>
+              <a:buSzPct val="65000"/>
+              <a:buFont typeface="Wingdings 2"/>
+              <a:buChar char=""/>
+              <a:defRPr kumimoji="0" sz="2000" kern="1200">
+                <a:solidFill>
+                  <a:schemeClr val="tx1"/>
+                </a:solidFill>
+                <a:latin typeface="+mn-lt"/>
+                <a:ea typeface="+mn-ea"/>
+                <a:cs typeface="+mn-cs"/>
+              </a:defRPr>
+            </a:lvl4pPr>
+            <a:lvl5pPr marL="1463040" indent="-210312" algn="l" rtl="0" eaLnBrk="1" latinLnBrk="0" hangingPunct="1">
+              <a:spcBef>
+                <a:spcPct val="20000"/>
+              </a:spcBef>
+              <a:buClrTx/>
+              <a:buSzPct val="65000"/>
+              <a:buFont typeface="Wingdings 2"/>
+              <a:buChar char=""/>
+              <a:defRPr kumimoji="0" sz="1800" kern="1200">
+                <a:solidFill>
+                  <a:schemeClr val="tx1"/>
+                </a:solidFill>
+                <a:latin typeface="+mn-lt"/>
+                <a:ea typeface="+mn-ea"/>
+                <a:cs typeface="+mn-cs"/>
+              </a:defRPr>
+            </a:lvl5pPr>
+            <a:lvl6pPr marL="1737360" indent="-210312" algn="l" rtl="0" eaLnBrk="1" latinLnBrk="0" hangingPunct="1">
+              <a:spcBef>
+                <a:spcPct val="20000"/>
+              </a:spcBef>
+              <a:buClr>
+                <a:schemeClr val="accent5"/>
+              </a:buClr>
+              <a:buSzPct val="80000"/>
+              <a:buFont typeface="Wingdings 2"/>
+              <a:buChar char=""/>
+              <a:defRPr kumimoji="0" sz="1800" kern="1200">
+                <a:solidFill>
+                  <a:schemeClr val="tx1"/>
+                </a:solidFill>
+                <a:latin typeface="+mn-lt"/>
+                <a:ea typeface="+mn-ea"/>
+                <a:cs typeface="+mn-cs"/>
+              </a:defRPr>
+            </a:lvl6pPr>
+            <a:lvl7pPr marL="1920240" indent="-182880" algn="l" rtl="0" eaLnBrk="1" latinLnBrk="0" hangingPunct="1">
+              <a:spcBef>
+                <a:spcPct val="20000"/>
+              </a:spcBef>
+              <a:buClr>
+                <a:schemeClr val="accent6"/>
+              </a:buClr>
+              <a:buSzPct val="80000"/>
+              <a:buFont typeface="Wingdings 2"/>
+              <a:buChar char=""/>
+              <a:defRPr kumimoji="0" sz="1600" kern="1200" baseline="0">
+                <a:solidFill>
+                  <a:schemeClr val="tx1"/>
+                </a:solidFill>
+                <a:latin typeface="+mn-lt"/>
+                <a:ea typeface="+mn-ea"/>
+                <a:cs typeface="+mn-cs"/>
+              </a:defRPr>
+            </a:lvl7pPr>
+            <a:lvl8pPr marL="2194560" indent="-182880" algn="l" rtl="0" eaLnBrk="1" latinLnBrk="0" hangingPunct="1">
+              <a:spcBef>
+                <a:spcPct val="20000"/>
+              </a:spcBef>
+              <a:buClr>
+                <a:schemeClr val="tx2"/>
+              </a:buClr>
+              <a:buChar char="•"/>
+              <a:defRPr kumimoji="0" sz="1600" kern="1200">
+                <a:solidFill>
+                  <a:schemeClr val="tx1"/>
+                </a:solidFill>
+                <a:latin typeface="+mn-lt"/>
+                <a:ea typeface="+mn-ea"/>
+                <a:cs typeface="+mn-cs"/>
+              </a:defRPr>
+            </a:lvl8pPr>
+            <a:lvl9pPr marL="2468880" indent="-182880" algn="l" rtl="0" eaLnBrk="1" latinLnBrk="0" hangingPunct="1">
+              <a:spcBef>
+                <a:spcPct val="20000"/>
+              </a:spcBef>
+              <a:buClr>
+                <a:schemeClr val="tx2"/>
+              </a:buClr>
+              <a:buFontTx/>
+              <a:buChar char="•"/>
+              <a:defRPr kumimoji="0" sz="1400" kern="1200" baseline="0">
+                <a:solidFill>
+                  <a:schemeClr val="tx1"/>
+                </a:solidFill>
+                <a:latin typeface="+mn-lt"/>
+                <a:ea typeface="+mn-ea"/>
+                <a:cs typeface="+mn-cs"/>
+              </a:defRPr>
+            </a:lvl9pPr>
+          </a:lstStyle>
+          <a:p>
+            <a:pPr marL="0" indent="0">
+              <a:buNone/>
+            </a:pPr>
+            <a:r>
+              <a:rPr lang="it-IT" dirty="0" smtClean="0">
+                <a:solidFill>
+                  <a:srgbClr val="000000"/>
+                </a:solidFill>
+              </a:rPr>
+              <a:t>Cosa non va: </a:t>
+            </a:r>
+            <a:endParaRPr lang="it-IT" dirty="0">
+              <a:solidFill>
+                <a:srgbClr val="000000"/>
+              </a:solidFill>
+            </a:endParaRPr>
+          </a:p>
+          <a:p>
+            <a:r>
+              <a:rPr lang="it-IT" dirty="0" smtClean="0">
+                <a:solidFill>
+                  <a:srgbClr val="000000"/>
+                </a:solidFill>
+              </a:rPr>
+              <a:t>Genitore non può pagare online ma deve pagare con   bancomat allo sportello dell’asilo</a:t>
+            </a:r>
+          </a:p>
+          <a:p>
+            <a:r>
+              <a:rPr lang="it-IT" dirty="0" smtClean="0">
+                <a:solidFill>
+                  <a:srgbClr val="000000"/>
+                </a:solidFill>
+              </a:rPr>
+              <a:t>Cauzione non presente sul bando </a:t>
+            </a:r>
+          </a:p>
+          <a:p>
+            <a:endParaRPr lang="it-IT" dirty="0" smtClean="0">
+              <a:solidFill>
+                <a:srgbClr val="000000"/>
+              </a:solidFill>
+            </a:endParaRPr>
+          </a:p>
+          <a:p>
+            <a:pPr marL="0" indent="0">
+              <a:buNone/>
+            </a:pPr>
+            <a:r>
+              <a:rPr lang="it-IT" dirty="0" smtClean="0">
+                <a:solidFill>
+                  <a:srgbClr val="000000"/>
+                </a:solidFill>
+              </a:rPr>
+              <a:t>Cosa deve essere gestito:</a:t>
+            </a:r>
+          </a:p>
+          <a:p>
+            <a:r>
+              <a:rPr lang="it-IT" dirty="0" smtClean="0">
+                <a:solidFill>
+                  <a:srgbClr val="000000"/>
+                </a:solidFill>
+              </a:rPr>
+              <a:t>Devono essere gestiti gli extra</a:t>
+            </a:r>
+          </a:p>
+          <a:p>
+            <a:pPr marL="0" indent="0">
+              <a:buNone/>
+            </a:pPr>
+            <a:r>
+              <a:rPr lang="it-IT" dirty="0" smtClean="0">
+                <a:solidFill>
+                  <a:srgbClr val="000000"/>
+                </a:solidFill>
+              </a:rPr>
+              <a:t>	</a:t>
+            </a:r>
+          </a:p>
+        </p:txBody>
+      </p:sp>
+    </p:spTree>
+    <p:extLst>
+      <p:ext uri="{BB962C8B-B14F-4D97-AF65-F5344CB8AC3E}">
+        <p14:creationId xmlns:p14="http://schemas.microsoft.com/office/powerpoint/2010/main" val="952316739"/>
+      </p:ext>
+    </p:extLst>
+  </p:cSld>
+  <p:clrMapOvr>
+    <a:masterClrMapping/>
+  </p:clrMapOvr>
+  <mc:AlternateContent xmlns:mc="http://schemas.openxmlformats.org/markup-compatibility/2006" xmlns:p14="http://schemas.microsoft.com/office/powerpoint/2010/main">
+    <mc:Choice Requires="p14">
+      <p:transition spd="slow" p14:dur="2000"/>
+    </mc:Choice>
+    <mc:Fallback xmlns="">
+      <p:transition spd="slow"/>
+    </mc:Fallback>
+  </mc:AlternateContent>
+  <p:timing>
+    <p:tnLst>
+      <p:par>
+        <p:cTn id="1" dur="indefinite" restart="never" nodeType="tmRoot"/>
+      </p:par>
+    </p:tnLst>
+  </p:timing>
+</p:sld>
+</file>
+
+<file path=ppt/slides/slide11.xml><?xml version="1.0" encoding="utf-8"?>
 <p:sld xmlns:a="http://schemas.openxmlformats.org/drawingml/2006/main" xmlns:r="http://schemas.openxmlformats.org/officeDocument/2006/relationships" xmlns:p="http://schemas.openxmlformats.org/presentationml/2006/main">
   <p:cSld>
     <p:spTree>
@@ -6136,7 +6567,7 @@
 </p:sld>
 </file>
 
-<file path=ppt/slides/slide11.xml><?xml version="1.0" encoding="utf-8"?>
+<file path=ppt/slides/slide12.xml><?xml version="1.0" encoding="utf-8"?>
 <p:sld xmlns:a="http://schemas.openxmlformats.org/drawingml/2006/main" xmlns:r="http://schemas.openxmlformats.org/officeDocument/2006/relationships" xmlns:p="http://schemas.openxmlformats.org/presentationml/2006/main">
   <p:cSld>
     <p:spTree>
@@ -6383,7 +6814,7 @@
 </p:sld>
 </file>
 
-<file path=ppt/slides/slide12.xml><?xml version="1.0" encoding="utf-8"?>
+<file path=ppt/slides/slide13.xml><?xml version="1.0" encoding="utf-8"?>
 <p:sld xmlns:a="http://schemas.openxmlformats.org/drawingml/2006/main" xmlns:r="http://schemas.openxmlformats.org/officeDocument/2006/relationships" xmlns:p="http://schemas.openxmlformats.org/presentationml/2006/main">
   <p:cSld>
     <p:spTree>
@@ -6505,7 +6936,7 @@
 </p:sld>
 </file>
 
-<file path=ppt/slides/slide13.xml><?xml version="1.0" encoding="utf-8"?>
+<file path=ppt/slides/slide14.xml><?xml version="1.0" encoding="utf-8"?>
 <p:sld xmlns:a="http://schemas.openxmlformats.org/drawingml/2006/main" xmlns:r="http://schemas.openxmlformats.org/officeDocument/2006/relationships" xmlns:p="http://schemas.openxmlformats.org/presentationml/2006/main">
   <p:cSld>
     <p:spTree>
@@ -6630,7 +7061,7 @@
 </p:sld>
 </file>
 
-<file path=ppt/slides/slide14.xml><?xml version="1.0" encoding="utf-8"?>
+<file path=ppt/slides/slide15.xml><?xml version="1.0" encoding="utf-8"?>
 <p:sld xmlns:a="http://schemas.openxmlformats.org/drawingml/2006/main" xmlns:r="http://schemas.openxmlformats.org/officeDocument/2006/relationships" xmlns:p="http://schemas.openxmlformats.org/presentationml/2006/main">
   <p:cSld>
     <p:spTree>
@@ -6746,7 +7177,7 @@
 </p:sld>
 </file>
 
-<file path=ppt/slides/slide15.xml><?xml version="1.0" encoding="utf-8"?>
+<file path=ppt/slides/slide16.xml><?xml version="1.0" encoding="utf-8"?>
 <p:sld xmlns:a="http://schemas.openxmlformats.org/drawingml/2006/main" xmlns:r="http://schemas.openxmlformats.org/officeDocument/2006/relationships" xmlns:p="http://schemas.openxmlformats.org/presentationml/2006/main">
   <p:cSld>
     <p:spTree>
@@ -6822,15 +7253,7 @@
                   <a:srgbClr val="FF0000"/>
                 </a:solidFill>
               </a:rPr>
-              <a:t>Contro</a:t>
-            </a:r>
-            <a:r>
-              <a:rPr lang="it-IT" sz="3300" b="1" dirty="0" smtClean="0">
-                <a:solidFill>
-                  <a:srgbClr val="FF0000"/>
-                </a:solidFill>
-              </a:rPr>
-              <a:t>:</a:t>
+              <a:t>Contro:</a:t>
             </a:r>
           </a:p>
           <a:p>
@@ -6846,11 +7269,6 @@
               </a:rPr>
               <a:t>Indicazioni troppo generali nel bando</a:t>
             </a:r>
-            <a:endParaRPr lang="it-IT" sz="2800" dirty="0" smtClean="0">
-              <a:solidFill>
-                <a:schemeClr val="bg1"/>
-              </a:solidFill>
-            </a:endParaRPr>
           </a:p>
           <a:p>
             <a:r>
@@ -6889,15 +7307,7 @@
                   <a:srgbClr val="00B050"/>
                 </a:solidFill>
               </a:rPr>
-              <a:t>Pro</a:t>
-            </a:r>
-            <a:r>
-              <a:rPr lang="it-IT" sz="3300" b="1" dirty="0" smtClean="0">
-                <a:solidFill>
-                  <a:srgbClr val="00B050"/>
-                </a:solidFill>
-              </a:rPr>
-              <a:t>:</a:t>
+              <a:t>Pro:</a:t>
             </a:r>
           </a:p>
           <a:p>
@@ -6927,11 +7337,6 @@
               </a:rPr>
               <a:t>Flessibilità rispetto ai cambiamenti</a:t>
             </a:r>
-            <a:endParaRPr lang="it-IT" sz="2800" i="1" dirty="0" smtClean="0">
-              <a:solidFill>
-                <a:schemeClr val="bg1"/>
-              </a:solidFill>
-            </a:endParaRPr>
           </a:p>
           <a:p>
             <a:r>
@@ -7113,6 +7518,224 @@
 </file>
 
 <file path=ppt/slides/slide3.xml><?xml version="1.0" encoding="utf-8"?>
+<p:sld xmlns:a="http://schemas.openxmlformats.org/drawingml/2006/main" xmlns:r="http://schemas.openxmlformats.org/officeDocument/2006/relationships" xmlns:p="http://schemas.openxmlformats.org/presentationml/2006/main">
+  <p:cSld>
+    <p:spTree>
+      <p:nvGrpSpPr>
+        <p:cNvPr id="1" name=""/>
+        <p:cNvGrpSpPr/>
+        <p:nvPr/>
+      </p:nvGrpSpPr>
+      <p:grpSpPr>
+        <a:xfrm>
+          <a:off x="0" y="0"/>
+          <a:ext cx="0" cy="0"/>
+          <a:chOff x="0" y="0"/>
+          <a:chExt cx="0" cy="0"/>
+        </a:xfrm>
+      </p:grpSpPr>
+      <p:sp>
+        <p:nvSpPr>
+          <p:cNvPr id="2" name="Titolo 1"/>
+          <p:cNvSpPr>
+            <a:spLocks noGrp="1"/>
+          </p:cNvSpPr>
+          <p:nvPr>
+            <p:ph type="title"/>
+          </p:nvPr>
+        </p:nvSpPr>
+        <p:spPr>
+          <a:xfrm>
+            <a:off x="1259632" y="836712"/>
+            <a:ext cx="6624736" cy="648072"/>
+          </a:xfrm>
+        </p:spPr>
+        <p:txBody>
+          <a:bodyPr>
+            <a:noAutofit/>
+          </a:bodyPr>
+          <a:lstStyle/>
+          <a:p>
+            <a:pPr algn="ctr"/>
+            <a:r>
+              <a:rPr lang="it-IT" sz="4800" b="1" dirty="0" smtClean="0"/>
+              <a:t>Gestione Pagamenti</a:t>
+            </a:r>
+            <a:endParaRPr lang="it-IT" sz="4800" b="1" dirty="0"/>
+          </a:p>
+        </p:txBody>
+      </p:sp>
+      <p:sp>
+        <p:nvSpPr>
+          <p:cNvPr id="3" name="Titolo 1"/>
+          <p:cNvSpPr txBox="1">
+            <a:spLocks/>
+          </p:cNvSpPr>
+          <p:nvPr/>
+        </p:nvSpPr>
+        <p:spPr>
+          <a:xfrm>
+            <a:off x="2915816" y="1340768"/>
+            <a:ext cx="3096344" cy="648072"/>
+          </a:xfrm>
+          <a:prstGeom prst="rect">
+            <a:avLst/>
+          </a:prstGeom>
+        </p:spPr>
+        <p:txBody>
+          <a:bodyPr vert="horz" lIns="0" tIns="45720" rIns="0" bIns="0" anchor="b">
+            <a:noAutofit/>
+            <a:scene3d>
+              <a:camera prst="orthographicFront"/>
+              <a:lightRig rig="freezing" dir="t">
+                <a:rot lat="0" lon="0" rev="5640000"/>
+              </a:lightRig>
+            </a:scene3d>
+            <a:sp3d prstMaterial="flat">
+              <a:contourClr>
+                <a:schemeClr val="tx2"/>
+              </a:contourClr>
+            </a:sp3d>
+          </a:bodyPr>
+          <a:lstStyle>
+            <a:lvl1pPr algn="l" rtl="0" eaLnBrk="1" latinLnBrk="0" hangingPunct="1">
+              <a:spcBef>
+                <a:spcPct val="0"/>
+              </a:spcBef>
+              <a:buNone/>
+              <a:defRPr kumimoji="0" sz="5000" b="0" kern="1200">
+                <a:ln>
+                  <a:noFill/>
+                </a:ln>
+                <a:solidFill>
+                  <a:schemeClr val="bg1"/>
+                </a:solidFill>
+                <a:effectLst/>
+                <a:latin typeface="+mj-lt"/>
+                <a:ea typeface="+mj-ea"/>
+                <a:cs typeface="+mj-cs"/>
+              </a:defRPr>
+            </a:lvl1pPr>
+          </a:lstStyle>
+          <a:p>
+            <a:pPr algn="ctr"/>
+            <a:r>
+              <a:rPr lang="it-IT" sz="3200" b="1" dirty="0" smtClean="0"/>
+              <a:t>Obiettivo</a:t>
+            </a:r>
+            <a:endParaRPr lang="it-IT" sz="3200" b="1" dirty="0"/>
+          </a:p>
+        </p:txBody>
+      </p:sp>
+      <p:sp>
+        <p:nvSpPr>
+          <p:cNvPr id="6" name="Rettangolo 5"/>
+          <p:cNvSpPr/>
+          <p:nvPr/>
+        </p:nvSpPr>
+        <p:spPr>
+          <a:xfrm>
+            <a:off x="374580" y="2492896"/>
+            <a:ext cx="8589908" cy="1384995"/>
+          </a:xfrm>
+          <a:prstGeom prst="rect">
+            <a:avLst/>
+          </a:prstGeom>
+        </p:spPr>
+        <p:txBody>
+          <a:bodyPr wrap="square">
+            <a:spAutoFit/>
+          </a:bodyPr>
+          <a:lstStyle/>
+          <a:p>
+            <a:r>
+              <a:rPr lang="it-IT" sz="2800" dirty="0"/>
+              <a:t>P</a:t>
+            </a:r>
+            <a:r>
+              <a:rPr lang="it-IT" sz="2800" dirty="0" smtClean="0"/>
+              <a:t>ermettere </a:t>
+            </a:r>
+            <a:r>
+              <a:rPr lang="it-IT" sz="2800" dirty="0"/>
+              <a:t>agli utenti di usufruire, in maniera semplice ed </a:t>
+            </a:r>
+            <a:r>
+              <a:rPr lang="it-IT" sz="2800" dirty="0" smtClean="0"/>
+              <a:t>efficiente, di un servizio che prevede la visualizzazione </a:t>
+            </a:r>
+            <a:r>
+              <a:rPr lang="it-IT" sz="2800" dirty="0"/>
+              <a:t>e controllo dei pagamenti effettuati dagli utenti.</a:t>
+            </a:r>
+            <a:endParaRPr lang="it-IT" sz="2800" dirty="0">
+              <a:effectLst/>
+            </a:endParaRPr>
+          </a:p>
+        </p:txBody>
+      </p:sp>
+      <p:pic>
+        <p:nvPicPr>
+          <p:cNvPr id="1026" name="Picture 2" descr="C:\Users\Marko\Desktop\pagamenti.jpg"/>
+          <p:cNvPicPr>
+            <a:picLocks noChangeAspect="1" noChangeArrowheads="1"/>
+          </p:cNvPicPr>
+          <p:nvPr/>
+        </p:nvPicPr>
+        <p:blipFill>
+          <a:blip r:embed="rId3">
+            <a:extLst>
+              <a:ext uri="{28A0092B-C50C-407E-A947-70E740481C1C}">
+                <a14:useLocalDpi xmlns:a14="http://schemas.microsoft.com/office/drawing/2010/main" val="0"/>
+              </a:ext>
+            </a:extLst>
+          </a:blip>
+          <a:srcRect/>
+          <a:stretch>
+            <a:fillRect/>
+          </a:stretch>
+        </p:blipFill>
+        <p:spPr bwMode="auto">
+          <a:xfrm>
+            <a:off x="6732240" y="4140165"/>
+            <a:ext cx="1905000" cy="2447925"/>
+          </a:xfrm>
+          <a:prstGeom prst="rect">
+            <a:avLst/>
+          </a:prstGeom>
+          <a:noFill/>
+          <a:extLst>
+            <a:ext uri="{909E8E84-426E-40DD-AFC4-6F175D3DCCD1}">
+              <a14:hiddenFill xmlns:a14="http://schemas.microsoft.com/office/drawing/2010/main">
+                <a:solidFill>
+                  <a:srgbClr val="FFFFFF"/>
+                </a:solidFill>
+              </a14:hiddenFill>
+            </a:ext>
+          </a:extLst>
+        </p:spPr>
+      </p:pic>
+    </p:spTree>
+    <p:extLst>
+      <p:ext uri="{BB962C8B-B14F-4D97-AF65-F5344CB8AC3E}">
+        <p14:creationId xmlns:p14="http://schemas.microsoft.com/office/powerpoint/2010/main" val="3772434978"/>
+      </p:ext>
+    </p:extLst>
+  </p:cSld>
+  <p:clrMapOvr>
+    <a:masterClrMapping/>
+  </p:clrMapOvr>
+  <p:timing>
+    <p:tnLst>
+      <p:par>
+        <p:cTn id="1" dur="indefinite" restart="never" nodeType="tmRoot"/>
+      </p:par>
+    </p:tnLst>
+  </p:timing>
+</p:sld>
+</file>
+
+<file path=ppt/slides/slide4.xml><?xml version="1.0" encoding="utf-8"?>
 <p:sld xmlns:a="http://schemas.openxmlformats.org/drawingml/2006/main" xmlns:r="http://schemas.openxmlformats.org/officeDocument/2006/relationships" xmlns:p="http://schemas.openxmlformats.org/presentationml/2006/main">
   <p:cSld>
     <p:spTree>
@@ -7783,7 +8406,7 @@
 </p:sld>
 </file>
 
-<file path=ppt/slides/slide4.xml><?xml version="1.0" encoding="utf-8"?>
+<file path=ppt/slides/slide5.xml><?xml version="1.0" encoding="utf-8"?>
 <p:sld xmlns:a="http://schemas.openxmlformats.org/drawingml/2006/main" xmlns:r="http://schemas.openxmlformats.org/officeDocument/2006/relationships" xmlns:p="http://schemas.openxmlformats.org/presentationml/2006/main">
   <p:cSld>
     <p:spTree>
@@ -7986,7 +8609,7 @@
 </p:sld>
 </file>
 
-<file path=ppt/slides/slide5.xml><?xml version="1.0" encoding="utf-8"?>
+<file path=ppt/slides/slide6.xml><?xml version="1.0" encoding="utf-8"?>
 <p:sld xmlns:a="http://schemas.openxmlformats.org/drawingml/2006/main" xmlns:r="http://schemas.openxmlformats.org/officeDocument/2006/relationships" xmlns:p="http://schemas.openxmlformats.org/presentationml/2006/main">
   <p:cSld>
     <p:spTree>
@@ -8169,7 +8792,7 @@
 </p:sld>
 </file>
 
-<file path=ppt/slides/slide6.xml><?xml version="1.0" encoding="utf-8"?>
+<file path=ppt/slides/slide7.xml><?xml version="1.0" encoding="utf-8"?>
 <p:sld xmlns:a="http://schemas.openxmlformats.org/drawingml/2006/main" xmlns:r="http://schemas.openxmlformats.org/officeDocument/2006/relationships" xmlns:p="http://schemas.openxmlformats.org/presentationml/2006/main">
   <p:cSld>
     <p:spTree>
@@ -8867,7 +9490,7 @@
 </p:sld>
 </file>
 
-<file path=ppt/slides/slide7.xml><?xml version="1.0" encoding="utf-8"?>
+<file path=ppt/slides/slide8.xml><?xml version="1.0" encoding="utf-8"?>
 <p:sld xmlns:a="http://schemas.openxmlformats.org/drawingml/2006/main" xmlns:r="http://schemas.openxmlformats.org/officeDocument/2006/relationships" xmlns:p="http://schemas.openxmlformats.org/presentationml/2006/main">
   <p:cSld>
     <p:spTree>
@@ -9664,7 +10287,7 @@
 </p:sld>
 </file>
 
-<file path=ppt/slides/slide8.xml><?xml version="1.0" encoding="utf-8"?>
+<file path=ppt/slides/slide9.xml><?xml version="1.0" encoding="utf-8"?>
 <p:sld xmlns:a="http://schemas.openxmlformats.org/drawingml/2006/main" xmlns:r="http://schemas.openxmlformats.org/officeDocument/2006/relationships" xmlns:p="http://schemas.openxmlformats.org/presentationml/2006/main">
   <p:cSld>
     <p:spTree>
@@ -9776,347 +10399,6 @@
   <p:clrMapOvr>
     <a:masterClrMapping/>
   </p:clrMapOvr>
-  <p:timing>
-    <p:tnLst>
-      <p:par>
-        <p:cTn id="1" dur="indefinite" restart="never" nodeType="tmRoot"/>
-      </p:par>
-    </p:tnLst>
-  </p:timing>
-</p:sld>
-</file>
-
-<file path=ppt/slides/slide9.xml><?xml version="1.0" encoding="utf-8"?>
-<p:sld xmlns:a="http://schemas.openxmlformats.org/drawingml/2006/main" xmlns:r="http://schemas.openxmlformats.org/officeDocument/2006/relationships" xmlns:p="http://schemas.openxmlformats.org/presentationml/2006/main">
-  <p:cSld>
-    <p:spTree>
-      <p:nvGrpSpPr>
-        <p:cNvPr id="1" name=""/>
-        <p:cNvGrpSpPr/>
-        <p:nvPr/>
-      </p:nvGrpSpPr>
-      <p:grpSpPr>
-        <a:xfrm>
-          <a:off x="0" y="0"/>
-          <a:ext cx="0" cy="0"/>
-          <a:chOff x="0" y="0"/>
-          <a:chExt cx="0" cy="0"/>
-        </a:xfrm>
-      </p:grpSpPr>
-      <p:sp>
-        <p:nvSpPr>
-          <p:cNvPr id="2" name="CasellaDiTesto 1"/>
-          <p:cNvSpPr txBox="1"/>
-          <p:nvPr/>
-        </p:nvSpPr>
-        <p:spPr>
-          <a:xfrm>
-            <a:off x="2339752" y="692696"/>
-            <a:ext cx="4392488" cy="646331"/>
-          </a:xfrm>
-          <a:prstGeom prst="rect">
-            <a:avLst/>
-          </a:prstGeom>
-          <a:noFill/>
-        </p:spPr>
-        <p:txBody>
-          <a:bodyPr wrap="square" rtlCol="0">
-            <a:spAutoFit/>
-          </a:bodyPr>
-          <a:lstStyle/>
-          <a:p>
-            <a:pPr algn="ctr"/>
-            <a:r>
-              <a:rPr lang="it-IT" sz="3600" b="1" dirty="0" smtClean="0">
-                <a:solidFill>
-                  <a:srgbClr val="000000"/>
-                </a:solidFill>
-              </a:rPr>
-              <a:t>Versione iniziale</a:t>
-            </a:r>
-          </a:p>
-        </p:txBody>
-      </p:sp>
-      <p:sp>
-        <p:nvSpPr>
-          <p:cNvPr id="9" name="Content Placeholder 3"/>
-          <p:cNvSpPr txBox="1">
-            <a:spLocks/>
-          </p:cNvSpPr>
-          <p:nvPr/>
-        </p:nvSpPr>
-        <p:spPr>
-          <a:xfrm>
-            <a:off x="298902" y="1556792"/>
-            <a:ext cx="8449562" cy="4608512"/>
-          </a:xfrm>
-          <a:prstGeom prst="rect">
-            <a:avLst/>
-          </a:prstGeom>
-        </p:spPr>
-        <p:txBody>
-          <a:bodyPr tIns="0"/>
-          <a:lstStyle>
-            <a:lvl1pPr marL="274320" indent="-274320" algn="l" rtl="0" eaLnBrk="1" latinLnBrk="0" hangingPunct="1">
-              <a:spcBef>
-                <a:spcPct val="20000"/>
-              </a:spcBef>
-              <a:buClrTx/>
-              <a:buSzPct val="95000"/>
-              <a:buFont typeface="Wingdings" pitchFamily="2" charset="2"/>
-              <a:buChar char="v"/>
-              <a:defRPr kumimoji="0" sz="2800" kern="1200">
-                <a:solidFill>
-                  <a:schemeClr val="tx1"/>
-                </a:solidFill>
-                <a:latin typeface="+mn-lt"/>
-                <a:ea typeface="+mn-ea"/>
-                <a:cs typeface="+mn-cs"/>
-              </a:defRPr>
-            </a:lvl1pPr>
-            <a:lvl2pPr marL="640080" indent="-246888" algn="l" rtl="0" eaLnBrk="1" latinLnBrk="0" hangingPunct="1">
-              <a:spcBef>
-                <a:spcPct val="20000"/>
-              </a:spcBef>
-              <a:buClrTx/>
-              <a:buSzPct val="85000"/>
-              <a:buFont typeface="Courier New" pitchFamily="49" charset="0"/>
-              <a:buChar char="o"/>
-              <a:defRPr kumimoji="0" sz="2600" kern="1200">
-                <a:solidFill>
-                  <a:schemeClr val="tx1"/>
-                </a:solidFill>
-                <a:latin typeface="+mn-lt"/>
-                <a:ea typeface="+mn-ea"/>
-                <a:cs typeface="+mn-cs"/>
-              </a:defRPr>
-            </a:lvl2pPr>
-            <a:lvl3pPr marL="914400" indent="-246888" algn="l" rtl="0" eaLnBrk="1" latinLnBrk="0" hangingPunct="1">
-              <a:spcBef>
-                <a:spcPct val="20000"/>
-              </a:spcBef>
-              <a:buClrTx/>
-              <a:buSzPct val="70000"/>
-              <a:buFont typeface="Wingdings 2"/>
-              <a:buChar char=""/>
-              <a:defRPr kumimoji="0" sz="2400" kern="1200">
-                <a:solidFill>
-                  <a:schemeClr val="tx1"/>
-                </a:solidFill>
-                <a:latin typeface="+mn-lt"/>
-                <a:ea typeface="+mn-ea"/>
-                <a:cs typeface="+mn-cs"/>
-              </a:defRPr>
-            </a:lvl3pPr>
-            <a:lvl4pPr marL="1188720" indent="-210312" algn="l" rtl="0" eaLnBrk="1" latinLnBrk="0" hangingPunct="1">
-              <a:spcBef>
-                <a:spcPct val="20000"/>
-              </a:spcBef>
-              <a:buClrTx/>
-              <a:buSzPct val="65000"/>
-              <a:buFont typeface="Wingdings 2"/>
-              <a:buChar char=""/>
-              <a:defRPr kumimoji="0" sz="2000" kern="1200">
-                <a:solidFill>
-                  <a:schemeClr val="tx1"/>
-                </a:solidFill>
-                <a:latin typeface="+mn-lt"/>
-                <a:ea typeface="+mn-ea"/>
-                <a:cs typeface="+mn-cs"/>
-              </a:defRPr>
-            </a:lvl4pPr>
-            <a:lvl5pPr marL="1463040" indent="-210312" algn="l" rtl="0" eaLnBrk="1" latinLnBrk="0" hangingPunct="1">
-              <a:spcBef>
-                <a:spcPct val="20000"/>
-              </a:spcBef>
-              <a:buClrTx/>
-              <a:buSzPct val="65000"/>
-              <a:buFont typeface="Wingdings 2"/>
-              <a:buChar char=""/>
-              <a:defRPr kumimoji="0" sz="1800" kern="1200">
-                <a:solidFill>
-                  <a:schemeClr val="tx1"/>
-                </a:solidFill>
-                <a:latin typeface="+mn-lt"/>
-                <a:ea typeface="+mn-ea"/>
-                <a:cs typeface="+mn-cs"/>
-              </a:defRPr>
-            </a:lvl5pPr>
-            <a:lvl6pPr marL="1737360" indent="-210312" algn="l" rtl="0" eaLnBrk="1" latinLnBrk="0" hangingPunct="1">
-              <a:spcBef>
-                <a:spcPct val="20000"/>
-              </a:spcBef>
-              <a:buClr>
-                <a:schemeClr val="accent5"/>
-              </a:buClr>
-              <a:buSzPct val="80000"/>
-              <a:buFont typeface="Wingdings 2"/>
-              <a:buChar char=""/>
-              <a:defRPr kumimoji="0" sz="1800" kern="1200">
-                <a:solidFill>
-                  <a:schemeClr val="tx1"/>
-                </a:solidFill>
-                <a:latin typeface="+mn-lt"/>
-                <a:ea typeface="+mn-ea"/>
-                <a:cs typeface="+mn-cs"/>
-              </a:defRPr>
-            </a:lvl6pPr>
-            <a:lvl7pPr marL="1920240" indent="-182880" algn="l" rtl="0" eaLnBrk="1" latinLnBrk="0" hangingPunct="1">
-              <a:spcBef>
-                <a:spcPct val="20000"/>
-              </a:spcBef>
-              <a:buClr>
-                <a:schemeClr val="accent6"/>
-              </a:buClr>
-              <a:buSzPct val="80000"/>
-              <a:buFont typeface="Wingdings 2"/>
-              <a:buChar char=""/>
-              <a:defRPr kumimoji="0" sz="1600" kern="1200" baseline="0">
-                <a:solidFill>
-                  <a:schemeClr val="tx1"/>
-                </a:solidFill>
-                <a:latin typeface="+mn-lt"/>
-                <a:ea typeface="+mn-ea"/>
-                <a:cs typeface="+mn-cs"/>
-              </a:defRPr>
-            </a:lvl7pPr>
-            <a:lvl8pPr marL="2194560" indent="-182880" algn="l" rtl="0" eaLnBrk="1" latinLnBrk="0" hangingPunct="1">
-              <a:spcBef>
-                <a:spcPct val="20000"/>
-              </a:spcBef>
-              <a:buClr>
-                <a:schemeClr val="tx2"/>
-              </a:buClr>
-              <a:buChar char="•"/>
-              <a:defRPr kumimoji="0" sz="1600" kern="1200">
-                <a:solidFill>
-                  <a:schemeClr val="tx1"/>
-                </a:solidFill>
-                <a:latin typeface="+mn-lt"/>
-                <a:ea typeface="+mn-ea"/>
-                <a:cs typeface="+mn-cs"/>
-              </a:defRPr>
-            </a:lvl8pPr>
-            <a:lvl9pPr marL="2468880" indent="-182880" algn="l" rtl="0" eaLnBrk="1" latinLnBrk="0" hangingPunct="1">
-              <a:spcBef>
-                <a:spcPct val="20000"/>
-              </a:spcBef>
-              <a:buClr>
-                <a:schemeClr val="tx2"/>
-              </a:buClr>
-              <a:buFontTx/>
-              <a:buChar char="•"/>
-              <a:defRPr kumimoji="0" sz="1400" kern="1200" baseline="0">
-                <a:solidFill>
-                  <a:schemeClr val="tx1"/>
-                </a:solidFill>
-                <a:latin typeface="+mn-lt"/>
-                <a:ea typeface="+mn-ea"/>
-                <a:cs typeface="+mn-cs"/>
-              </a:defRPr>
-            </a:lvl9pPr>
-          </a:lstStyle>
-          <a:p>
-            <a:pPr marL="0" indent="0">
-              <a:buNone/>
-            </a:pPr>
-            <a:r>
-              <a:rPr lang="it-IT" dirty="0" smtClean="0">
-                <a:solidFill>
-                  <a:srgbClr val="000000"/>
-                </a:solidFill>
-              </a:rPr>
-              <a:t>Cosa non va: </a:t>
-            </a:r>
-            <a:endParaRPr lang="it-IT" dirty="0">
-              <a:solidFill>
-                <a:srgbClr val="000000"/>
-              </a:solidFill>
-            </a:endParaRPr>
-          </a:p>
-          <a:p>
-            <a:r>
-              <a:rPr lang="it-IT" dirty="0" smtClean="0">
-                <a:solidFill>
-                  <a:srgbClr val="000000"/>
-                </a:solidFill>
-              </a:rPr>
-              <a:t>Genitore non può pagare online ma deve pagare con   bancomat allo sportello dell’asilo</a:t>
-            </a:r>
-          </a:p>
-          <a:p>
-            <a:r>
-              <a:rPr lang="it-IT" dirty="0" smtClean="0">
-                <a:solidFill>
-                  <a:srgbClr val="000000"/>
-                </a:solidFill>
-              </a:rPr>
-              <a:t>Cauzione non presente sul bando </a:t>
-            </a:r>
-          </a:p>
-          <a:p>
-            <a:endParaRPr lang="it-IT" dirty="0" smtClean="0">
-              <a:solidFill>
-                <a:srgbClr val="000000"/>
-              </a:solidFill>
-            </a:endParaRPr>
-          </a:p>
-          <a:p>
-            <a:pPr marL="0" indent="0">
-              <a:buNone/>
-            </a:pPr>
-            <a:r>
-              <a:rPr lang="it-IT" dirty="0" smtClean="0">
-                <a:solidFill>
-                  <a:srgbClr val="000000"/>
-                </a:solidFill>
-              </a:rPr>
-              <a:t>Cosa deve essere gestito:</a:t>
-            </a:r>
-          </a:p>
-          <a:p>
-            <a:r>
-              <a:rPr lang="it-IT" dirty="0" smtClean="0">
-                <a:solidFill>
-                  <a:srgbClr val="000000"/>
-                </a:solidFill>
-              </a:rPr>
-              <a:t>Devono essere gestiti gli extra</a:t>
-            </a:r>
-          </a:p>
-          <a:p>
-            <a:pPr marL="0" indent="0">
-              <a:buNone/>
-            </a:pPr>
-            <a:r>
-              <a:rPr lang="it-IT" dirty="0" smtClean="0">
-                <a:solidFill>
-                  <a:srgbClr val="000000"/>
-                </a:solidFill>
-              </a:rPr>
-              <a:t>	</a:t>
-            </a:r>
-          </a:p>
-        </p:txBody>
-      </p:sp>
-    </p:spTree>
-    <p:extLst>
-      <p:ext uri="{BB962C8B-B14F-4D97-AF65-F5344CB8AC3E}">
-        <p14:creationId xmlns:p14="http://schemas.microsoft.com/office/powerpoint/2010/main" val="952316739"/>
-      </p:ext>
-    </p:extLst>
-  </p:cSld>
-  <p:clrMapOvr>
-    <a:masterClrMapping/>
-  </p:clrMapOvr>
-  <mc:AlternateContent xmlns:mc="http://schemas.openxmlformats.org/markup-compatibility/2006" xmlns:p14="http://schemas.microsoft.com/office/powerpoint/2010/main">
-    <mc:Choice Requires="p14">
-      <p:transition spd="slow" p14:dur="2000"/>
-    </mc:Choice>
-    <mc:Fallback xmlns="">
-      <p:transition spd="slow"/>
-    </mc:Fallback>
-  </mc:AlternateContent>
   <p:timing>
     <p:tnLst>
       <p:par>
